--- a/decks/02_phd_hawq_presentation.pptx
+++ b/decks/02_phd_hawq_presentation.pptx
@@ -20641,7 +20641,7 @@
         <p:spPr>
           <a:xfrm>
             <a:off x="196495" y="1045287"/>
-            <a:ext cx="8947505" cy="3520881"/>
+            <a:ext cx="4019905" cy="3520881"/>
           </a:xfrm>
           <a:prstGeom prst="rect">
             <a:avLst/>
@@ -20808,9 +20808,14 @@
               </a:lnSpc>
             </a:pPr>
             <a:r>
-              <a:rPr lang="en-US" sz="1800" dirty="0" smtClean="0"/>
-              <a:t>External tables are the most efficient way to load data into HAWQ…Why?  Because it’s a flexible, scalable and a very fast loading technique.</a:t>
-            </a:r>
+              <a:rPr lang="en-US" sz="1500" dirty="0" smtClean="0"/>
+              <a:t>External tables are the most efficient way to load data into </a:t>
+            </a:r>
+            <a:r>
+              <a:rPr lang="en-US" sz="1500" dirty="0" smtClean="0"/>
+              <a:t>HAWQ</a:t>
+            </a:r>
+            <a:endParaRPr lang="en-US" sz="1500" dirty="0" smtClean="0"/>
           </a:p>
           <a:p>
             <a:pPr>
@@ -20819,7 +20824,7 @@
               </a:lnSpc>
             </a:pPr>
             <a:r>
-              <a:rPr lang="en-US" sz="1800" dirty="0" smtClean="0"/>
+              <a:rPr lang="en-US" sz="1500" dirty="0" smtClean="0"/>
               <a:t>Loading speed is achieved by taking advantage of parallelization.  A distributed protocol (PXF or GPFDIST) is used to load the data in parallel.</a:t>
             </a:r>
           </a:p>
@@ -20830,9 +20835,14 @@
               </a:lnSpc>
             </a:pPr>
             <a:r>
-              <a:rPr lang="en-US" sz="1800" dirty="0" smtClean="0"/>
-              <a:t>External tables are a logical view of the file on HDFS.  Think of them in the sense of a traditional database view</a:t>
-            </a:r>
+              <a:rPr lang="en-US" sz="1500" dirty="0" smtClean="0"/>
+              <a:t>External tables are a logical view of the file on HDFS</a:t>
+            </a:r>
+            <a:r>
+              <a:rPr lang="en-US" sz="1500" dirty="0" smtClean="0"/>
+              <a:t>.</a:t>
+            </a:r>
+            <a:endParaRPr lang="en-US" sz="1500" dirty="0" smtClean="0"/>
           </a:p>
           <a:p>
             <a:pPr>
@@ -20841,15 +20851,7419 @@
               </a:lnSpc>
             </a:pPr>
             <a:r>
-              <a:rPr lang="en-US" sz="1800" dirty="0" smtClean="0"/>
-              <a:t>External tables are simple, use SQL and can be used to transform the data in flight</a:t>
-            </a:r>
-          </a:p>
-          <a:p>
-            <a:endParaRPr lang="en-US" b="1" dirty="0" smtClean="0"/>
+              <a:rPr lang="en-US" sz="1500" dirty="0" smtClean="0"/>
+              <a:t>External tables are simple, use SQL and can be used to transform the data in </a:t>
+            </a:r>
+            <a:r>
+              <a:rPr lang="en-US" sz="1500" dirty="0" smtClean="0"/>
+              <a:t>flight</a:t>
+            </a:r>
+            <a:endParaRPr lang="en-US" sz="1500" dirty="0" smtClean="0"/>
           </a:p>
         </p:txBody>
       </p:sp>
+      <p:sp>
+        <p:nvSpPr>
+          <p:cNvPr id="4" name="Rounded Rectangle 3"/>
+          <p:cNvSpPr>
+            <a:spLocks noChangeArrowheads="1"/>
+          </p:cNvSpPr>
+          <p:nvPr/>
+        </p:nvSpPr>
+        <p:spPr bwMode="auto">
+          <a:xfrm>
+            <a:off x="4267200" y="3466702"/>
+            <a:ext cx="4481075" cy="495698"/>
+          </a:xfrm>
+          <a:prstGeom prst="roundRect">
+            <a:avLst>
+              <a:gd name="adj" fmla="val 16667"/>
+            </a:avLst>
+          </a:prstGeom>
+          <a:gradFill flip="none" rotWithShape="1">
+            <a:gsLst>
+              <a:gs pos="50000">
+                <a:schemeClr val="accent3">
+                  <a:lumMod val="40000"/>
+                  <a:lumOff val="60000"/>
+                </a:schemeClr>
+              </a:gs>
+              <a:gs pos="0">
+                <a:schemeClr val="accent3">
+                  <a:lumMod val="60000"/>
+                  <a:lumOff val="40000"/>
+                </a:schemeClr>
+              </a:gs>
+            </a:gsLst>
+            <a:lin ang="0" scaled="1"/>
+            <a:tileRect/>
+          </a:gradFill>
+          <a:ln w="9525">
+            <a:noFill/>
+            <a:round/>
+            <a:headEnd/>
+            <a:tailEnd type="triangle" w="med" len="med"/>
+          </a:ln>
+          <a:effectLst>
+            <a:outerShdw dist="20000" dir="5400000" rotWithShape="0">
+              <a:srgbClr val="808080">
+                <a:alpha val="37999"/>
+              </a:srgbClr>
+            </a:outerShdw>
+          </a:effectLst>
+        </p:spPr>
+        <p:txBody>
+          <a:bodyPr wrap="none" anchor="ctr"/>
+          <a:lstStyle/>
+          <a:p>
+            <a:pPr algn="ctr">
+              <a:defRPr/>
+            </a:pPr>
+            <a:endParaRPr lang="en-US" sz="1600" dirty="0">
+              <a:solidFill>
+                <a:schemeClr val="dk1"/>
+              </a:solidFill>
+              <a:latin typeface="+mj-lt"/>
+              <a:ea typeface="ＭＳ Ｐゴシック" pitchFamily="34" charset="-128"/>
+              <a:cs typeface="ＭＳ Ｐゴシック" pitchFamily="-65" charset="-128"/>
+            </a:endParaRPr>
+          </a:p>
+        </p:txBody>
+      </p:sp>
+      <p:sp>
+        <p:nvSpPr>
+          <p:cNvPr id="5" name="TextBox 184"/>
+          <p:cNvSpPr txBox="1">
+            <a:spLocks noChangeArrowheads="1"/>
+          </p:cNvSpPr>
+          <p:nvPr/>
+        </p:nvSpPr>
+        <p:spPr bwMode="auto">
+          <a:xfrm>
+            <a:off x="4236927" y="3419680"/>
+            <a:ext cx="1219200" cy="430887"/>
+          </a:xfrm>
+          <a:prstGeom prst="rect">
+            <a:avLst/>
+          </a:prstGeom>
+          <a:noFill/>
+          <a:ln>
+            <a:noFill/>
+          </a:ln>
+          <a:extLst>
+            <a:ext uri="{909E8E84-426E-40dd-AFC4-6F175D3DCCD1}">
+              <a14:hiddenFill xmlns:a14="http://schemas.microsoft.com/office/drawing/2010/main">
+                <a:solidFill>
+                  <a:srgbClr val="FFFFFF"/>
+                </a:solidFill>
+              </a14:hiddenFill>
+            </a:ext>
+            <a:ext uri="{91240B29-F687-4f45-9708-019B960494DF}">
+              <a14:hiddenLine xmlns:a14="http://schemas.microsoft.com/office/drawing/2010/main" w="9525">
+                <a:solidFill>
+                  <a:srgbClr val="000000"/>
+                </a:solidFill>
+                <a:miter lim="800000"/>
+                <a:headEnd/>
+                <a:tailEnd/>
+              </a14:hiddenLine>
+            </a:ext>
+          </a:extLst>
+        </p:spPr>
+        <p:txBody>
+          <a:bodyPr>
+            <a:spAutoFit/>
+          </a:bodyPr>
+          <a:lstStyle>
+            <a:lvl1pPr eaLnBrk="0" hangingPunct="0">
+              <a:defRPr sz="2400">
+                <a:solidFill>
+                  <a:schemeClr val="tx1"/>
+                </a:solidFill>
+                <a:latin typeface="Arial" charset="0"/>
+                <a:ea typeface="ＭＳ Ｐゴシック" charset="0"/>
+                <a:cs typeface="ＭＳ Ｐゴシック" charset="0"/>
+              </a:defRPr>
+            </a:lvl1pPr>
+            <a:lvl2pPr marL="742950" indent="-285750" eaLnBrk="0" hangingPunct="0">
+              <a:defRPr sz="2400">
+                <a:solidFill>
+                  <a:schemeClr val="tx1"/>
+                </a:solidFill>
+                <a:latin typeface="Arial" charset="0"/>
+                <a:ea typeface="ＭＳ Ｐゴシック" charset="0"/>
+              </a:defRPr>
+            </a:lvl2pPr>
+            <a:lvl3pPr marL="1143000" indent="-228600" eaLnBrk="0" hangingPunct="0">
+              <a:defRPr sz="2400">
+                <a:solidFill>
+                  <a:schemeClr val="tx1"/>
+                </a:solidFill>
+                <a:latin typeface="Arial" charset="0"/>
+                <a:ea typeface="ＭＳ Ｐゴシック" charset="0"/>
+              </a:defRPr>
+            </a:lvl3pPr>
+            <a:lvl4pPr marL="1600200" indent="-228600" eaLnBrk="0" hangingPunct="0">
+              <a:defRPr sz="2400">
+                <a:solidFill>
+                  <a:schemeClr val="tx1"/>
+                </a:solidFill>
+                <a:latin typeface="Arial" charset="0"/>
+                <a:ea typeface="ＭＳ Ｐゴシック" charset="0"/>
+              </a:defRPr>
+            </a:lvl4pPr>
+            <a:lvl5pPr marL="2057400" indent="-228600" eaLnBrk="0" hangingPunct="0">
+              <a:defRPr sz="2400">
+                <a:solidFill>
+                  <a:schemeClr val="tx1"/>
+                </a:solidFill>
+                <a:latin typeface="Arial" charset="0"/>
+                <a:ea typeface="ＭＳ Ｐゴシック" charset="0"/>
+              </a:defRPr>
+            </a:lvl5pPr>
+            <a:lvl6pPr marL="2514600" indent="-228600" eaLnBrk="0" fontAlgn="base" hangingPunct="0">
+              <a:spcBef>
+                <a:spcPct val="0"/>
+              </a:spcBef>
+              <a:spcAft>
+                <a:spcPct val="0"/>
+              </a:spcAft>
+              <a:defRPr sz="2400">
+                <a:solidFill>
+                  <a:schemeClr val="tx1"/>
+                </a:solidFill>
+                <a:latin typeface="Arial" charset="0"/>
+                <a:ea typeface="ＭＳ Ｐゴシック" charset="0"/>
+              </a:defRPr>
+            </a:lvl6pPr>
+            <a:lvl7pPr marL="2971800" indent="-228600" eaLnBrk="0" fontAlgn="base" hangingPunct="0">
+              <a:spcBef>
+                <a:spcPct val="0"/>
+              </a:spcBef>
+              <a:spcAft>
+                <a:spcPct val="0"/>
+              </a:spcAft>
+              <a:defRPr sz="2400">
+                <a:solidFill>
+                  <a:schemeClr val="tx1"/>
+                </a:solidFill>
+                <a:latin typeface="Arial" charset="0"/>
+                <a:ea typeface="ＭＳ Ｐゴシック" charset="0"/>
+              </a:defRPr>
+            </a:lvl7pPr>
+            <a:lvl8pPr marL="3429000" indent="-228600" eaLnBrk="0" fontAlgn="base" hangingPunct="0">
+              <a:spcBef>
+                <a:spcPct val="0"/>
+              </a:spcBef>
+              <a:spcAft>
+                <a:spcPct val="0"/>
+              </a:spcAft>
+              <a:defRPr sz="2400">
+                <a:solidFill>
+                  <a:schemeClr val="tx1"/>
+                </a:solidFill>
+                <a:latin typeface="Arial" charset="0"/>
+                <a:ea typeface="ＭＳ Ｐゴシック" charset="0"/>
+              </a:defRPr>
+            </a:lvl8pPr>
+            <a:lvl9pPr marL="3886200" indent="-228600" eaLnBrk="0" fontAlgn="base" hangingPunct="0">
+              <a:spcBef>
+                <a:spcPct val="0"/>
+              </a:spcBef>
+              <a:spcAft>
+                <a:spcPct val="0"/>
+              </a:spcAft>
+              <a:defRPr sz="2400">
+                <a:solidFill>
+                  <a:schemeClr val="tx1"/>
+                </a:solidFill>
+                <a:latin typeface="Arial" charset="0"/>
+                <a:ea typeface="ＭＳ Ｐゴシック" charset="0"/>
+              </a:defRPr>
+            </a:lvl9pPr>
+          </a:lstStyle>
+          <a:p>
+            <a:pPr algn="ctr" eaLnBrk="1" hangingPunct="1"/>
+            <a:r>
+              <a:rPr lang="en-US" sz="1100" b="1" dirty="0">
+                <a:latin typeface="+mn-lt"/>
+              </a:rPr>
+              <a:t>External</a:t>
+            </a:r>
+            <a:br>
+              <a:rPr lang="en-US" sz="1100" b="1" dirty="0">
+                <a:latin typeface="+mn-lt"/>
+              </a:rPr>
+            </a:br>
+            <a:r>
+              <a:rPr lang="en-US" sz="1100" b="1" dirty="0" smtClean="0">
+                <a:latin typeface="+mn-lt"/>
+              </a:rPr>
+              <a:t>Sources</a:t>
+            </a:r>
+            <a:endParaRPr lang="en-US" sz="1100" b="1" dirty="0">
+              <a:latin typeface="+mn-lt"/>
+            </a:endParaRPr>
+          </a:p>
+        </p:txBody>
+      </p:sp>
+      <p:sp>
+        <p:nvSpPr>
+          <p:cNvPr id="6" name="Rounded Rectangle 5"/>
+          <p:cNvSpPr>
+            <a:spLocks noChangeArrowheads="1"/>
+          </p:cNvSpPr>
+          <p:nvPr/>
+        </p:nvSpPr>
+        <p:spPr bwMode="auto">
+          <a:xfrm>
+            <a:off x="4267200" y="2672148"/>
+            <a:ext cx="4456779" cy="756851"/>
+          </a:xfrm>
+          <a:prstGeom prst="roundRect">
+            <a:avLst>
+              <a:gd name="adj" fmla="val 16667"/>
+            </a:avLst>
+          </a:prstGeom>
+          <a:gradFill rotWithShape="1">
+            <a:gsLst>
+              <a:gs pos="0">
+                <a:schemeClr val="bg1">
+                  <a:lumMod val="75000"/>
+                </a:schemeClr>
+              </a:gs>
+              <a:gs pos="35000">
+                <a:schemeClr val="bg1">
+                  <a:lumMod val="85000"/>
+                </a:schemeClr>
+              </a:gs>
+              <a:gs pos="100000">
+                <a:schemeClr val="bg1">
+                  <a:lumMod val="95000"/>
+                </a:schemeClr>
+              </a:gs>
+            </a:gsLst>
+            <a:lin ang="0" scaled="1"/>
+          </a:gradFill>
+          <a:ln w="9525">
+            <a:noFill/>
+            <a:round/>
+            <a:headEnd/>
+            <a:tailEnd type="triangle" w="med" len="med"/>
+          </a:ln>
+          <a:effectLst>
+            <a:outerShdw dist="20000" dir="5400000" rotWithShape="0">
+              <a:srgbClr val="808080">
+                <a:alpha val="37999"/>
+              </a:srgbClr>
+            </a:outerShdw>
+          </a:effectLst>
+        </p:spPr>
+        <p:txBody>
+          <a:bodyPr wrap="none" anchor="ctr"/>
+          <a:lstStyle/>
+          <a:p>
+            <a:pPr algn="ctr">
+              <a:defRPr/>
+            </a:pPr>
+            <a:endParaRPr lang="en-US" sz="1600" dirty="0">
+              <a:solidFill>
+                <a:schemeClr val="dk1"/>
+              </a:solidFill>
+              <a:latin typeface="+mj-lt"/>
+              <a:ea typeface="ＭＳ Ｐゴシック" pitchFamily="34" charset="-128"/>
+              <a:cs typeface="ＭＳ Ｐゴシック" pitchFamily="-65" charset="-128"/>
+            </a:endParaRPr>
+          </a:p>
+        </p:txBody>
+      </p:sp>
+      <p:sp>
+        <p:nvSpPr>
+          <p:cNvPr id="7" name="Rounded Rectangle 6"/>
+          <p:cNvSpPr>
+            <a:spLocks noChangeArrowheads="1"/>
+          </p:cNvSpPr>
+          <p:nvPr/>
+        </p:nvSpPr>
+        <p:spPr bwMode="auto">
+          <a:xfrm>
+            <a:off x="4267200" y="2286000"/>
+            <a:ext cx="4456779" cy="344607"/>
+          </a:xfrm>
+          <a:prstGeom prst="roundRect">
+            <a:avLst>
+              <a:gd name="adj" fmla="val 22862"/>
+            </a:avLst>
+          </a:prstGeom>
+          <a:gradFill rotWithShape="1">
+            <a:gsLst>
+              <a:gs pos="0">
+                <a:schemeClr val="bg1">
+                  <a:lumMod val="75000"/>
+                </a:schemeClr>
+              </a:gs>
+              <a:gs pos="35000">
+                <a:schemeClr val="bg1">
+                  <a:lumMod val="85000"/>
+                </a:schemeClr>
+              </a:gs>
+              <a:gs pos="100000">
+                <a:schemeClr val="bg1">
+                  <a:lumMod val="95000"/>
+                </a:schemeClr>
+              </a:gs>
+            </a:gsLst>
+            <a:lin ang="0" scaled="1"/>
+          </a:gradFill>
+          <a:ln w="9525">
+            <a:noFill/>
+            <a:round/>
+            <a:headEnd/>
+            <a:tailEnd type="triangle" w="med" len="med"/>
+          </a:ln>
+          <a:effectLst>
+            <a:outerShdw dist="20000" dir="5400000" rotWithShape="0">
+              <a:srgbClr val="808080">
+                <a:alpha val="37999"/>
+              </a:srgbClr>
+            </a:outerShdw>
+          </a:effectLst>
+        </p:spPr>
+        <p:txBody>
+          <a:bodyPr wrap="none" anchor="ctr"/>
+          <a:lstStyle/>
+          <a:p>
+            <a:pPr algn="ctr">
+              <a:defRPr/>
+            </a:pPr>
+            <a:endParaRPr lang="en-US" sz="1600" dirty="0">
+              <a:solidFill>
+                <a:schemeClr val="dk1"/>
+              </a:solidFill>
+              <a:latin typeface="+mj-lt"/>
+              <a:ea typeface="ＭＳ Ｐゴシック" pitchFamily="34" charset="-128"/>
+              <a:cs typeface="ＭＳ Ｐゴシック" pitchFamily="-65" charset="-128"/>
+            </a:endParaRPr>
+          </a:p>
+        </p:txBody>
+      </p:sp>
+      <p:sp>
+        <p:nvSpPr>
+          <p:cNvPr id="8" name="Rounded Rectangle 7"/>
+          <p:cNvSpPr>
+            <a:spLocks noChangeArrowheads="1"/>
+          </p:cNvSpPr>
+          <p:nvPr/>
+        </p:nvSpPr>
+        <p:spPr bwMode="auto">
+          <a:xfrm>
+            <a:off x="4267200" y="1435100"/>
+            <a:ext cx="4456779" cy="778560"/>
+          </a:xfrm>
+          <a:prstGeom prst="roundRect">
+            <a:avLst>
+              <a:gd name="adj" fmla="val 16667"/>
+            </a:avLst>
+          </a:prstGeom>
+          <a:gradFill rotWithShape="1">
+            <a:gsLst>
+              <a:gs pos="0">
+                <a:schemeClr val="bg1">
+                  <a:lumMod val="75000"/>
+                </a:schemeClr>
+              </a:gs>
+              <a:gs pos="35000">
+                <a:schemeClr val="bg1">
+                  <a:lumMod val="85000"/>
+                </a:schemeClr>
+              </a:gs>
+              <a:gs pos="100000">
+                <a:schemeClr val="bg1">
+                  <a:lumMod val="95000"/>
+                </a:schemeClr>
+              </a:gs>
+            </a:gsLst>
+            <a:lin ang="0" scaled="1"/>
+          </a:gradFill>
+          <a:ln w="9525">
+            <a:noFill/>
+            <a:round/>
+            <a:headEnd/>
+            <a:tailEnd type="triangle" w="med" len="med"/>
+          </a:ln>
+          <a:effectLst>
+            <a:outerShdw dist="20000" dir="5400000" rotWithShape="0">
+              <a:srgbClr val="808080">
+                <a:alpha val="37999"/>
+              </a:srgbClr>
+            </a:outerShdw>
+          </a:effectLst>
+        </p:spPr>
+        <p:txBody>
+          <a:bodyPr wrap="none" anchor="ctr"/>
+          <a:lstStyle/>
+          <a:p>
+            <a:pPr algn="ctr">
+              <a:defRPr/>
+            </a:pPr>
+            <a:endParaRPr lang="en-US" sz="1600" dirty="0">
+              <a:solidFill>
+                <a:schemeClr val="dk1"/>
+              </a:solidFill>
+              <a:latin typeface="+mj-lt"/>
+              <a:ea typeface="ＭＳ Ｐゴシック" pitchFamily="34" charset="-128"/>
+              <a:cs typeface="ＭＳ Ｐゴシック" pitchFamily="-65" charset="-128"/>
+            </a:endParaRPr>
+          </a:p>
+        </p:txBody>
+      </p:sp>
+      <p:sp>
+        <p:nvSpPr>
+          <p:cNvPr id="9" name="TextBox 184"/>
+          <p:cNvSpPr txBox="1">
+            <a:spLocks noChangeArrowheads="1"/>
+          </p:cNvSpPr>
+          <p:nvPr/>
+        </p:nvSpPr>
+        <p:spPr bwMode="auto">
+          <a:xfrm>
+            <a:off x="4350459" y="2269215"/>
+            <a:ext cx="1031189" cy="430887"/>
+          </a:xfrm>
+          <a:prstGeom prst="rect">
+            <a:avLst/>
+          </a:prstGeom>
+          <a:noFill/>
+          <a:ln>
+            <a:noFill/>
+          </a:ln>
+          <a:extLst>
+            <a:ext uri="{909E8E84-426E-40dd-AFC4-6F175D3DCCD1}">
+              <a14:hiddenFill xmlns:a14="http://schemas.microsoft.com/office/drawing/2010/main">
+                <a:solidFill>
+                  <a:srgbClr val="FFFFFF"/>
+                </a:solidFill>
+              </a14:hiddenFill>
+            </a:ext>
+            <a:ext uri="{91240B29-F687-4f45-9708-019B960494DF}">
+              <a14:hiddenLine xmlns:a14="http://schemas.microsoft.com/office/drawing/2010/main" w="9525">
+                <a:solidFill>
+                  <a:srgbClr val="000000"/>
+                </a:solidFill>
+                <a:miter lim="800000"/>
+                <a:headEnd/>
+                <a:tailEnd/>
+              </a14:hiddenLine>
+            </a:ext>
+          </a:extLst>
+        </p:spPr>
+        <p:txBody>
+          <a:bodyPr wrap="none">
+            <a:spAutoFit/>
+          </a:bodyPr>
+          <a:lstStyle>
+            <a:lvl1pPr eaLnBrk="0" hangingPunct="0">
+              <a:defRPr sz="2400">
+                <a:solidFill>
+                  <a:schemeClr val="tx1"/>
+                </a:solidFill>
+                <a:latin typeface="Arial" charset="0"/>
+                <a:ea typeface="ＭＳ Ｐゴシック" charset="0"/>
+                <a:cs typeface="ＭＳ Ｐゴシック" charset="0"/>
+              </a:defRPr>
+            </a:lvl1pPr>
+            <a:lvl2pPr marL="742950" indent="-285750" eaLnBrk="0" hangingPunct="0">
+              <a:defRPr sz="2400">
+                <a:solidFill>
+                  <a:schemeClr val="tx1"/>
+                </a:solidFill>
+                <a:latin typeface="Arial" charset="0"/>
+                <a:ea typeface="ＭＳ Ｐゴシック" charset="0"/>
+              </a:defRPr>
+            </a:lvl2pPr>
+            <a:lvl3pPr marL="1143000" indent="-228600" eaLnBrk="0" hangingPunct="0">
+              <a:defRPr sz="2400">
+                <a:solidFill>
+                  <a:schemeClr val="tx1"/>
+                </a:solidFill>
+                <a:latin typeface="Arial" charset="0"/>
+                <a:ea typeface="ＭＳ Ｐゴシック" charset="0"/>
+              </a:defRPr>
+            </a:lvl3pPr>
+            <a:lvl4pPr marL="1600200" indent="-228600" eaLnBrk="0" hangingPunct="0">
+              <a:defRPr sz="2400">
+                <a:solidFill>
+                  <a:schemeClr val="tx1"/>
+                </a:solidFill>
+                <a:latin typeface="Arial" charset="0"/>
+                <a:ea typeface="ＭＳ Ｐゴシック" charset="0"/>
+              </a:defRPr>
+            </a:lvl4pPr>
+            <a:lvl5pPr marL="2057400" indent="-228600" eaLnBrk="0" hangingPunct="0">
+              <a:defRPr sz="2400">
+                <a:solidFill>
+                  <a:schemeClr val="tx1"/>
+                </a:solidFill>
+                <a:latin typeface="Arial" charset="0"/>
+                <a:ea typeface="ＭＳ Ｐゴシック" charset="0"/>
+              </a:defRPr>
+            </a:lvl5pPr>
+            <a:lvl6pPr marL="2514600" indent="-228600" eaLnBrk="0" fontAlgn="base" hangingPunct="0">
+              <a:spcBef>
+                <a:spcPct val="0"/>
+              </a:spcBef>
+              <a:spcAft>
+                <a:spcPct val="0"/>
+              </a:spcAft>
+              <a:defRPr sz="2400">
+                <a:solidFill>
+                  <a:schemeClr val="tx1"/>
+                </a:solidFill>
+                <a:latin typeface="Arial" charset="0"/>
+                <a:ea typeface="ＭＳ Ｐゴシック" charset="0"/>
+              </a:defRPr>
+            </a:lvl6pPr>
+            <a:lvl7pPr marL="2971800" indent="-228600" eaLnBrk="0" fontAlgn="base" hangingPunct="0">
+              <a:spcBef>
+                <a:spcPct val="0"/>
+              </a:spcBef>
+              <a:spcAft>
+                <a:spcPct val="0"/>
+              </a:spcAft>
+              <a:defRPr sz="2400">
+                <a:solidFill>
+                  <a:schemeClr val="tx1"/>
+                </a:solidFill>
+                <a:latin typeface="Arial" charset="0"/>
+                <a:ea typeface="ＭＳ Ｐゴシック" charset="0"/>
+              </a:defRPr>
+            </a:lvl7pPr>
+            <a:lvl8pPr marL="3429000" indent="-228600" eaLnBrk="0" fontAlgn="base" hangingPunct="0">
+              <a:spcBef>
+                <a:spcPct val="0"/>
+              </a:spcBef>
+              <a:spcAft>
+                <a:spcPct val="0"/>
+              </a:spcAft>
+              <a:defRPr sz="2400">
+                <a:solidFill>
+                  <a:schemeClr val="tx1"/>
+                </a:solidFill>
+                <a:latin typeface="Arial" charset="0"/>
+                <a:ea typeface="ＭＳ Ｐゴシック" charset="0"/>
+              </a:defRPr>
+            </a:lvl8pPr>
+            <a:lvl9pPr marL="3886200" indent="-228600" eaLnBrk="0" fontAlgn="base" hangingPunct="0">
+              <a:spcBef>
+                <a:spcPct val="0"/>
+              </a:spcBef>
+              <a:spcAft>
+                <a:spcPct val="0"/>
+              </a:spcAft>
+              <a:defRPr sz="2400">
+                <a:solidFill>
+                  <a:schemeClr val="tx1"/>
+                </a:solidFill>
+                <a:latin typeface="Arial" charset="0"/>
+                <a:ea typeface="ＭＳ Ｐゴシック" charset="0"/>
+              </a:defRPr>
+            </a:lvl9pPr>
+          </a:lstStyle>
+          <a:p>
+            <a:pPr algn="ctr" eaLnBrk="1" hangingPunct="1"/>
+            <a:r>
+              <a:rPr lang="en-US" sz="1100" b="1" dirty="0" smtClean="0">
+                <a:latin typeface="+mn-lt"/>
+              </a:rPr>
+              <a:t>Network</a:t>
+            </a:r>
+            <a:endParaRPr lang="en-US" sz="1100" b="1" dirty="0">
+              <a:latin typeface="+mn-lt"/>
+            </a:endParaRPr>
+          </a:p>
+          <a:p>
+            <a:pPr algn="ctr" eaLnBrk="1" hangingPunct="1"/>
+            <a:r>
+              <a:rPr lang="en-US" sz="1100" b="1" dirty="0" smtClean="0">
+                <a:latin typeface="+mn-lt"/>
+              </a:rPr>
+              <a:t>Interconnect</a:t>
+            </a:r>
+            <a:endParaRPr lang="en-US" sz="1100" b="1" dirty="0">
+              <a:latin typeface="+mn-lt"/>
+            </a:endParaRPr>
+          </a:p>
+        </p:txBody>
+      </p:sp>
+      <p:cxnSp>
+        <p:nvCxnSpPr>
+          <p:cNvPr id="11" name="Straight Connector 13"/>
+          <p:cNvCxnSpPr>
+            <a:cxnSpLocks noChangeShapeType="1"/>
+          </p:cNvCxnSpPr>
+          <p:nvPr/>
+        </p:nvCxnSpPr>
+        <p:spPr bwMode="auto">
+          <a:xfrm rot="5400000">
+            <a:off x="5800049" y="2639655"/>
+            <a:ext cx="133052" cy="1588"/>
+          </a:xfrm>
+          <a:prstGeom prst="line">
+            <a:avLst/>
+          </a:prstGeom>
+          <a:noFill/>
+          <a:ln w="50800">
+            <a:solidFill>
+              <a:srgbClr val="E5B53A"/>
+            </a:solidFill>
+            <a:round/>
+            <a:headEnd/>
+            <a:tailEnd/>
+          </a:ln>
+          <a:effectLst>
+            <a:outerShdw dist="20000" dir="5400000" rotWithShape="0">
+              <a:srgbClr val="808080">
+                <a:alpha val="37999"/>
+              </a:srgbClr>
+            </a:outerShdw>
+          </a:effectLst>
+          <a:extLst>
+            <a:ext uri="{909E8E84-426E-40dd-AFC4-6F175D3DCCD1}">
+              <a14:hiddenFill xmlns:a14="http://schemas.microsoft.com/office/drawing/2010/main">
+                <a:noFill/>
+              </a14:hiddenFill>
+            </a:ext>
+          </a:extLst>
+        </p:spPr>
+      </p:cxnSp>
+      <p:sp>
+        <p:nvSpPr>
+          <p:cNvPr id="12" name="Rounded Rectangle 11"/>
+          <p:cNvSpPr/>
+          <p:nvPr/>
+        </p:nvSpPr>
+        <p:spPr bwMode="auto">
+          <a:xfrm>
+            <a:off x="5618130" y="2689116"/>
+            <a:ext cx="495300" cy="585788"/>
+          </a:xfrm>
+          <a:prstGeom prst="roundRect">
+            <a:avLst/>
+          </a:prstGeom>
+          <a:solidFill>
+            <a:schemeClr val="bg1">
+              <a:lumMod val="75000"/>
+            </a:schemeClr>
+          </a:solidFill>
+          <a:ln>
+            <a:solidFill>
+              <a:schemeClr val="bg1"/>
+            </a:solidFill>
+          </a:ln>
+        </p:spPr>
+        <p:style>
+          <a:lnRef idx="2">
+            <a:schemeClr val="accent1">
+              <a:shade val="50000"/>
+            </a:schemeClr>
+          </a:lnRef>
+          <a:fillRef idx="1">
+            <a:schemeClr val="accent1"/>
+          </a:fillRef>
+          <a:effectRef idx="0">
+            <a:schemeClr val="accent1"/>
+          </a:effectRef>
+          <a:fontRef idx="minor">
+            <a:schemeClr val="lt1"/>
+          </a:fontRef>
+        </p:style>
+        <p:txBody>
+          <a:bodyPr anchor="ctr"/>
+          <a:lstStyle/>
+          <a:p>
+            <a:pPr algn="ctr" fontAlgn="auto">
+              <a:spcBef>
+                <a:spcPts val="0"/>
+              </a:spcBef>
+              <a:spcAft>
+                <a:spcPts val="0"/>
+              </a:spcAft>
+              <a:defRPr/>
+            </a:pPr>
+            <a:endParaRPr lang="en-US" sz="3200" dirty="0"/>
+          </a:p>
+        </p:txBody>
+      </p:sp>
+      <p:sp>
+        <p:nvSpPr>
+          <p:cNvPr id="13" name="Rectangle 12"/>
+          <p:cNvSpPr/>
+          <p:nvPr/>
+        </p:nvSpPr>
+        <p:spPr bwMode="auto">
+          <a:xfrm>
+            <a:off x="5686394" y="2867709"/>
+            <a:ext cx="346075" cy="204490"/>
+          </a:xfrm>
+          <a:prstGeom prst="rect">
+            <a:avLst/>
+          </a:prstGeom>
+          <a:solidFill>
+            <a:schemeClr val="bg1">
+              <a:lumMod val="85000"/>
+            </a:schemeClr>
+          </a:solidFill>
+          <a:ln w="3175">
+            <a:solidFill>
+              <a:schemeClr val="bg1"/>
+            </a:solidFill>
+          </a:ln>
+        </p:spPr>
+        <p:style>
+          <a:lnRef idx="2">
+            <a:schemeClr val="accent1">
+              <a:shade val="50000"/>
+            </a:schemeClr>
+          </a:lnRef>
+          <a:fillRef idx="1">
+            <a:schemeClr val="accent1"/>
+          </a:fillRef>
+          <a:effectRef idx="0">
+            <a:schemeClr val="accent1"/>
+          </a:effectRef>
+          <a:fontRef idx="minor">
+            <a:schemeClr val="lt1"/>
+          </a:fontRef>
+        </p:style>
+        <p:txBody>
+          <a:bodyPr anchor="ctr"/>
+          <a:lstStyle/>
+          <a:p>
+            <a:pPr algn="ctr" fontAlgn="auto">
+              <a:spcBef>
+                <a:spcPts val="0"/>
+              </a:spcBef>
+              <a:spcAft>
+                <a:spcPts val="0"/>
+              </a:spcAft>
+              <a:defRPr/>
+            </a:pPr>
+            <a:endParaRPr lang="en-US" sz="3200" dirty="0"/>
+          </a:p>
+        </p:txBody>
+      </p:sp>
+      <p:pic>
+        <p:nvPicPr>
+          <p:cNvPr id="14" name="Picture 92" descr="server_icon.png"/>
+          <p:cNvPicPr>
+            <a:picLocks noChangeAspect="1"/>
+          </p:cNvPicPr>
+          <p:nvPr/>
+        </p:nvPicPr>
+        <p:blipFill>
+          <a:blip r:embed="rId2">
+            <a:extLst>
+              <a:ext uri="{28A0092B-C50C-407E-A947-70E740481C1C}">
+                <a14:useLocalDpi xmlns:a14="http://schemas.microsoft.com/office/drawing/2010/main" val="0"/>
+              </a:ext>
+            </a:extLst>
+          </a:blip>
+          <a:srcRect/>
+          <a:stretch>
+            <a:fillRect/>
+          </a:stretch>
+        </p:blipFill>
+        <p:spPr bwMode="auto">
+          <a:xfrm>
+            <a:off x="5644445" y="2712843"/>
+            <a:ext cx="403716" cy="167078"/>
+          </a:xfrm>
+          <a:prstGeom prst="rect">
+            <a:avLst/>
+          </a:prstGeom>
+          <a:noFill/>
+          <a:ln>
+            <a:noFill/>
+          </a:ln>
+          <a:extLst>
+            <a:ext uri="{909E8E84-426E-40dd-AFC4-6F175D3DCCD1}">
+              <a14:hiddenFill xmlns:a14="http://schemas.microsoft.com/office/drawing/2010/main">
+                <a:solidFill>
+                  <a:srgbClr val="FFFFFF"/>
+                </a:solidFill>
+              </a14:hiddenFill>
+            </a:ext>
+            <a:ext uri="{91240B29-F687-4f45-9708-019B960494DF}">
+              <a14:hiddenLine xmlns:a14="http://schemas.microsoft.com/office/drawing/2010/main" w="9525">
+                <a:solidFill>
+                  <a:srgbClr val="000000"/>
+                </a:solidFill>
+                <a:miter lim="800000"/>
+                <a:headEnd/>
+                <a:tailEnd/>
+              </a14:hiddenLine>
+            </a:ext>
+          </a:extLst>
+        </p:spPr>
+      </p:pic>
+      <p:pic>
+        <p:nvPicPr>
+          <p:cNvPr id="16" name="Picture 93" descr="storage_icon.png"/>
+          <p:cNvPicPr>
+            <a:picLocks noChangeAspect="1"/>
+          </p:cNvPicPr>
+          <p:nvPr/>
+        </p:nvPicPr>
+        <p:blipFill>
+          <a:blip r:embed="rId3">
+            <a:extLst>
+              <a:ext uri="{28A0092B-C50C-407E-A947-70E740481C1C}">
+                <a14:useLocalDpi xmlns:a14="http://schemas.microsoft.com/office/drawing/2010/main" val="0"/>
+              </a:ext>
+            </a:extLst>
+          </a:blip>
+          <a:srcRect/>
+          <a:stretch>
+            <a:fillRect/>
+          </a:stretch>
+        </p:blipFill>
+        <p:spPr bwMode="auto">
+          <a:xfrm>
+            <a:off x="5703821" y="3067084"/>
+            <a:ext cx="284967" cy="181775"/>
+          </a:xfrm>
+          <a:prstGeom prst="rect">
+            <a:avLst/>
+          </a:prstGeom>
+          <a:noFill/>
+          <a:ln>
+            <a:noFill/>
+          </a:ln>
+          <a:extLst>
+            <a:ext uri="{909E8E84-426E-40dd-AFC4-6F175D3DCCD1}">
+              <a14:hiddenFill xmlns:a14="http://schemas.microsoft.com/office/drawing/2010/main">
+                <a:solidFill>
+                  <a:srgbClr val="FFFFFF"/>
+                </a:solidFill>
+              </a14:hiddenFill>
+            </a:ext>
+            <a:ext uri="{91240B29-F687-4f45-9708-019B960494DF}">
+              <a14:hiddenLine xmlns:a14="http://schemas.microsoft.com/office/drawing/2010/main" w="9525">
+                <a:solidFill>
+                  <a:srgbClr val="000000"/>
+                </a:solidFill>
+                <a:miter lim="800000"/>
+                <a:headEnd/>
+                <a:tailEnd/>
+              </a14:hiddenLine>
+            </a:ext>
+          </a:extLst>
+        </p:spPr>
+      </p:pic>
+      <p:cxnSp>
+        <p:nvCxnSpPr>
+          <p:cNvPr id="17" name="Straight Connector 15"/>
+          <p:cNvCxnSpPr>
+            <a:cxnSpLocks noChangeShapeType="1"/>
+          </p:cNvCxnSpPr>
+          <p:nvPr/>
+        </p:nvCxnSpPr>
+        <p:spPr bwMode="auto">
+          <a:xfrm rot="5400000">
+            <a:off x="6312812" y="2639656"/>
+            <a:ext cx="133052" cy="1587"/>
+          </a:xfrm>
+          <a:prstGeom prst="line">
+            <a:avLst/>
+          </a:prstGeom>
+          <a:noFill/>
+          <a:ln w="50800">
+            <a:solidFill>
+              <a:srgbClr val="E5B53A"/>
+            </a:solidFill>
+            <a:round/>
+            <a:headEnd/>
+            <a:tailEnd/>
+          </a:ln>
+          <a:effectLst>
+            <a:outerShdw dist="20000" dir="5400000" rotWithShape="0">
+              <a:srgbClr val="808080">
+                <a:alpha val="37999"/>
+              </a:srgbClr>
+            </a:outerShdw>
+          </a:effectLst>
+          <a:extLst>
+            <a:ext uri="{909E8E84-426E-40dd-AFC4-6F175D3DCCD1}">
+              <a14:hiddenFill xmlns:a14="http://schemas.microsoft.com/office/drawing/2010/main">
+                <a:noFill/>
+              </a14:hiddenFill>
+            </a:ext>
+          </a:extLst>
+        </p:spPr>
+      </p:cxnSp>
+      <p:sp>
+        <p:nvSpPr>
+          <p:cNvPr id="18" name="Rounded Rectangle 17"/>
+          <p:cNvSpPr/>
+          <p:nvPr/>
+        </p:nvSpPr>
+        <p:spPr bwMode="auto">
+          <a:xfrm>
+            <a:off x="6132481" y="2689116"/>
+            <a:ext cx="495300" cy="585788"/>
+          </a:xfrm>
+          <a:prstGeom prst="roundRect">
+            <a:avLst/>
+          </a:prstGeom>
+          <a:solidFill>
+            <a:schemeClr val="bg1">
+              <a:lumMod val="75000"/>
+            </a:schemeClr>
+          </a:solidFill>
+          <a:ln>
+            <a:solidFill>
+              <a:schemeClr val="bg1"/>
+            </a:solidFill>
+          </a:ln>
+        </p:spPr>
+        <p:style>
+          <a:lnRef idx="2">
+            <a:schemeClr val="accent1">
+              <a:shade val="50000"/>
+            </a:schemeClr>
+          </a:lnRef>
+          <a:fillRef idx="1">
+            <a:schemeClr val="accent1"/>
+          </a:fillRef>
+          <a:effectRef idx="0">
+            <a:schemeClr val="accent1"/>
+          </a:effectRef>
+          <a:fontRef idx="minor">
+            <a:schemeClr val="lt1"/>
+          </a:fontRef>
+        </p:style>
+        <p:txBody>
+          <a:bodyPr anchor="ctr"/>
+          <a:lstStyle/>
+          <a:p>
+            <a:pPr algn="ctr" fontAlgn="auto">
+              <a:spcBef>
+                <a:spcPts val="0"/>
+              </a:spcBef>
+              <a:spcAft>
+                <a:spcPts val="0"/>
+              </a:spcAft>
+              <a:defRPr/>
+            </a:pPr>
+            <a:endParaRPr lang="en-US" sz="3200" dirty="0"/>
+          </a:p>
+        </p:txBody>
+      </p:sp>
+      <p:sp>
+        <p:nvSpPr>
+          <p:cNvPr id="19" name="Rectangle 18"/>
+          <p:cNvSpPr/>
+          <p:nvPr/>
+        </p:nvSpPr>
+        <p:spPr bwMode="auto">
+          <a:xfrm>
+            <a:off x="6235668" y="2867709"/>
+            <a:ext cx="311150" cy="204490"/>
+          </a:xfrm>
+          <a:prstGeom prst="rect">
+            <a:avLst/>
+          </a:prstGeom>
+          <a:solidFill>
+            <a:schemeClr val="bg1">
+              <a:lumMod val="85000"/>
+            </a:schemeClr>
+          </a:solidFill>
+          <a:ln w="3175">
+            <a:solidFill>
+              <a:schemeClr val="bg1"/>
+            </a:solidFill>
+          </a:ln>
+        </p:spPr>
+        <p:style>
+          <a:lnRef idx="2">
+            <a:schemeClr val="accent1">
+              <a:shade val="50000"/>
+            </a:schemeClr>
+          </a:lnRef>
+          <a:fillRef idx="1">
+            <a:schemeClr val="accent1"/>
+          </a:fillRef>
+          <a:effectRef idx="0">
+            <a:schemeClr val="accent1"/>
+          </a:effectRef>
+          <a:fontRef idx="minor">
+            <a:schemeClr val="lt1"/>
+          </a:fontRef>
+        </p:style>
+        <p:txBody>
+          <a:bodyPr anchor="ctr"/>
+          <a:lstStyle/>
+          <a:p>
+            <a:pPr algn="ctr" fontAlgn="auto">
+              <a:spcBef>
+                <a:spcPts val="0"/>
+              </a:spcBef>
+              <a:spcAft>
+                <a:spcPts val="0"/>
+              </a:spcAft>
+              <a:defRPr/>
+            </a:pPr>
+            <a:endParaRPr lang="en-US" sz="3200" dirty="0"/>
+          </a:p>
+        </p:txBody>
+      </p:sp>
+      <p:pic>
+        <p:nvPicPr>
+          <p:cNvPr id="20" name="Picture 86" descr="server_icon.png"/>
+          <p:cNvPicPr>
+            <a:picLocks noChangeAspect="1"/>
+          </p:cNvPicPr>
+          <p:nvPr/>
+        </p:nvPicPr>
+        <p:blipFill>
+          <a:blip r:embed="rId2">
+            <a:extLst>
+              <a:ext uri="{28A0092B-C50C-407E-A947-70E740481C1C}">
+                <a14:useLocalDpi xmlns:a14="http://schemas.microsoft.com/office/drawing/2010/main" val="0"/>
+              </a:ext>
+            </a:extLst>
+          </a:blip>
+          <a:srcRect/>
+          <a:stretch>
+            <a:fillRect/>
+          </a:stretch>
+        </p:blipFill>
+        <p:spPr bwMode="auto">
+          <a:xfrm>
+            <a:off x="6158361" y="2712843"/>
+            <a:ext cx="403716" cy="167078"/>
+          </a:xfrm>
+          <a:prstGeom prst="rect">
+            <a:avLst/>
+          </a:prstGeom>
+          <a:noFill/>
+          <a:ln>
+            <a:noFill/>
+          </a:ln>
+          <a:extLst>
+            <a:ext uri="{909E8E84-426E-40dd-AFC4-6F175D3DCCD1}">
+              <a14:hiddenFill xmlns:a14="http://schemas.microsoft.com/office/drawing/2010/main">
+                <a:solidFill>
+                  <a:srgbClr val="FFFFFF"/>
+                </a:solidFill>
+              </a14:hiddenFill>
+            </a:ext>
+            <a:ext uri="{91240B29-F687-4f45-9708-019B960494DF}">
+              <a14:hiddenLine xmlns:a14="http://schemas.microsoft.com/office/drawing/2010/main" w="9525">
+                <a:solidFill>
+                  <a:srgbClr val="000000"/>
+                </a:solidFill>
+                <a:miter lim="800000"/>
+                <a:headEnd/>
+                <a:tailEnd/>
+              </a14:hiddenLine>
+            </a:ext>
+          </a:extLst>
+        </p:spPr>
+      </p:pic>
+      <p:pic>
+        <p:nvPicPr>
+          <p:cNvPr id="21" name="Picture 87" descr="storage_icon.png"/>
+          <p:cNvPicPr>
+            <a:picLocks noChangeAspect="1"/>
+          </p:cNvPicPr>
+          <p:nvPr/>
+        </p:nvPicPr>
+        <p:blipFill>
+          <a:blip r:embed="rId3">
+            <a:extLst>
+              <a:ext uri="{28A0092B-C50C-407E-A947-70E740481C1C}">
+                <a14:useLocalDpi xmlns:a14="http://schemas.microsoft.com/office/drawing/2010/main" val="0"/>
+              </a:ext>
+            </a:extLst>
+          </a:blip>
+          <a:srcRect/>
+          <a:stretch>
+            <a:fillRect/>
+          </a:stretch>
+        </p:blipFill>
+        <p:spPr bwMode="auto">
+          <a:xfrm>
+            <a:off x="6217737" y="3067084"/>
+            <a:ext cx="284967" cy="181775"/>
+          </a:xfrm>
+          <a:prstGeom prst="rect">
+            <a:avLst/>
+          </a:prstGeom>
+          <a:noFill/>
+          <a:ln>
+            <a:noFill/>
+          </a:ln>
+          <a:extLst>
+            <a:ext uri="{909E8E84-426E-40dd-AFC4-6F175D3DCCD1}">
+              <a14:hiddenFill xmlns:a14="http://schemas.microsoft.com/office/drawing/2010/main">
+                <a:solidFill>
+                  <a:srgbClr val="FFFFFF"/>
+                </a:solidFill>
+              </a14:hiddenFill>
+            </a:ext>
+            <a:ext uri="{91240B29-F687-4f45-9708-019B960494DF}">
+              <a14:hiddenLine xmlns:a14="http://schemas.microsoft.com/office/drawing/2010/main" w="9525">
+                <a:solidFill>
+                  <a:srgbClr val="000000"/>
+                </a:solidFill>
+                <a:miter lim="800000"/>
+                <a:headEnd/>
+                <a:tailEnd/>
+              </a14:hiddenLine>
+            </a:ext>
+          </a:extLst>
+        </p:spPr>
+      </p:pic>
+      <p:cxnSp>
+        <p:nvCxnSpPr>
+          <p:cNvPr id="22" name="Straight Connector 17"/>
+          <p:cNvCxnSpPr>
+            <a:cxnSpLocks noChangeShapeType="1"/>
+          </p:cNvCxnSpPr>
+          <p:nvPr/>
+        </p:nvCxnSpPr>
+        <p:spPr bwMode="auto">
+          <a:xfrm rot="5400000">
+            <a:off x="6827162" y="2639656"/>
+            <a:ext cx="133052" cy="1587"/>
+          </a:xfrm>
+          <a:prstGeom prst="line">
+            <a:avLst/>
+          </a:prstGeom>
+          <a:noFill/>
+          <a:ln w="50800">
+            <a:solidFill>
+              <a:srgbClr val="E5B53A"/>
+            </a:solidFill>
+            <a:round/>
+            <a:headEnd/>
+            <a:tailEnd/>
+          </a:ln>
+          <a:effectLst>
+            <a:outerShdw dist="20000" dir="5400000" rotWithShape="0">
+              <a:srgbClr val="808080">
+                <a:alpha val="37999"/>
+              </a:srgbClr>
+            </a:outerShdw>
+          </a:effectLst>
+          <a:extLst>
+            <a:ext uri="{909E8E84-426E-40dd-AFC4-6F175D3DCCD1}">
+              <a14:hiddenFill xmlns:a14="http://schemas.microsoft.com/office/drawing/2010/main">
+                <a:noFill/>
+              </a14:hiddenFill>
+            </a:ext>
+          </a:extLst>
+        </p:spPr>
+      </p:cxnSp>
+      <p:sp>
+        <p:nvSpPr>
+          <p:cNvPr id="23" name="Rounded Rectangle 76"/>
+          <p:cNvSpPr/>
+          <p:nvPr/>
+        </p:nvSpPr>
+        <p:spPr bwMode="auto">
+          <a:xfrm>
+            <a:off x="6645246" y="2689116"/>
+            <a:ext cx="496887" cy="585788"/>
+          </a:xfrm>
+          <a:prstGeom prst="roundRect">
+            <a:avLst/>
+          </a:prstGeom>
+          <a:solidFill>
+            <a:schemeClr val="bg1">
+              <a:lumMod val="75000"/>
+            </a:schemeClr>
+          </a:solidFill>
+          <a:ln>
+            <a:solidFill>
+              <a:schemeClr val="bg1"/>
+            </a:solidFill>
+          </a:ln>
+        </p:spPr>
+        <p:style>
+          <a:lnRef idx="2">
+            <a:schemeClr val="accent1">
+              <a:shade val="50000"/>
+            </a:schemeClr>
+          </a:lnRef>
+          <a:fillRef idx="1">
+            <a:schemeClr val="accent1"/>
+          </a:fillRef>
+          <a:effectRef idx="0">
+            <a:schemeClr val="accent1"/>
+          </a:effectRef>
+          <a:fontRef idx="minor">
+            <a:schemeClr val="lt1"/>
+          </a:fontRef>
+        </p:style>
+        <p:txBody>
+          <a:bodyPr anchor="ctr"/>
+          <a:lstStyle/>
+          <a:p>
+            <a:pPr algn="ctr" fontAlgn="auto">
+              <a:spcBef>
+                <a:spcPts val="0"/>
+              </a:spcBef>
+              <a:spcAft>
+                <a:spcPts val="0"/>
+              </a:spcAft>
+              <a:defRPr/>
+            </a:pPr>
+            <a:endParaRPr lang="en-US" sz="3200" dirty="0"/>
+          </a:p>
+        </p:txBody>
+      </p:sp>
+      <p:sp>
+        <p:nvSpPr>
+          <p:cNvPr id="24" name="Rectangle 23"/>
+          <p:cNvSpPr/>
+          <p:nvPr/>
+        </p:nvSpPr>
+        <p:spPr bwMode="auto">
+          <a:xfrm>
+            <a:off x="6713506" y="2867709"/>
+            <a:ext cx="382588" cy="204490"/>
+          </a:xfrm>
+          <a:prstGeom prst="rect">
+            <a:avLst/>
+          </a:prstGeom>
+          <a:solidFill>
+            <a:schemeClr val="bg1">
+              <a:lumMod val="85000"/>
+            </a:schemeClr>
+          </a:solidFill>
+          <a:ln w="3175">
+            <a:solidFill>
+              <a:schemeClr val="bg1"/>
+            </a:solidFill>
+          </a:ln>
+        </p:spPr>
+        <p:style>
+          <a:lnRef idx="2">
+            <a:schemeClr val="accent1">
+              <a:shade val="50000"/>
+            </a:schemeClr>
+          </a:lnRef>
+          <a:fillRef idx="1">
+            <a:schemeClr val="accent1"/>
+          </a:fillRef>
+          <a:effectRef idx="0">
+            <a:schemeClr val="accent1"/>
+          </a:effectRef>
+          <a:fontRef idx="minor">
+            <a:schemeClr val="lt1"/>
+          </a:fontRef>
+        </p:style>
+        <p:txBody>
+          <a:bodyPr anchor="ctr"/>
+          <a:lstStyle/>
+          <a:p>
+            <a:pPr algn="ctr" fontAlgn="auto">
+              <a:spcBef>
+                <a:spcPts val="0"/>
+              </a:spcBef>
+              <a:spcAft>
+                <a:spcPts val="0"/>
+              </a:spcAft>
+              <a:defRPr/>
+            </a:pPr>
+            <a:endParaRPr lang="en-US" sz="3200" dirty="0"/>
+          </a:p>
+        </p:txBody>
+      </p:sp>
+      <p:pic>
+        <p:nvPicPr>
+          <p:cNvPr id="25" name="Picture 80" descr="server_icon.png"/>
+          <p:cNvPicPr>
+            <a:picLocks noChangeAspect="1"/>
+          </p:cNvPicPr>
+          <p:nvPr/>
+        </p:nvPicPr>
+        <p:blipFill>
+          <a:blip r:embed="rId2">
+            <a:extLst>
+              <a:ext uri="{28A0092B-C50C-407E-A947-70E740481C1C}">
+                <a14:useLocalDpi xmlns:a14="http://schemas.microsoft.com/office/drawing/2010/main" val="0"/>
+              </a:ext>
+            </a:extLst>
+          </a:blip>
+          <a:srcRect/>
+          <a:stretch>
+            <a:fillRect/>
+          </a:stretch>
+        </p:blipFill>
+        <p:spPr bwMode="auto">
+          <a:xfrm>
+            <a:off x="6672277" y="2712843"/>
+            <a:ext cx="403716" cy="167078"/>
+          </a:xfrm>
+          <a:prstGeom prst="rect">
+            <a:avLst/>
+          </a:prstGeom>
+          <a:noFill/>
+          <a:ln>
+            <a:noFill/>
+          </a:ln>
+          <a:extLst>
+            <a:ext uri="{909E8E84-426E-40dd-AFC4-6F175D3DCCD1}">
+              <a14:hiddenFill xmlns:a14="http://schemas.microsoft.com/office/drawing/2010/main">
+                <a:solidFill>
+                  <a:srgbClr val="FFFFFF"/>
+                </a:solidFill>
+              </a14:hiddenFill>
+            </a:ext>
+            <a:ext uri="{91240B29-F687-4f45-9708-019B960494DF}">
+              <a14:hiddenLine xmlns:a14="http://schemas.microsoft.com/office/drawing/2010/main" w="9525">
+                <a:solidFill>
+                  <a:srgbClr val="000000"/>
+                </a:solidFill>
+                <a:miter lim="800000"/>
+                <a:headEnd/>
+                <a:tailEnd/>
+              </a14:hiddenLine>
+            </a:ext>
+          </a:extLst>
+        </p:spPr>
+      </p:pic>
+      <p:pic>
+        <p:nvPicPr>
+          <p:cNvPr id="26" name="Picture 81" descr="storage_icon.png"/>
+          <p:cNvPicPr>
+            <a:picLocks noChangeAspect="1"/>
+          </p:cNvPicPr>
+          <p:nvPr/>
+        </p:nvPicPr>
+        <p:blipFill>
+          <a:blip r:embed="rId3">
+            <a:extLst>
+              <a:ext uri="{28A0092B-C50C-407E-A947-70E740481C1C}">
+                <a14:useLocalDpi xmlns:a14="http://schemas.microsoft.com/office/drawing/2010/main" val="0"/>
+              </a:ext>
+            </a:extLst>
+          </a:blip>
+          <a:srcRect/>
+          <a:stretch>
+            <a:fillRect/>
+          </a:stretch>
+        </p:blipFill>
+        <p:spPr bwMode="auto">
+          <a:xfrm>
+            <a:off x="6731653" y="3067084"/>
+            <a:ext cx="284967" cy="181775"/>
+          </a:xfrm>
+          <a:prstGeom prst="rect">
+            <a:avLst/>
+          </a:prstGeom>
+          <a:noFill/>
+          <a:ln>
+            <a:noFill/>
+          </a:ln>
+          <a:extLst>
+            <a:ext uri="{909E8E84-426E-40dd-AFC4-6F175D3DCCD1}">
+              <a14:hiddenFill xmlns:a14="http://schemas.microsoft.com/office/drawing/2010/main">
+                <a:solidFill>
+                  <a:srgbClr val="FFFFFF"/>
+                </a:solidFill>
+              </a14:hiddenFill>
+            </a:ext>
+            <a:ext uri="{91240B29-F687-4f45-9708-019B960494DF}">
+              <a14:hiddenLine xmlns:a14="http://schemas.microsoft.com/office/drawing/2010/main" w="9525">
+                <a:solidFill>
+                  <a:srgbClr val="000000"/>
+                </a:solidFill>
+                <a:miter lim="800000"/>
+                <a:headEnd/>
+                <a:tailEnd/>
+              </a14:hiddenLine>
+            </a:ext>
+          </a:extLst>
+        </p:spPr>
+      </p:pic>
+      <p:cxnSp>
+        <p:nvCxnSpPr>
+          <p:cNvPr id="27" name="Straight Connector 19"/>
+          <p:cNvCxnSpPr>
+            <a:cxnSpLocks noChangeShapeType="1"/>
+          </p:cNvCxnSpPr>
+          <p:nvPr/>
+        </p:nvCxnSpPr>
+        <p:spPr bwMode="auto">
+          <a:xfrm rot="5400000">
+            <a:off x="7341513" y="2639656"/>
+            <a:ext cx="133052" cy="1587"/>
+          </a:xfrm>
+          <a:prstGeom prst="line">
+            <a:avLst/>
+          </a:prstGeom>
+          <a:noFill/>
+          <a:ln w="50800">
+            <a:solidFill>
+              <a:srgbClr val="E5B53A"/>
+            </a:solidFill>
+            <a:round/>
+            <a:headEnd/>
+            <a:tailEnd/>
+          </a:ln>
+          <a:effectLst>
+            <a:outerShdw dist="20000" dir="5400000" rotWithShape="0">
+              <a:srgbClr val="808080">
+                <a:alpha val="37999"/>
+              </a:srgbClr>
+            </a:outerShdw>
+          </a:effectLst>
+          <a:extLst>
+            <a:ext uri="{909E8E84-426E-40dd-AFC4-6F175D3DCCD1}">
+              <a14:hiddenFill xmlns:a14="http://schemas.microsoft.com/office/drawing/2010/main">
+                <a:noFill/>
+              </a14:hiddenFill>
+            </a:ext>
+          </a:extLst>
+        </p:spPr>
+      </p:cxnSp>
+      <p:sp>
+        <p:nvSpPr>
+          <p:cNvPr id="28" name="Rounded Rectangle 27"/>
+          <p:cNvSpPr/>
+          <p:nvPr/>
+        </p:nvSpPr>
+        <p:spPr bwMode="auto">
+          <a:xfrm>
+            <a:off x="7159595" y="2689116"/>
+            <a:ext cx="495300" cy="585788"/>
+          </a:xfrm>
+          <a:prstGeom prst="roundRect">
+            <a:avLst/>
+          </a:prstGeom>
+          <a:solidFill>
+            <a:schemeClr val="bg1">
+              <a:lumMod val="75000"/>
+            </a:schemeClr>
+          </a:solidFill>
+          <a:ln>
+            <a:solidFill>
+              <a:schemeClr val="bg1"/>
+            </a:solidFill>
+          </a:ln>
+        </p:spPr>
+        <p:style>
+          <a:lnRef idx="2">
+            <a:schemeClr val="accent1">
+              <a:shade val="50000"/>
+            </a:schemeClr>
+          </a:lnRef>
+          <a:fillRef idx="1">
+            <a:schemeClr val="accent1"/>
+          </a:fillRef>
+          <a:effectRef idx="0">
+            <a:schemeClr val="accent1"/>
+          </a:effectRef>
+          <a:fontRef idx="minor">
+            <a:schemeClr val="lt1"/>
+          </a:fontRef>
+        </p:style>
+        <p:txBody>
+          <a:bodyPr anchor="ctr"/>
+          <a:lstStyle/>
+          <a:p>
+            <a:pPr algn="ctr" fontAlgn="auto">
+              <a:spcBef>
+                <a:spcPts val="0"/>
+              </a:spcBef>
+              <a:spcAft>
+                <a:spcPts val="0"/>
+              </a:spcAft>
+              <a:defRPr/>
+            </a:pPr>
+            <a:endParaRPr lang="en-US" sz="3200" dirty="0"/>
+          </a:p>
+        </p:txBody>
+      </p:sp>
+      <p:sp>
+        <p:nvSpPr>
+          <p:cNvPr id="29" name="Rectangle 28"/>
+          <p:cNvSpPr/>
+          <p:nvPr/>
+        </p:nvSpPr>
+        <p:spPr bwMode="auto">
+          <a:xfrm>
+            <a:off x="7227857" y="2867709"/>
+            <a:ext cx="346075" cy="204490"/>
+          </a:xfrm>
+          <a:prstGeom prst="rect">
+            <a:avLst/>
+          </a:prstGeom>
+          <a:solidFill>
+            <a:schemeClr val="bg1">
+              <a:lumMod val="85000"/>
+            </a:schemeClr>
+          </a:solidFill>
+          <a:ln w="3175">
+            <a:solidFill>
+              <a:schemeClr val="bg1"/>
+            </a:solidFill>
+          </a:ln>
+        </p:spPr>
+        <p:style>
+          <a:lnRef idx="2">
+            <a:schemeClr val="accent1">
+              <a:shade val="50000"/>
+            </a:schemeClr>
+          </a:lnRef>
+          <a:fillRef idx="1">
+            <a:schemeClr val="accent1"/>
+          </a:fillRef>
+          <a:effectRef idx="0">
+            <a:schemeClr val="accent1"/>
+          </a:effectRef>
+          <a:fontRef idx="minor">
+            <a:schemeClr val="lt1"/>
+          </a:fontRef>
+        </p:style>
+        <p:txBody>
+          <a:bodyPr anchor="ctr"/>
+          <a:lstStyle/>
+          <a:p>
+            <a:pPr algn="ctr" fontAlgn="auto">
+              <a:spcBef>
+                <a:spcPts val="0"/>
+              </a:spcBef>
+              <a:spcAft>
+                <a:spcPts val="0"/>
+              </a:spcAft>
+              <a:defRPr/>
+            </a:pPr>
+            <a:endParaRPr lang="en-US" sz="3200" dirty="0"/>
+          </a:p>
+        </p:txBody>
+      </p:sp>
+      <p:pic>
+        <p:nvPicPr>
+          <p:cNvPr id="30" name="Picture 74" descr="server_icon.png"/>
+          <p:cNvPicPr>
+            <a:picLocks noChangeAspect="1"/>
+          </p:cNvPicPr>
+          <p:nvPr/>
+        </p:nvPicPr>
+        <p:blipFill>
+          <a:blip r:embed="rId2">
+            <a:extLst>
+              <a:ext uri="{28A0092B-C50C-407E-A947-70E740481C1C}">
+                <a14:useLocalDpi xmlns:a14="http://schemas.microsoft.com/office/drawing/2010/main" val="0"/>
+              </a:ext>
+            </a:extLst>
+          </a:blip>
+          <a:srcRect/>
+          <a:stretch>
+            <a:fillRect/>
+          </a:stretch>
+        </p:blipFill>
+        <p:spPr bwMode="auto">
+          <a:xfrm>
+            <a:off x="7186193" y="2712843"/>
+            <a:ext cx="403716" cy="167078"/>
+          </a:xfrm>
+          <a:prstGeom prst="rect">
+            <a:avLst/>
+          </a:prstGeom>
+          <a:noFill/>
+          <a:ln>
+            <a:noFill/>
+          </a:ln>
+          <a:extLst>
+            <a:ext uri="{909E8E84-426E-40dd-AFC4-6F175D3DCCD1}">
+              <a14:hiddenFill xmlns:a14="http://schemas.microsoft.com/office/drawing/2010/main">
+                <a:solidFill>
+                  <a:srgbClr val="FFFFFF"/>
+                </a:solidFill>
+              </a14:hiddenFill>
+            </a:ext>
+            <a:ext uri="{91240B29-F687-4f45-9708-019B960494DF}">
+              <a14:hiddenLine xmlns:a14="http://schemas.microsoft.com/office/drawing/2010/main" w="9525">
+                <a:solidFill>
+                  <a:srgbClr val="000000"/>
+                </a:solidFill>
+                <a:miter lim="800000"/>
+                <a:headEnd/>
+                <a:tailEnd/>
+              </a14:hiddenLine>
+            </a:ext>
+          </a:extLst>
+        </p:spPr>
+      </p:pic>
+      <p:pic>
+        <p:nvPicPr>
+          <p:cNvPr id="31" name="Picture 75" descr="storage_icon.png"/>
+          <p:cNvPicPr>
+            <a:picLocks noChangeAspect="1"/>
+          </p:cNvPicPr>
+          <p:nvPr/>
+        </p:nvPicPr>
+        <p:blipFill>
+          <a:blip r:embed="rId3">
+            <a:extLst>
+              <a:ext uri="{28A0092B-C50C-407E-A947-70E740481C1C}">
+                <a14:useLocalDpi xmlns:a14="http://schemas.microsoft.com/office/drawing/2010/main" val="0"/>
+              </a:ext>
+            </a:extLst>
+          </a:blip>
+          <a:srcRect/>
+          <a:stretch>
+            <a:fillRect/>
+          </a:stretch>
+        </p:blipFill>
+        <p:spPr bwMode="auto">
+          <a:xfrm>
+            <a:off x="7245569" y="3067084"/>
+            <a:ext cx="284967" cy="181775"/>
+          </a:xfrm>
+          <a:prstGeom prst="rect">
+            <a:avLst/>
+          </a:prstGeom>
+          <a:noFill/>
+          <a:ln>
+            <a:noFill/>
+          </a:ln>
+          <a:extLst>
+            <a:ext uri="{909E8E84-426E-40dd-AFC4-6F175D3DCCD1}">
+              <a14:hiddenFill xmlns:a14="http://schemas.microsoft.com/office/drawing/2010/main">
+                <a:solidFill>
+                  <a:srgbClr val="FFFFFF"/>
+                </a:solidFill>
+              </a14:hiddenFill>
+            </a:ext>
+            <a:ext uri="{91240B29-F687-4f45-9708-019B960494DF}">
+              <a14:hiddenLine xmlns:a14="http://schemas.microsoft.com/office/drawing/2010/main" w="9525">
+                <a:solidFill>
+                  <a:srgbClr val="000000"/>
+                </a:solidFill>
+                <a:miter lim="800000"/>
+                <a:headEnd/>
+                <a:tailEnd/>
+              </a14:hiddenLine>
+            </a:ext>
+          </a:extLst>
+        </p:spPr>
+      </p:pic>
+      <p:cxnSp>
+        <p:nvCxnSpPr>
+          <p:cNvPr id="32" name="Straight Connector 21"/>
+          <p:cNvCxnSpPr>
+            <a:cxnSpLocks noChangeShapeType="1"/>
+          </p:cNvCxnSpPr>
+          <p:nvPr/>
+        </p:nvCxnSpPr>
+        <p:spPr bwMode="auto">
+          <a:xfrm rot="5400000">
+            <a:off x="7855863" y="2639656"/>
+            <a:ext cx="133052" cy="1587"/>
+          </a:xfrm>
+          <a:prstGeom prst="line">
+            <a:avLst/>
+          </a:prstGeom>
+          <a:noFill/>
+          <a:ln w="50800">
+            <a:solidFill>
+              <a:srgbClr val="E5B53A"/>
+            </a:solidFill>
+            <a:round/>
+            <a:headEnd/>
+            <a:tailEnd/>
+          </a:ln>
+          <a:effectLst>
+            <a:outerShdw dist="20000" dir="5400000" rotWithShape="0">
+              <a:srgbClr val="808080">
+                <a:alpha val="37999"/>
+              </a:srgbClr>
+            </a:outerShdw>
+          </a:effectLst>
+          <a:extLst>
+            <a:ext uri="{909E8E84-426E-40dd-AFC4-6F175D3DCCD1}">
+              <a14:hiddenFill xmlns:a14="http://schemas.microsoft.com/office/drawing/2010/main">
+                <a:noFill/>
+              </a14:hiddenFill>
+            </a:ext>
+          </a:extLst>
+        </p:spPr>
+      </p:cxnSp>
+      <p:sp>
+        <p:nvSpPr>
+          <p:cNvPr id="33" name="Rounded Rectangle 32"/>
+          <p:cNvSpPr/>
+          <p:nvPr/>
+        </p:nvSpPr>
+        <p:spPr bwMode="auto">
+          <a:xfrm>
+            <a:off x="7673946" y="2689116"/>
+            <a:ext cx="495300" cy="585788"/>
+          </a:xfrm>
+          <a:prstGeom prst="roundRect">
+            <a:avLst/>
+          </a:prstGeom>
+          <a:solidFill>
+            <a:schemeClr val="bg1">
+              <a:lumMod val="75000"/>
+            </a:schemeClr>
+          </a:solidFill>
+          <a:ln>
+            <a:solidFill>
+              <a:schemeClr val="bg1"/>
+            </a:solidFill>
+          </a:ln>
+        </p:spPr>
+        <p:style>
+          <a:lnRef idx="2">
+            <a:schemeClr val="accent1">
+              <a:shade val="50000"/>
+            </a:schemeClr>
+          </a:lnRef>
+          <a:fillRef idx="1">
+            <a:schemeClr val="accent1"/>
+          </a:fillRef>
+          <a:effectRef idx="0">
+            <a:schemeClr val="accent1"/>
+          </a:effectRef>
+          <a:fontRef idx="minor">
+            <a:schemeClr val="lt1"/>
+          </a:fontRef>
+        </p:style>
+        <p:txBody>
+          <a:bodyPr anchor="ctr"/>
+          <a:lstStyle/>
+          <a:p>
+            <a:pPr algn="ctr" fontAlgn="auto">
+              <a:spcBef>
+                <a:spcPts val="0"/>
+              </a:spcBef>
+              <a:spcAft>
+                <a:spcPts val="0"/>
+              </a:spcAft>
+              <a:defRPr/>
+            </a:pPr>
+            <a:endParaRPr lang="en-US" sz="3200" dirty="0"/>
+          </a:p>
+        </p:txBody>
+      </p:sp>
+      <p:sp>
+        <p:nvSpPr>
+          <p:cNvPr id="34" name="Rectangle 33"/>
+          <p:cNvSpPr/>
+          <p:nvPr/>
+        </p:nvSpPr>
+        <p:spPr bwMode="auto">
+          <a:xfrm>
+            <a:off x="7742208" y="2867709"/>
+            <a:ext cx="346075" cy="204490"/>
+          </a:xfrm>
+          <a:prstGeom prst="rect">
+            <a:avLst/>
+          </a:prstGeom>
+          <a:solidFill>
+            <a:schemeClr val="bg1">
+              <a:lumMod val="85000"/>
+            </a:schemeClr>
+          </a:solidFill>
+          <a:ln w="3175">
+            <a:solidFill>
+              <a:schemeClr val="bg1"/>
+            </a:solidFill>
+          </a:ln>
+        </p:spPr>
+        <p:style>
+          <a:lnRef idx="2">
+            <a:schemeClr val="accent1">
+              <a:shade val="50000"/>
+            </a:schemeClr>
+          </a:lnRef>
+          <a:fillRef idx="1">
+            <a:schemeClr val="accent1"/>
+          </a:fillRef>
+          <a:effectRef idx="0">
+            <a:schemeClr val="accent1"/>
+          </a:effectRef>
+          <a:fontRef idx="minor">
+            <a:schemeClr val="lt1"/>
+          </a:fontRef>
+        </p:style>
+        <p:txBody>
+          <a:bodyPr anchor="ctr"/>
+          <a:lstStyle/>
+          <a:p>
+            <a:pPr algn="ctr" fontAlgn="auto">
+              <a:spcBef>
+                <a:spcPts val="0"/>
+              </a:spcBef>
+              <a:spcAft>
+                <a:spcPts val="0"/>
+              </a:spcAft>
+              <a:defRPr/>
+            </a:pPr>
+            <a:endParaRPr lang="en-US" sz="3200" dirty="0"/>
+          </a:p>
+        </p:txBody>
+      </p:sp>
+      <p:grpSp>
+        <p:nvGrpSpPr>
+          <p:cNvPr id="35" name="Group 34"/>
+          <p:cNvGrpSpPr/>
+          <p:nvPr/>
+        </p:nvGrpSpPr>
+        <p:grpSpPr>
+          <a:xfrm>
+            <a:off x="5650459" y="2879921"/>
+            <a:ext cx="2410927" cy="162212"/>
+            <a:chOff x="5361336" y="1600200"/>
+            <a:chExt cx="2410927" cy="216283"/>
+          </a:xfrm>
+        </p:grpSpPr>
+        <p:pic>
+          <p:nvPicPr>
+            <p:cNvPr id="36" name="Picture 5"/>
+            <p:cNvPicPr>
+              <a:picLocks noChangeAspect="1" noChangeArrowheads="1"/>
+            </p:cNvPicPr>
+            <p:nvPr/>
+          </p:nvPicPr>
+          <p:blipFill>
+            <a:blip r:embed="rId4">
+              <a:grayscl/>
+              <a:extLst>
+                <a:ext uri="{28A0092B-C50C-407E-A947-70E740481C1C}">
+                  <a14:useLocalDpi xmlns:a14="http://schemas.microsoft.com/office/drawing/2010/main" val="0"/>
+                </a:ext>
+              </a:extLst>
+            </a:blip>
+            <a:srcRect/>
+            <a:stretch>
+              <a:fillRect/>
+            </a:stretch>
+          </p:blipFill>
+          <p:spPr bwMode="auto">
+            <a:xfrm>
+              <a:off x="5361336" y="1600200"/>
+              <a:ext cx="355263" cy="216283"/>
+            </a:xfrm>
+            <a:prstGeom prst="rect">
+              <a:avLst/>
+            </a:prstGeom>
+            <a:noFill/>
+            <a:ln>
+              <a:noFill/>
+            </a:ln>
+            <a:extLst>
+              <a:ext uri="{909E8E84-426E-40dd-AFC4-6F175D3DCCD1}">
+                <a14:hiddenFill xmlns:a14="http://schemas.microsoft.com/office/drawing/2010/main">
+                  <a:solidFill>
+                    <a:srgbClr val="FFFFFF"/>
+                  </a:solidFill>
+                </a14:hiddenFill>
+              </a:ext>
+              <a:ext uri="{91240B29-F687-4f45-9708-019B960494DF}">
+                <a14:hiddenLine xmlns:a14="http://schemas.microsoft.com/office/drawing/2010/main" w="9525">
+                  <a:solidFill>
+                    <a:srgbClr val="000000"/>
+                  </a:solidFill>
+                  <a:miter lim="800000"/>
+                  <a:headEnd/>
+                  <a:tailEnd/>
+                </a14:hiddenLine>
+              </a:ext>
+            </a:extLst>
+          </p:spPr>
+        </p:pic>
+        <p:pic>
+          <p:nvPicPr>
+            <p:cNvPr id="37" name="Picture 5"/>
+            <p:cNvPicPr>
+              <a:picLocks noChangeAspect="1" noChangeArrowheads="1"/>
+            </p:cNvPicPr>
+            <p:nvPr/>
+          </p:nvPicPr>
+          <p:blipFill>
+            <a:blip r:embed="rId4">
+              <a:grayscl/>
+              <a:extLst>
+                <a:ext uri="{28A0092B-C50C-407E-A947-70E740481C1C}">
+                  <a14:useLocalDpi xmlns:a14="http://schemas.microsoft.com/office/drawing/2010/main" val="0"/>
+                </a:ext>
+              </a:extLst>
+            </a:blip>
+            <a:srcRect/>
+            <a:stretch>
+              <a:fillRect/>
+            </a:stretch>
+          </p:blipFill>
+          <p:spPr bwMode="auto">
+            <a:xfrm>
+              <a:off x="5875252" y="1600200"/>
+              <a:ext cx="355263" cy="216283"/>
+            </a:xfrm>
+            <a:prstGeom prst="rect">
+              <a:avLst/>
+            </a:prstGeom>
+            <a:noFill/>
+            <a:ln>
+              <a:noFill/>
+            </a:ln>
+            <a:extLst>
+              <a:ext uri="{909E8E84-426E-40dd-AFC4-6F175D3DCCD1}">
+                <a14:hiddenFill xmlns:a14="http://schemas.microsoft.com/office/drawing/2010/main">
+                  <a:solidFill>
+                    <a:srgbClr val="FFFFFF"/>
+                  </a:solidFill>
+                </a14:hiddenFill>
+              </a:ext>
+              <a:ext uri="{91240B29-F687-4f45-9708-019B960494DF}">
+                <a14:hiddenLine xmlns:a14="http://schemas.microsoft.com/office/drawing/2010/main" w="9525">
+                  <a:solidFill>
+                    <a:srgbClr val="000000"/>
+                  </a:solidFill>
+                  <a:miter lim="800000"/>
+                  <a:headEnd/>
+                  <a:tailEnd/>
+                </a14:hiddenLine>
+              </a:ext>
+            </a:extLst>
+          </p:spPr>
+        </p:pic>
+        <p:pic>
+          <p:nvPicPr>
+            <p:cNvPr id="38" name="Picture 5"/>
+            <p:cNvPicPr>
+              <a:picLocks noChangeAspect="1" noChangeArrowheads="1"/>
+            </p:cNvPicPr>
+            <p:nvPr/>
+          </p:nvPicPr>
+          <p:blipFill>
+            <a:blip r:embed="rId4">
+              <a:grayscl/>
+              <a:extLst>
+                <a:ext uri="{28A0092B-C50C-407E-A947-70E740481C1C}">
+                  <a14:useLocalDpi xmlns:a14="http://schemas.microsoft.com/office/drawing/2010/main" val="0"/>
+                </a:ext>
+              </a:extLst>
+            </a:blip>
+            <a:srcRect/>
+            <a:stretch>
+              <a:fillRect/>
+            </a:stretch>
+          </p:blipFill>
+          <p:spPr bwMode="auto">
+            <a:xfrm>
+              <a:off x="6389168" y="1600200"/>
+              <a:ext cx="355263" cy="216283"/>
+            </a:xfrm>
+            <a:prstGeom prst="rect">
+              <a:avLst/>
+            </a:prstGeom>
+            <a:noFill/>
+            <a:ln>
+              <a:noFill/>
+            </a:ln>
+            <a:extLst>
+              <a:ext uri="{909E8E84-426E-40dd-AFC4-6F175D3DCCD1}">
+                <a14:hiddenFill xmlns:a14="http://schemas.microsoft.com/office/drawing/2010/main">
+                  <a:solidFill>
+                    <a:srgbClr val="FFFFFF"/>
+                  </a:solidFill>
+                </a14:hiddenFill>
+              </a:ext>
+              <a:ext uri="{91240B29-F687-4f45-9708-019B960494DF}">
+                <a14:hiddenLine xmlns:a14="http://schemas.microsoft.com/office/drawing/2010/main" w="9525">
+                  <a:solidFill>
+                    <a:srgbClr val="000000"/>
+                  </a:solidFill>
+                  <a:miter lim="800000"/>
+                  <a:headEnd/>
+                  <a:tailEnd/>
+                </a14:hiddenLine>
+              </a:ext>
+            </a:extLst>
+          </p:spPr>
+        </p:pic>
+        <p:pic>
+          <p:nvPicPr>
+            <p:cNvPr id="39" name="Picture 5"/>
+            <p:cNvPicPr>
+              <a:picLocks noChangeAspect="1" noChangeArrowheads="1"/>
+            </p:cNvPicPr>
+            <p:nvPr/>
+          </p:nvPicPr>
+          <p:blipFill>
+            <a:blip r:embed="rId4">
+              <a:grayscl/>
+              <a:extLst>
+                <a:ext uri="{28A0092B-C50C-407E-A947-70E740481C1C}">
+                  <a14:useLocalDpi xmlns:a14="http://schemas.microsoft.com/office/drawing/2010/main" val="0"/>
+                </a:ext>
+              </a:extLst>
+            </a:blip>
+            <a:srcRect/>
+            <a:stretch>
+              <a:fillRect/>
+            </a:stretch>
+          </p:blipFill>
+          <p:spPr bwMode="auto">
+            <a:xfrm>
+              <a:off x="6903084" y="1600200"/>
+              <a:ext cx="355263" cy="216283"/>
+            </a:xfrm>
+            <a:prstGeom prst="rect">
+              <a:avLst/>
+            </a:prstGeom>
+            <a:noFill/>
+            <a:ln>
+              <a:noFill/>
+            </a:ln>
+            <a:extLst>
+              <a:ext uri="{909E8E84-426E-40dd-AFC4-6F175D3DCCD1}">
+                <a14:hiddenFill xmlns:a14="http://schemas.microsoft.com/office/drawing/2010/main">
+                  <a:solidFill>
+                    <a:srgbClr val="FFFFFF"/>
+                  </a:solidFill>
+                </a14:hiddenFill>
+              </a:ext>
+              <a:ext uri="{91240B29-F687-4f45-9708-019B960494DF}">
+                <a14:hiddenLine xmlns:a14="http://schemas.microsoft.com/office/drawing/2010/main" w="9525">
+                  <a:solidFill>
+                    <a:srgbClr val="000000"/>
+                  </a:solidFill>
+                  <a:miter lim="800000"/>
+                  <a:headEnd/>
+                  <a:tailEnd/>
+                </a14:hiddenLine>
+              </a:ext>
+            </a:extLst>
+          </p:spPr>
+        </p:pic>
+        <p:pic>
+          <p:nvPicPr>
+            <p:cNvPr id="40" name="Picture 5"/>
+            <p:cNvPicPr>
+              <a:picLocks noChangeAspect="1" noChangeArrowheads="1"/>
+            </p:cNvPicPr>
+            <p:nvPr/>
+          </p:nvPicPr>
+          <p:blipFill>
+            <a:blip r:embed="rId4">
+              <a:grayscl/>
+              <a:extLst>
+                <a:ext uri="{28A0092B-C50C-407E-A947-70E740481C1C}">
+                  <a14:useLocalDpi xmlns:a14="http://schemas.microsoft.com/office/drawing/2010/main" val="0"/>
+                </a:ext>
+              </a:extLst>
+            </a:blip>
+            <a:srcRect/>
+            <a:stretch>
+              <a:fillRect/>
+            </a:stretch>
+          </p:blipFill>
+          <p:spPr bwMode="auto">
+            <a:xfrm>
+              <a:off x="7417000" y="1600200"/>
+              <a:ext cx="355263" cy="216283"/>
+            </a:xfrm>
+            <a:prstGeom prst="rect">
+              <a:avLst/>
+            </a:prstGeom>
+            <a:noFill/>
+            <a:ln>
+              <a:noFill/>
+            </a:ln>
+            <a:extLst>
+              <a:ext uri="{909E8E84-426E-40dd-AFC4-6F175D3DCCD1}">
+                <a14:hiddenFill xmlns:a14="http://schemas.microsoft.com/office/drawing/2010/main">
+                  <a:solidFill>
+                    <a:srgbClr val="FFFFFF"/>
+                  </a:solidFill>
+                </a14:hiddenFill>
+              </a:ext>
+              <a:ext uri="{91240B29-F687-4f45-9708-019B960494DF}">
+                <a14:hiddenLine xmlns:a14="http://schemas.microsoft.com/office/drawing/2010/main" w="9525">
+                  <a:solidFill>
+                    <a:srgbClr val="000000"/>
+                  </a:solidFill>
+                  <a:miter lim="800000"/>
+                  <a:headEnd/>
+                  <a:tailEnd/>
+                </a14:hiddenLine>
+              </a:ext>
+            </a:extLst>
+          </p:spPr>
+        </p:pic>
+      </p:grpSp>
+      <p:pic>
+        <p:nvPicPr>
+          <p:cNvPr id="41" name="Picture 68" descr="server_icon.png"/>
+          <p:cNvPicPr>
+            <a:picLocks noChangeAspect="1"/>
+          </p:cNvPicPr>
+          <p:nvPr/>
+        </p:nvPicPr>
+        <p:blipFill>
+          <a:blip r:embed="rId2">
+            <a:extLst>
+              <a:ext uri="{28A0092B-C50C-407E-A947-70E740481C1C}">
+                <a14:useLocalDpi xmlns:a14="http://schemas.microsoft.com/office/drawing/2010/main" val="0"/>
+              </a:ext>
+            </a:extLst>
+          </a:blip>
+          <a:srcRect/>
+          <a:stretch>
+            <a:fillRect/>
+          </a:stretch>
+        </p:blipFill>
+        <p:spPr bwMode="auto">
+          <a:xfrm>
+            <a:off x="7700109" y="2712843"/>
+            <a:ext cx="403716" cy="167078"/>
+          </a:xfrm>
+          <a:prstGeom prst="rect">
+            <a:avLst/>
+          </a:prstGeom>
+          <a:noFill/>
+          <a:ln>
+            <a:noFill/>
+          </a:ln>
+          <a:extLst>
+            <a:ext uri="{909E8E84-426E-40dd-AFC4-6F175D3DCCD1}">
+              <a14:hiddenFill xmlns:a14="http://schemas.microsoft.com/office/drawing/2010/main">
+                <a:solidFill>
+                  <a:srgbClr val="FFFFFF"/>
+                </a:solidFill>
+              </a14:hiddenFill>
+            </a:ext>
+            <a:ext uri="{91240B29-F687-4f45-9708-019B960494DF}">
+              <a14:hiddenLine xmlns:a14="http://schemas.microsoft.com/office/drawing/2010/main" w="9525">
+                <a:solidFill>
+                  <a:srgbClr val="000000"/>
+                </a:solidFill>
+                <a:miter lim="800000"/>
+                <a:headEnd/>
+                <a:tailEnd/>
+              </a14:hiddenLine>
+            </a:ext>
+          </a:extLst>
+        </p:spPr>
+      </p:pic>
+      <p:pic>
+        <p:nvPicPr>
+          <p:cNvPr id="42" name="Picture 69" descr="storage_icon.png"/>
+          <p:cNvPicPr>
+            <a:picLocks noChangeAspect="1"/>
+          </p:cNvPicPr>
+          <p:nvPr/>
+        </p:nvPicPr>
+        <p:blipFill>
+          <a:blip r:embed="rId3">
+            <a:extLst>
+              <a:ext uri="{28A0092B-C50C-407E-A947-70E740481C1C}">
+                <a14:useLocalDpi xmlns:a14="http://schemas.microsoft.com/office/drawing/2010/main" val="0"/>
+              </a:ext>
+            </a:extLst>
+          </a:blip>
+          <a:srcRect/>
+          <a:stretch>
+            <a:fillRect/>
+          </a:stretch>
+        </p:blipFill>
+        <p:spPr bwMode="auto">
+          <a:xfrm>
+            <a:off x="7759485" y="3067084"/>
+            <a:ext cx="284967" cy="181775"/>
+          </a:xfrm>
+          <a:prstGeom prst="rect">
+            <a:avLst/>
+          </a:prstGeom>
+          <a:noFill/>
+          <a:ln>
+            <a:noFill/>
+          </a:ln>
+          <a:extLst>
+            <a:ext uri="{909E8E84-426E-40dd-AFC4-6F175D3DCCD1}">
+              <a14:hiddenFill xmlns:a14="http://schemas.microsoft.com/office/drawing/2010/main">
+                <a:solidFill>
+                  <a:srgbClr val="FFFFFF"/>
+                </a:solidFill>
+              </a14:hiddenFill>
+            </a:ext>
+            <a:ext uri="{91240B29-F687-4f45-9708-019B960494DF}">
+              <a14:hiddenLine xmlns:a14="http://schemas.microsoft.com/office/drawing/2010/main" w="9525">
+                <a:solidFill>
+                  <a:srgbClr val="000000"/>
+                </a:solidFill>
+                <a:miter lim="800000"/>
+                <a:headEnd/>
+                <a:tailEnd/>
+              </a14:hiddenLine>
+            </a:ext>
+          </a:extLst>
+        </p:spPr>
+      </p:pic>
+      <p:sp>
+        <p:nvSpPr>
+          <p:cNvPr id="43" name="TextBox 33"/>
+          <p:cNvSpPr txBox="1">
+            <a:spLocks noChangeArrowheads="1"/>
+          </p:cNvSpPr>
+          <p:nvPr/>
+        </p:nvSpPr>
+        <p:spPr bwMode="auto">
+          <a:xfrm>
+            <a:off x="8192788" y="2784664"/>
+            <a:ext cx="549268" cy="400110"/>
+          </a:xfrm>
+          <a:prstGeom prst="rect">
+            <a:avLst/>
+          </a:prstGeom>
+          <a:noFill/>
+          <a:ln>
+            <a:noFill/>
+          </a:ln>
+          <a:extLst>
+            <a:ext uri="{909E8E84-426E-40dd-AFC4-6F175D3DCCD1}">
+              <a14:hiddenFill xmlns:a14="http://schemas.microsoft.com/office/drawing/2010/main">
+                <a:solidFill>
+                  <a:srgbClr val="FFFFFF"/>
+                </a:solidFill>
+              </a14:hiddenFill>
+            </a:ext>
+            <a:ext uri="{91240B29-F687-4f45-9708-019B960494DF}">
+              <a14:hiddenLine xmlns:a14="http://schemas.microsoft.com/office/drawing/2010/main" w="9525">
+                <a:solidFill>
+                  <a:srgbClr val="000000"/>
+                </a:solidFill>
+                <a:miter lim="800000"/>
+                <a:headEnd/>
+                <a:tailEnd/>
+              </a14:hiddenLine>
+            </a:ext>
+          </a:extLst>
+        </p:spPr>
+        <p:txBody>
+          <a:bodyPr>
+            <a:spAutoFit/>
+          </a:bodyPr>
+          <a:lstStyle>
+            <a:lvl1pPr eaLnBrk="0" hangingPunct="0">
+              <a:defRPr sz="2400">
+                <a:solidFill>
+                  <a:schemeClr val="tx1"/>
+                </a:solidFill>
+                <a:latin typeface="Arial" charset="0"/>
+                <a:ea typeface="ＭＳ Ｐゴシック" charset="0"/>
+                <a:cs typeface="ＭＳ Ｐゴシック" charset="0"/>
+              </a:defRPr>
+            </a:lvl1pPr>
+            <a:lvl2pPr marL="742950" indent="-285750" eaLnBrk="0" hangingPunct="0">
+              <a:defRPr sz="2400">
+                <a:solidFill>
+                  <a:schemeClr val="tx1"/>
+                </a:solidFill>
+                <a:latin typeface="Arial" charset="0"/>
+                <a:ea typeface="ＭＳ Ｐゴシック" charset="0"/>
+              </a:defRPr>
+            </a:lvl2pPr>
+            <a:lvl3pPr marL="1143000" indent="-228600" eaLnBrk="0" hangingPunct="0">
+              <a:defRPr sz="2400">
+                <a:solidFill>
+                  <a:schemeClr val="tx1"/>
+                </a:solidFill>
+                <a:latin typeface="Arial" charset="0"/>
+                <a:ea typeface="ＭＳ Ｐゴシック" charset="0"/>
+              </a:defRPr>
+            </a:lvl3pPr>
+            <a:lvl4pPr marL="1600200" indent="-228600" eaLnBrk="0" hangingPunct="0">
+              <a:defRPr sz="2400">
+                <a:solidFill>
+                  <a:schemeClr val="tx1"/>
+                </a:solidFill>
+                <a:latin typeface="Arial" charset="0"/>
+                <a:ea typeface="ＭＳ Ｐゴシック" charset="0"/>
+              </a:defRPr>
+            </a:lvl4pPr>
+            <a:lvl5pPr marL="2057400" indent="-228600" eaLnBrk="0" hangingPunct="0">
+              <a:defRPr sz="2400">
+                <a:solidFill>
+                  <a:schemeClr val="tx1"/>
+                </a:solidFill>
+                <a:latin typeface="Arial" charset="0"/>
+                <a:ea typeface="ＭＳ Ｐゴシック" charset="0"/>
+              </a:defRPr>
+            </a:lvl5pPr>
+            <a:lvl6pPr marL="2514600" indent="-228600" eaLnBrk="0" fontAlgn="base" hangingPunct="0">
+              <a:spcBef>
+                <a:spcPct val="0"/>
+              </a:spcBef>
+              <a:spcAft>
+                <a:spcPct val="0"/>
+              </a:spcAft>
+              <a:defRPr sz="2400">
+                <a:solidFill>
+                  <a:schemeClr val="tx1"/>
+                </a:solidFill>
+                <a:latin typeface="Arial" charset="0"/>
+                <a:ea typeface="ＭＳ Ｐゴシック" charset="0"/>
+              </a:defRPr>
+            </a:lvl6pPr>
+            <a:lvl7pPr marL="2971800" indent="-228600" eaLnBrk="0" fontAlgn="base" hangingPunct="0">
+              <a:spcBef>
+                <a:spcPct val="0"/>
+              </a:spcBef>
+              <a:spcAft>
+                <a:spcPct val="0"/>
+              </a:spcAft>
+              <a:defRPr sz="2400">
+                <a:solidFill>
+                  <a:schemeClr val="tx1"/>
+                </a:solidFill>
+                <a:latin typeface="Arial" charset="0"/>
+                <a:ea typeface="ＭＳ Ｐゴシック" charset="0"/>
+              </a:defRPr>
+            </a:lvl7pPr>
+            <a:lvl8pPr marL="3429000" indent="-228600" eaLnBrk="0" fontAlgn="base" hangingPunct="0">
+              <a:spcBef>
+                <a:spcPct val="0"/>
+              </a:spcBef>
+              <a:spcAft>
+                <a:spcPct val="0"/>
+              </a:spcAft>
+              <a:defRPr sz="2400">
+                <a:solidFill>
+                  <a:schemeClr val="tx1"/>
+                </a:solidFill>
+                <a:latin typeface="Arial" charset="0"/>
+                <a:ea typeface="ＭＳ Ｐゴシック" charset="0"/>
+              </a:defRPr>
+            </a:lvl8pPr>
+            <a:lvl9pPr marL="3886200" indent="-228600" eaLnBrk="0" fontAlgn="base" hangingPunct="0">
+              <a:spcBef>
+                <a:spcPct val="0"/>
+              </a:spcBef>
+              <a:spcAft>
+                <a:spcPct val="0"/>
+              </a:spcAft>
+              <a:defRPr sz="2400">
+                <a:solidFill>
+                  <a:schemeClr val="tx1"/>
+                </a:solidFill>
+                <a:latin typeface="Arial" charset="0"/>
+                <a:ea typeface="ＭＳ Ｐゴシック" charset="0"/>
+              </a:defRPr>
+            </a:lvl9pPr>
+          </a:lstStyle>
+          <a:p>
+            <a:pPr eaLnBrk="1" hangingPunct="1"/>
+            <a:r>
+              <a:rPr lang="en-US" sz="2000" dirty="0"/>
+              <a:t>...</a:t>
+            </a:r>
+          </a:p>
+        </p:txBody>
+      </p:sp>
+      <p:cxnSp>
+        <p:nvCxnSpPr>
+          <p:cNvPr id="44" name="Straight Connector 94"/>
+          <p:cNvCxnSpPr>
+            <a:cxnSpLocks noChangeShapeType="1"/>
+          </p:cNvCxnSpPr>
+          <p:nvPr/>
+        </p:nvCxnSpPr>
+        <p:spPr bwMode="auto">
+          <a:xfrm rot="5400000">
+            <a:off x="7221073" y="2405252"/>
+            <a:ext cx="237530" cy="1587"/>
+          </a:xfrm>
+          <a:prstGeom prst="line">
+            <a:avLst/>
+          </a:prstGeom>
+          <a:noFill/>
+          <a:ln w="50800">
+            <a:solidFill>
+              <a:srgbClr val="E5B53A"/>
+            </a:solidFill>
+            <a:round/>
+            <a:headEnd/>
+            <a:tailEnd/>
+          </a:ln>
+          <a:effectLst>
+            <a:outerShdw dist="20000" dir="5400000" rotWithShape="0">
+              <a:srgbClr val="808080">
+                <a:alpha val="37999"/>
+              </a:srgbClr>
+            </a:outerShdw>
+          </a:effectLst>
+          <a:extLst>
+            <a:ext uri="{909E8E84-426E-40dd-AFC4-6F175D3DCCD1}">
+              <a14:hiddenFill xmlns:a14="http://schemas.microsoft.com/office/drawing/2010/main">
+                <a:noFill/>
+              </a14:hiddenFill>
+            </a:ext>
+          </a:extLst>
+        </p:spPr>
+      </p:cxnSp>
+      <p:grpSp>
+        <p:nvGrpSpPr>
+          <p:cNvPr id="52" name="Group 331"/>
+          <p:cNvGrpSpPr>
+            <a:grpSpLocks/>
+          </p:cNvGrpSpPr>
+          <p:nvPr/>
+        </p:nvGrpSpPr>
+        <p:grpSpPr bwMode="auto">
+          <a:xfrm>
+            <a:off x="6996146" y="1683236"/>
+            <a:ext cx="687387" cy="486668"/>
+            <a:chOff x="4533205" y="2544416"/>
+            <a:chExt cx="734533" cy="924063"/>
+          </a:xfrm>
+        </p:grpSpPr>
+        <p:sp>
+          <p:nvSpPr>
+            <p:cNvPr id="53" name="Rounded Rectangle 52"/>
+            <p:cNvSpPr/>
+            <p:nvPr/>
+          </p:nvSpPr>
+          <p:spPr bwMode="auto">
+            <a:xfrm>
+              <a:off x="4533205" y="2544416"/>
+              <a:ext cx="734533" cy="924063"/>
+            </a:xfrm>
+            <a:prstGeom prst="roundRect">
+              <a:avLst/>
+            </a:prstGeom>
+            <a:solidFill>
+              <a:schemeClr val="bg1">
+                <a:lumMod val="75000"/>
+              </a:schemeClr>
+            </a:solidFill>
+            <a:ln>
+              <a:solidFill>
+                <a:schemeClr val="bg1"/>
+              </a:solidFill>
+            </a:ln>
+          </p:spPr>
+          <p:style>
+            <a:lnRef idx="2">
+              <a:schemeClr val="accent1">
+                <a:shade val="50000"/>
+              </a:schemeClr>
+            </a:lnRef>
+            <a:fillRef idx="1">
+              <a:schemeClr val="accent1"/>
+            </a:fillRef>
+            <a:effectRef idx="0">
+              <a:schemeClr val="accent1"/>
+            </a:effectRef>
+            <a:fontRef idx="minor">
+              <a:schemeClr val="lt1"/>
+            </a:fontRef>
+          </p:style>
+          <p:txBody>
+            <a:bodyPr anchor="ctr"/>
+            <a:lstStyle/>
+            <a:p>
+              <a:pPr algn="ctr" fontAlgn="auto">
+                <a:spcBef>
+                  <a:spcPts val="0"/>
+                </a:spcBef>
+                <a:spcAft>
+                  <a:spcPts val="0"/>
+                </a:spcAft>
+                <a:defRPr/>
+              </a:pPr>
+              <a:endParaRPr lang="en-US" sz="3200" dirty="0"/>
+            </a:p>
+          </p:txBody>
+        </p:sp>
+        <p:pic>
+          <p:nvPicPr>
+            <p:cNvPr id="54" name="Picture 104" descr="server_icon.png"/>
+            <p:cNvPicPr>
+              <a:picLocks noChangeAspect="1"/>
+            </p:cNvPicPr>
+            <p:nvPr/>
+          </p:nvPicPr>
+          <p:blipFill>
+            <a:blip r:embed="rId2">
+              <a:extLst>
+                <a:ext uri="{28A0092B-C50C-407E-A947-70E740481C1C}">
+                  <a14:useLocalDpi xmlns:a14="http://schemas.microsoft.com/office/drawing/2010/main" val="0"/>
+                </a:ext>
+              </a:extLst>
+            </a:blip>
+            <a:srcRect/>
+            <a:stretch>
+              <a:fillRect/>
+            </a:stretch>
+          </p:blipFill>
+          <p:spPr bwMode="auto">
+            <a:xfrm>
+              <a:off x="4648970" y="2602505"/>
+              <a:ext cx="431746" cy="317460"/>
+            </a:xfrm>
+            <a:prstGeom prst="rect">
+              <a:avLst/>
+            </a:prstGeom>
+            <a:noFill/>
+            <a:ln>
+              <a:noFill/>
+            </a:ln>
+            <a:extLst>
+              <a:ext uri="{909E8E84-426E-40dd-AFC4-6F175D3DCCD1}">
+                <a14:hiddenFill xmlns:a14="http://schemas.microsoft.com/office/drawing/2010/main">
+                  <a:solidFill>
+                    <a:srgbClr val="FFFFFF"/>
+                  </a:solidFill>
+                </a14:hiddenFill>
+              </a:ext>
+              <a:ext uri="{91240B29-F687-4f45-9708-019B960494DF}">
+                <a14:hiddenLine xmlns:a14="http://schemas.microsoft.com/office/drawing/2010/main" w="9525">
+                  <a:solidFill>
+                    <a:srgbClr val="000000"/>
+                  </a:solidFill>
+                  <a:miter lim="800000"/>
+                  <a:headEnd/>
+                  <a:tailEnd/>
+                </a14:hiddenLine>
+              </a:ext>
+            </a:extLst>
+          </p:spPr>
+        </p:pic>
+        <p:grpSp>
+          <p:nvGrpSpPr>
+            <p:cNvPr id="55" name="Group 334"/>
+            <p:cNvGrpSpPr>
+              <a:grpSpLocks/>
+            </p:cNvGrpSpPr>
+            <p:nvPr/>
+          </p:nvGrpSpPr>
+          <p:grpSpPr bwMode="auto">
+            <a:xfrm>
+              <a:off x="4623113" y="2919128"/>
+              <a:ext cx="549628" cy="462880"/>
+              <a:chOff x="4648858" y="2717148"/>
+              <a:chExt cx="549628" cy="462880"/>
+            </a:xfrm>
+          </p:grpSpPr>
+          <p:sp>
+            <p:nvSpPr>
+              <p:cNvPr id="56" name="Rectangle 55"/>
+              <p:cNvSpPr/>
+              <p:nvPr/>
+            </p:nvSpPr>
+            <p:spPr bwMode="auto">
+              <a:xfrm>
+                <a:off x="4648858" y="2717148"/>
+                <a:ext cx="549628" cy="462880"/>
+              </a:xfrm>
+              <a:prstGeom prst="rect">
+                <a:avLst/>
+              </a:prstGeom>
+              <a:solidFill>
+                <a:srgbClr val="DFEDCA"/>
+              </a:solidFill>
+              <a:ln w="3175">
+                <a:solidFill>
+                  <a:schemeClr val="bg1"/>
+                </a:solidFill>
+              </a:ln>
+            </p:spPr>
+            <p:style>
+              <a:lnRef idx="2">
+                <a:schemeClr val="accent1">
+                  <a:shade val="50000"/>
+                </a:schemeClr>
+              </a:lnRef>
+              <a:fillRef idx="1">
+                <a:schemeClr val="accent1"/>
+              </a:fillRef>
+              <a:effectRef idx="0">
+                <a:schemeClr val="accent1"/>
+              </a:effectRef>
+              <a:fontRef idx="minor">
+                <a:schemeClr val="lt1"/>
+              </a:fontRef>
+            </p:style>
+            <p:txBody>
+              <a:bodyPr anchor="ctr"/>
+              <a:lstStyle/>
+              <a:p>
+                <a:pPr algn="ctr" fontAlgn="auto">
+                  <a:spcBef>
+                    <a:spcPts val="0"/>
+                  </a:spcBef>
+                  <a:spcAft>
+                    <a:spcPts val="0"/>
+                  </a:spcAft>
+                  <a:defRPr/>
+                </a:pPr>
+                <a:endParaRPr lang="en-US" sz="3200" dirty="0"/>
+              </a:p>
+            </p:txBody>
+          </p:sp>
+          <p:pic>
+            <p:nvPicPr>
+              <p:cNvPr id="57" name="Picture 256" descr="view.png"/>
+              <p:cNvPicPr>
+                <a:picLocks noChangeAspect="1"/>
+              </p:cNvPicPr>
+              <p:nvPr/>
+            </p:nvPicPr>
+            <p:blipFill>
+              <a:blip r:embed="rId5" cstate="print">
+                <a:extLst>
+                  <a:ext uri="{28A0092B-C50C-407E-A947-70E740481C1C}">
+                    <a14:useLocalDpi xmlns:a14="http://schemas.microsoft.com/office/drawing/2010/main" val="0"/>
+                  </a:ext>
+                </a:extLst>
+              </a:blip>
+              <a:srcRect/>
+              <a:stretch>
+                <a:fillRect/>
+              </a:stretch>
+            </p:blipFill>
+            <p:spPr bwMode="auto">
+              <a:xfrm>
+                <a:off x="4674716" y="2750298"/>
+                <a:ext cx="496933" cy="397911"/>
+              </a:xfrm>
+              <a:prstGeom prst="rect">
+                <a:avLst/>
+              </a:prstGeom>
+              <a:noFill/>
+              <a:ln>
+                <a:noFill/>
+              </a:ln>
+              <a:extLst>
+                <a:ext uri="{909E8E84-426E-40dd-AFC4-6F175D3DCCD1}">
+                  <a14:hiddenFill xmlns:a14="http://schemas.microsoft.com/office/drawing/2010/main">
+                    <a:solidFill>
+                      <a:srgbClr val="FFFFFF"/>
+                    </a:solidFill>
+                  </a14:hiddenFill>
+                </a:ext>
+                <a:ext uri="{91240B29-F687-4f45-9708-019B960494DF}">
+                  <a14:hiddenLine xmlns:a14="http://schemas.microsoft.com/office/drawing/2010/main" w="9525">
+                    <a:solidFill>
+                      <a:srgbClr val="000000"/>
+                    </a:solidFill>
+                    <a:miter lim="800000"/>
+                    <a:headEnd/>
+                    <a:tailEnd/>
+                  </a14:hiddenLine>
+                </a:ext>
+              </a:extLst>
+            </p:spPr>
+          </p:pic>
+        </p:grpSp>
+      </p:grpSp>
+      <p:sp>
+        <p:nvSpPr>
+          <p:cNvPr id="58" name="TextBox 108"/>
+          <p:cNvSpPr txBox="1">
+            <a:spLocks noChangeArrowheads="1"/>
+          </p:cNvSpPr>
+          <p:nvPr/>
+        </p:nvSpPr>
+        <p:spPr bwMode="auto">
+          <a:xfrm>
+            <a:off x="7661308" y="1736814"/>
+            <a:ext cx="549275" cy="400110"/>
+          </a:xfrm>
+          <a:prstGeom prst="rect">
+            <a:avLst/>
+          </a:prstGeom>
+          <a:noFill/>
+          <a:ln>
+            <a:noFill/>
+          </a:ln>
+          <a:extLst>
+            <a:ext uri="{909E8E84-426E-40dd-AFC4-6F175D3DCCD1}">
+              <a14:hiddenFill xmlns:a14="http://schemas.microsoft.com/office/drawing/2010/main">
+                <a:solidFill>
+                  <a:srgbClr val="FFFFFF"/>
+                </a:solidFill>
+              </a14:hiddenFill>
+            </a:ext>
+            <a:ext uri="{91240B29-F687-4f45-9708-019B960494DF}">
+              <a14:hiddenLine xmlns:a14="http://schemas.microsoft.com/office/drawing/2010/main" w="9525">
+                <a:solidFill>
+                  <a:srgbClr val="000000"/>
+                </a:solidFill>
+                <a:miter lim="800000"/>
+                <a:headEnd/>
+                <a:tailEnd/>
+              </a14:hiddenLine>
+            </a:ext>
+          </a:extLst>
+        </p:spPr>
+        <p:txBody>
+          <a:bodyPr>
+            <a:spAutoFit/>
+          </a:bodyPr>
+          <a:lstStyle>
+            <a:lvl1pPr eaLnBrk="0" hangingPunct="0">
+              <a:defRPr sz="2400">
+                <a:solidFill>
+                  <a:schemeClr val="tx1"/>
+                </a:solidFill>
+                <a:latin typeface="Arial" charset="0"/>
+                <a:ea typeface="ＭＳ Ｐゴシック" charset="0"/>
+                <a:cs typeface="ＭＳ Ｐゴシック" charset="0"/>
+              </a:defRPr>
+            </a:lvl1pPr>
+            <a:lvl2pPr marL="742950" indent="-285750" eaLnBrk="0" hangingPunct="0">
+              <a:defRPr sz="2400">
+                <a:solidFill>
+                  <a:schemeClr val="tx1"/>
+                </a:solidFill>
+                <a:latin typeface="Arial" charset="0"/>
+                <a:ea typeface="ＭＳ Ｐゴシック" charset="0"/>
+              </a:defRPr>
+            </a:lvl2pPr>
+            <a:lvl3pPr marL="1143000" indent="-228600" eaLnBrk="0" hangingPunct="0">
+              <a:defRPr sz="2400">
+                <a:solidFill>
+                  <a:schemeClr val="tx1"/>
+                </a:solidFill>
+                <a:latin typeface="Arial" charset="0"/>
+                <a:ea typeface="ＭＳ Ｐゴシック" charset="0"/>
+              </a:defRPr>
+            </a:lvl3pPr>
+            <a:lvl4pPr marL="1600200" indent="-228600" eaLnBrk="0" hangingPunct="0">
+              <a:defRPr sz="2400">
+                <a:solidFill>
+                  <a:schemeClr val="tx1"/>
+                </a:solidFill>
+                <a:latin typeface="Arial" charset="0"/>
+                <a:ea typeface="ＭＳ Ｐゴシック" charset="0"/>
+              </a:defRPr>
+            </a:lvl4pPr>
+            <a:lvl5pPr marL="2057400" indent="-228600" eaLnBrk="0" hangingPunct="0">
+              <a:defRPr sz="2400">
+                <a:solidFill>
+                  <a:schemeClr val="tx1"/>
+                </a:solidFill>
+                <a:latin typeface="Arial" charset="0"/>
+                <a:ea typeface="ＭＳ Ｐゴシック" charset="0"/>
+              </a:defRPr>
+            </a:lvl5pPr>
+            <a:lvl6pPr marL="2514600" indent="-228600" eaLnBrk="0" fontAlgn="base" hangingPunct="0">
+              <a:spcBef>
+                <a:spcPct val="0"/>
+              </a:spcBef>
+              <a:spcAft>
+                <a:spcPct val="0"/>
+              </a:spcAft>
+              <a:defRPr sz="2400">
+                <a:solidFill>
+                  <a:schemeClr val="tx1"/>
+                </a:solidFill>
+                <a:latin typeface="Arial" charset="0"/>
+                <a:ea typeface="ＭＳ Ｐゴシック" charset="0"/>
+              </a:defRPr>
+            </a:lvl6pPr>
+            <a:lvl7pPr marL="2971800" indent="-228600" eaLnBrk="0" fontAlgn="base" hangingPunct="0">
+              <a:spcBef>
+                <a:spcPct val="0"/>
+              </a:spcBef>
+              <a:spcAft>
+                <a:spcPct val="0"/>
+              </a:spcAft>
+              <a:defRPr sz="2400">
+                <a:solidFill>
+                  <a:schemeClr val="tx1"/>
+                </a:solidFill>
+                <a:latin typeface="Arial" charset="0"/>
+                <a:ea typeface="ＭＳ Ｐゴシック" charset="0"/>
+              </a:defRPr>
+            </a:lvl7pPr>
+            <a:lvl8pPr marL="3429000" indent="-228600" eaLnBrk="0" fontAlgn="base" hangingPunct="0">
+              <a:spcBef>
+                <a:spcPct val="0"/>
+              </a:spcBef>
+              <a:spcAft>
+                <a:spcPct val="0"/>
+              </a:spcAft>
+              <a:defRPr sz="2400">
+                <a:solidFill>
+                  <a:schemeClr val="tx1"/>
+                </a:solidFill>
+                <a:latin typeface="Arial" charset="0"/>
+                <a:ea typeface="ＭＳ Ｐゴシック" charset="0"/>
+              </a:defRPr>
+            </a:lvl8pPr>
+            <a:lvl9pPr marL="3886200" indent="-228600" eaLnBrk="0" fontAlgn="base" hangingPunct="0">
+              <a:spcBef>
+                <a:spcPct val="0"/>
+              </a:spcBef>
+              <a:spcAft>
+                <a:spcPct val="0"/>
+              </a:spcAft>
+              <a:defRPr sz="2400">
+                <a:solidFill>
+                  <a:schemeClr val="tx1"/>
+                </a:solidFill>
+                <a:latin typeface="Arial" charset="0"/>
+                <a:ea typeface="ＭＳ Ｐゴシック" charset="0"/>
+              </a:defRPr>
+            </a:lvl9pPr>
+          </a:lstStyle>
+          <a:p>
+            <a:pPr eaLnBrk="1" hangingPunct="1"/>
+            <a:r>
+              <a:rPr lang="en-US" sz="2000" dirty="0"/>
+              <a:t>...</a:t>
+            </a:r>
+          </a:p>
+        </p:txBody>
+      </p:sp>
+      <p:cxnSp>
+        <p:nvCxnSpPr>
+          <p:cNvPr id="60" name="Straight Connector 59"/>
+          <p:cNvCxnSpPr/>
+          <p:nvPr/>
+        </p:nvCxnSpPr>
+        <p:spPr bwMode="auto">
+          <a:xfrm>
+            <a:off x="5722908" y="2524676"/>
+            <a:ext cx="2425002" cy="0"/>
+          </a:xfrm>
+          <a:prstGeom prst="line">
+            <a:avLst/>
+          </a:prstGeom>
+          <a:ln w="203200">
+            <a:solidFill>
+              <a:srgbClr val="5F7684"/>
+            </a:solidFill>
+          </a:ln>
+          <a:effectLst>
+            <a:glow rad="101600">
+              <a:srgbClr val="5F7684">
+                <a:alpha val="40000"/>
+              </a:srgbClr>
+            </a:glow>
+          </a:effectLst>
+        </p:spPr>
+        <p:style>
+          <a:lnRef idx="2">
+            <a:schemeClr val="accent2">
+              <a:shade val="50000"/>
+            </a:schemeClr>
+          </a:lnRef>
+          <a:fillRef idx="1">
+            <a:schemeClr val="accent2"/>
+          </a:fillRef>
+          <a:effectRef idx="0">
+            <a:schemeClr val="accent2"/>
+          </a:effectRef>
+          <a:fontRef idx="minor">
+            <a:schemeClr val="lt1"/>
+          </a:fontRef>
+        </p:style>
+      </p:cxnSp>
+      <p:cxnSp>
+        <p:nvCxnSpPr>
+          <p:cNvPr id="61" name="Straight Arrow Connector 111"/>
+          <p:cNvCxnSpPr>
+            <a:cxnSpLocks noChangeShapeType="1"/>
+          </p:cNvCxnSpPr>
+          <p:nvPr/>
+        </p:nvCxnSpPr>
+        <p:spPr bwMode="auto">
+          <a:xfrm flipV="1">
+            <a:off x="5864190" y="2525703"/>
+            <a:ext cx="2206417" cy="1"/>
+          </a:xfrm>
+          <a:prstGeom prst="straightConnector1">
+            <a:avLst/>
+          </a:prstGeom>
+          <a:noFill/>
+          <a:ln w="19050">
+            <a:solidFill>
+              <a:schemeClr val="bg1"/>
+            </a:solidFill>
+            <a:prstDash val="dashDot"/>
+            <a:round/>
+            <a:headEnd type="arrow" w="med" len="med"/>
+            <a:tailEnd type="arrow" w="med" len="med"/>
+          </a:ln>
+          <a:effectLst>
+            <a:outerShdw dist="20000" dir="5400000" rotWithShape="0">
+              <a:srgbClr val="808080">
+                <a:alpha val="37999"/>
+              </a:srgbClr>
+            </a:outerShdw>
+          </a:effectLst>
+          <a:extLst>
+            <a:ext uri="{909E8E84-426E-40dd-AFC4-6F175D3DCCD1}">
+              <a14:hiddenFill xmlns:a14="http://schemas.microsoft.com/office/drawing/2010/main">
+                <a:noFill/>
+              </a14:hiddenFill>
+            </a:ext>
+          </a:extLst>
+        </p:spPr>
+      </p:cxnSp>
+      <p:sp>
+        <p:nvSpPr>
+          <p:cNvPr id="62" name="TextBox 184"/>
+          <p:cNvSpPr txBox="1">
+            <a:spLocks noChangeArrowheads="1"/>
+          </p:cNvSpPr>
+          <p:nvPr/>
+        </p:nvSpPr>
+        <p:spPr bwMode="auto">
+          <a:xfrm>
+            <a:off x="4130246" y="1672333"/>
+            <a:ext cx="1219200" cy="261610"/>
+          </a:xfrm>
+          <a:prstGeom prst="rect">
+            <a:avLst/>
+          </a:prstGeom>
+          <a:noFill/>
+          <a:ln>
+            <a:noFill/>
+          </a:ln>
+          <a:extLst>
+            <a:ext uri="{909E8E84-426E-40dd-AFC4-6F175D3DCCD1}">
+              <a14:hiddenFill xmlns:a14="http://schemas.microsoft.com/office/drawing/2010/main">
+                <a:solidFill>
+                  <a:srgbClr val="FFFFFF"/>
+                </a:solidFill>
+              </a14:hiddenFill>
+            </a:ext>
+            <a:ext uri="{91240B29-F687-4f45-9708-019B960494DF}">
+              <a14:hiddenLine xmlns:a14="http://schemas.microsoft.com/office/drawing/2010/main" w="9525">
+                <a:solidFill>
+                  <a:srgbClr val="000000"/>
+                </a:solidFill>
+                <a:miter lim="800000"/>
+                <a:headEnd/>
+                <a:tailEnd/>
+              </a14:hiddenLine>
+            </a:ext>
+          </a:extLst>
+        </p:spPr>
+        <p:txBody>
+          <a:bodyPr>
+            <a:spAutoFit/>
+          </a:bodyPr>
+          <a:lstStyle>
+            <a:lvl1pPr eaLnBrk="0" hangingPunct="0">
+              <a:defRPr sz="2400">
+                <a:solidFill>
+                  <a:schemeClr val="tx1"/>
+                </a:solidFill>
+                <a:latin typeface="Arial" charset="0"/>
+                <a:ea typeface="ＭＳ Ｐゴシック" charset="0"/>
+                <a:cs typeface="ＭＳ Ｐゴシック" charset="0"/>
+              </a:defRPr>
+            </a:lvl1pPr>
+            <a:lvl2pPr marL="742950" indent="-285750" eaLnBrk="0" hangingPunct="0">
+              <a:defRPr sz="2400">
+                <a:solidFill>
+                  <a:schemeClr val="tx1"/>
+                </a:solidFill>
+                <a:latin typeface="Arial" charset="0"/>
+                <a:ea typeface="ＭＳ Ｐゴシック" charset="0"/>
+              </a:defRPr>
+            </a:lvl2pPr>
+            <a:lvl3pPr marL="1143000" indent="-228600" eaLnBrk="0" hangingPunct="0">
+              <a:defRPr sz="2400">
+                <a:solidFill>
+                  <a:schemeClr val="tx1"/>
+                </a:solidFill>
+                <a:latin typeface="Arial" charset="0"/>
+                <a:ea typeface="ＭＳ Ｐゴシック" charset="0"/>
+              </a:defRPr>
+            </a:lvl3pPr>
+            <a:lvl4pPr marL="1600200" indent="-228600" eaLnBrk="0" hangingPunct="0">
+              <a:defRPr sz="2400">
+                <a:solidFill>
+                  <a:schemeClr val="tx1"/>
+                </a:solidFill>
+                <a:latin typeface="Arial" charset="0"/>
+                <a:ea typeface="ＭＳ Ｐゴシック" charset="0"/>
+              </a:defRPr>
+            </a:lvl4pPr>
+            <a:lvl5pPr marL="2057400" indent="-228600" eaLnBrk="0" hangingPunct="0">
+              <a:defRPr sz="2400">
+                <a:solidFill>
+                  <a:schemeClr val="tx1"/>
+                </a:solidFill>
+                <a:latin typeface="Arial" charset="0"/>
+                <a:ea typeface="ＭＳ Ｐゴシック" charset="0"/>
+              </a:defRPr>
+            </a:lvl5pPr>
+            <a:lvl6pPr marL="2514600" indent="-228600" eaLnBrk="0" fontAlgn="base" hangingPunct="0">
+              <a:spcBef>
+                <a:spcPct val="0"/>
+              </a:spcBef>
+              <a:spcAft>
+                <a:spcPct val="0"/>
+              </a:spcAft>
+              <a:defRPr sz="2400">
+                <a:solidFill>
+                  <a:schemeClr val="tx1"/>
+                </a:solidFill>
+                <a:latin typeface="Arial" charset="0"/>
+                <a:ea typeface="ＭＳ Ｐゴシック" charset="0"/>
+              </a:defRPr>
+            </a:lvl6pPr>
+            <a:lvl7pPr marL="2971800" indent="-228600" eaLnBrk="0" fontAlgn="base" hangingPunct="0">
+              <a:spcBef>
+                <a:spcPct val="0"/>
+              </a:spcBef>
+              <a:spcAft>
+                <a:spcPct val="0"/>
+              </a:spcAft>
+              <a:defRPr sz="2400">
+                <a:solidFill>
+                  <a:schemeClr val="tx1"/>
+                </a:solidFill>
+                <a:latin typeface="Arial" charset="0"/>
+                <a:ea typeface="ＭＳ Ｐゴシック" charset="0"/>
+              </a:defRPr>
+            </a:lvl7pPr>
+            <a:lvl8pPr marL="3429000" indent="-228600" eaLnBrk="0" fontAlgn="base" hangingPunct="0">
+              <a:spcBef>
+                <a:spcPct val="0"/>
+              </a:spcBef>
+              <a:spcAft>
+                <a:spcPct val="0"/>
+              </a:spcAft>
+              <a:defRPr sz="2400">
+                <a:solidFill>
+                  <a:schemeClr val="tx1"/>
+                </a:solidFill>
+                <a:latin typeface="Arial" charset="0"/>
+                <a:ea typeface="ＭＳ Ｐゴシック" charset="0"/>
+              </a:defRPr>
+            </a:lvl8pPr>
+            <a:lvl9pPr marL="3886200" indent="-228600" eaLnBrk="0" fontAlgn="base" hangingPunct="0">
+              <a:spcBef>
+                <a:spcPct val="0"/>
+              </a:spcBef>
+              <a:spcAft>
+                <a:spcPct val="0"/>
+              </a:spcAft>
+              <a:defRPr sz="2400">
+                <a:solidFill>
+                  <a:schemeClr val="tx1"/>
+                </a:solidFill>
+                <a:latin typeface="Arial" charset="0"/>
+                <a:ea typeface="ＭＳ Ｐゴシック" charset="0"/>
+              </a:defRPr>
+            </a:lvl9pPr>
+          </a:lstStyle>
+          <a:p>
+            <a:pPr algn="ctr" eaLnBrk="1" hangingPunct="1"/>
+            <a:r>
+              <a:rPr lang="en-US" sz="1100" b="1" dirty="0" smtClean="0">
+                <a:latin typeface="+mn-lt"/>
+              </a:rPr>
+              <a:t>Master</a:t>
+            </a:r>
+            <a:endParaRPr lang="en-US" sz="1100" b="1" dirty="0">
+              <a:latin typeface="+mn-lt"/>
+            </a:endParaRPr>
+          </a:p>
+        </p:txBody>
+      </p:sp>
+      <p:sp>
+        <p:nvSpPr>
+          <p:cNvPr id="63" name="TextBox 184"/>
+          <p:cNvSpPr txBox="1">
+            <a:spLocks noChangeArrowheads="1"/>
+          </p:cNvSpPr>
+          <p:nvPr/>
+        </p:nvSpPr>
+        <p:spPr bwMode="auto">
+          <a:xfrm>
+            <a:off x="4297886" y="2841314"/>
+            <a:ext cx="1219200" cy="430887"/>
+          </a:xfrm>
+          <a:prstGeom prst="rect">
+            <a:avLst/>
+          </a:prstGeom>
+          <a:noFill/>
+          <a:ln>
+            <a:noFill/>
+          </a:ln>
+          <a:extLst>
+            <a:ext uri="{909E8E84-426E-40dd-AFC4-6F175D3DCCD1}">
+              <a14:hiddenFill xmlns:a14="http://schemas.microsoft.com/office/drawing/2010/main">
+                <a:solidFill>
+                  <a:srgbClr val="FFFFFF"/>
+                </a:solidFill>
+              </a14:hiddenFill>
+            </a:ext>
+            <a:ext uri="{91240B29-F687-4f45-9708-019B960494DF}">
+              <a14:hiddenLine xmlns:a14="http://schemas.microsoft.com/office/drawing/2010/main" w="9525">
+                <a:solidFill>
+                  <a:srgbClr val="000000"/>
+                </a:solidFill>
+                <a:miter lim="800000"/>
+                <a:headEnd/>
+                <a:tailEnd/>
+              </a14:hiddenLine>
+            </a:ext>
+          </a:extLst>
+        </p:spPr>
+        <p:txBody>
+          <a:bodyPr>
+            <a:spAutoFit/>
+          </a:bodyPr>
+          <a:lstStyle>
+            <a:lvl1pPr eaLnBrk="0" hangingPunct="0">
+              <a:defRPr sz="2400">
+                <a:solidFill>
+                  <a:schemeClr val="tx1"/>
+                </a:solidFill>
+                <a:latin typeface="Arial" charset="0"/>
+                <a:ea typeface="ＭＳ Ｐゴシック" charset="0"/>
+                <a:cs typeface="ＭＳ Ｐゴシック" charset="0"/>
+              </a:defRPr>
+            </a:lvl1pPr>
+            <a:lvl2pPr marL="742950" indent="-285750" eaLnBrk="0" hangingPunct="0">
+              <a:defRPr sz="2400">
+                <a:solidFill>
+                  <a:schemeClr val="tx1"/>
+                </a:solidFill>
+                <a:latin typeface="Arial" charset="0"/>
+                <a:ea typeface="ＭＳ Ｐゴシック" charset="0"/>
+              </a:defRPr>
+            </a:lvl2pPr>
+            <a:lvl3pPr marL="1143000" indent="-228600" eaLnBrk="0" hangingPunct="0">
+              <a:defRPr sz="2400">
+                <a:solidFill>
+                  <a:schemeClr val="tx1"/>
+                </a:solidFill>
+                <a:latin typeface="Arial" charset="0"/>
+                <a:ea typeface="ＭＳ Ｐゴシック" charset="0"/>
+              </a:defRPr>
+            </a:lvl3pPr>
+            <a:lvl4pPr marL="1600200" indent="-228600" eaLnBrk="0" hangingPunct="0">
+              <a:defRPr sz="2400">
+                <a:solidFill>
+                  <a:schemeClr val="tx1"/>
+                </a:solidFill>
+                <a:latin typeface="Arial" charset="0"/>
+                <a:ea typeface="ＭＳ Ｐゴシック" charset="0"/>
+              </a:defRPr>
+            </a:lvl4pPr>
+            <a:lvl5pPr marL="2057400" indent="-228600" eaLnBrk="0" hangingPunct="0">
+              <a:defRPr sz="2400">
+                <a:solidFill>
+                  <a:schemeClr val="tx1"/>
+                </a:solidFill>
+                <a:latin typeface="Arial" charset="0"/>
+                <a:ea typeface="ＭＳ Ｐゴシック" charset="0"/>
+              </a:defRPr>
+            </a:lvl5pPr>
+            <a:lvl6pPr marL="2514600" indent="-228600" eaLnBrk="0" fontAlgn="base" hangingPunct="0">
+              <a:spcBef>
+                <a:spcPct val="0"/>
+              </a:spcBef>
+              <a:spcAft>
+                <a:spcPct val="0"/>
+              </a:spcAft>
+              <a:defRPr sz="2400">
+                <a:solidFill>
+                  <a:schemeClr val="tx1"/>
+                </a:solidFill>
+                <a:latin typeface="Arial" charset="0"/>
+                <a:ea typeface="ＭＳ Ｐゴシック" charset="0"/>
+              </a:defRPr>
+            </a:lvl6pPr>
+            <a:lvl7pPr marL="2971800" indent="-228600" eaLnBrk="0" fontAlgn="base" hangingPunct="0">
+              <a:spcBef>
+                <a:spcPct val="0"/>
+              </a:spcBef>
+              <a:spcAft>
+                <a:spcPct val="0"/>
+              </a:spcAft>
+              <a:defRPr sz="2400">
+                <a:solidFill>
+                  <a:schemeClr val="tx1"/>
+                </a:solidFill>
+                <a:latin typeface="Arial" charset="0"/>
+                <a:ea typeface="ＭＳ Ｐゴシック" charset="0"/>
+              </a:defRPr>
+            </a:lvl7pPr>
+            <a:lvl8pPr marL="3429000" indent="-228600" eaLnBrk="0" fontAlgn="base" hangingPunct="0">
+              <a:spcBef>
+                <a:spcPct val="0"/>
+              </a:spcBef>
+              <a:spcAft>
+                <a:spcPct val="0"/>
+              </a:spcAft>
+              <a:defRPr sz="2400">
+                <a:solidFill>
+                  <a:schemeClr val="tx1"/>
+                </a:solidFill>
+                <a:latin typeface="Arial" charset="0"/>
+                <a:ea typeface="ＭＳ Ｐゴシック" charset="0"/>
+              </a:defRPr>
+            </a:lvl8pPr>
+            <a:lvl9pPr marL="3886200" indent="-228600" eaLnBrk="0" fontAlgn="base" hangingPunct="0">
+              <a:spcBef>
+                <a:spcPct val="0"/>
+              </a:spcBef>
+              <a:spcAft>
+                <a:spcPct val="0"/>
+              </a:spcAft>
+              <a:defRPr sz="2400">
+                <a:solidFill>
+                  <a:schemeClr val="tx1"/>
+                </a:solidFill>
+                <a:latin typeface="Arial" charset="0"/>
+                <a:ea typeface="ＭＳ Ｐゴシック" charset="0"/>
+              </a:defRPr>
+            </a:lvl9pPr>
+          </a:lstStyle>
+          <a:p>
+            <a:pPr algn="ctr" eaLnBrk="1" hangingPunct="1"/>
+            <a:r>
+              <a:rPr lang="en-US" sz="1100" b="1" dirty="0">
+                <a:latin typeface="+mn-lt"/>
+              </a:rPr>
+              <a:t>Segment</a:t>
+            </a:r>
+            <a:br>
+              <a:rPr lang="en-US" sz="1100" b="1" dirty="0">
+                <a:latin typeface="+mn-lt"/>
+              </a:rPr>
+            </a:br>
+            <a:r>
+              <a:rPr lang="en-US" sz="1100" b="1" dirty="0" smtClean="0">
+                <a:latin typeface="+mn-lt"/>
+              </a:rPr>
+              <a:t>Servers</a:t>
+            </a:r>
+            <a:endParaRPr lang="en-US" sz="1100" b="1" dirty="0">
+              <a:latin typeface="+mn-lt"/>
+            </a:endParaRPr>
+          </a:p>
+        </p:txBody>
+      </p:sp>
+      <p:sp>
+        <p:nvSpPr>
+          <p:cNvPr id="64" name="Down Arrow 63"/>
+          <p:cNvSpPr>
+            <a:spLocks noChangeArrowheads="1"/>
+          </p:cNvSpPr>
+          <p:nvPr/>
+        </p:nvSpPr>
+        <p:spPr bwMode="auto">
+          <a:xfrm>
+            <a:off x="7205694" y="1463566"/>
+            <a:ext cx="266700" cy="191988"/>
+          </a:xfrm>
+          <a:prstGeom prst="downArrow">
+            <a:avLst>
+              <a:gd name="adj1" fmla="val 50000"/>
+              <a:gd name="adj2" fmla="val 50000"/>
+            </a:avLst>
+          </a:prstGeom>
+          <a:gradFill rotWithShape="1">
+            <a:gsLst>
+              <a:gs pos="0">
+                <a:srgbClr val="FFEBDB"/>
+              </a:gs>
+              <a:gs pos="64999">
+                <a:srgbClr val="FFD0AA"/>
+              </a:gs>
+              <a:gs pos="100000">
+                <a:srgbClr val="FFBE86"/>
+              </a:gs>
+            </a:gsLst>
+            <a:lin ang="5400000" scaled="1"/>
+          </a:gradFill>
+          <a:ln w="9525">
+            <a:solidFill>
+              <a:srgbClr val="F69240"/>
+            </a:solidFill>
+            <a:miter lim="800000"/>
+            <a:headEnd/>
+            <a:tailEnd type="triangle" w="med" len="med"/>
+          </a:ln>
+          <a:effectLst>
+            <a:outerShdw dist="20000" dir="5400000" rotWithShape="0">
+              <a:srgbClr val="808080">
+                <a:alpha val="37999"/>
+              </a:srgbClr>
+            </a:outerShdw>
+          </a:effectLst>
+        </p:spPr>
+        <p:txBody>
+          <a:bodyPr wrap="none" anchor="ctr"/>
+          <a:lstStyle/>
+          <a:p>
+            <a:pPr algn="ctr">
+              <a:defRPr/>
+            </a:pPr>
+            <a:endParaRPr lang="en-US" sz="1600" dirty="0">
+              <a:solidFill>
+                <a:schemeClr val="dk1"/>
+              </a:solidFill>
+              <a:latin typeface="+mj-lt"/>
+              <a:ea typeface="ＭＳ Ｐゴシック" pitchFamily="34" charset="-128"/>
+              <a:cs typeface="ＭＳ Ｐゴシック" pitchFamily="-65" charset="-128"/>
+            </a:endParaRPr>
+          </a:p>
+        </p:txBody>
+      </p:sp>
+      <p:sp>
+        <p:nvSpPr>
+          <p:cNvPr id="65" name="Folded Corner 64"/>
+          <p:cNvSpPr>
+            <a:spLocks noChangeArrowheads="1"/>
+          </p:cNvSpPr>
+          <p:nvPr/>
+        </p:nvSpPr>
+        <p:spPr bwMode="auto">
+          <a:xfrm>
+            <a:off x="6762783" y="1168400"/>
+            <a:ext cx="1152525" cy="342900"/>
+          </a:xfrm>
+          <a:prstGeom prst="foldedCorner">
+            <a:avLst>
+              <a:gd name="adj" fmla="val 16667"/>
+            </a:avLst>
+          </a:prstGeom>
+          <a:gradFill rotWithShape="1">
+            <a:gsLst>
+              <a:gs pos="0">
+                <a:srgbClr val="FFEBDB"/>
+              </a:gs>
+              <a:gs pos="64999">
+                <a:srgbClr val="FFD0AA"/>
+              </a:gs>
+              <a:gs pos="100000">
+                <a:srgbClr val="FFBE86"/>
+              </a:gs>
+            </a:gsLst>
+            <a:lin ang="5400000" scaled="1"/>
+          </a:gradFill>
+          <a:ln w="9525">
+            <a:solidFill>
+              <a:srgbClr val="F69240"/>
+            </a:solidFill>
+            <a:round/>
+            <a:headEnd/>
+            <a:tailEnd/>
+          </a:ln>
+          <a:effectLst>
+            <a:outerShdw dist="20000" dir="5400000" rotWithShape="0">
+              <a:srgbClr val="808080">
+                <a:alpha val="37999"/>
+              </a:srgbClr>
+            </a:outerShdw>
+          </a:effectLst>
+        </p:spPr>
+        <p:txBody>
+          <a:bodyPr wrap="none" anchor="b"/>
+          <a:lstStyle/>
+          <a:p>
+            <a:pPr>
+              <a:defRPr/>
+            </a:pPr>
+            <a:r>
+              <a:rPr lang="en-US" sz="1200" dirty="0" smtClean="0">
+                <a:solidFill>
+                  <a:srgbClr val="000000"/>
+                </a:solidFill>
+                <a:ea typeface="ＭＳ Ｐゴシック" pitchFamily="34" charset="-128"/>
+                <a:cs typeface="+mn-cs"/>
+              </a:rPr>
+              <a:t>SQL</a:t>
+            </a:r>
+            <a:endParaRPr lang="en-US" sz="1600" dirty="0" smtClean="0">
+              <a:solidFill>
+                <a:srgbClr val="000000"/>
+              </a:solidFill>
+              <a:ea typeface="ＭＳ Ｐゴシック" pitchFamily="34" charset="-128"/>
+              <a:cs typeface="+mn-cs"/>
+            </a:endParaRPr>
+          </a:p>
+        </p:txBody>
+      </p:sp>
+      <p:pic>
+        <p:nvPicPr>
+          <p:cNvPr id="66" name="Picture 2" descr="C:\DOCUME~1\BENWER~1\LOCALS~1\Temp\Rar$DR02.234\User Icons\PNG\user1.png"/>
+          <p:cNvPicPr>
+            <a:picLocks noChangeAspect="1" noChangeArrowheads="1"/>
+          </p:cNvPicPr>
+          <p:nvPr/>
+        </p:nvPicPr>
+        <p:blipFill>
+          <a:blip r:embed="rId6" cstate="print">
+            <a:extLst>
+              <a:ext uri="{28A0092B-C50C-407E-A947-70E740481C1C}">
+                <a14:useLocalDpi xmlns:a14="http://schemas.microsoft.com/office/drawing/2010/main" val="0"/>
+              </a:ext>
+            </a:extLst>
+          </a:blip>
+          <a:srcRect/>
+          <a:stretch>
+            <a:fillRect/>
+          </a:stretch>
+        </p:blipFill>
+        <p:spPr bwMode="auto">
+          <a:xfrm>
+            <a:off x="7481982" y="1291369"/>
+            <a:ext cx="497659" cy="280106"/>
+          </a:xfrm>
+          <a:prstGeom prst="rect">
+            <a:avLst/>
+          </a:prstGeom>
+          <a:noFill/>
+          <a:ln>
+            <a:noFill/>
+          </a:ln>
+          <a:extLst>
+            <a:ext uri="{909E8E84-426E-40dd-AFC4-6F175D3DCCD1}">
+              <a14:hiddenFill xmlns:a14="http://schemas.microsoft.com/office/drawing/2010/main">
+                <a:solidFill>
+                  <a:srgbClr val="FFFFFF"/>
+                </a:solidFill>
+              </a14:hiddenFill>
+            </a:ext>
+            <a:ext uri="{91240B29-F687-4f45-9708-019B960494DF}">
+              <a14:hiddenLine xmlns:a14="http://schemas.microsoft.com/office/drawing/2010/main" w="9525">
+                <a:solidFill>
+                  <a:srgbClr val="000000"/>
+                </a:solidFill>
+                <a:miter lim="800000"/>
+                <a:headEnd/>
+                <a:tailEnd/>
+              </a14:hiddenLine>
+            </a:ext>
+          </a:extLst>
+        </p:spPr>
+      </p:pic>
+      <p:cxnSp>
+        <p:nvCxnSpPr>
+          <p:cNvPr id="67" name="Straight Arrow Connector 125"/>
+          <p:cNvCxnSpPr>
+            <a:cxnSpLocks noChangeShapeType="1"/>
+            <a:stCxn id="121" idx="0"/>
+            <a:endCxn id="12" idx="2"/>
+          </p:cNvCxnSpPr>
+          <p:nvPr/>
+        </p:nvCxnSpPr>
+        <p:spPr bwMode="auto">
+          <a:xfrm flipV="1">
+            <a:off x="5396614" y="3274903"/>
+            <a:ext cx="469162" cy="248506"/>
+          </a:xfrm>
+          <a:prstGeom prst="straightConnector1">
+            <a:avLst/>
+          </a:prstGeom>
+          <a:noFill/>
+          <a:ln w="19050">
+            <a:solidFill>
+              <a:srgbClr val="F79646"/>
+            </a:solidFill>
+            <a:round/>
+            <a:headEnd/>
+            <a:tailEnd type="triangle" w="med" len="med"/>
+          </a:ln>
+          <a:effectLst>
+            <a:outerShdw dist="20000" dir="5400000" rotWithShape="0">
+              <a:srgbClr val="808080">
+                <a:alpha val="37999"/>
+              </a:srgbClr>
+            </a:outerShdw>
+          </a:effectLst>
+          <a:extLst>
+            <a:ext uri="{909E8E84-426E-40dd-AFC4-6F175D3DCCD1}">
+              <a14:hiddenFill xmlns:a14="http://schemas.microsoft.com/office/drawing/2010/main">
+                <a:noFill/>
+              </a14:hiddenFill>
+            </a:ext>
+          </a:extLst>
+        </p:spPr>
+      </p:cxnSp>
+      <p:cxnSp>
+        <p:nvCxnSpPr>
+          <p:cNvPr id="68" name="Straight Arrow Connector 125"/>
+          <p:cNvCxnSpPr>
+            <a:cxnSpLocks noChangeShapeType="1"/>
+            <a:stCxn id="122" idx="0"/>
+            <a:endCxn id="18" idx="2"/>
+          </p:cNvCxnSpPr>
+          <p:nvPr/>
+        </p:nvCxnSpPr>
+        <p:spPr bwMode="auto">
+          <a:xfrm flipV="1">
+            <a:off x="5566099" y="3274903"/>
+            <a:ext cx="814029" cy="248506"/>
+          </a:xfrm>
+          <a:prstGeom prst="straightConnector1">
+            <a:avLst/>
+          </a:prstGeom>
+          <a:noFill/>
+          <a:ln w="19050">
+            <a:solidFill>
+              <a:srgbClr val="F79646"/>
+            </a:solidFill>
+            <a:round/>
+            <a:headEnd/>
+            <a:tailEnd type="triangle" w="med" len="med"/>
+          </a:ln>
+          <a:effectLst>
+            <a:outerShdw dist="20000" dir="5400000" rotWithShape="0">
+              <a:srgbClr val="808080">
+                <a:alpha val="37999"/>
+              </a:srgbClr>
+            </a:outerShdw>
+          </a:effectLst>
+          <a:extLst>
+            <a:ext uri="{909E8E84-426E-40dd-AFC4-6F175D3DCCD1}">
+              <a14:hiddenFill xmlns:a14="http://schemas.microsoft.com/office/drawing/2010/main">
+                <a:noFill/>
+              </a14:hiddenFill>
+            </a:ext>
+          </a:extLst>
+        </p:spPr>
+      </p:cxnSp>
+      <p:cxnSp>
+        <p:nvCxnSpPr>
+          <p:cNvPr id="69" name="Straight Arrow Connector 125"/>
+          <p:cNvCxnSpPr>
+            <a:cxnSpLocks noChangeShapeType="1"/>
+            <a:stCxn id="123" idx="0"/>
+            <a:endCxn id="28" idx="2"/>
+          </p:cNvCxnSpPr>
+          <p:nvPr/>
+        </p:nvCxnSpPr>
+        <p:spPr bwMode="auto">
+          <a:xfrm flipV="1">
+            <a:off x="5905063" y="3274903"/>
+            <a:ext cx="1502176" cy="248506"/>
+          </a:xfrm>
+          <a:prstGeom prst="straightConnector1">
+            <a:avLst/>
+          </a:prstGeom>
+          <a:noFill/>
+          <a:ln w="19050">
+            <a:solidFill>
+              <a:srgbClr val="F79646"/>
+            </a:solidFill>
+            <a:round/>
+            <a:headEnd/>
+            <a:tailEnd type="triangle" w="med" len="med"/>
+          </a:ln>
+          <a:effectLst>
+            <a:outerShdw dist="20000" dir="5400000" rotWithShape="0">
+              <a:srgbClr val="808080">
+                <a:alpha val="37999"/>
+              </a:srgbClr>
+            </a:outerShdw>
+          </a:effectLst>
+          <a:extLst>
+            <a:ext uri="{909E8E84-426E-40dd-AFC4-6F175D3DCCD1}">
+              <a14:hiddenFill xmlns:a14="http://schemas.microsoft.com/office/drawing/2010/main">
+                <a:noFill/>
+              </a14:hiddenFill>
+            </a:ext>
+          </a:extLst>
+        </p:spPr>
+      </p:cxnSp>
+      <p:cxnSp>
+        <p:nvCxnSpPr>
+          <p:cNvPr id="70" name="Straight Arrow Connector 125"/>
+          <p:cNvCxnSpPr>
+            <a:cxnSpLocks noChangeShapeType="1"/>
+            <a:stCxn id="124" idx="0"/>
+          </p:cNvCxnSpPr>
+          <p:nvPr/>
+        </p:nvCxnSpPr>
+        <p:spPr bwMode="auto">
+          <a:xfrm flipV="1">
+            <a:off x="5735582" y="3274903"/>
+            <a:ext cx="1158103" cy="248506"/>
+          </a:xfrm>
+          <a:prstGeom prst="straightConnector1">
+            <a:avLst/>
+          </a:prstGeom>
+          <a:noFill/>
+          <a:ln w="19050">
+            <a:solidFill>
+              <a:srgbClr val="F79646"/>
+            </a:solidFill>
+            <a:round/>
+            <a:headEnd/>
+            <a:tailEnd type="triangle" w="med" len="med"/>
+          </a:ln>
+          <a:effectLst>
+            <a:outerShdw dist="20000" dir="5400000" rotWithShape="0">
+              <a:srgbClr val="808080">
+                <a:alpha val="37999"/>
+              </a:srgbClr>
+            </a:outerShdw>
+          </a:effectLst>
+          <a:extLst>
+            <a:ext uri="{909E8E84-426E-40dd-AFC4-6F175D3DCCD1}">
+              <a14:hiddenFill xmlns:a14="http://schemas.microsoft.com/office/drawing/2010/main">
+                <a:noFill/>
+              </a14:hiddenFill>
+            </a:ext>
+          </a:extLst>
+        </p:spPr>
+      </p:cxnSp>
+      <p:cxnSp>
+        <p:nvCxnSpPr>
+          <p:cNvPr id="71" name="Straight Arrow Connector 125"/>
+          <p:cNvCxnSpPr>
+            <a:cxnSpLocks noChangeShapeType="1"/>
+            <a:stCxn id="125" idx="0"/>
+            <a:endCxn id="33" idx="2"/>
+          </p:cNvCxnSpPr>
+          <p:nvPr/>
+        </p:nvCxnSpPr>
+        <p:spPr bwMode="auto">
+          <a:xfrm flipV="1">
+            <a:off x="6074547" y="3274903"/>
+            <a:ext cx="1847042" cy="248506"/>
+          </a:xfrm>
+          <a:prstGeom prst="straightConnector1">
+            <a:avLst/>
+          </a:prstGeom>
+          <a:noFill/>
+          <a:ln w="19050">
+            <a:solidFill>
+              <a:srgbClr val="F79646"/>
+            </a:solidFill>
+            <a:round/>
+            <a:headEnd/>
+            <a:tailEnd type="triangle" w="med" len="med"/>
+          </a:ln>
+          <a:effectLst>
+            <a:outerShdw dist="20000" dir="5400000" rotWithShape="0">
+              <a:srgbClr val="808080">
+                <a:alpha val="37999"/>
+              </a:srgbClr>
+            </a:outerShdw>
+          </a:effectLst>
+          <a:extLst>
+            <a:ext uri="{909E8E84-426E-40dd-AFC4-6F175D3DCCD1}">
+              <a14:hiddenFill xmlns:a14="http://schemas.microsoft.com/office/drawing/2010/main">
+                <a:noFill/>
+              </a14:hiddenFill>
+            </a:ext>
+          </a:extLst>
+        </p:spPr>
+      </p:cxnSp>
+      <p:sp>
+        <p:nvSpPr>
+          <p:cNvPr id="72" name="Rounded Rectangle 71"/>
+          <p:cNvSpPr/>
+          <p:nvPr/>
+        </p:nvSpPr>
+        <p:spPr bwMode="auto">
+          <a:xfrm>
+            <a:off x="5183822" y="3549976"/>
+            <a:ext cx="1112630" cy="337015"/>
+          </a:xfrm>
+          <a:prstGeom prst="roundRect">
+            <a:avLst/>
+          </a:prstGeom>
+          <a:solidFill>
+            <a:schemeClr val="bg1">
+              <a:lumMod val="75000"/>
+            </a:schemeClr>
+          </a:solidFill>
+          <a:ln w="28575" cmpd="sng"/>
+        </p:spPr>
+        <p:style>
+          <a:lnRef idx="3">
+            <a:schemeClr val="lt1"/>
+          </a:lnRef>
+          <a:fillRef idx="1">
+            <a:schemeClr val="accent3"/>
+          </a:fillRef>
+          <a:effectRef idx="1">
+            <a:schemeClr val="accent3"/>
+          </a:effectRef>
+          <a:fontRef idx="minor">
+            <a:schemeClr val="lt1"/>
+          </a:fontRef>
+        </p:style>
+        <p:txBody>
+          <a:bodyPr anchor="ctr"/>
+          <a:lstStyle/>
+          <a:p>
+            <a:pPr algn="ctr" fontAlgn="auto">
+              <a:spcBef>
+                <a:spcPts val="0"/>
+              </a:spcBef>
+              <a:spcAft>
+                <a:spcPts val="0"/>
+              </a:spcAft>
+              <a:defRPr/>
+            </a:pPr>
+            <a:endParaRPr lang="en-US" sz="3200" dirty="0"/>
+          </a:p>
+        </p:txBody>
+      </p:sp>
+      <p:grpSp>
+        <p:nvGrpSpPr>
+          <p:cNvPr id="73" name="Group 138"/>
+          <p:cNvGrpSpPr/>
+          <p:nvPr/>
+        </p:nvGrpSpPr>
+        <p:grpSpPr>
+          <a:xfrm>
+            <a:off x="5815814" y="3659384"/>
+            <a:ext cx="372745" cy="114014"/>
+            <a:chOff x="2576681" y="2142384"/>
+            <a:chExt cx="1377950" cy="749301"/>
+          </a:xfrm>
+        </p:grpSpPr>
+        <p:sp>
+          <p:nvSpPr>
+            <p:cNvPr id="74" name="Oval 73"/>
+            <p:cNvSpPr/>
+            <p:nvPr/>
+          </p:nvSpPr>
+          <p:spPr>
+            <a:xfrm>
+              <a:off x="2956708" y="2319681"/>
+              <a:ext cx="617896" cy="394705"/>
+            </a:xfrm>
+            <a:prstGeom prst="ellipse">
+              <a:avLst/>
+            </a:prstGeom>
+            <a:ln w="3175" cmpd="sng">
+              <a:solidFill>
+                <a:schemeClr val="bg2"/>
+              </a:solidFill>
+            </a:ln>
+          </p:spPr>
+          <p:style>
+            <a:lnRef idx="2">
+              <a:schemeClr val="accent1">
+                <a:shade val="50000"/>
+              </a:schemeClr>
+            </a:lnRef>
+            <a:fillRef idx="1">
+              <a:schemeClr val="accent1"/>
+            </a:fillRef>
+            <a:effectRef idx="0">
+              <a:schemeClr val="accent1"/>
+            </a:effectRef>
+            <a:fontRef idx="minor">
+              <a:schemeClr val="lt1"/>
+            </a:fontRef>
+          </p:style>
+          <p:txBody>
+            <a:bodyPr rtlCol="0" anchor="ctr"/>
+            <a:lstStyle/>
+            <a:p>
+              <a:pPr algn="ctr"/>
+              <a:endParaRPr lang="en-US" dirty="0"/>
+            </a:p>
+          </p:txBody>
+        </p:sp>
+        <p:grpSp>
+          <p:nvGrpSpPr>
+            <p:cNvPr id="75" name="Group 140"/>
+            <p:cNvGrpSpPr>
+              <a:grpSpLocks/>
+            </p:cNvGrpSpPr>
+            <p:nvPr/>
+          </p:nvGrpSpPr>
+          <p:grpSpPr bwMode="auto">
+            <a:xfrm>
+              <a:off x="2576681" y="2142384"/>
+              <a:ext cx="1377950" cy="749301"/>
+              <a:chOff x="361" y="408"/>
+              <a:chExt cx="1680" cy="1341"/>
+            </a:xfrm>
+          </p:grpSpPr>
+          <p:sp>
+            <p:nvSpPr>
+              <p:cNvPr id="76" name="Freeform 75"/>
+              <p:cNvSpPr>
+                <a:spLocks/>
+              </p:cNvSpPr>
+              <p:nvPr/>
+            </p:nvSpPr>
+            <p:spPr bwMode="auto">
+              <a:xfrm>
+                <a:off x="1145" y="952"/>
+                <a:ext cx="896" cy="791"/>
+              </a:xfrm>
+              <a:custGeom>
+                <a:avLst/>
+                <a:gdLst>
+                  <a:gd name="T0" fmla="*/ 0 w 896"/>
+                  <a:gd name="T1" fmla="*/ 465 h 791"/>
+                  <a:gd name="T2" fmla="*/ 896 w 896"/>
+                  <a:gd name="T3" fmla="*/ 0 h 791"/>
+                  <a:gd name="T4" fmla="*/ 896 w 896"/>
+                  <a:gd name="T5" fmla="*/ 319 h 791"/>
+                  <a:gd name="T6" fmla="*/ 1 w 896"/>
+                  <a:gd name="T7" fmla="*/ 791 h 791"/>
+                  <a:gd name="T8" fmla="*/ 0 w 896"/>
+                  <a:gd name="T9" fmla="*/ 465 h 791"/>
+                  <a:gd name="T10" fmla="*/ 0 60000 65536"/>
+                  <a:gd name="T11" fmla="*/ 0 60000 65536"/>
+                  <a:gd name="T12" fmla="*/ 0 60000 65536"/>
+                  <a:gd name="T13" fmla="*/ 0 60000 65536"/>
+                  <a:gd name="T14" fmla="*/ 0 60000 65536"/>
+                  <a:gd name="T15" fmla="*/ 0 w 896"/>
+                  <a:gd name="T16" fmla="*/ 0 h 791"/>
+                  <a:gd name="T17" fmla="*/ 896 w 896"/>
+                  <a:gd name="T18" fmla="*/ 791 h 791"/>
+                </a:gdLst>
+                <a:ahLst/>
+                <a:cxnLst>
+                  <a:cxn ang="T10">
+                    <a:pos x="T0" y="T1"/>
+                  </a:cxn>
+                  <a:cxn ang="T11">
+                    <a:pos x="T2" y="T3"/>
+                  </a:cxn>
+                  <a:cxn ang="T12">
+                    <a:pos x="T4" y="T5"/>
+                  </a:cxn>
+                  <a:cxn ang="T13">
+                    <a:pos x="T6" y="T7"/>
+                  </a:cxn>
+                  <a:cxn ang="T14">
+                    <a:pos x="T8" y="T9"/>
+                  </a:cxn>
+                </a:cxnLst>
+                <a:rect l="T15" t="T16" r="T17" b="T18"/>
+                <a:pathLst>
+                  <a:path w="896" h="791">
+                    <a:moveTo>
+                      <a:pt x="0" y="465"/>
+                    </a:moveTo>
+                    <a:lnTo>
+                      <a:pt x="896" y="0"/>
+                    </a:lnTo>
+                    <a:lnTo>
+                      <a:pt x="896" y="319"/>
+                    </a:lnTo>
+                    <a:lnTo>
+                      <a:pt x="1" y="791"/>
+                    </a:lnTo>
+                    <a:lnTo>
+                      <a:pt x="0" y="465"/>
+                    </a:lnTo>
+                    <a:close/>
+                  </a:path>
+                </a:pathLst>
+              </a:custGeom>
+              <a:solidFill>
+                <a:srgbClr val="B7C4CE"/>
+              </a:solidFill>
+              <a:ln w="3175" cmpd="sng">
+                <a:solidFill>
+                  <a:srgbClr val="000000"/>
+                </a:solidFill>
+                <a:round/>
+                <a:headEnd/>
+                <a:tailEnd/>
+              </a:ln>
+            </p:spPr>
+            <p:txBody>
+              <a:bodyPr/>
+              <a:lstStyle/>
+              <a:p>
+                <a:endParaRPr lang="en-US" dirty="0"/>
+              </a:p>
+            </p:txBody>
+          </p:sp>
+          <p:sp>
+            <p:nvSpPr>
+              <p:cNvPr id="77" name="Freeform 76"/>
+              <p:cNvSpPr>
+                <a:spLocks/>
+              </p:cNvSpPr>
+              <p:nvPr/>
+            </p:nvSpPr>
+            <p:spPr bwMode="auto">
+              <a:xfrm>
+                <a:off x="362" y="873"/>
+                <a:ext cx="777" cy="876"/>
+              </a:xfrm>
+              <a:custGeom>
+                <a:avLst/>
+                <a:gdLst>
+                  <a:gd name="T0" fmla="*/ 0 w 777"/>
+                  <a:gd name="T1" fmla="*/ 0 h 876"/>
+                  <a:gd name="T2" fmla="*/ 777 w 777"/>
+                  <a:gd name="T3" fmla="*/ 538 h 876"/>
+                  <a:gd name="T4" fmla="*/ 776 w 777"/>
+                  <a:gd name="T5" fmla="*/ 876 h 876"/>
+                  <a:gd name="T6" fmla="*/ 0 w 777"/>
+                  <a:gd name="T7" fmla="*/ 309 h 876"/>
+                  <a:gd name="T8" fmla="*/ 0 w 777"/>
+                  <a:gd name="T9" fmla="*/ 0 h 876"/>
+                  <a:gd name="T10" fmla="*/ 0 60000 65536"/>
+                  <a:gd name="T11" fmla="*/ 0 60000 65536"/>
+                  <a:gd name="T12" fmla="*/ 0 60000 65536"/>
+                  <a:gd name="T13" fmla="*/ 0 60000 65536"/>
+                  <a:gd name="T14" fmla="*/ 0 60000 65536"/>
+                  <a:gd name="T15" fmla="*/ 0 w 777"/>
+                  <a:gd name="T16" fmla="*/ 0 h 876"/>
+                  <a:gd name="T17" fmla="*/ 777 w 777"/>
+                  <a:gd name="T18" fmla="*/ 876 h 876"/>
+                </a:gdLst>
+                <a:ahLst/>
+                <a:cxnLst>
+                  <a:cxn ang="T10">
+                    <a:pos x="T0" y="T1"/>
+                  </a:cxn>
+                  <a:cxn ang="T11">
+                    <a:pos x="T2" y="T3"/>
+                  </a:cxn>
+                  <a:cxn ang="T12">
+                    <a:pos x="T4" y="T5"/>
+                  </a:cxn>
+                  <a:cxn ang="T13">
+                    <a:pos x="T6" y="T7"/>
+                  </a:cxn>
+                  <a:cxn ang="T14">
+                    <a:pos x="T8" y="T9"/>
+                  </a:cxn>
+                </a:cxnLst>
+                <a:rect l="T15" t="T16" r="T17" b="T18"/>
+                <a:pathLst>
+                  <a:path w="777" h="876">
+                    <a:moveTo>
+                      <a:pt x="0" y="0"/>
+                    </a:moveTo>
+                    <a:lnTo>
+                      <a:pt x="777" y="538"/>
+                    </a:lnTo>
+                    <a:lnTo>
+                      <a:pt x="776" y="876"/>
+                    </a:lnTo>
+                    <a:lnTo>
+                      <a:pt x="0" y="309"/>
+                    </a:lnTo>
+                    <a:lnTo>
+                      <a:pt x="0" y="0"/>
+                    </a:lnTo>
+                    <a:close/>
+                  </a:path>
+                </a:pathLst>
+              </a:custGeom>
+              <a:solidFill>
+                <a:srgbClr val="B7C4CE"/>
+              </a:solidFill>
+              <a:ln w="3175" cmpd="sng">
+                <a:solidFill>
+                  <a:srgbClr val="000000"/>
+                </a:solidFill>
+                <a:round/>
+                <a:headEnd/>
+                <a:tailEnd/>
+              </a:ln>
+            </p:spPr>
+            <p:txBody>
+              <a:bodyPr/>
+              <a:lstStyle/>
+              <a:p>
+                <a:endParaRPr lang="en-US" dirty="0"/>
+              </a:p>
+            </p:txBody>
+          </p:sp>
+          <p:sp>
+            <p:nvSpPr>
+              <p:cNvPr id="78" name="Freeform 77"/>
+              <p:cNvSpPr>
+                <a:spLocks/>
+              </p:cNvSpPr>
+              <p:nvPr/>
+            </p:nvSpPr>
+            <p:spPr bwMode="auto">
+              <a:xfrm>
+                <a:off x="361" y="873"/>
+                <a:ext cx="1" cy="1"/>
+              </a:xfrm>
+              <a:custGeom>
+                <a:avLst/>
+                <a:gdLst>
+                  <a:gd name="T0" fmla="*/ 0 w 1"/>
+                  <a:gd name="T1" fmla="*/ 0 h 1"/>
+                  <a:gd name="T2" fmla="*/ 0 w 1"/>
+                  <a:gd name="T3" fmla="*/ 0 h 1"/>
+                  <a:gd name="T4" fmla="*/ 0 w 1"/>
+                  <a:gd name="T5" fmla="*/ 0 h 1"/>
+                  <a:gd name="T6" fmla="*/ 0 w 1"/>
+                  <a:gd name="T7" fmla="*/ 0 h 1"/>
+                  <a:gd name="T8" fmla="*/ 0 60000 65536"/>
+                  <a:gd name="T9" fmla="*/ 0 60000 65536"/>
+                  <a:gd name="T10" fmla="*/ 0 60000 65536"/>
+                  <a:gd name="T11" fmla="*/ 0 60000 65536"/>
+                  <a:gd name="T12" fmla="*/ 0 w 1"/>
+                  <a:gd name="T13" fmla="*/ 0 h 1"/>
+                  <a:gd name="T14" fmla="*/ 1 w 1"/>
+                  <a:gd name="T15" fmla="*/ 1 h 1"/>
+                </a:gdLst>
+                <a:ahLst/>
+                <a:cxnLst>
+                  <a:cxn ang="T8">
+                    <a:pos x="T0" y="T1"/>
+                  </a:cxn>
+                  <a:cxn ang="T9">
+                    <a:pos x="T2" y="T3"/>
+                  </a:cxn>
+                  <a:cxn ang="T10">
+                    <a:pos x="T4" y="T5"/>
+                  </a:cxn>
+                  <a:cxn ang="T11">
+                    <a:pos x="T6" y="T7"/>
+                  </a:cxn>
+                </a:cxnLst>
+                <a:rect l="T12" t="T13" r="T14" b="T15"/>
+                <a:pathLst>
+                  <a:path w="1" h="1">
+                    <a:moveTo>
+                      <a:pt x="0" y="0"/>
+                    </a:moveTo>
+                    <a:lnTo>
+                      <a:pt x="0" y="0"/>
+                    </a:lnTo>
+                  </a:path>
+                </a:pathLst>
+              </a:custGeom>
+              <a:noFill/>
+              <a:ln w="3175" cmpd="sng">
+                <a:solidFill>
+                  <a:srgbClr val="1F1A17"/>
+                </a:solidFill>
+                <a:round/>
+                <a:headEnd/>
+                <a:tailEnd/>
+              </a:ln>
+              <a:extLst>
+                <a:ext uri="{909E8E84-426E-40dd-AFC4-6F175D3DCCD1}">
+                  <a14:hiddenFill xmlns:a14="http://schemas.microsoft.com/office/drawing/2010/main">
+                    <a:solidFill>
+                      <a:srgbClr val="FFFFFF"/>
+                    </a:solidFill>
+                  </a14:hiddenFill>
+                </a:ext>
+              </a:extLst>
+            </p:spPr>
+            <p:txBody>
+              <a:bodyPr/>
+              <a:lstStyle/>
+              <a:p>
+                <a:endParaRPr lang="en-US" dirty="0"/>
+              </a:p>
+            </p:txBody>
+          </p:sp>
+          <p:sp>
+            <p:nvSpPr>
+              <p:cNvPr id="79" name="Freeform 78"/>
+              <p:cNvSpPr>
+                <a:spLocks/>
+              </p:cNvSpPr>
+              <p:nvPr/>
+            </p:nvSpPr>
+            <p:spPr bwMode="auto">
+              <a:xfrm>
+                <a:off x="361" y="408"/>
+                <a:ext cx="1677" cy="1000"/>
+              </a:xfrm>
+              <a:custGeom>
+                <a:avLst/>
+                <a:gdLst>
+                  <a:gd name="T0" fmla="*/ 0 w 15917"/>
+                  <a:gd name="T1" fmla="*/ 0 h 6819"/>
+                  <a:gd name="T2" fmla="*/ 0 w 15917"/>
+                  <a:gd name="T3" fmla="*/ 0 h 6819"/>
+                  <a:gd name="T4" fmla="*/ 0 w 15917"/>
+                  <a:gd name="T5" fmla="*/ 0 h 6819"/>
+                  <a:gd name="T6" fmla="*/ 0 w 15917"/>
+                  <a:gd name="T7" fmla="*/ 0 h 6819"/>
+                  <a:gd name="T8" fmla="*/ 0 w 15917"/>
+                  <a:gd name="T9" fmla="*/ 0 h 6819"/>
+                  <a:gd name="T10" fmla="*/ 0 w 15917"/>
+                  <a:gd name="T11" fmla="*/ 0 h 6819"/>
+                  <a:gd name="T12" fmla="*/ 0 w 15917"/>
+                  <a:gd name="T13" fmla="*/ 0 h 6819"/>
+                  <a:gd name="T14" fmla="*/ 0 w 15917"/>
+                  <a:gd name="T15" fmla="*/ 0 h 6819"/>
+                  <a:gd name="T16" fmla="*/ 0 w 15917"/>
+                  <a:gd name="T17" fmla="*/ 0 h 6819"/>
+                  <a:gd name="T18" fmla="*/ 0 60000 65536"/>
+                  <a:gd name="T19" fmla="*/ 0 60000 65536"/>
+                  <a:gd name="T20" fmla="*/ 0 60000 65536"/>
+                  <a:gd name="T21" fmla="*/ 0 60000 65536"/>
+                  <a:gd name="T22" fmla="*/ 0 60000 65536"/>
+                  <a:gd name="T23" fmla="*/ 0 60000 65536"/>
+                  <a:gd name="T24" fmla="*/ 0 60000 65536"/>
+                  <a:gd name="T25" fmla="*/ 0 60000 65536"/>
+                  <a:gd name="T26" fmla="*/ 0 60000 65536"/>
+                  <a:gd name="T27" fmla="*/ 0 w 15917"/>
+                  <a:gd name="T28" fmla="*/ 0 h 6819"/>
+                  <a:gd name="T29" fmla="*/ 15917 w 15917"/>
+                  <a:gd name="T30" fmla="*/ 6819 h 6819"/>
+                </a:gdLst>
+                <a:ahLst/>
+                <a:cxnLst>
+                  <a:cxn ang="T18">
+                    <a:pos x="T0" y="T1"/>
+                  </a:cxn>
+                  <a:cxn ang="T19">
+                    <a:pos x="T2" y="T3"/>
+                  </a:cxn>
+                  <a:cxn ang="T20">
+                    <a:pos x="T4" y="T5"/>
+                  </a:cxn>
+                  <a:cxn ang="T21">
+                    <a:pos x="T6" y="T7"/>
+                  </a:cxn>
+                  <a:cxn ang="T22">
+                    <a:pos x="T8" y="T9"/>
+                  </a:cxn>
+                  <a:cxn ang="T23">
+                    <a:pos x="T10" y="T11"/>
+                  </a:cxn>
+                  <a:cxn ang="T24">
+                    <a:pos x="T12" y="T13"/>
+                  </a:cxn>
+                  <a:cxn ang="T25">
+                    <a:pos x="T14" y="T15"/>
+                  </a:cxn>
+                  <a:cxn ang="T26">
+                    <a:pos x="T16" y="T17"/>
+                  </a:cxn>
+                </a:cxnLst>
+                <a:rect l="T27" t="T28" r="T29" b="T30"/>
+                <a:pathLst>
+                  <a:path w="15917" h="6819">
+                    <a:moveTo>
+                      <a:pt x="7415" y="6819"/>
+                    </a:moveTo>
+                    <a:lnTo>
+                      <a:pt x="11836" y="5166"/>
+                    </a:lnTo>
+                    <a:lnTo>
+                      <a:pt x="15917" y="3642"/>
+                    </a:lnTo>
+                    <a:lnTo>
+                      <a:pt x="12061" y="1748"/>
+                    </a:lnTo>
+                    <a:lnTo>
+                      <a:pt x="8503" y="0"/>
+                    </a:lnTo>
+                    <a:lnTo>
+                      <a:pt x="4082" y="1651"/>
+                    </a:lnTo>
+                    <a:lnTo>
+                      <a:pt x="0" y="3177"/>
+                    </a:lnTo>
+                    <a:lnTo>
+                      <a:pt x="3857" y="5070"/>
+                    </a:lnTo>
+                    <a:lnTo>
+                      <a:pt x="7415" y="6819"/>
+                    </a:lnTo>
+                    <a:close/>
+                  </a:path>
+                </a:pathLst>
+              </a:custGeom>
+              <a:solidFill>
+                <a:srgbClr val="B7C4CE"/>
+              </a:solidFill>
+              <a:ln w="9525">
+                <a:solidFill>
+                  <a:srgbClr val="000000"/>
+                </a:solidFill>
+                <a:round/>
+                <a:headEnd/>
+                <a:tailEnd/>
+              </a:ln>
+            </p:spPr>
+            <p:txBody>
+              <a:bodyPr/>
+              <a:lstStyle/>
+              <a:p>
+                <a:endParaRPr lang="en-US" dirty="0"/>
+              </a:p>
+            </p:txBody>
+          </p:sp>
+          <p:sp>
+            <p:nvSpPr>
+              <p:cNvPr id="80" name="Freeform 79"/>
+              <p:cNvSpPr>
+                <a:spLocks/>
+              </p:cNvSpPr>
+              <p:nvPr/>
+            </p:nvSpPr>
+            <p:spPr bwMode="auto">
+              <a:xfrm>
+                <a:off x="361" y="408"/>
+                <a:ext cx="1677" cy="1000"/>
+              </a:xfrm>
+              <a:custGeom>
+                <a:avLst/>
+                <a:gdLst>
+                  <a:gd name="T0" fmla="*/ 0 w 15917"/>
+                  <a:gd name="T1" fmla="*/ 0 h 6819"/>
+                  <a:gd name="T2" fmla="*/ 0 w 15917"/>
+                  <a:gd name="T3" fmla="*/ 0 h 6819"/>
+                  <a:gd name="T4" fmla="*/ 0 w 15917"/>
+                  <a:gd name="T5" fmla="*/ 0 h 6819"/>
+                  <a:gd name="T6" fmla="*/ 0 w 15917"/>
+                  <a:gd name="T7" fmla="*/ 0 h 6819"/>
+                  <a:gd name="T8" fmla="*/ 0 w 15917"/>
+                  <a:gd name="T9" fmla="*/ 0 h 6819"/>
+                  <a:gd name="T10" fmla="*/ 0 w 15917"/>
+                  <a:gd name="T11" fmla="*/ 0 h 6819"/>
+                  <a:gd name="T12" fmla="*/ 0 w 15917"/>
+                  <a:gd name="T13" fmla="*/ 0 h 6819"/>
+                  <a:gd name="T14" fmla="*/ 0 w 15917"/>
+                  <a:gd name="T15" fmla="*/ 0 h 6819"/>
+                  <a:gd name="T16" fmla="*/ 0 w 15917"/>
+                  <a:gd name="T17" fmla="*/ 0 h 6819"/>
+                  <a:gd name="T18" fmla="*/ 0 60000 65536"/>
+                  <a:gd name="T19" fmla="*/ 0 60000 65536"/>
+                  <a:gd name="T20" fmla="*/ 0 60000 65536"/>
+                  <a:gd name="T21" fmla="*/ 0 60000 65536"/>
+                  <a:gd name="T22" fmla="*/ 0 60000 65536"/>
+                  <a:gd name="T23" fmla="*/ 0 60000 65536"/>
+                  <a:gd name="T24" fmla="*/ 0 60000 65536"/>
+                  <a:gd name="T25" fmla="*/ 0 60000 65536"/>
+                  <a:gd name="T26" fmla="*/ 0 60000 65536"/>
+                  <a:gd name="T27" fmla="*/ 0 w 15917"/>
+                  <a:gd name="T28" fmla="*/ 0 h 6819"/>
+                  <a:gd name="T29" fmla="*/ 15917 w 15917"/>
+                  <a:gd name="T30" fmla="*/ 6819 h 6819"/>
+                </a:gdLst>
+                <a:ahLst/>
+                <a:cxnLst>
+                  <a:cxn ang="T18">
+                    <a:pos x="T0" y="T1"/>
+                  </a:cxn>
+                  <a:cxn ang="T19">
+                    <a:pos x="T2" y="T3"/>
+                  </a:cxn>
+                  <a:cxn ang="T20">
+                    <a:pos x="T4" y="T5"/>
+                  </a:cxn>
+                  <a:cxn ang="T21">
+                    <a:pos x="T6" y="T7"/>
+                  </a:cxn>
+                  <a:cxn ang="T22">
+                    <a:pos x="T8" y="T9"/>
+                  </a:cxn>
+                  <a:cxn ang="T23">
+                    <a:pos x="T10" y="T11"/>
+                  </a:cxn>
+                  <a:cxn ang="T24">
+                    <a:pos x="T12" y="T13"/>
+                  </a:cxn>
+                  <a:cxn ang="T25">
+                    <a:pos x="T14" y="T15"/>
+                  </a:cxn>
+                  <a:cxn ang="T26">
+                    <a:pos x="T16" y="T17"/>
+                  </a:cxn>
+                </a:cxnLst>
+                <a:rect l="T27" t="T28" r="T29" b="T30"/>
+                <a:pathLst>
+                  <a:path w="15917" h="6819">
+                    <a:moveTo>
+                      <a:pt x="7415" y="6819"/>
+                    </a:moveTo>
+                    <a:lnTo>
+                      <a:pt x="11836" y="5166"/>
+                    </a:lnTo>
+                    <a:lnTo>
+                      <a:pt x="15917" y="3642"/>
+                    </a:lnTo>
+                    <a:lnTo>
+                      <a:pt x="12061" y="1748"/>
+                    </a:lnTo>
+                    <a:lnTo>
+                      <a:pt x="8503" y="0"/>
+                    </a:lnTo>
+                    <a:lnTo>
+                      <a:pt x="4082" y="1651"/>
+                    </a:lnTo>
+                    <a:lnTo>
+                      <a:pt x="0" y="3177"/>
+                    </a:lnTo>
+                    <a:lnTo>
+                      <a:pt x="3857" y="5070"/>
+                    </a:lnTo>
+                    <a:lnTo>
+                      <a:pt x="7415" y="6819"/>
+                    </a:lnTo>
+                    <a:close/>
+                  </a:path>
+                </a:pathLst>
+              </a:custGeom>
+              <a:noFill/>
+              <a:ln w="3175" cmpd="sng">
+                <a:solidFill>
+                  <a:srgbClr val="000000"/>
+                </a:solidFill>
+                <a:round/>
+                <a:headEnd/>
+                <a:tailEnd/>
+              </a:ln>
+              <a:extLst>
+                <a:ext uri="{909E8E84-426E-40dd-AFC4-6F175D3DCCD1}">
+                  <a14:hiddenFill xmlns:a14="http://schemas.microsoft.com/office/drawing/2010/main">
+                    <a:solidFill>
+                      <a:srgbClr val="FFFFFF"/>
+                    </a:solidFill>
+                  </a14:hiddenFill>
+                </a:ext>
+              </a:extLst>
+            </p:spPr>
+            <p:txBody>
+              <a:bodyPr/>
+              <a:lstStyle/>
+              <a:p>
+                <a:endParaRPr lang="en-US" dirty="0"/>
+              </a:p>
+            </p:txBody>
+          </p:sp>
+          <p:grpSp>
+            <p:nvGrpSpPr>
+              <p:cNvPr id="81" name="Group 146"/>
+              <p:cNvGrpSpPr>
+                <a:grpSpLocks/>
+              </p:cNvGrpSpPr>
+              <p:nvPr/>
+            </p:nvGrpSpPr>
+            <p:grpSpPr bwMode="auto">
+              <a:xfrm>
+                <a:off x="1172" y="996"/>
+                <a:ext cx="843" cy="703"/>
+                <a:chOff x="1172" y="996"/>
+                <a:chExt cx="843" cy="703"/>
+              </a:xfrm>
+            </p:grpSpPr>
+            <p:sp>
+              <p:nvSpPr>
+                <p:cNvPr id="86" name="Freeform 147"/>
+                <p:cNvSpPr>
+                  <a:spLocks/>
+                </p:cNvSpPr>
+                <p:nvPr/>
+              </p:nvSpPr>
+              <p:spPr bwMode="auto">
+                <a:xfrm>
+                  <a:off x="1317" y="1352"/>
+                  <a:ext cx="17" cy="126"/>
+                </a:xfrm>
+                <a:custGeom>
+                  <a:avLst/>
+                  <a:gdLst>
+                    <a:gd name="T0" fmla="*/ 0 w 17"/>
+                    <a:gd name="T1" fmla="*/ 13 h 126"/>
+                    <a:gd name="T2" fmla="*/ 0 w 17"/>
+                    <a:gd name="T3" fmla="*/ 126 h 126"/>
+                    <a:gd name="T4" fmla="*/ 17 w 17"/>
+                    <a:gd name="T5" fmla="*/ 112 h 126"/>
+                    <a:gd name="T6" fmla="*/ 17 w 17"/>
+                    <a:gd name="T7" fmla="*/ 0 h 126"/>
+                    <a:gd name="T8" fmla="*/ 0 w 17"/>
+                    <a:gd name="T9" fmla="*/ 13 h 126"/>
+                    <a:gd name="T10" fmla="*/ 0 60000 65536"/>
+                    <a:gd name="T11" fmla="*/ 0 60000 65536"/>
+                    <a:gd name="T12" fmla="*/ 0 60000 65536"/>
+                    <a:gd name="T13" fmla="*/ 0 60000 65536"/>
+                    <a:gd name="T14" fmla="*/ 0 60000 65536"/>
+                    <a:gd name="T15" fmla="*/ 0 w 17"/>
+                    <a:gd name="T16" fmla="*/ 0 h 126"/>
+                    <a:gd name="T17" fmla="*/ 17 w 17"/>
+                    <a:gd name="T18" fmla="*/ 126 h 126"/>
+                  </a:gdLst>
+                  <a:ahLst/>
+                  <a:cxnLst>
+                    <a:cxn ang="T10">
+                      <a:pos x="T0" y="T1"/>
+                    </a:cxn>
+                    <a:cxn ang="T11">
+                      <a:pos x="T2" y="T3"/>
+                    </a:cxn>
+                    <a:cxn ang="T12">
+                      <a:pos x="T4" y="T5"/>
+                    </a:cxn>
+                    <a:cxn ang="T13">
+                      <a:pos x="T6" y="T7"/>
+                    </a:cxn>
+                    <a:cxn ang="T14">
+                      <a:pos x="T8" y="T9"/>
+                    </a:cxn>
+                  </a:cxnLst>
+                  <a:rect l="T15" t="T16" r="T17" b="T18"/>
+                  <a:pathLst>
+                    <a:path w="17" h="126">
+                      <a:moveTo>
+                        <a:pt x="0" y="13"/>
+                      </a:moveTo>
+                      <a:lnTo>
+                        <a:pt x="0" y="126"/>
+                      </a:lnTo>
+                      <a:lnTo>
+                        <a:pt x="17" y="112"/>
+                      </a:lnTo>
+                      <a:lnTo>
+                        <a:pt x="17" y="0"/>
+                      </a:lnTo>
+                      <a:lnTo>
+                        <a:pt x="0" y="13"/>
+                      </a:lnTo>
+                      <a:close/>
+                    </a:path>
+                  </a:pathLst>
+                </a:custGeom>
+                <a:solidFill>
+                  <a:srgbClr val="C0C0C0"/>
+                </a:solidFill>
+                <a:ln w="3175" cmpd="sng">
+                  <a:solidFill>
+                    <a:schemeClr val="tx1"/>
+                  </a:solidFill>
+                  <a:round/>
+                  <a:headEnd/>
+                  <a:tailEnd/>
+                </a:ln>
+              </p:spPr>
+              <p:txBody>
+                <a:bodyPr wrap="none" anchor="ctr"/>
+                <a:lstStyle/>
+                <a:p>
+                  <a:endParaRPr lang="en-US" dirty="0"/>
+                </a:p>
+              </p:txBody>
+            </p:sp>
+            <p:sp>
+              <p:nvSpPr>
+                <p:cNvPr id="87" name="Freeform 148"/>
+                <p:cNvSpPr>
+                  <a:spLocks/>
+                </p:cNvSpPr>
+                <p:nvPr/>
+              </p:nvSpPr>
+              <p:spPr bwMode="auto">
+                <a:xfrm>
+                  <a:off x="1317" y="1495"/>
+                  <a:ext cx="17" cy="126"/>
+                </a:xfrm>
+                <a:custGeom>
+                  <a:avLst/>
+                  <a:gdLst>
+                    <a:gd name="T0" fmla="*/ 0 w 17"/>
+                    <a:gd name="T1" fmla="*/ 13 h 126"/>
+                    <a:gd name="T2" fmla="*/ 0 w 17"/>
+                    <a:gd name="T3" fmla="*/ 126 h 126"/>
+                    <a:gd name="T4" fmla="*/ 17 w 17"/>
+                    <a:gd name="T5" fmla="*/ 112 h 126"/>
+                    <a:gd name="T6" fmla="*/ 17 w 17"/>
+                    <a:gd name="T7" fmla="*/ 0 h 126"/>
+                    <a:gd name="T8" fmla="*/ 0 w 17"/>
+                    <a:gd name="T9" fmla="*/ 13 h 126"/>
+                    <a:gd name="T10" fmla="*/ 0 60000 65536"/>
+                    <a:gd name="T11" fmla="*/ 0 60000 65536"/>
+                    <a:gd name="T12" fmla="*/ 0 60000 65536"/>
+                    <a:gd name="T13" fmla="*/ 0 60000 65536"/>
+                    <a:gd name="T14" fmla="*/ 0 60000 65536"/>
+                    <a:gd name="T15" fmla="*/ 0 w 17"/>
+                    <a:gd name="T16" fmla="*/ 0 h 126"/>
+                    <a:gd name="T17" fmla="*/ 17 w 17"/>
+                    <a:gd name="T18" fmla="*/ 126 h 126"/>
+                  </a:gdLst>
+                  <a:ahLst/>
+                  <a:cxnLst>
+                    <a:cxn ang="T10">
+                      <a:pos x="T0" y="T1"/>
+                    </a:cxn>
+                    <a:cxn ang="T11">
+                      <a:pos x="T2" y="T3"/>
+                    </a:cxn>
+                    <a:cxn ang="T12">
+                      <a:pos x="T4" y="T5"/>
+                    </a:cxn>
+                    <a:cxn ang="T13">
+                      <a:pos x="T6" y="T7"/>
+                    </a:cxn>
+                    <a:cxn ang="T14">
+                      <a:pos x="T8" y="T9"/>
+                    </a:cxn>
+                  </a:cxnLst>
+                  <a:rect l="T15" t="T16" r="T17" b="T18"/>
+                  <a:pathLst>
+                    <a:path w="17" h="126">
+                      <a:moveTo>
+                        <a:pt x="0" y="13"/>
+                      </a:moveTo>
+                      <a:lnTo>
+                        <a:pt x="0" y="126"/>
+                      </a:lnTo>
+                      <a:lnTo>
+                        <a:pt x="17" y="112"/>
+                      </a:lnTo>
+                      <a:lnTo>
+                        <a:pt x="17" y="0"/>
+                      </a:lnTo>
+                      <a:lnTo>
+                        <a:pt x="0" y="13"/>
+                      </a:lnTo>
+                      <a:close/>
+                    </a:path>
+                  </a:pathLst>
+                </a:custGeom>
+                <a:solidFill>
+                  <a:srgbClr val="C0C0C0"/>
+                </a:solidFill>
+                <a:ln w="3175" cmpd="sng">
+                  <a:solidFill>
+                    <a:schemeClr val="tx1"/>
+                  </a:solidFill>
+                  <a:round/>
+                  <a:headEnd/>
+                  <a:tailEnd/>
+                </a:ln>
+              </p:spPr>
+              <p:txBody>
+                <a:bodyPr wrap="none" anchor="ctr"/>
+                <a:lstStyle/>
+                <a:p>
+                  <a:endParaRPr lang="en-US" dirty="0"/>
+                </a:p>
+              </p:txBody>
+            </p:sp>
+            <p:sp>
+              <p:nvSpPr>
+                <p:cNvPr id="88" name="Freeform 149"/>
+                <p:cNvSpPr>
+                  <a:spLocks/>
+                </p:cNvSpPr>
+                <p:nvPr/>
+              </p:nvSpPr>
+              <p:spPr bwMode="auto">
+                <a:xfrm>
+                  <a:off x="1842" y="1072"/>
+                  <a:ext cx="17" cy="126"/>
+                </a:xfrm>
+                <a:custGeom>
+                  <a:avLst/>
+                  <a:gdLst>
+                    <a:gd name="T0" fmla="*/ 0 w 17"/>
+                    <a:gd name="T1" fmla="*/ 13 h 126"/>
+                    <a:gd name="T2" fmla="*/ 0 w 17"/>
+                    <a:gd name="T3" fmla="*/ 126 h 126"/>
+                    <a:gd name="T4" fmla="*/ 17 w 17"/>
+                    <a:gd name="T5" fmla="*/ 112 h 126"/>
+                    <a:gd name="T6" fmla="*/ 17 w 17"/>
+                    <a:gd name="T7" fmla="*/ 0 h 126"/>
+                    <a:gd name="T8" fmla="*/ 0 w 17"/>
+                    <a:gd name="T9" fmla="*/ 13 h 126"/>
+                    <a:gd name="T10" fmla="*/ 0 60000 65536"/>
+                    <a:gd name="T11" fmla="*/ 0 60000 65536"/>
+                    <a:gd name="T12" fmla="*/ 0 60000 65536"/>
+                    <a:gd name="T13" fmla="*/ 0 60000 65536"/>
+                    <a:gd name="T14" fmla="*/ 0 60000 65536"/>
+                    <a:gd name="T15" fmla="*/ 0 w 17"/>
+                    <a:gd name="T16" fmla="*/ 0 h 126"/>
+                    <a:gd name="T17" fmla="*/ 17 w 17"/>
+                    <a:gd name="T18" fmla="*/ 126 h 126"/>
+                  </a:gdLst>
+                  <a:ahLst/>
+                  <a:cxnLst>
+                    <a:cxn ang="T10">
+                      <a:pos x="T0" y="T1"/>
+                    </a:cxn>
+                    <a:cxn ang="T11">
+                      <a:pos x="T2" y="T3"/>
+                    </a:cxn>
+                    <a:cxn ang="T12">
+                      <a:pos x="T4" y="T5"/>
+                    </a:cxn>
+                    <a:cxn ang="T13">
+                      <a:pos x="T6" y="T7"/>
+                    </a:cxn>
+                    <a:cxn ang="T14">
+                      <a:pos x="T8" y="T9"/>
+                    </a:cxn>
+                  </a:cxnLst>
+                  <a:rect l="T15" t="T16" r="T17" b="T18"/>
+                  <a:pathLst>
+                    <a:path w="17" h="126">
+                      <a:moveTo>
+                        <a:pt x="0" y="13"/>
+                      </a:moveTo>
+                      <a:lnTo>
+                        <a:pt x="0" y="126"/>
+                      </a:lnTo>
+                      <a:lnTo>
+                        <a:pt x="17" y="112"/>
+                      </a:lnTo>
+                      <a:lnTo>
+                        <a:pt x="17" y="0"/>
+                      </a:lnTo>
+                      <a:lnTo>
+                        <a:pt x="0" y="13"/>
+                      </a:lnTo>
+                      <a:close/>
+                    </a:path>
+                  </a:pathLst>
+                </a:custGeom>
+                <a:solidFill>
+                  <a:srgbClr val="C0C0C0"/>
+                </a:solidFill>
+                <a:ln w="3175" cmpd="sng">
+                  <a:solidFill>
+                    <a:schemeClr val="tx1"/>
+                  </a:solidFill>
+                  <a:round/>
+                  <a:headEnd/>
+                  <a:tailEnd/>
+                </a:ln>
+              </p:spPr>
+              <p:txBody>
+                <a:bodyPr wrap="none" anchor="ctr"/>
+                <a:lstStyle/>
+                <a:p>
+                  <a:endParaRPr lang="en-US" dirty="0"/>
+                </a:p>
+              </p:txBody>
+            </p:sp>
+            <p:sp>
+              <p:nvSpPr>
+                <p:cNvPr id="89" name="Freeform 150"/>
+                <p:cNvSpPr>
+                  <a:spLocks/>
+                </p:cNvSpPr>
+                <p:nvPr/>
+              </p:nvSpPr>
+              <p:spPr bwMode="auto">
+                <a:xfrm>
+                  <a:off x="1842" y="1215"/>
+                  <a:ext cx="17" cy="126"/>
+                </a:xfrm>
+                <a:custGeom>
+                  <a:avLst/>
+                  <a:gdLst>
+                    <a:gd name="T0" fmla="*/ 0 w 17"/>
+                    <a:gd name="T1" fmla="*/ 13 h 126"/>
+                    <a:gd name="T2" fmla="*/ 0 w 17"/>
+                    <a:gd name="T3" fmla="*/ 126 h 126"/>
+                    <a:gd name="T4" fmla="*/ 17 w 17"/>
+                    <a:gd name="T5" fmla="*/ 112 h 126"/>
+                    <a:gd name="T6" fmla="*/ 17 w 17"/>
+                    <a:gd name="T7" fmla="*/ 0 h 126"/>
+                    <a:gd name="T8" fmla="*/ 0 w 17"/>
+                    <a:gd name="T9" fmla="*/ 13 h 126"/>
+                    <a:gd name="T10" fmla="*/ 0 60000 65536"/>
+                    <a:gd name="T11" fmla="*/ 0 60000 65536"/>
+                    <a:gd name="T12" fmla="*/ 0 60000 65536"/>
+                    <a:gd name="T13" fmla="*/ 0 60000 65536"/>
+                    <a:gd name="T14" fmla="*/ 0 60000 65536"/>
+                    <a:gd name="T15" fmla="*/ 0 w 17"/>
+                    <a:gd name="T16" fmla="*/ 0 h 126"/>
+                    <a:gd name="T17" fmla="*/ 17 w 17"/>
+                    <a:gd name="T18" fmla="*/ 126 h 126"/>
+                  </a:gdLst>
+                  <a:ahLst/>
+                  <a:cxnLst>
+                    <a:cxn ang="T10">
+                      <a:pos x="T0" y="T1"/>
+                    </a:cxn>
+                    <a:cxn ang="T11">
+                      <a:pos x="T2" y="T3"/>
+                    </a:cxn>
+                    <a:cxn ang="T12">
+                      <a:pos x="T4" y="T5"/>
+                    </a:cxn>
+                    <a:cxn ang="T13">
+                      <a:pos x="T6" y="T7"/>
+                    </a:cxn>
+                    <a:cxn ang="T14">
+                      <a:pos x="T8" y="T9"/>
+                    </a:cxn>
+                  </a:cxnLst>
+                  <a:rect l="T15" t="T16" r="T17" b="T18"/>
+                  <a:pathLst>
+                    <a:path w="17" h="126">
+                      <a:moveTo>
+                        <a:pt x="0" y="13"/>
+                      </a:moveTo>
+                      <a:lnTo>
+                        <a:pt x="0" y="126"/>
+                      </a:lnTo>
+                      <a:lnTo>
+                        <a:pt x="17" y="112"/>
+                      </a:lnTo>
+                      <a:lnTo>
+                        <a:pt x="17" y="0"/>
+                      </a:lnTo>
+                      <a:lnTo>
+                        <a:pt x="0" y="13"/>
+                      </a:lnTo>
+                      <a:close/>
+                    </a:path>
+                  </a:pathLst>
+                </a:custGeom>
+                <a:solidFill>
+                  <a:srgbClr val="C0C0C0"/>
+                </a:solidFill>
+                <a:ln w="3175" cmpd="sng">
+                  <a:solidFill>
+                    <a:schemeClr val="tx1"/>
+                  </a:solidFill>
+                  <a:round/>
+                  <a:headEnd/>
+                  <a:tailEnd/>
+                </a:ln>
+              </p:spPr>
+              <p:txBody>
+                <a:bodyPr wrap="none" anchor="ctr"/>
+                <a:lstStyle/>
+                <a:p>
+                  <a:endParaRPr lang="en-US" dirty="0"/>
+                </a:p>
+              </p:txBody>
+            </p:sp>
+            <p:sp>
+              <p:nvSpPr>
+                <p:cNvPr id="90" name="Freeform 151"/>
+                <p:cNvSpPr>
+                  <a:spLocks/>
+                </p:cNvSpPr>
+                <p:nvPr/>
+              </p:nvSpPr>
+              <p:spPr bwMode="auto">
+                <a:xfrm>
+                  <a:off x="1530" y="1188"/>
+                  <a:ext cx="113" cy="110"/>
+                </a:xfrm>
+                <a:custGeom>
+                  <a:avLst/>
+                  <a:gdLst>
+                    <a:gd name="T0" fmla="*/ 0 w 113"/>
+                    <a:gd name="T1" fmla="*/ 63 h 110"/>
+                    <a:gd name="T2" fmla="*/ 0 w 113"/>
+                    <a:gd name="T3" fmla="*/ 110 h 110"/>
+                    <a:gd name="T4" fmla="*/ 113 w 113"/>
+                    <a:gd name="T5" fmla="*/ 50 h 110"/>
+                    <a:gd name="T6" fmla="*/ 110 w 113"/>
+                    <a:gd name="T7" fmla="*/ 0 h 110"/>
+                    <a:gd name="T8" fmla="*/ 0 w 113"/>
+                    <a:gd name="T9" fmla="*/ 63 h 110"/>
+                    <a:gd name="T10" fmla="*/ 0 60000 65536"/>
+                    <a:gd name="T11" fmla="*/ 0 60000 65536"/>
+                    <a:gd name="T12" fmla="*/ 0 60000 65536"/>
+                    <a:gd name="T13" fmla="*/ 0 60000 65536"/>
+                    <a:gd name="T14" fmla="*/ 0 60000 65536"/>
+                    <a:gd name="T15" fmla="*/ 0 w 113"/>
+                    <a:gd name="T16" fmla="*/ 0 h 110"/>
+                    <a:gd name="T17" fmla="*/ 113 w 113"/>
+                    <a:gd name="T18" fmla="*/ 110 h 110"/>
+                  </a:gdLst>
+                  <a:ahLst/>
+                  <a:cxnLst>
+                    <a:cxn ang="T10">
+                      <a:pos x="T0" y="T1"/>
+                    </a:cxn>
+                    <a:cxn ang="T11">
+                      <a:pos x="T2" y="T3"/>
+                    </a:cxn>
+                    <a:cxn ang="T12">
+                      <a:pos x="T4" y="T5"/>
+                    </a:cxn>
+                    <a:cxn ang="T13">
+                      <a:pos x="T6" y="T7"/>
+                    </a:cxn>
+                    <a:cxn ang="T14">
+                      <a:pos x="T8" y="T9"/>
+                    </a:cxn>
+                  </a:cxnLst>
+                  <a:rect l="T15" t="T16" r="T17" b="T18"/>
+                  <a:pathLst>
+                    <a:path w="113" h="110">
+                      <a:moveTo>
+                        <a:pt x="0" y="63"/>
+                      </a:moveTo>
+                      <a:lnTo>
+                        <a:pt x="0" y="110"/>
+                      </a:lnTo>
+                      <a:lnTo>
+                        <a:pt x="113" y="50"/>
+                      </a:lnTo>
+                      <a:lnTo>
+                        <a:pt x="110" y="0"/>
+                      </a:lnTo>
+                      <a:lnTo>
+                        <a:pt x="0" y="63"/>
+                      </a:lnTo>
+                      <a:close/>
+                    </a:path>
+                  </a:pathLst>
+                </a:custGeom>
+                <a:solidFill>
+                  <a:srgbClr val="5F7684"/>
+                </a:solidFill>
+                <a:ln w="3175" cmpd="sng">
+                  <a:solidFill>
+                    <a:schemeClr val="tx1"/>
+                  </a:solidFill>
+                  <a:round/>
+                  <a:headEnd/>
+                  <a:tailEnd/>
+                </a:ln>
+              </p:spPr>
+              <p:txBody>
+                <a:bodyPr wrap="none" anchor="ctr"/>
+                <a:lstStyle/>
+                <a:p>
+                  <a:endParaRPr lang="en-US" dirty="0"/>
+                </a:p>
+              </p:txBody>
+            </p:sp>
+            <p:sp>
+              <p:nvSpPr>
+                <p:cNvPr id="91" name="Freeform 152"/>
+                <p:cNvSpPr>
+                  <a:spLocks/>
+                </p:cNvSpPr>
+                <p:nvPr/>
+              </p:nvSpPr>
+              <p:spPr bwMode="auto">
+                <a:xfrm>
+                  <a:off x="1477" y="1265"/>
+                  <a:ext cx="17" cy="126"/>
+                </a:xfrm>
+                <a:custGeom>
+                  <a:avLst/>
+                  <a:gdLst>
+                    <a:gd name="T0" fmla="*/ 0 w 17"/>
+                    <a:gd name="T1" fmla="*/ 13 h 126"/>
+                    <a:gd name="T2" fmla="*/ 0 w 17"/>
+                    <a:gd name="T3" fmla="*/ 126 h 126"/>
+                    <a:gd name="T4" fmla="*/ 17 w 17"/>
+                    <a:gd name="T5" fmla="*/ 112 h 126"/>
+                    <a:gd name="T6" fmla="*/ 17 w 17"/>
+                    <a:gd name="T7" fmla="*/ 0 h 126"/>
+                    <a:gd name="T8" fmla="*/ 0 w 17"/>
+                    <a:gd name="T9" fmla="*/ 13 h 126"/>
+                    <a:gd name="T10" fmla="*/ 0 60000 65536"/>
+                    <a:gd name="T11" fmla="*/ 0 60000 65536"/>
+                    <a:gd name="T12" fmla="*/ 0 60000 65536"/>
+                    <a:gd name="T13" fmla="*/ 0 60000 65536"/>
+                    <a:gd name="T14" fmla="*/ 0 60000 65536"/>
+                    <a:gd name="T15" fmla="*/ 0 w 17"/>
+                    <a:gd name="T16" fmla="*/ 0 h 126"/>
+                    <a:gd name="T17" fmla="*/ 17 w 17"/>
+                    <a:gd name="T18" fmla="*/ 126 h 126"/>
+                  </a:gdLst>
+                  <a:ahLst/>
+                  <a:cxnLst>
+                    <a:cxn ang="T10">
+                      <a:pos x="T0" y="T1"/>
+                    </a:cxn>
+                    <a:cxn ang="T11">
+                      <a:pos x="T2" y="T3"/>
+                    </a:cxn>
+                    <a:cxn ang="T12">
+                      <a:pos x="T4" y="T5"/>
+                    </a:cxn>
+                    <a:cxn ang="T13">
+                      <a:pos x="T6" y="T7"/>
+                    </a:cxn>
+                    <a:cxn ang="T14">
+                      <a:pos x="T8" y="T9"/>
+                    </a:cxn>
+                  </a:cxnLst>
+                  <a:rect l="T15" t="T16" r="T17" b="T18"/>
+                  <a:pathLst>
+                    <a:path w="17" h="126">
+                      <a:moveTo>
+                        <a:pt x="0" y="13"/>
+                      </a:moveTo>
+                      <a:lnTo>
+                        <a:pt x="0" y="126"/>
+                      </a:lnTo>
+                      <a:lnTo>
+                        <a:pt x="17" y="112"/>
+                      </a:lnTo>
+                      <a:lnTo>
+                        <a:pt x="17" y="0"/>
+                      </a:lnTo>
+                      <a:lnTo>
+                        <a:pt x="0" y="13"/>
+                      </a:lnTo>
+                      <a:close/>
+                    </a:path>
+                  </a:pathLst>
+                </a:custGeom>
+                <a:solidFill>
+                  <a:srgbClr val="C0C0C0"/>
+                </a:solidFill>
+                <a:ln w="3175" cmpd="sng">
+                  <a:solidFill>
+                    <a:schemeClr val="tx1"/>
+                  </a:solidFill>
+                  <a:round/>
+                  <a:headEnd/>
+                  <a:tailEnd/>
+                </a:ln>
+              </p:spPr>
+              <p:txBody>
+                <a:bodyPr wrap="none" anchor="ctr"/>
+                <a:lstStyle/>
+                <a:p>
+                  <a:endParaRPr lang="en-US" dirty="0"/>
+                </a:p>
+              </p:txBody>
+            </p:sp>
+            <p:sp>
+              <p:nvSpPr>
+                <p:cNvPr id="92" name="Freeform 153"/>
+                <p:cNvSpPr>
+                  <a:spLocks/>
+                </p:cNvSpPr>
+                <p:nvPr/>
+              </p:nvSpPr>
+              <p:spPr bwMode="auto">
+                <a:xfrm>
+                  <a:off x="1477" y="1408"/>
+                  <a:ext cx="17" cy="126"/>
+                </a:xfrm>
+                <a:custGeom>
+                  <a:avLst/>
+                  <a:gdLst>
+                    <a:gd name="T0" fmla="*/ 0 w 17"/>
+                    <a:gd name="T1" fmla="*/ 13 h 126"/>
+                    <a:gd name="T2" fmla="*/ 0 w 17"/>
+                    <a:gd name="T3" fmla="*/ 126 h 126"/>
+                    <a:gd name="T4" fmla="*/ 17 w 17"/>
+                    <a:gd name="T5" fmla="*/ 112 h 126"/>
+                    <a:gd name="T6" fmla="*/ 17 w 17"/>
+                    <a:gd name="T7" fmla="*/ 0 h 126"/>
+                    <a:gd name="T8" fmla="*/ 0 w 17"/>
+                    <a:gd name="T9" fmla="*/ 13 h 126"/>
+                    <a:gd name="T10" fmla="*/ 0 60000 65536"/>
+                    <a:gd name="T11" fmla="*/ 0 60000 65536"/>
+                    <a:gd name="T12" fmla="*/ 0 60000 65536"/>
+                    <a:gd name="T13" fmla="*/ 0 60000 65536"/>
+                    <a:gd name="T14" fmla="*/ 0 60000 65536"/>
+                    <a:gd name="T15" fmla="*/ 0 w 17"/>
+                    <a:gd name="T16" fmla="*/ 0 h 126"/>
+                    <a:gd name="T17" fmla="*/ 17 w 17"/>
+                    <a:gd name="T18" fmla="*/ 126 h 126"/>
+                  </a:gdLst>
+                  <a:ahLst/>
+                  <a:cxnLst>
+                    <a:cxn ang="T10">
+                      <a:pos x="T0" y="T1"/>
+                    </a:cxn>
+                    <a:cxn ang="T11">
+                      <a:pos x="T2" y="T3"/>
+                    </a:cxn>
+                    <a:cxn ang="T12">
+                      <a:pos x="T4" y="T5"/>
+                    </a:cxn>
+                    <a:cxn ang="T13">
+                      <a:pos x="T6" y="T7"/>
+                    </a:cxn>
+                    <a:cxn ang="T14">
+                      <a:pos x="T8" y="T9"/>
+                    </a:cxn>
+                  </a:cxnLst>
+                  <a:rect l="T15" t="T16" r="T17" b="T18"/>
+                  <a:pathLst>
+                    <a:path w="17" h="126">
+                      <a:moveTo>
+                        <a:pt x="0" y="13"/>
+                      </a:moveTo>
+                      <a:lnTo>
+                        <a:pt x="0" y="126"/>
+                      </a:lnTo>
+                      <a:lnTo>
+                        <a:pt x="17" y="112"/>
+                      </a:lnTo>
+                      <a:lnTo>
+                        <a:pt x="17" y="0"/>
+                      </a:lnTo>
+                      <a:lnTo>
+                        <a:pt x="0" y="13"/>
+                      </a:lnTo>
+                      <a:close/>
+                    </a:path>
+                  </a:pathLst>
+                </a:custGeom>
+                <a:solidFill>
+                  <a:srgbClr val="C0C0C0"/>
+                </a:solidFill>
+                <a:ln w="3175" cmpd="sng">
+                  <a:solidFill>
+                    <a:schemeClr val="tx1"/>
+                  </a:solidFill>
+                  <a:round/>
+                  <a:headEnd/>
+                  <a:tailEnd/>
+                </a:ln>
+              </p:spPr>
+              <p:txBody>
+                <a:bodyPr wrap="none" anchor="ctr"/>
+                <a:lstStyle/>
+                <a:p>
+                  <a:endParaRPr lang="en-US" dirty="0"/>
+                </a:p>
+              </p:txBody>
+            </p:sp>
+            <p:sp>
+              <p:nvSpPr>
+                <p:cNvPr id="93" name="Freeform 154"/>
+                <p:cNvSpPr>
+                  <a:spLocks/>
+                </p:cNvSpPr>
+                <p:nvPr/>
+              </p:nvSpPr>
+              <p:spPr bwMode="auto">
+                <a:xfrm>
+                  <a:off x="1682" y="1159"/>
+                  <a:ext cx="17" cy="126"/>
+                </a:xfrm>
+                <a:custGeom>
+                  <a:avLst/>
+                  <a:gdLst>
+                    <a:gd name="T0" fmla="*/ 0 w 17"/>
+                    <a:gd name="T1" fmla="*/ 13 h 126"/>
+                    <a:gd name="T2" fmla="*/ 0 w 17"/>
+                    <a:gd name="T3" fmla="*/ 126 h 126"/>
+                    <a:gd name="T4" fmla="*/ 17 w 17"/>
+                    <a:gd name="T5" fmla="*/ 112 h 126"/>
+                    <a:gd name="T6" fmla="*/ 17 w 17"/>
+                    <a:gd name="T7" fmla="*/ 0 h 126"/>
+                    <a:gd name="T8" fmla="*/ 0 w 17"/>
+                    <a:gd name="T9" fmla="*/ 13 h 126"/>
+                    <a:gd name="T10" fmla="*/ 0 60000 65536"/>
+                    <a:gd name="T11" fmla="*/ 0 60000 65536"/>
+                    <a:gd name="T12" fmla="*/ 0 60000 65536"/>
+                    <a:gd name="T13" fmla="*/ 0 60000 65536"/>
+                    <a:gd name="T14" fmla="*/ 0 60000 65536"/>
+                    <a:gd name="T15" fmla="*/ 0 w 17"/>
+                    <a:gd name="T16" fmla="*/ 0 h 126"/>
+                    <a:gd name="T17" fmla="*/ 17 w 17"/>
+                    <a:gd name="T18" fmla="*/ 126 h 126"/>
+                  </a:gdLst>
+                  <a:ahLst/>
+                  <a:cxnLst>
+                    <a:cxn ang="T10">
+                      <a:pos x="T0" y="T1"/>
+                    </a:cxn>
+                    <a:cxn ang="T11">
+                      <a:pos x="T2" y="T3"/>
+                    </a:cxn>
+                    <a:cxn ang="T12">
+                      <a:pos x="T4" y="T5"/>
+                    </a:cxn>
+                    <a:cxn ang="T13">
+                      <a:pos x="T6" y="T7"/>
+                    </a:cxn>
+                    <a:cxn ang="T14">
+                      <a:pos x="T8" y="T9"/>
+                    </a:cxn>
+                  </a:cxnLst>
+                  <a:rect l="T15" t="T16" r="T17" b="T18"/>
+                  <a:pathLst>
+                    <a:path w="17" h="126">
+                      <a:moveTo>
+                        <a:pt x="0" y="13"/>
+                      </a:moveTo>
+                      <a:lnTo>
+                        <a:pt x="0" y="126"/>
+                      </a:lnTo>
+                      <a:lnTo>
+                        <a:pt x="17" y="112"/>
+                      </a:lnTo>
+                      <a:lnTo>
+                        <a:pt x="17" y="0"/>
+                      </a:lnTo>
+                      <a:lnTo>
+                        <a:pt x="0" y="13"/>
+                      </a:lnTo>
+                      <a:close/>
+                    </a:path>
+                  </a:pathLst>
+                </a:custGeom>
+                <a:solidFill>
+                  <a:srgbClr val="C0C0C0"/>
+                </a:solidFill>
+                <a:ln w="3175" cmpd="sng">
+                  <a:solidFill>
+                    <a:schemeClr val="tx1"/>
+                  </a:solidFill>
+                  <a:round/>
+                  <a:headEnd/>
+                  <a:tailEnd/>
+                </a:ln>
+              </p:spPr>
+              <p:txBody>
+                <a:bodyPr wrap="none" anchor="ctr"/>
+                <a:lstStyle/>
+                <a:p>
+                  <a:endParaRPr lang="en-US" dirty="0"/>
+                </a:p>
+              </p:txBody>
+            </p:sp>
+            <p:sp>
+              <p:nvSpPr>
+                <p:cNvPr id="94" name="Freeform 155"/>
+                <p:cNvSpPr>
+                  <a:spLocks/>
+                </p:cNvSpPr>
+                <p:nvPr/>
+              </p:nvSpPr>
+              <p:spPr bwMode="auto">
+                <a:xfrm>
+                  <a:off x="1682" y="1302"/>
+                  <a:ext cx="17" cy="126"/>
+                </a:xfrm>
+                <a:custGeom>
+                  <a:avLst/>
+                  <a:gdLst>
+                    <a:gd name="T0" fmla="*/ 0 w 17"/>
+                    <a:gd name="T1" fmla="*/ 13 h 126"/>
+                    <a:gd name="T2" fmla="*/ 0 w 17"/>
+                    <a:gd name="T3" fmla="*/ 126 h 126"/>
+                    <a:gd name="T4" fmla="*/ 17 w 17"/>
+                    <a:gd name="T5" fmla="*/ 112 h 126"/>
+                    <a:gd name="T6" fmla="*/ 17 w 17"/>
+                    <a:gd name="T7" fmla="*/ 0 h 126"/>
+                    <a:gd name="T8" fmla="*/ 0 w 17"/>
+                    <a:gd name="T9" fmla="*/ 13 h 126"/>
+                    <a:gd name="T10" fmla="*/ 0 60000 65536"/>
+                    <a:gd name="T11" fmla="*/ 0 60000 65536"/>
+                    <a:gd name="T12" fmla="*/ 0 60000 65536"/>
+                    <a:gd name="T13" fmla="*/ 0 60000 65536"/>
+                    <a:gd name="T14" fmla="*/ 0 60000 65536"/>
+                    <a:gd name="T15" fmla="*/ 0 w 17"/>
+                    <a:gd name="T16" fmla="*/ 0 h 126"/>
+                    <a:gd name="T17" fmla="*/ 17 w 17"/>
+                    <a:gd name="T18" fmla="*/ 126 h 126"/>
+                  </a:gdLst>
+                  <a:ahLst/>
+                  <a:cxnLst>
+                    <a:cxn ang="T10">
+                      <a:pos x="T0" y="T1"/>
+                    </a:cxn>
+                    <a:cxn ang="T11">
+                      <a:pos x="T2" y="T3"/>
+                    </a:cxn>
+                    <a:cxn ang="T12">
+                      <a:pos x="T4" y="T5"/>
+                    </a:cxn>
+                    <a:cxn ang="T13">
+                      <a:pos x="T6" y="T7"/>
+                    </a:cxn>
+                    <a:cxn ang="T14">
+                      <a:pos x="T8" y="T9"/>
+                    </a:cxn>
+                  </a:cxnLst>
+                  <a:rect l="T15" t="T16" r="T17" b="T18"/>
+                  <a:pathLst>
+                    <a:path w="17" h="126">
+                      <a:moveTo>
+                        <a:pt x="0" y="13"/>
+                      </a:moveTo>
+                      <a:lnTo>
+                        <a:pt x="0" y="126"/>
+                      </a:lnTo>
+                      <a:lnTo>
+                        <a:pt x="17" y="112"/>
+                      </a:lnTo>
+                      <a:lnTo>
+                        <a:pt x="17" y="0"/>
+                      </a:lnTo>
+                      <a:lnTo>
+                        <a:pt x="0" y="13"/>
+                      </a:lnTo>
+                      <a:close/>
+                    </a:path>
+                  </a:pathLst>
+                </a:custGeom>
+                <a:solidFill>
+                  <a:srgbClr val="C0C0C0"/>
+                </a:solidFill>
+                <a:ln w="3175" cmpd="sng">
+                  <a:solidFill>
+                    <a:schemeClr val="tx1"/>
+                  </a:solidFill>
+                  <a:round/>
+                  <a:headEnd/>
+                  <a:tailEnd/>
+                </a:ln>
+              </p:spPr>
+              <p:txBody>
+                <a:bodyPr wrap="none" anchor="ctr"/>
+                <a:lstStyle/>
+                <a:p>
+                  <a:endParaRPr lang="en-US" dirty="0"/>
+                </a:p>
+              </p:txBody>
+            </p:sp>
+            <p:sp>
+              <p:nvSpPr>
+                <p:cNvPr id="95" name="Freeform 156"/>
+                <p:cNvSpPr>
+                  <a:spLocks/>
+                </p:cNvSpPr>
+                <p:nvPr/>
+              </p:nvSpPr>
+              <p:spPr bwMode="auto">
+                <a:xfrm>
+                  <a:off x="1172" y="1138"/>
+                  <a:ext cx="843" cy="561"/>
+                </a:xfrm>
+                <a:custGeom>
+                  <a:avLst/>
+                  <a:gdLst>
+                    <a:gd name="T0" fmla="*/ 0 w 843"/>
+                    <a:gd name="T1" fmla="*/ 441 h 561"/>
+                    <a:gd name="T2" fmla="*/ 843 w 843"/>
+                    <a:gd name="T3" fmla="*/ 0 h 561"/>
+                    <a:gd name="T4" fmla="*/ 843 w 843"/>
+                    <a:gd name="T5" fmla="*/ 116 h 561"/>
+                    <a:gd name="T6" fmla="*/ 0 w 843"/>
+                    <a:gd name="T7" fmla="*/ 561 h 561"/>
+                    <a:gd name="T8" fmla="*/ 0 w 843"/>
+                    <a:gd name="T9" fmla="*/ 441 h 561"/>
+                    <a:gd name="T10" fmla="*/ 0 60000 65536"/>
+                    <a:gd name="T11" fmla="*/ 0 60000 65536"/>
+                    <a:gd name="T12" fmla="*/ 0 60000 65536"/>
+                    <a:gd name="T13" fmla="*/ 0 60000 65536"/>
+                    <a:gd name="T14" fmla="*/ 0 60000 65536"/>
+                    <a:gd name="T15" fmla="*/ 0 w 843"/>
+                    <a:gd name="T16" fmla="*/ 0 h 561"/>
+                    <a:gd name="T17" fmla="*/ 843 w 843"/>
+                    <a:gd name="T18" fmla="*/ 561 h 561"/>
+                  </a:gdLst>
+                  <a:ahLst/>
+                  <a:cxnLst>
+                    <a:cxn ang="T10">
+                      <a:pos x="T0" y="T1"/>
+                    </a:cxn>
+                    <a:cxn ang="T11">
+                      <a:pos x="T2" y="T3"/>
+                    </a:cxn>
+                    <a:cxn ang="T12">
+                      <a:pos x="T4" y="T5"/>
+                    </a:cxn>
+                    <a:cxn ang="T13">
+                      <a:pos x="T6" y="T7"/>
+                    </a:cxn>
+                    <a:cxn ang="T14">
+                      <a:pos x="T8" y="T9"/>
+                    </a:cxn>
+                  </a:cxnLst>
+                  <a:rect l="T15" t="T16" r="T17" b="T18"/>
+                  <a:pathLst>
+                    <a:path w="843" h="561">
+                      <a:moveTo>
+                        <a:pt x="0" y="441"/>
+                      </a:moveTo>
+                      <a:lnTo>
+                        <a:pt x="843" y="0"/>
+                      </a:lnTo>
+                      <a:lnTo>
+                        <a:pt x="843" y="116"/>
+                      </a:lnTo>
+                      <a:lnTo>
+                        <a:pt x="0" y="561"/>
+                      </a:lnTo>
+                      <a:lnTo>
+                        <a:pt x="0" y="441"/>
+                      </a:lnTo>
+                      <a:close/>
+                    </a:path>
+                  </a:pathLst>
+                </a:custGeom>
+                <a:noFill/>
+                <a:ln w="3175" cmpd="sng">
+                  <a:solidFill>
+                    <a:schemeClr val="tx1"/>
+                  </a:solidFill>
+                  <a:round/>
+                  <a:headEnd/>
+                  <a:tailEnd/>
+                </a:ln>
+                <a:extLst>
+                  <a:ext uri="{909E8E84-426E-40dd-AFC4-6F175D3DCCD1}">
+                    <a14:hiddenFill xmlns:a14="http://schemas.microsoft.com/office/drawing/2010/main">
+                      <a:solidFill>
+                        <a:srgbClr val="FFFFFF"/>
+                      </a:solidFill>
+                    </a14:hiddenFill>
+                  </a:ext>
+                </a:extLst>
+              </p:spPr>
+              <p:txBody>
+                <a:bodyPr wrap="none" anchor="ctr"/>
+                <a:lstStyle/>
+                <a:p>
+                  <a:endParaRPr lang="en-US" dirty="0"/>
+                </a:p>
+              </p:txBody>
+            </p:sp>
+            <p:sp>
+              <p:nvSpPr>
+                <p:cNvPr id="96" name="Freeform 157"/>
+                <p:cNvSpPr>
+                  <a:spLocks/>
+                </p:cNvSpPr>
+                <p:nvPr/>
+              </p:nvSpPr>
+              <p:spPr bwMode="auto">
+                <a:xfrm>
+                  <a:off x="1172" y="996"/>
+                  <a:ext cx="843" cy="561"/>
+                </a:xfrm>
+                <a:custGeom>
+                  <a:avLst/>
+                  <a:gdLst>
+                    <a:gd name="T0" fmla="*/ 0 w 843"/>
+                    <a:gd name="T1" fmla="*/ 441 h 561"/>
+                    <a:gd name="T2" fmla="*/ 843 w 843"/>
+                    <a:gd name="T3" fmla="*/ 0 h 561"/>
+                    <a:gd name="T4" fmla="*/ 843 w 843"/>
+                    <a:gd name="T5" fmla="*/ 116 h 561"/>
+                    <a:gd name="T6" fmla="*/ 0 w 843"/>
+                    <a:gd name="T7" fmla="*/ 561 h 561"/>
+                    <a:gd name="T8" fmla="*/ 0 w 843"/>
+                    <a:gd name="T9" fmla="*/ 441 h 561"/>
+                    <a:gd name="T10" fmla="*/ 0 60000 65536"/>
+                    <a:gd name="T11" fmla="*/ 0 60000 65536"/>
+                    <a:gd name="T12" fmla="*/ 0 60000 65536"/>
+                    <a:gd name="T13" fmla="*/ 0 60000 65536"/>
+                    <a:gd name="T14" fmla="*/ 0 60000 65536"/>
+                    <a:gd name="T15" fmla="*/ 0 w 843"/>
+                    <a:gd name="T16" fmla="*/ 0 h 561"/>
+                    <a:gd name="T17" fmla="*/ 843 w 843"/>
+                    <a:gd name="T18" fmla="*/ 561 h 561"/>
+                  </a:gdLst>
+                  <a:ahLst/>
+                  <a:cxnLst>
+                    <a:cxn ang="T10">
+                      <a:pos x="T0" y="T1"/>
+                    </a:cxn>
+                    <a:cxn ang="T11">
+                      <a:pos x="T2" y="T3"/>
+                    </a:cxn>
+                    <a:cxn ang="T12">
+                      <a:pos x="T4" y="T5"/>
+                    </a:cxn>
+                    <a:cxn ang="T13">
+                      <a:pos x="T6" y="T7"/>
+                    </a:cxn>
+                    <a:cxn ang="T14">
+                      <a:pos x="T8" y="T9"/>
+                    </a:cxn>
+                  </a:cxnLst>
+                  <a:rect l="T15" t="T16" r="T17" b="T18"/>
+                  <a:pathLst>
+                    <a:path w="843" h="561">
+                      <a:moveTo>
+                        <a:pt x="0" y="441"/>
+                      </a:moveTo>
+                      <a:lnTo>
+                        <a:pt x="843" y="0"/>
+                      </a:lnTo>
+                      <a:lnTo>
+                        <a:pt x="843" y="116"/>
+                      </a:lnTo>
+                      <a:lnTo>
+                        <a:pt x="0" y="561"/>
+                      </a:lnTo>
+                      <a:lnTo>
+                        <a:pt x="0" y="441"/>
+                      </a:lnTo>
+                      <a:close/>
+                    </a:path>
+                  </a:pathLst>
+                </a:custGeom>
+                <a:noFill/>
+                <a:ln w="3175" cmpd="sng">
+                  <a:solidFill>
+                    <a:schemeClr val="tx1"/>
+                  </a:solidFill>
+                  <a:round/>
+                  <a:headEnd/>
+                  <a:tailEnd/>
+                </a:ln>
+                <a:extLst>
+                  <a:ext uri="{909E8E84-426E-40dd-AFC4-6F175D3DCCD1}">
+                    <a14:hiddenFill xmlns:a14="http://schemas.microsoft.com/office/drawing/2010/main">
+                      <a:solidFill>
+                        <a:srgbClr val="FFFFFF"/>
+                      </a:solidFill>
+                    </a14:hiddenFill>
+                  </a:ext>
+                </a:extLst>
+              </p:spPr>
+              <p:txBody>
+                <a:bodyPr wrap="none" anchor="ctr"/>
+                <a:lstStyle/>
+                <a:p>
+                  <a:endParaRPr lang="en-US" dirty="0"/>
+                </a:p>
+              </p:txBody>
+            </p:sp>
+          </p:grpSp>
+          <p:grpSp>
+            <p:nvGrpSpPr>
+              <p:cNvPr id="82" name="Group 158"/>
+              <p:cNvGrpSpPr>
+                <a:grpSpLocks/>
+              </p:cNvGrpSpPr>
+              <p:nvPr/>
+            </p:nvGrpSpPr>
+            <p:grpSpPr bwMode="auto">
+              <a:xfrm>
+                <a:off x="1175" y="1149"/>
+                <a:ext cx="824" cy="531"/>
+                <a:chOff x="1175" y="1149"/>
+                <a:chExt cx="824" cy="531"/>
+              </a:xfrm>
+            </p:grpSpPr>
+            <p:sp>
+              <p:nvSpPr>
+                <p:cNvPr id="84" name="Line 159"/>
+                <p:cNvSpPr>
+                  <a:spLocks noChangeShapeType="1"/>
+                </p:cNvSpPr>
+                <p:nvPr/>
+              </p:nvSpPr>
+              <p:spPr bwMode="auto">
+                <a:xfrm flipV="1">
+                  <a:off x="1175" y="1245"/>
+                  <a:ext cx="823" cy="435"/>
+                </a:xfrm>
+                <a:prstGeom prst="line">
+                  <a:avLst/>
+                </a:prstGeom>
+                <a:noFill/>
+                <a:ln w="3175" cmpd="sng">
+                  <a:solidFill>
+                    <a:schemeClr val="tx1"/>
+                  </a:solidFill>
+                  <a:round/>
+                  <a:headEnd/>
+                  <a:tailEnd/>
+                </a:ln>
+                <a:extLst>
+                  <a:ext uri="{909E8E84-426E-40dd-AFC4-6F175D3DCCD1}">
+                    <a14:hiddenFill xmlns:a14="http://schemas.microsoft.com/office/drawing/2010/main">
+                      <a:noFill/>
+                    </a14:hiddenFill>
+                  </a:ext>
+                </a:extLst>
+              </p:spPr>
+              <p:txBody>
+                <a:bodyPr wrap="none" anchor="ctr"/>
+                <a:lstStyle/>
+                <a:p>
+                  <a:endParaRPr lang="en-US" dirty="0"/>
+                </a:p>
+              </p:txBody>
+            </p:sp>
+            <p:sp>
+              <p:nvSpPr>
+                <p:cNvPr id="85" name="Line 160"/>
+                <p:cNvSpPr>
+                  <a:spLocks noChangeShapeType="1"/>
+                </p:cNvSpPr>
+                <p:nvPr/>
+              </p:nvSpPr>
+              <p:spPr bwMode="auto">
+                <a:xfrm flipV="1">
+                  <a:off x="1998" y="1149"/>
+                  <a:ext cx="1" cy="99"/>
+                </a:xfrm>
+                <a:prstGeom prst="line">
+                  <a:avLst/>
+                </a:prstGeom>
+                <a:noFill/>
+                <a:ln w="3175" cmpd="sng">
+                  <a:solidFill>
+                    <a:schemeClr val="tx1"/>
+                  </a:solidFill>
+                  <a:round/>
+                  <a:headEnd/>
+                  <a:tailEnd/>
+                </a:ln>
+                <a:extLst>
+                  <a:ext uri="{909E8E84-426E-40dd-AFC4-6F175D3DCCD1}">
+                    <a14:hiddenFill xmlns:a14="http://schemas.microsoft.com/office/drawing/2010/main">
+                      <a:noFill/>
+                    </a14:hiddenFill>
+                  </a:ext>
+                </a:extLst>
+              </p:spPr>
+              <p:txBody>
+                <a:bodyPr wrap="none" anchor="ctr"/>
+                <a:lstStyle/>
+                <a:p>
+                  <a:endParaRPr lang="en-US" dirty="0"/>
+                </a:p>
+              </p:txBody>
+            </p:sp>
+          </p:grpSp>
+          <p:sp>
+            <p:nvSpPr>
+              <p:cNvPr id="83" name="Line 163"/>
+              <p:cNvSpPr>
+                <a:spLocks noChangeShapeType="1"/>
+              </p:cNvSpPr>
+              <p:nvPr/>
+            </p:nvSpPr>
+            <p:spPr bwMode="auto">
+              <a:xfrm flipV="1">
+                <a:off x="2000" y="1005"/>
+                <a:ext cx="1" cy="99"/>
+              </a:xfrm>
+              <a:prstGeom prst="line">
+                <a:avLst/>
+              </a:prstGeom>
+              <a:noFill/>
+              <a:ln w="3175" cmpd="sng">
+                <a:solidFill>
+                  <a:schemeClr val="tx1"/>
+                </a:solidFill>
+                <a:round/>
+                <a:headEnd/>
+                <a:tailEnd/>
+              </a:ln>
+              <a:extLst>
+                <a:ext uri="{909E8E84-426E-40dd-AFC4-6F175D3DCCD1}">
+                  <a14:hiddenFill xmlns:a14="http://schemas.microsoft.com/office/drawing/2010/main">
+                    <a:noFill/>
+                  </a14:hiddenFill>
+                </a:ext>
+              </a:extLst>
+            </p:spPr>
+            <p:txBody>
+              <a:bodyPr wrap="none" anchor="ctr"/>
+              <a:lstStyle/>
+              <a:p>
+                <a:endParaRPr lang="en-US" dirty="0"/>
+              </a:p>
+            </p:txBody>
+          </p:sp>
+        </p:grpSp>
+      </p:grpSp>
+      <p:sp>
+        <p:nvSpPr>
+          <p:cNvPr id="97" name="TextBox 184"/>
+          <p:cNvSpPr txBox="1">
+            <a:spLocks noChangeArrowheads="1"/>
+          </p:cNvSpPr>
+          <p:nvPr/>
+        </p:nvSpPr>
+        <p:spPr bwMode="auto">
+          <a:xfrm>
+            <a:off x="5139137" y="3524431"/>
+            <a:ext cx="719013" cy="261610"/>
+          </a:xfrm>
+          <a:prstGeom prst="rect">
+            <a:avLst/>
+          </a:prstGeom>
+          <a:noFill/>
+          <a:ln>
+            <a:noFill/>
+          </a:ln>
+          <a:extLst>
+            <a:ext uri="{909E8E84-426E-40dd-AFC4-6F175D3DCCD1}">
+              <a14:hiddenFill xmlns:a14="http://schemas.microsoft.com/office/drawing/2010/main">
+                <a:solidFill>
+                  <a:srgbClr val="FFFFFF"/>
+                </a:solidFill>
+              </a14:hiddenFill>
+            </a:ext>
+            <a:ext uri="{91240B29-F687-4f45-9708-019B960494DF}">
+              <a14:hiddenLine xmlns:a14="http://schemas.microsoft.com/office/drawing/2010/main" w="9525">
+                <a:solidFill>
+                  <a:srgbClr val="000000"/>
+                </a:solidFill>
+                <a:miter lim="800000"/>
+                <a:headEnd/>
+                <a:tailEnd/>
+              </a14:hiddenLine>
+            </a:ext>
+          </a:extLst>
+        </p:spPr>
+        <p:txBody>
+          <a:bodyPr wrap="square" anchor="b" anchorCtr="0">
+            <a:spAutoFit/>
+          </a:bodyPr>
+          <a:lstStyle>
+            <a:lvl1pPr eaLnBrk="0" hangingPunct="0">
+              <a:defRPr sz="2400">
+                <a:solidFill>
+                  <a:schemeClr val="tx1"/>
+                </a:solidFill>
+                <a:latin typeface="Arial" charset="0"/>
+                <a:ea typeface="ＭＳ Ｐゴシック" charset="0"/>
+                <a:cs typeface="ＭＳ Ｐゴシック" charset="0"/>
+              </a:defRPr>
+            </a:lvl1pPr>
+            <a:lvl2pPr marL="742950" indent="-285750" eaLnBrk="0" hangingPunct="0">
+              <a:defRPr sz="2400">
+                <a:solidFill>
+                  <a:schemeClr val="tx1"/>
+                </a:solidFill>
+                <a:latin typeface="Arial" charset="0"/>
+                <a:ea typeface="ＭＳ Ｐゴシック" charset="0"/>
+              </a:defRPr>
+            </a:lvl2pPr>
+            <a:lvl3pPr marL="1143000" indent="-228600" eaLnBrk="0" hangingPunct="0">
+              <a:defRPr sz="2400">
+                <a:solidFill>
+                  <a:schemeClr val="tx1"/>
+                </a:solidFill>
+                <a:latin typeface="Arial" charset="0"/>
+                <a:ea typeface="ＭＳ Ｐゴシック" charset="0"/>
+              </a:defRPr>
+            </a:lvl3pPr>
+            <a:lvl4pPr marL="1600200" indent="-228600" eaLnBrk="0" hangingPunct="0">
+              <a:defRPr sz="2400">
+                <a:solidFill>
+                  <a:schemeClr val="tx1"/>
+                </a:solidFill>
+                <a:latin typeface="Arial" charset="0"/>
+                <a:ea typeface="ＭＳ Ｐゴシック" charset="0"/>
+              </a:defRPr>
+            </a:lvl4pPr>
+            <a:lvl5pPr marL="2057400" indent="-228600" eaLnBrk="0" hangingPunct="0">
+              <a:defRPr sz="2400">
+                <a:solidFill>
+                  <a:schemeClr val="tx1"/>
+                </a:solidFill>
+                <a:latin typeface="Arial" charset="0"/>
+                <a:ea typeface="ＭＳ Ｐゴシック" charset="0"/>
+              </a:defRPr>
+            </a:lvl5pPr>
+            <a:lvl6pPr marL="2514600" indent="-228600" eaLnBrk="0" fontAlgn="base" hangingPunct="0">
+              <a:spcBef>
+                <a:spcPct val="0"/>
+              </a:spcBef>
+              <a:spcAft>
+                <a:spcPct val="0"/>
+              </a:spcAft>
+              <a:defRPr sz="2400">
+                <a:solidFill>
+                  <a:schemeClr val="tx1"/>
+                </a:solidFill>
+                <a:latin typeface="Arial" charset="0"/>
+                <a:ea typeface="ＭＳ Ｐゴシック" charset="0"/>
+              </a:defRPr>
+            </a:lvl6pPr>
+            <a:lvl7pPr marL="2971800" indent="-228600" eaLnBrk="0" fontAlgn="base" hangingPunct="0">
+              <a:spcBef>
+                <a:spcPct val="0"/>
+              </a:spcBef>
+              <a:spcAft>
+                <a:spcPct val="0"/>
+              </a:spcAft>
+              <a:defRPr sz="2400">
+                <a:solidFill>
+                  <a:schemeClr val="tx1"/>
+                </a:solidFill>
+                <a:latin typeface="Arial" charset="0"/>
+                <a:ea typeface="ＭＳ Ｐゴシック" charset="0"/>
+              </a:defRPr>
+            </a:lvl7pPr>
+            <a:lvl8pPr marL="3429000" indent="-228600" eaLnBrk="0" fontAlgn="base" hangingPunct="0">
+              <a:spcBef>
+                <a:spcPct val="0"/>
+              </a:spcBef>
+              <a:spcAft>
+                <a:spcPct val="0"/>
+              </a:spcAft>
+              <a:defRPr sz="2400">
+                <a:solidFill>
+                  <a:schemeClr val="tx1"/>
+                </a:solidFill>
+                <a:latin typeface="Arial" charset="0"/>
+                <a:ea typeface="ＭＳ Ｐゴシック" charset="0"/>
+              </a:defRPr>
+            </a:lvl8pPr>
+            <a:lvl9pPr marL="3886200" indent="-228600" eaLnBrk="0" fontAlgn="base" hangingPunct="0">
+              <a:spcBef>
+                <a:spcPct val="0"/>
+              </a:spcBef>
+              <a:spcAft>
+                <a:spcPct val="0"/>
+              </a:spcAft>
+              <a:defRPr sz="2400">
+                <a:solidFill>
+                  <a:schemeClr val="tx1"/>
+                </a:solidFill>
+                <a:latin typeface="Arial" charset="0"/>
+                <a:ea typeface="ＭＳ Ｐゴシック" charset="0"/>
+              </a:defRPr>
+            </a:lvl9pPr>
+          </a:lstStyle>
+          <a:p>
+            <a:pPr algn="ctr" eaLnBrk="1" hangingPunct="1"/>
+            <a:r>
+              <a:rPr lang="en-US" sz="1100" dirty="0" smtClean="0">
+                <a:latin typeface="+mn-lt"/>
+              </a:rPr>
+              <a:t>ETL</a:t>
+            </a:r>
+            <a:endParaRPr lang="en-US" sz="900" dirty="0">
+              <a:latin typeface="+mn-lt"/>
+            </a:endParaRPr>
+          </a:p>
+        </p:txBody>
+      </p:sp>
+      <p:cxnSp>
+        <p:nvCxnSpPr>
+          <p:cNvPr id="98" name="Straight Arrow Connector 125"/>
+          <p:cNvCxnSpPr>
+            <a:cxnSpLocks noChangeShapeType="1"/>
+            <a:stCxn id="120" idx="0"/>
+            <a:endCxn id="33" idx="2"/>
+          </p:cNvCxnSpPr>
+          <p:nvPr/>
+        </p:nvCxnSpPr>
+        <p:spPr bwMode="auto">
+          <a:xfrm flipV="1">
+            <a:off x="7297309" y="3274903"/>
+            <a:ext cx="624281" cy="248506"/>
+          </a:xfrm>
+          <a:prstGeom prst="straightConnector1">
+            <a:avLst/>
+          </a:prstGeom>
+          <a:noFill/>
+          <a:ln w="19050">
+            <a:solidFill>
+              <a:srgbClr val="3892D0"/>
+            </a:solidFill>
+            <a:round/>
+            <a:headEnd/>
+            <a:tailEnd type="triangle" w="med" len="med"/>
+          </a:ln>
+          <a:effectLst>
+            <a:outerShdw dist="20000" dir="5400000" rotWithShape="0">
+              <a:srgbClr val="808080">
+                <a:alpha val="37999"/>
+              </a:srgbClr>
+            </a:outerShdw>
+          </a:effectLst>
+          <a:extLst>
+            <a:ext uri="{909E8E84-426E-40dd-AFC4-6F175D3DCCD1}">
+              <a14:hiddenFill xmlns:a14="http://schemas.microsoft.com/office/drawing/2010/main">
+                <a:noFill/>
+              </a14:hiddenFill>
+            </a:ext>
+          </a:extLst>
+        </p:spPr>
+      </p:cxnSp>
+      <p:cxnSp>
+        <p:nvCxnSpPr>
+          <p:cNvPr id="99" name="Straight Arrow Connector 125"/>
+          <p:cNvCxnSpPr>
+            <a:cxnSpLocks noChangeShapeType="1"/>
+            <a:stCxn id="118" idx="0"/>
+            <a:endCxn id="28" idx="2"/>
+          </p:cNvCxnSpPr>
+          <p:nvPr/>
+        </p:nvCxnSpPr>
+        <p:spPr bwMode="auto">
+          <a:xfrm flipV="1">
+            <a:off x="7123444" y="3274903"/>
+            <a:ext cx="283794" cy="248506"/>
+          </a:xfrm>
+          <a:prstGeom prst="straightConnector1">
+            <a:avLst/>
+          </a:prstGeom>
+          <a:noFill/>
+          <a:ln w="19050">
+            <a:solidFill>
+              <a:srgbClr val="3892D0"/>
+            </a:solidFill>
+            <a:round/>
+            <a:headEnd/>
+            <a:tailEnd type="triangle" w="med" len="med"/>
+          </a:ln>
+          <a:effectLst>
+            <a:outerShdw dist="20000" dir="5400000" rotWithShape="0">
+              <a:srgbClr val="808080">
+                <a:alpha val="37999"/>
+              </a:srgbClr>
+            </a:outerShdw>
+          </a:effectLst>
+          <a:extLst>
+            <a:ext uri="{909E8E84-426E-40dd-AFC4-6F175D3DCCD1}">
+              <a14:hiddenFill xmlns:a14="http://schemas.microsoft.com/office/drawing/2010/main">
+                <a:noFill/>
+              </a14:hiddenFill>
+            </a:ext>
+          </a:extLst>
+        </p:spPr>
+      </p:cxnSp>
+      <p:cxnSp>
+        <p:nvCxnSpPr>
+          <p:cNvPr id="100" name="Straight Arrow Connector 125"/>
+          <p:cNvCxnSpPr>
+            <a:cxnSpLocks noChangeShapeType="1"/>
+            <a:stCxn id="119" idx="0"/>
+          </p:cNvCxnSpPr>
+          <p:nvPr/>
+        </p:nvCxnSpPr>
+        <p:spPr bwMode="auto">
+          <a:xfrm flipH="1" flipV="1">
+            <a:off x="6893684" y="3274903"/>
+            <a:ext cx="55901" cy="248506"/>
+          </a:xfrm>
+          <a:prstGeom prst="straightConnector1">
+            <a:avLst/>
+          </a:prstGeom>
+          <a:noFill/>
+          <a:ln w="19050">
+            <a:solidFill>
+              <a:srgbClr val="3892D0"/>
+            </a:solidFill>
+            <a:round/>
+            <a:headEnd/>
+            <a:tailEnd type="triangle" w="med" len="med"/>
+          </a:ln>
+          <a:effectLst>
+            <a:outerShdw dist="20000" dir="5400000" rotWithShape="0">
+              <a:srgbClr val="808080">
+                <a:alpha val="37999"/>
+              </a:srgbClr>
+            </a:outerShdw>
+          </a:effectLst>
+          <a:extLst>
+            <a:ext uri="{909E8E84-426E-40dd-AFC4-6F175D3DCCD1}">
+              <a14:hiddenFill xmlns:a14="http://schemas.microsoft.com/office/drawing/2010/main">
+                <a:noFill/>
+              </a14:hiddenFill>
+            </a:ext>
+          </a:extLst>
+        </p:spPr>
+      </p:cxnSp>
+      <p:cxnSp>
+        <p:nvCxnSpPr>
+          <p:cNvPr id="101" name="Straight Arrow Connector 125"/>
+          <p:cNvCxnSpPr>
+            <a:cxnSpLocks noChangeShapeType="1"/>
+            <a:stCxn id="117" idx="0"/>
+            <a:endCxn id="18" idx="2"/>
+          </p:cNvCxnSpPr>
+          <p:nvPr/>
+        </p:nvCxnSpPr>
+        <p:spPr bwMode="auto">
+          <a:xfrm flipH="1" flipV="1">
+            <a:off x="6380125" y="3274903"/>
+            <a:ext cx="395596" cy="248506"/>
+          </a:xfrm>
+          <a:prstGeom prst="straightConnector1">
+            <a:avLst/>
+          </a:prstGeom>
+          <a:noFill/>
+          <a:ln w="19050">
+            <a:solidFill>
+              <a:srgbClr val="3892D0"/>
+            </a:solidFill>
+            <a:round/>
+            <a:headEnd/>
+            <a:tailEnd type="triangle" w="med" len="med"/>
+          </a:ln>
+          <a:effectLst>
+            <a:outerShdw dist="20000" dir="5400000" rotWithShape="0">
+              <a:srgbClr val="808080">
+                <a:alpha val="37999"/>
+              </a:srgbClr>
+            </a:outerShdw>
+          </a:effectLst>
+          <a:extLst>
+            <a:ext uri="{909E8E84-426E-40dd-AFC4-6F175D3DCCD1}">
+              <a14:hiddenFill xmlns:a14="http://schemas.microsoft.com/office/drawing/2010/main">
+                <a:noFill/>
+              </a14:hiddenFill>
+            </a:ext>
+          </a:extLst>
+        </p:spPr>
+      </p:cxnSp>
+      <p:cxnSp>
+        <p:nvCxnSpPr>
+          <p:cNvPr id="102" name="Straight Arrow Connector 125"/>
+          <p:cNvCxnSpPr>
+            <a:cxnSpLocks noChangeShapeType="1"/>
+            <a:stCxn id="116" idx="0"/>
+            <a:endCxn id="12" idx="2"/>
+          </p:cNvCxnSpPr>
+          <p:nvPr/>
+        </p:nvCxnSpPr>
+        <p:spPr bwMode="auto">
+          <a:xfrm flipH="1" flipV="1">
+            <a:off x="5865778" y="3274903"/>
+            <a:ext cx="736085" cy="248506"/>
+          </a:xfrm>
+          <a:prstGeom prst="straightConnector1">
+            <a:avLst/>
+          </a:prstGeom>
+          <a:noFill/>
+          <a:ln w="19050">
+            <a:solidFill>
+              <a:srgbClr val="3892D0"/>
+            </a:solidFill>
+            <a:round/>
+            <a:headEnd/>
+            <a:tailEnd type="triangle" w="med" len="med"/>
+          </a:ln>
+          <a:effectLst>
+            <a:outerShdw dist="20000" dir="5400000" rotWithShape="0">
+              <a:srgbClr val="808080">
+                <a:alpha val="37999"/>
+              </a:srgbClr>
+            </a:outerShdw>
+          </a:effectLst>
+          <a:extLst>
+            <a:ext uri="{909E8E84-426E-40dd-AFC4-6F175D3DCCD1}">
+              <a14:hiddenFill xmlns:a14="http://schemas.microsoft.com/office/drawing/2010/main">
+                <a:noFill/>
+              </a14:hiddenFill>
+            </a:ext>
+          </a:extLst>
+        </p:spPr>
+      </p:cxnSp>
+      <p:sp>
+        <p:nvSpPr>
+          <p:cNvPr id="103" name="Rounded Rectangle 102"/>
+          <p:cNvSpPr/>
+          <p:nvPr/>
+        </p:nvSpPr>
+        <p:spPr bwMode="auto">
+          <a:xfrm>
+            <a:off x="6390137" y="3548952"/>
+            <a:ext cx="1086366" cy="337015"/>
+          </a:xfrm>
+          <a:prstGeom prst="roundRect">
+            <a:avLst/>
+          </a:prstGeom>
+          <a:ln w="28575" cmpd="sng"/>
+        </p:spPr>
+        <p:style>
+          <a:lnRef idx="3">
+            <a:schemeClr val="lt1"/>
+          </a:lnRef>
+          <a:fillRef idx="1">
+            <a:schemeClr val="accent3"/>
+          </a:fillRef>
+          <a:effectRef idx="1">
+            <a:schemeClr val="accent3"/>
+          </a:effectRef>
+          <a:fontRef idx="minor">
+            <a:schemeClr val="lt1"/>
+          </a:fontRef>
+        </p:style>
+        <p:txBody>
+          <a:bodyPr anchor="ctr"/>
+          <a:lstStyle/>
+          <a:p>
+            <a:pPr algn="ctr" fontAlgn="auto">
+              <a:spcBef>
+                <a:spcPts val="0"/>
+              </a:spcBef>
+              <a:spcAft>
+                <a:spcPts val="0"/>
+              </a:spcAft>
+              <a:defRPr/>
+            </a:pPr>
+            <a:endParaRPr lang="en-US" sz="3200" dirty="0"/>
+          </a:p>
+        </p:txBody>
+      </p:sp>
+      <p:sp>
+        <p:nvSpPr>
+          <p:cNvPr id="104" name="TextBox 184"/>
+          <p:cNvSpPr txBox="1">
+            <a:spLocks noChangeArrowheads="1"/>
+          </p:cNvSpPr>
+          <p:nvPr/>
+        </p:nvSpPr>
+        <p:spPr bwMode="auto">
+          <a:xfrm>
+            <a:off x="6442275" y="3539506"/>
+            <a:ext cx="853400" cy="430887"/>
+          </a:xfrm>
+          <a:prstGeom prst="rect">
+            <a:avLst/>
+          </a:prstGeom>
+          <a:noFill/>
+          <a:ln>
+            <a:noFill/>
+          </a:ln>
+          <a:extLst>
+            <a:ext uri="{909E8E84-426E-40dd-AFC4-6F175D3DCCD1}">
+              <a14:hiddenFill xmlns:a14="http://schemas.microsoft.com/office/drawing/2010/main">
+                <a:solidFill>
+                  <a:srgbClr val="FFFFFF"/>
+                </a:solidFill>
+              </a14:hiddenFill>
+            </a:ext>
+            <a:ext uri="{91240B29-F687-4f45-9708-019B960494DF}">
+              <a14:hiddenLine xmlns:a14="http://schemas.microsoft.com/office/drawing/2010/main" w="9525">
+                <a:solidFill>
+                  <a:srgbClr val="000000"/>
+                </a:solidFill>
+                <a:miter lim="800000"/>
+                <a:headEnd/>
+                <a:tailEnd/>
+              </a14:hiddenLine>
+            </a:ext>
+          </a:extLst>
+        </p:spPr>
+        <p:txBody>
+          <a:bodyPr wrap="square">
+            <a:spAutoFit/>
+          </a:bodyPr>
+          <a:lstStyle>
+            <a:lvl1pPr eaLnBrk="0" hangingPunct="0">
+              <a:defRPr sz="2400">
+                <a:solidFill>
+                  <a:schemeClr val="tx1"/>
+                </a:solidFill>
+                <a:latin typeface="Arial" charset="0"/>
+                <a:ea typeface="ＭＳ Ｐゴシック" charset="0"/>
+                <a:cs typeface="ＭＳ Ｐゴシック" charset="0"/>
+              </a:defRPr>
+            </a:lvl1pPr>
+            <a:lvl2pPr marL="742950" indent="-285750" eaLnBrk="0" hangingPunct="0">
+              <a:defRPr sz="2400">
+                <a:solidFill>
+                  <a:schemeClr val="tx1"/>
+                </a:solidFill>
+                <a:latin typeface="Arial" charset="0"/>
+                <a:ea typeface="ＭＳ Ｐゴシック" charset="0"/>
+              </a:defRPr>
+            </a:lvl2pPr>
+            <a:lvl3pPr marL="1143000" indent="-228600" eaLnBrk="0" hangingPunct="0">
+              <a:defRPr sz="2400">
+                <a:solidFill>
+                  <a:schemeClr val="tx1"/>
+                </a:solidFill>
+                <a:latin typeface="Arial" charset="0"/>
+                <a:ea typeface="ＭＳ Ｐゴシック" charset="0"/>
+              </a:defRPr>
+            </a:lvl3pPr>
+            <a:lvl4pPr marL="1600200" indent="-228600" eaLnBrk="0" hangingPunct="0">
+              <a:defRPr sz="2400">
+                <a:solidFill>
+                  <a:schemeClr val="tx1"/>
+                </a:solidFill>
+                <a:latin typeface="Arial" charset="0"/>
+                <a:ea typeface="ＭＳ Ｐゴシック" charset="0"/>
+              </a:defRPr>
+            </a:lvl4pPr>
+            <a:lvl5pPr marL="2057400" indent="-228600" eaLnBrk="0" hangingPunct="0">
+              <a:defRPr sz="2400">
+                <a:solidFill>
+                  <a:schemeClr val="tx1"/>
+                </a:solidFill>
+                <a:latin typeface="Arial" charset="0"/>
+                <a:ea typeface="ＭＳ Ｐゴシック" charset="0"/>
+              </a:defRPr>
+            </a:lvl5pPr>
+            <a:lvl6pPr marL="2514600" indent="-228600" eaLnBrk="0" fontAlgn="base" hangingPunct="0">
+              <a:spcBef>
+                <a:spcPct val="0"/>
+              </a:spcBef>
+              <a:spcAft>
+                <a:spcPct val="0"/>
+              </a:spcAft>
+              <a:defRPr sz="2400">
+                <a:solidFill>
+                  <a:schemeClr val="tx1"/>
+                </a:solidFill>
+                <a:latin typeface="Arial" charset="0"/>
+                <a:ea typeface="ＭＳ Ｐゴシック" charset="0"/>
+              </a:defRPr>
+            </a:lvl6pPr>
+            <a:lvl7pPr marL="2971800" indent="-228600" eaLnBrk="0" fontAlgn="base" hangingPunct="0">
+              <a:spcBef>
+                <a:spcPct val="0"/>
+              </a:spcBef>
+              <a:spcAft>
+                <a:spcPct val="0"/>
+              </a:spcAft>
+              <a:defRPr sz="2400">
+                <a:solidFill>
+                  <a:schemeClr val="tx1"/>
+                </a:solidFill>
+                <a:latin typeface="Arial" charset="0"/>
+                <a:ea typeface="ＭＳ Ｐゴシック" charset="0"/>
+              </a:defRPr>
+            </a:lvl7pPr>
+            <a:lvl8pPr marL="3429000" indent="-228600" eaLnBrk="0" fontAlgn="base" hangingPunct="0">
+              <a:spcBef>
+                <a:spcPct val="0"/>
+              </a:spcBef>
+              <a:spcAft>
+                <a:spcPct val="0"/>
+              </a:spcAft>
+              <a:defRPr sz="2400">
+                <a:solidFill>
+                  <a:schemeClr val="tx1"/>
+                </a:solidFill>
+                <a:latin typeface="Arial" charset="0"/>
+                <a:ea typeface="ＭＳ Ｐゴシック" charset="0"/>
+              </a:defRPr>
+            </a:lvl8pPr>
+            <a:lvl9pPr marL="3886200" indent="-228600" eaLnBrk="0" fontAlgn="base" hangingPunct="0">
+              <a:spcBef>
+                <a:spcPct val="0"/>
+              </a:spcBef>
+              <a:spcAft>
+                <a:spcPct val="0"/>
+              </a:spcAft>
+              <a:defRPr sz="2400">
+                <a:solidFill>
+                  <a:schemeClr val="tx1"/>
+                </a:solidFill>
+                <a:latin typeface="Arial" charset="0"/>
+                <a:ea typeface="ＭＳ Ｐゴシック" charset="0"/>
+              </a:defRPr>
+            </a:lvl9pPr>
+          </a:lstStyle>
+          <a:p>
+            <a:pPr algn="ctr" eaLnBrk="1" hangingPunct="1"/>
+            <a:r>
+              <a:rPr lang="en-US" sz="1100" dirty="0" smtClean="0">
+                <a:latin typeface="+mn-lt"/>
+              </a:rPr>
+              <a:t>File </a:t>
+            </a:r>
+            <a:br>
+              <a:rPr lang="en-US" sz="1100" dirty="0" smtClean="0">
+                <a:latin typeface="+mn-lt"/>
+              </a:rPr>
+            </a:br>
+            <a:r>
+              <a:rPr lang="en-US" sz="1100" dirty="0" smtClean="0">
+                <a:latin typeface="+mn-lt"/>
+              </a:rPr>
+              <a:t>Systems</a:t>
+            </a:r>
+            <a:endParaRPr lang="en-US" sz="900" dirty="0">
+              <a:latin typeface="+mn-lt"/>
+            </a:endParaRPr>
+          </a:p>
+        </p:txBody>
+      </p:sp>
+      <p:pic>
+        <p:nvPicPr>
+          <p:cNvPr id="105" name="Picture 69" descr="storage_icon.png"/>
+          <p:cNvPicPr>
+            <a:picLocks noChangeAspect="1"/>
+          </p:cNvPicPr>
+          <p:nvPr/>
+        </p:nvPicPr>
+        <p:blipFill>
+          <a:blip r:embed="rId3">
+            <a:extLst>
+              <a:ext uri="{28A0092B-C50C-407E-A947-70E740481C1C}">
+                <a14:useLocalDpi xmlns:a14="http://schemas.microsoft.com/office/drawing/2010/main" val="0"/>
+              </a:ext>
+            </a:extLst>
+          </a:blip>
+          <a:srcRect/>
+          <a:stretch>
+            <a:fillRect/>
+          </a:stretch>
+        </p:blipFill>
+        <p:spPr bwMode="auto">
+          <a:xfrm>
+            <a:off x="7141585" y="3618814"/>
+            <a:ext cx="284967" cy="181775"/>
+          </a:xfrm>
+          <a:prstGeom prst="rect">
+            <a:avLst/>
+          </a:prstGeom>
+          <a:noFill/>
+          <a:ln>
+            <a:noFill/>
+          </a:ln>
+          <a:extLst>
+            <a:ext uri="{909E8E84-426E-40dd-AFC4-6F175D3DCCD1}">
+              <a14:hiddenFill xmlns:a14="http://schemas.microsoft.com/office/drawing/2010/main">
+                <a:solidFill>
+                  <a:srgbClr val="FFFFFF"/>
+                </a:solidFill>
+              </a14:hiddenFill>
+            </a:ext>
+            <a:ext uri="{91240B29-F687-4f45-9708-019B960494DF}">
+              <a14:hiddenLine xmlns:a14="http://schemas.microsoft.com/office/drawing/2010/main" w="9525">
+                <a:solidFill>
+                  <a:srgbClr val="000000"/>
+                </a:solidFill>
+                <a:miter lim="800000"/>
+                <a:headEnd/>
+                <a:tailEnd/>
+              </a14:hiddenLine>
+            </a:ext>
+          </a:extLst>
+        </p:spPr>
+      </p:pic>
+      <p:sp>
+        <p:nvSpPr>
+          <p:cNvPr id="106" name="Rounded Rectangle 105"/>
+          <p:cNvSpPr/>
+          <p:nvPr/>
+        </p:nvSpPr>
+        <p:spPr bwMode="auto">
+          <a:xfrm>
+            <a:off x="7554013" y="3552499"/>
+            <a:ext cx="1113783" cy="337015"/>
+          </a:xfrm>
+          <a:prstGeom prst="roundRect">
+            <a:avLst/>
+          </a:prstGeom>
+          <a:solidFill>
+            <a:srgbClr val="FFFFFF"/>
+          </a:solidFill>
+          <a:ln w="28575" cmpd="sng">
+            <a:solidFill>
+              <a:srgbClr val="A6A6A6"/>
+            </a:solidFill>
+          </a:ln>
+        </p:spPr>
+        <p:style>
+          <a:lnRef idx="3">
+            <a:schemeClr val="lt1"/>
+          </a:lnRef>
+          <a:fillRef idx="1">
+            <a:schemeClr val="accent3"/>
+          </a:fillRef>
+          <a:effectRef idx="1">
+            <a:schemeClr val="accent3"/>
+          </a:effectRef>
+          <a:fontRef idx="minor">
+            <a:schemeClr val="lt1"/>
+          </a:fontRef>
+        </p:style>
+        <p:txBody>
+          <a:bodyPr anchor="ctr"/>
+          <a:lstStyle/>
+          <a:p>
+            <a:pPr algn="ctr" fontAlgn="auto">
+              <a:spcBef>
+                <a:spcPts val="0"/>
+              </a:spcBef>
+              <a:spcAft>
+                <a:spcPts val="0"/>
+              </a:spcAft>
+              <a:defRPr/>
+            </a:pPr>
+            <a:endParaRPr lang="en-US" sz="3200" dirty="0"/>
+          </a:p>
+        </p:txBody>
+      </p:sp>
+      <p:grpSp>
+        <p:nvGrpSpPr>
+          <p:cNvPr id="107" name="Group 47"/>
+          <p:cNvGrpSpPr/>
+          <p:nvPr/>
+        </p:nvGrpSpPr>
+        <p:grpSpPr>
+          <a:xfrm>
+            <a:off x="5309576" y="3523409"/>
+            <a:ext cx="3234601" cy="45836"/>
+            <a:chOff x="1687907" y="5326819"/>
+            <a:chExt cx="3234602" cy="3101694"/>
+          </a:xfrm>
+        </p:grpSpPr>
+        <p:grpSp>
+          <p:nvGrpSpPr>
+            <p:cNvPr id="108" name="Group 20"/>
+            <p:cNvGrpSpPr/>
+            <p:nvPr/>
+          </p:nvGrpSpPr>
+          <p:grpSpPr>
+            <a:xfrm>
+              <a:off x="1687907" y="5326819"/>
+              <a:ext cx="852012" cy="3101693"/>
+              <a:chOff x="4235356" y="-591935"/>
+              <a:chExt cx="962086" cy="101603"/>
+            </a:xfrm>
+            <a:solidFill>
+              <a:srgbClr val="F4C5A5"/>
+            </a:solidFill>
+          </p:grpSpPr>
+          <p:sp>
+            <p:nvSpPr>
+              <p:cNvPr id="121" name="Rectangle 120"/>
+              <p:cNvSpPr/>
+              <p:nvPr/>
+            </p:nvSpPr>
+            <p:spPr bwMode="auto">
+              <a:xfrm>
+                <a:off x="4235356" y="-591935"/>
+                <a:ext cx="196569" cy="101603"/>
+              </a:xfrm>
+              <a:prstGeom prst="rect">
+                <a:avLst/>
+              </a:prstGeom>
+              <a:grpFill/>
+              <a:ln w="28575" cmpd="sng">
+                <a:headEnd/>
+                <a:tailEnd type="triangle" w="med" len="med"/>
+              </a:ln>
+            </p:spPr>
+            <p:style>
+              <a:lnRef idx="3">
+                <a:schemeClr val="lt1"/>
+              </a:lnRef>
+              <a:fillRef idx="1">
+                <a:schemeClr val="accent3"/>
+              </a:fillRef>
+              <a:effectRef idx="1">
+                <a:schemeClr val="accent3"/>
+              </a:effectRef>
+              <a:fontRef idx="minor">
+                <a:schemeClr val="lt1"/>
+              </a:fontRef>
+            </p:style>
+            <p:txBody>
+              <a:bodyPr wrap="none" rtlCol="0" anchor="ctr"/>
+              <a:lstStyle/>
+              <a:p>
+                <a:pPr algn="ctr"/>
+                <a:endParaRPr lang="en-US" sz="1600" dirty="0">
+                  <a:solidFill>
+                    <a:schemeClr val="dk1"/>
+                  </a:solidFill>
+                  <a:latin typeface="+mj-lt"/>
+                  <a:ea typeface="ＭＳ Ｐゴシック" pitchFamily="34" charset="-128"/>
+                  <a:cs typeface="ＭＳ Ｐゴシック" pitchFamily="-65" charset="-128"/>
+                </a:endParaRPr>
+              </a:p>
+            </p:txBody>
+          </p:sp>
+          <p:sp>
+            <p:nvSpPr>
+              <p:cNvPr id="122" name="Rectangle 121"/>
+              <p:cNvSpPr/>
+              <p:nvPr/>
+            </p:nvSpPr>
+            <p:spPr bwMode="auto">
+              <a:xfrm>
+                <a:off x="4426735" y="-591935"/>
+                <a:ext cx="196569" cy="101603"/>
+              </a:xfrm>
+              <a:prstGeom prst="rect">
+                <a:avLst/>
+              </a:prstGeom>
+              <a:grpFill/>
+              <a:ln w="28575" cmpd="sng">
+                <a:headEnd/>
+                <a:tailEnd type="triangle" w="med" len="med"/>
+              </a:ln>
+            </p:spPr>
+            <p:style>
+              <a:lnRef idx="3">
+                <a:schemeClr val="lt1"/>
+              </a:lnRef>
+              <a:fillRef idx="1">
+                <a:schemeClr val="accent3"/>
+              </a:fillRef>
+              <a:effectRef idx="1">
+                <a:schemeClr val="accent3"/>
+              </a:effectRef>
+              <a:fontRef idx="minor">
+                <a:schemeClr val="lt1"/>
+              </a:fontRef>
+            </p:style>
+            <p:txBody>
+              <a:bodyPr wrap="none" rtlCol="0" anchor="ctr"/>
+              <a:lstStyle/>
+              <a:p>
+                <a:pPr algn="ctr"/>
+                <a:endParaRPr lang="en-US" sz="1600" dirty="0">
+                  <a:solidFill>
+                    <a:schemeClr val="dk1"/>
+                  </a:solidFill>
+                  <a:latin typeface="+mj-lt"/>
+                  <a:ea typeface="ＭＳ Ｐゴシック" pitchFamily="34" charset="-128"/>
+                  <a:cs typeface="ＭＳ Ｐゴシック" pitchFamily="-65" charset="-128"/>
+                </a:endParaRPr>
+              </a:p>
+            </p:txBody>
+          </p:sp>
+          <p:sp>
+            <p:nvSpPr>
+              <p:cNvPr id="123" name="Rectangle 122"/>
+              <p:cNvSpPr/>
+              <p:nvPr/>
+            </p:nvSpPr>
+            <p:spPr bwMode="auto">
+              <a:xfrm>
+                <a:off x="4809493" y="-591935"/>
+                <a:ext cx="196569" cy="101603"/>
+              </a:xfrm>
+              <a:prstGeom prst="rect">
+                <a:avLst/>
+              </a:prstGeom>
+              <a:grpFill/>
+              <a:ln w="28575" cmpd="sng">
+                <a:headEnd/>
+                <a:tailEnd type="triangle" w="med" len="med"/>
+              </a:ln>
+            </p:spPr>
+            <p:style>
+              <a:lnRef idx="3">
+                <a:schemeClr val="lt1"/>
+              </a:lnRef>
+              <a:fillRef idx="1">
+                <a:schemeClr val="accent3"/>
+              </a:fillRef>
+              <a:effectRef idx="1">
+                <a:schemeClr val="accent3"/>
+              </a:effectRef>
+              <a:fontRef idx="minor">
+                <a:schemeClr val="lt1"/>
+              </a:fontRef>
+            </p:style>
+            <p:txBody>
+              <a:bodyPr wrap="none" rtlCol="0" anchor="ctr"/>
+              <a:lstStyle/>
+              <a:p>
+                <a:pPr algn="ctr"/>
+                <a:endParaRPr lang="en-US" sz="1600" dirty="0">
+                  <a:solidFill>
+                    <a:schemeClr val="dk1"/>
+                  </a:solidFill>
+                  <a:latin typeface="+mj-lt"/>
+                  <a:ea typeface="ＭＳ Ｐゴシック" pitchFamily="34" charset="-128"/>
+                  <a:cs typeface="ＭＳ Ｐゴシック" pitchFamily="-65" charset="-128"/>
+                </a:endParaRPr>
+              </a:p>
+            </p:txBody>
+          </p:sp>
+          <p:sp>
+            <p:nvSpPr>
+              <p:cNvPr id="124" name="Rectangle 123"/>
+              <p:cNvSpPr/>
+              <p:nvPr/>
+            </p:nvSpPr>
+            <p:spPr bwMode="auto">
+              <a:xfrm>
+                <a:off x="4618114" y="-591935"/>
+                <a:ext cx="196569" cy="101603"/>
+              </a:xfrm>
+              <a:prstGeom prst="rect">
+                <a:avLst/>
+              </a:prstGeom>
+              <a:grpFill/>
+              <a:ln w="28575" cmpd="sng">
+                <a:headEnd/>
+                <a:tailEnd type="triangle" w="med" len="med"/>
+              </a:ln>
+            </p:spPr>
+            <p:style>
+              <a:lnRef idx="3">
+                <a:schemeClr val="lt1"/>
+              </a:lnRef>
+              <a:fillRef idx="1">
+                <a:schemeClr val="accent3"/>
+              </a:fillRef>
+              <a:effectRef idx="1">
+                <a:schemeClr val="accent3"/>
+              </a:effectRef>
+              <a:fontRef idx="minor">
+                <a:schemeClr val="lt1"/>
+              </a:fontRef>
+            </p:style>
+            <p:txBody>
+              <a:bodyPr wrap="none" rtlCol="0" anchor="ctr"/>
+              <a:lstStyle/>
+              <a:p>
+                <a:pPr algn="ctr"/>
+                <a:endParaRPr lang="en-US" sz="1600" dirty="0">
+                  <a:solidFill>
+                    <a:schemeClr val="dk1"/>
+                  </a:solidFill>
+                  <a:latin typeface="+mj-lt"/>
+                  <a:ea typeface="ＭＳ Ｐゴシック" pitchFamily="34" charset="-128"/>
+                  <a:cs typeface="ＭＳ Ｐゴシック" pitchFamily="-65" charset="-128"/>
+                </a:endParaRPr>
+              </a:p>
+            </p:txBody>
+          </p:sp>
+          <p:sp>
+            <p:nvSpPr>
+              <p:cNvPr id="125" name="Rectangle 124"/>
+              <p:cNvSpPr/>
+              <p:nvPr/>
+            </p:nvSpPr>
+            <p:spPr bwMode="auto">
+              <a:xfrm>
+                <a:off x="5000873" y="-591935"/>
+                <a:ext cx="196569" cy="101603"/>
+              </a:xfrm>
+              <a:prstGeom prst="rect">
+                <a:avLst/>
+              </a:prstGeom>
+              <a:grpFill/>
+              <a:ln w="28575" cmpd="sng">
+                <a:headEnd/>
+                <a:tailEnd type="triangle" w="med" len="med"/>
+              </a:ln>
+            </p:spPr>
+            <p:style>
+              <a:lnRef idx="3">
+                <a:schemeClr val="lt1"/>
+              </a:lnRef>
+              <a:fillRef idx="1">
+                <a:schemeClr val="accent3"/>
+              </a:fillRef>
+              <a:effectRef idx="1">
+                <a:schemeClr val="accent3"/>
+              </a:effectRef>
+              <a:fontRef idx="minor">
+                <a:schemeClr val="lt1"/>
+              </a:fontRef>
+            </p:style>
+            <p:txBody>
+              <a:bodyPr wrap="none" rtlCol="0" anchor="ctr"/>
+              <a:lstStyle/>
+              <a:p>
+                <a:pPr algn="ctr"/>
+                <a:endParaRPr lang="en-US" sz="1600" dirty="0">
+                  <a:solidFill>
+                    <a:schemeClr val="dk1"/>
+                  </a:solidFill>
+                  <a:latin typeface="+mj-lt"/>
+                  <a:ea typeface="ＭＳ Ｐゴシック" pitchFamily="34" charset="-128"/>
+                  <a:cs typeface="ＭＳ Ｐゴシック" pitchFamily="-65" charset="-128"/>
+                </a:endParaRPr>
+              </a:p>
+            </p:txBody>
+          </p:sp>
+        </p:grpSp>
+        <p:grpSp>
+          <p:nvGrpSpPr>
+            <p:cNvPr id="109" name="Group 228"/>
+            <p:cNvGrpSpPr/>
+            <p:nvPr/>
+          </p:nvGrpSpPr>
+          <p:grpSpPr>
+            <a:xfrm>
+              <a:off x="2890897" y="5326820"/>
+              <a:ext cx="874021" cy="3101693"/>
+              <a:chOff x="4235356" y="-591935"/>
+              <a:chExt cx="962086" cy="101603"/>
+            </a:xfrm>
+          </p:grpSpPr>
+          <p:sp>
+            <p:nvSpPr>
+              <p:cNvPr id="116" name="Rectangle 115"/>
+              <p:cNvSpPr/>
+              <p:nvPr/>
+            </p:nvSpPr>
+            <p:spPr bwMode="auto">
+              <a:xfrm>
+                <a:off x="4235356" y="-591935"/>
+                <a:ext cx="196569" cy="101603"/>
+              </a:xfrm>
+              <a:prstGeom prst="rect">
+                <a:avLst/>
+              </a:prstGeom>
+              <a:ln w="28575" cmpd="sng">
+                <a:headEnd/>
+                <a:tailEnd type="triangle" w="med" len="med"/>
+              </a:ln>
+            </p:spPr>
+            <p:style>
+              <a:lnRef idx="3">
+                <a:schemeClr val="lt1"/>
+              </a:lnRef>
+              <a:fillRef idx="1">
+                <a:schemeClr val="accent3"/>
+              </a:fillRef>
+              <a:effectRef idx="1">
+                <a:schemeClr val="accent3"/>
+              </a:effectRef>
+              <a:fontRef idx="minor">
+                <a:schemeClr val="lt1"/>
+              </a:fontRef>
+            </p:style>
+            <p:txBody>
+              <a:bodyPr wrap="none" rtlCol="0" anchor="ctr"/>
+              <a:lstStyle/>
+              <a:p>
+                <a:pPr algn="ctr"/>
+                <a:endParaRPr lang="en-US" sz="1600" dirty="0">
+                  <a:solidFill>
+                    <a:schemeClr val="dk1"/>
+                  </a:solidFill>
+                  <a:latin typeface="+mj-lt"/>
+                  <a:ea typeface="ＭＳ Ｐゴシック" pitchFamily="34" charset="-128"/>
+                  <a:cs typeface="ＭＳ Ｐゴシック" pitchFamily="-65" charset="-128"/>
+                </a:endParaRPr>
+              </a:p>
+            </p:txBody>
+          </p:sp>
+          <p:sp>
+            <p:nvSpPr>
+              <p:cNvPr id="117" name="Rectangle 116"/>
+              <p:cNvSpPr/>
+              <p:nvPr/>
+            </p:nvSpPr>
+            <p:spPr bwMode="auto">
+              <a:xfrm>
+                <a:off x="4426735" y="-591935"/>
+                <a:ext cx="196569" cy="101603"/>
+              </a:xfrm>
+              <a:prstGeom prst="rect">
+                <a:avLst/>
+              </a:prstGeom>
+              <a:ln w="28575" cmpd="sng">
+                <a:headEnd/>
+                <a:tailEnd type="triangle" w="med" len="med"/>
+              </a:ln>
+            </p:spPr>
+            <p:style>
+              <a:lnRef idx="3">
+                <a:schemeClr val="lt1"/>
+              </a:lnRef>
+              <a:fillRef idx="1">
+                <a:schemeClr val="accent3"/>
+              </a:fillRef>
+              <a:effectRef idx="1">
+                <a:schemeClr val="accent3"/>
+              </a:effectRef>
+              <a:fontRef idx="minor">
+                <a:schemeClr val="lt1"/>
+              </a:fontRef>
+            </p:style>
+            <p:txBody>
+              <a:bodyPr wrap="none" rtlCol="0" anchor="ctr"/>
+              <a:lstStyle/>
+              <a:p>
+                <a:pPr algn="ctr"/>
+                <a:endParaRPr lang="en-US" sz="1600" dirty="0">
+                  <a:solidFill>
+                    <a:schemeClr val="dk1"/>
+                  </a:solidFill>
+                  <a:latin typeface="+mj-lt"/>
+                  <a:ea typeface="ＭＳ Ｐゴシック" pitchFamily="34" charset="-128"/>
+                  <a:cs typeface="ＭＳ Ｐゴシック" pitchFamily="-65" charset="-128"/>
+                </a:endParaRPr>
+              </a:p>
+            </p:txBody>
+          </p:sp>
+          <p:sp>
+            <p:nvSpPr>
+              <p:cNvPr id="118" name="Rectangle 117"/>
+              <p:cNvSpPr/>
+              <p:nvPr/>
+            </p:nvSpPr>
+            <p:spPr bwMode="auto">
+              <a:xfrm>
+                <a:off x="4809493" y="-591935"/>
+                <a:ext cx="196569" cy="101603"/>
+              </a:xfrm>
+              <a:prstGeom prst="rect">
+                <a:avLst/>
+              </a:prstGeom>
+              <a:ln w="28575" cmpd="sng">
+                <a:headEnd/>
+                <a:tailEnd type="triangle" w="med" len="med"/>
+              </a:ln>
+            </p:spPr>
+            <p:style>
+              <a:lnRef idx="3">
+                <a:schemeClr val="lt1"/>
+              </a:lnRef>
+              <a:fillRef idx="1">
+                <a:schemeClr val="accent3"/>
+              </a:fillRef>
+              <a:effectRef idx="1">
+                <a:schemeClr val="accent3"/>
+              </a:effectRef>
+              <a:fontRef idx="minor">
+                <a:schemeClr val="lt1"/>
+              </a:fontRef>
+            </p:style>
+            <p:txBody>
+              <a:bodyPr wrap="none" rtlCol="0" anchor="ctr"/>
+              <a:lstStyle/>
+              <a:p>
+                <a:pPr algn="ctr"/>
+                <a:endParaRPr lang="en-US" sz="1600" dirty="0">
+                  <a:solidFill>
+                    <a:schemeClr val="dk1"/>
+                  </a:solidFill>
+                  <a:latin typeface="+mj-lt"/>
+                  <a:ea typeface="ＭＳ Ｐゴシック" pitchFamily="34" charset="-128"/>
+                  <a:cs typeface="ＭＳ Ｐゴシック" pitchFamily="-65" charset="-128"/>
+                </a:endParaRPr>
+              </a:p>
+            </p:txBody>
+          </p:sp>
+          <p:sp>
+            <p:nvSpPr>
+              <p:cNvPr id="119" name="Rectangle 118"/>
+              <p:cNvSpPr/>
+              <p:nvPr/>
+            </p:nvSpPr>
+            <p:spPr bwMode="auto">
+              <a:xfrm>
+                <a:off x="4618114" y="-591935"/>
+                <a:ext cx="196569" cy="101603"/>
+              </a:xfrm>
+              <a:prstGeom prst="rect">
+                <a:avLst/>
+              </a:prstGeom>
+              <a:ln w="28575" cmpd="sng">
+                <a:headEnd/>
+                <a:tailEnd type="triangle" w="med" len="med"/>
+              </a:ln>
+            </p:spPr>
+            <p:style>
+              <a:lnRef idx="3">
+                <a:schemeClr val="lt1"/>
+              </a:lnRef>
+              <a:fillRef idx="1">
+                <a:schemeClr val="accent3"/>
+              </a:fillRef>
+              <a:effectRef idx="1">
+                <a:schemeClr val="accent3"/>
+              </a:effectRef>
+              <a:fontRef idx="minor">
+                <a:schemeClr val="lt1"/>
+              </a:fontRef>
+            </p:style>
+            <p:txBody>
+              <a:bodyPr wrap="none" rtlCol="0" anchor="ctr"/>
+              <a:lstStyle/>
+              <a:p>
+                <a:pPr algn="ctr"/>
+                <a:endParaRPr lang="en-US" sz="1600" dirty="0">
+                  <a:solidFill>
+                    <a:schemeClr val="dk1"/>
+                  </a:solidFill>
+                  <a:latin typeface="+mj-lt"/>
+                  <a:ea typeface="ＭＳ Ｐゴシック" pitchFamily="34" charset="-128"/>
+                  <a:cs typeface="ＭＳ Ｐゴシック" pitchFamily="-65" charset="-128"/>
+                </a:endParaRPr>
+              </a:p>
+            </p:txBody>
+          </p:sp>
+          <p:sp>
+            <p:nvSpPr>
+              <p:cNvPr id="120" name="Rectangle 119"/>
+              <p:cNvSpPr/>
+              <p:nvPr/>
+            </p:nvSpPr>
+            <p:spPr bwMode="auto">
+              <a:xfrm>
+                <a:off x="5000873" y="-591935"/>
+                <a:ext cx="196569" cy="101603"/>
+              </a:xfrm>
+              <a:prstGeom prst="rect">
+                <a:avLst/>
+              </a:prstGeom>
+              <a:ln w="28575" cmpd="sng">
+                <a:headEnd/>
+                <a:tailEnd type="triangle" w="med" len="med"/>
+              </a:ln>
+            </p:spPr>
+            <p:style>
+              <a:lnRef idx="3">
+                <a:schemeClr val="lt1"/>
+              </a:lnRef>
+              <a:fillRef idx="1">
+                <a:schemeClr val="accent3"/>
+              </a:fillRef>
+              <a:effectRef idx="1">
+                <a:schemeClr val="accent3"/>
+              </a:effectRef>
+              <a:fontRef idx="minor">
+                <a:schemeClr val="lt1"/>
+              </a:fontRef>
+            </p:style>
+            <p:txBody>
+              <a:bodyPr wrap="none" rtlCol="0" anchor="ctr"/>
+              <a:lstStyle/>
+              <a:p>
+                <a:pPr algn="ctr"/>
+                <a:endParaRPr lang="en-US" sz="1600" dirty="0">
+                  <a:solidFill>
+                    <a:schemeClr val="dk1"/>
+                  </a:solidFill>
+                  <a:latin typeface="+mj-lt"/>
+                  <a:ea typeface="ＭＳ Ｐゴシック" pitchFamily="34" charset="-128"/>
+                  <a:cs typeface="ＭＳ Ｐゴシック" pitchFamily="-65" charset="-128"/>
+                </a:endParaRPr>
+              </a:p>
+            </p:txBody>
+          </p:sp>
+        </p:grpSp>
+        <p:grpSp>
+          <p:nvGrpSpPr>
+            <p:cNvPr id="110" name="Group 170"/>
+            <p:cNvGrpSpPr/>
+            <p:nvPr/>
+          </p:nvGrpSpPr>
+          <p:grpSpPr>
+            <a:xfrm>
+              <a:off x="4032306" y="5326819"/>
+              <a:ext cx="890203" cy="3101693"/>
+              <a:chOff x="4235356" y="-591935"/>
+              <a:chExt cx="962086" cy="101603"/>
+            </a:xfrm>
+            <a:solidFill>
+              <a:schemeClr val="bg1"/>
+            </a:solidFill>
+          </p:grpSpPr>
+          <p:sp>
+            <p:nvSpPr>
+              <p:cNvPr id="111" name="Rectangle 110"/>
+              <p:cNvSpPr/>
+              <p:nvPr/>
+            </p:nvSpPr>
+            <p:spPr bwMode="auto">
+              <a:xfrm>
+                <a:off x="4235356" y="-591935"/>
+                <a:ext cx="196569" cy="101603"/>
+              </a:xfrm>
+              <a:prstGeom prst="rect">
+                <a:avLst/>
+              </a:prstGeom>
+              <a:grpFill/>
+              <a:ln w="28575" cmpd="sng">
+                <a:solidFill>
+                  <a:srgbClr val="A6A6A6"/>
+                </a:solidFill>
+                <a:headEnd/>
+                <a:tailEnd type="triangle" w="med" len="med"/>
+              </a:ln>
+            </p:spPr>
+            <p:style>
+              <a:lnRef idx="3">
+                <a:schemeClr val="lt1"/>
+              </a:lnRef>
+              <a:fillRef idx="1">
+                <a:schemeClr val="accent3"/>
+              </a:fillRef>
+              <a:effectRef idx="1">
+                <a:schemeClr val="accent3"/>
+              </a:effectRef>
+              <a:fontRef idx="minor">
+                <a:schemeClr val="lt1"/>
+              </a:fontRef>
+            </p:style>
+            <p:txBody>
+              <a:bodyPr wrap="none" rtlCol="0" anchor="ctr"/>
+              <a:lstStyle/>
+              <a:p>
+                <a:pPr algn="ctr"/>
+                <a:endParaRPr lang="en-US" sz="1600" dirty="0">
+                  <a:solidFill>
+                    <a:schemeClr val="dk1"/>
+                  </a:solidFill>
+                  <a:latin typeface="+mj-lt"/>
+                  <a:ea typeface="ＭＳ Ｐゴシック" pitchFamily="34" charset="-128"/>
+                  <a:cs typeface="ＭＳ Ｐゴシック" pitchFamily="-65" charset="-128"/>
+                </a:endParaRPr>
+              </a:p>
+            </p:txBody>
+          </p:sp>
+          <p:sp>
+            <p:nvSpPr>
+              <p:cNvPr id="112" name="Rectangle 111"/>
+              <p:cNvSpPr/>
+              <p:nvPr/>
+            </p:nvSpPr>
+            <p:spPr bwMode="auto">
+              <a:xfrm>
+                <a:off x="4426735" y="-591935"/>
+                <a:ext cx="196569" cy="101603"/>
+              </a:xfrm>
+              <a:prstGeom prst="rect">
+                <a:avLst/>
+              </a:prstGeom>
+              <a:grpFill/>
+              <a:ln w="28575" cmpd="sng">
+                <a:solidFill>
+                  <a:srgbClr val="A6A6A6"/>
+                </a:solidFill>
+                <a:headEnd/>
+                <a:tailEnd type="triangle" w="med" len="med"/>
+              </a:ln>
+            </p:spPr>
+            <p:style>
+              <a:lnRef idx="3">
+                <a:schemeClr val="lt1"/>
+              </a:lnRef>
+              <a:fillRef idx="1">
+                <a:schemeClr val="accent3"/>
+              </a:fillRef>
+              <a:effectRef idx="1">
+                <a:schemeClr val="accent3"/>
+              </a:effectRef>
+              <a:fontRef idx="minor">
+                <a:schemeClr val="lt1"/>
+              </a:fontRef>
+            </p:style>
+            <p:txBody>
+              <a:bodyPr wrap="none" rtlCol="0" anchor="ctr"/>
+              <a:lstStyle/>
+              <a:p>
+                <a:pPr algn="ctr"/>
+                <a:endParaRPr lang="en-US" sz="1600" dirty="0">
+                  <a:solidFill>
+                    <a:schemeClr val="dk1"/>
+                  </a:solidFill>
+                  <a:latin typeface="+mj-lt"/>
+                  <a:ea typeface="ＭＳ Ｐゴシック" pitchFamily="34" charset="-128"/>
+                  <a:cs typeface="ＭＳ Ｐゴシック" pitchFamily="-65" charset="-128"/>
+                </a:endParaRPr>
+              </a:p>
+            </p:txBody>
+          </p:sp>
+          <p:sp>
+            <p:nvSpPr>
+              <p:cNvPr id="113" name="Rectangle 112"/>
+              <p:cNvSpPr/>
+              <p:nvPr/>
+            </p:nvSpPr>
+            <p:spPr bwMode="auto">
+              <a:xfrm>
+                <a:off x="4809493" y="-591935"/>
+                <a:ext cx="196569" cy="101603"/>
+              </a:xfrm>
+              <a:prstGeom prst="rect">
+                <a:avLst/>
+              </a:prstGeom>
+              <a:grpFill/>
+              <a:ln w="28575" cmpd="sng">
+                <a:solidFill>
+                  <a:srgbClr val="A6A6A6"/>
+                </a:solidFill>
+                <a:headEnd/>
+                <a:tailEnd type="triangle" w="med" len="med"/>
+              </a:ln>
+            </p:spPr>
+            <p:style>
+              <a:lnRef idx="3">
+                <a:schemeClr val="lt1"/>
+              </a:lnRef>
+              <a:fillRef idx="1">
+                <a:schemeClr val="accent3"/>
+              </a:fillRef>
+              <a:effectRef idx="1">
+                <a:schemeClr val="accent3"/>
+              </a:effectRef>
+              <a:fontRef idx="minor">
+                <a:schemeClr val="lt1"/>
+              </a:fontRef>
+            </p:style>
+            <p:txBody>
+              <a:bodyPr wrap="none" rtlCol="0" anchor="ctr"/>
+              <a:lstStyle/>
+              <a:p>
+                <a:pPr algn="ctr"/>
+                <a:endParaRPr lang="en-US" sz="1600" dirty="0">
+                  <a:solidFill>
+                    <a:schemeClr val="dk1"/>
+                  </a:solidFill>
+                  <a:latin typeface="+mj-lt"/>
+                  <a:ea typeface="ＭＳ Ｐゴシック" pitchFamily="34" charset="-128"/>
+                  <a:cs typeface="ＭＳ Ｐゴシック" pitchFamily="-65" charset="-128"/>
+                </a:endParaRPr>
+              </a:p>
+            </p:txBody>
+          </p:sp>
+          <p:sp>
+            <p:nvSpPr>
+              <p:cNvPr id="114" name="Rectangle 113"/>
+              <p:cNvSpPr/>
+              <p:nvPr/>
+            </p:nvSpPr>
+            <p:spPr bwMode="auto">
+              <a:xfrm>
+                <a:off x="4618114" y="-591935"/>
+                <a:ext cx="196569" cy="101603"/>
+              </a:xfrm>
+              <a:prstGeom prst="rect">
+                <a:avLst/>
+              </a:prstGeom>
+              <a:grpFill/>
+              <a:ln w="28575" cmpd="sng">
+                <a:solidFill>
+                  <a:srgbClr val="A6A6A6"/>
+                </a:solidFill>
+                <a:headEnd/>
+                <a:tailEnd type="triangle" w="med" len="med"/>
+              </a:ln>
+            </p:spPr>
+            <p:style>
+              <a:lnRef idx="3">
+                <a:schemeClr val="lt1"/>
+              </a:lnRef>
+              <a:fillRef idx="1">
+                <a:schemeClr val="accent3"/>
+              </a:fillRef>
+              <a:effectRef idx="1">
+                <a:schemeClr val="accent3"/>
+              </a:effectRef>
+              <a:fontRef idx="minor">
+                <a:schemeClr val="lt1"/>
+              </a:fontRef>
+            </p:style>
+            <p:txBody>
+              <a:bodyPr wrap="none" rtlCol="0" anchor="ctr"/>
+              <a:lstStyle/>
+              <a:p>
+                <a:pPr algn="ctr"/>
+                <a:endParaRPr lang="en-US" sz="1600" dirty="0">
+                  <a:solidFill>
+                    <a:schemeClr val="dk1"/>
+                  </a:solidFill>
+                  <a:latin typeface="+mj-lt"/>
+                  <a:ea typeface="ＭＳ Ｐゴシック" pitchFamily="34" charset="-128"/>
+                  <a:cs typeface="ＭＳ Ｐゴシック" pitchFamily="-65" charset="-128"/>
+                </a:endParaRPr>
+              </a:p>
+            </p:txBody>
+          </p:sp>
+          <p:sp>
+            <p:nvSpPr>
+              <p:cNvPr id="115" name="Rectangle 114"/>
+              <p:cNvSpPr/>
+              <p:nvPr/>
+            </p:nvSpPr>
+            <p:spPr bwMode="auto">
+              <a:xfrm>
+                <a:off x="5000873" y="-591935"/>
+                <a:ext cx="196569" cy="101603"/>
+              </a:xfrm>
+              <a:prstGeom prst="rect">
+                <a:avLst/>
+              </a:prstGeom>
+              <a:grpFill/>
+              <a:ln w="28575" cmpd="sng">
+                <a:solidFill>
+                  <a:srgbClr val="A6A6A6"/>
+                </a:solidFill>
+                <a:headEnd/>
+                <a:tailEnd type="triangle" w="med" len="med"/>
+              </a:ln>
+            </p:spPr>
+            <p:style>
+              <a:lnRef idx="3">
+                <a:schemeClr val="lt1"/>
+              </a:lnRef>
+              <a:fillRef idx="1">
+                <a:schemeClr val="accent3"/>
+              </a:fillRef>
+              <a:effectRef idx="1">
+                <a:schemeClr val="accent3"/>
+              </a:effectRef>
+              <a:fontRef idx="minor">
+                <a:schemeClr val="lt1"/>
+              </a:fontRef>
+            </p:style>
+            <p:txBody>
+              <a:bodyPr wrap="none" rtlCol="0" anchor="ctr"/>
+              <a:lstStyle/>
+              <a:p>
+                <a:pPr algn="ctr"/>
+                <a:endParaRPr lang="en-US" sz="1600" dirty="0">
+                  <a:solidFill>
+                    <a:schemeClr val="dk1"/>
+                  </a:solidFill>
+                  <a:latin typeface="+mj-lt"/>
+                  <a:ea typeface="ＭＳ Ｐゴシック" pitchFamily="34" charset="-128"/>
+                  <a:cs typeface="ＭＳ Ｐゴシック" pitchFamily="-65" charset="-128"/>
+                </a:endParaRPr>
+              </a:p>
+            </p:txBody>
+          </p:sp>
+        </p:grpSp>
+      </p:grpSp>
+      <p:pic>
+        <p:nvPicPr>
+          <p:cNvPr id="126" name="Picture 125"/>
+          <p:cNvPicPr>
+            <a:picLocks noChangeAspect="1"/>
+          </p:cNvPicPr>
+          <p:nvPr/>
+        </p:nvPicPr>
+        <p:blipFill>
+          <a:blip r:embed="rId7"/>
+          <a:stretch>
+            <a:fillRect/>
+          </a:stretch>
+        </p:blipFill>
+        <p:spPr>
+          <a:xfrm>
+            <a:off x="7617065" y="3640650"/>
+            <a:ext cx="944046" cy="166721"/>
+          </a:xfrm>
+          <a:prstGeom prst="rect">
+            <a:avLst/>
+          </a:prstGeom>
+          <a:noFill/>
+          <a:ln>
+            <a:noFill/>
+          </a:ln>
+        </p:spPr>
+      </p:pic>
+      <p:cxnSp>
+        <p:nvCxnSpPr>
+          <p:cNvPr id="127" name="Straight Arrow Connector 125"/>
+          <p:cNvCxnSpPr>
+            <a:cxnSpLocks noChangeShapeType="1"/>
+            <a:stCxn id="115" idx="0"/>
+            <a:endCxn id="33" idx="2"/>
+          </p:cNvCxnSpPr>
+          <p:nvPr/>
+        </p:nvCxnSpPr>
+        <p:spPr bwMode="auto">
+          <a:xfrm flipH="1" flipV="1">
+            <a:off x="7921590" y="3274903"/>
+            <a:ext cx="531641" cy="248506"/>
+          </a:xfrm>
+          <a:prstGeom prst="straightConnector1">
+            <a:avLst/>
+          </a:prstGeom>
+          <a:noFill/>
+          <a:ln w="19050">
+            <a:solidFill>
+              <a:schemeClr val="bg1">
+                <a:lumMod val="65000"/>
+              </a:schemeClr>
+            </a:solidFill>
+            <a:round/>
+            <a:headEnd/>
+            <a:tailEnd type="triangle" w="med" len="med"/>
+          </a:ln>
+          <a:effectLst>
+            <a:outerShdw dist="20000" dir="5400000" rotWithShape="0">
+              <a:srgbClr val="808080">
+                <a:alpha val="37999"/>
+              </a:srgbClr>
+            </a:outerShdw>
+          </a:effectLst>
+          <a:extLst>
+            <a:ext uri="{909E8E84-426E-40dd-AFC4-6F175D3DCCD1}">
+              <a14:hiddenFill xmlns:a14="http://schemas.microsoft.com/office/drawing/2010/main">
+                <a:noFill/>
+              </a14:hiddenFill>
+            </a:ext>
+          </a:extLst>
+        </p:spPr>
+      </p:cxnSp>
+      <p:cxnSp>
+        <p:nvCxnSpPr>
+          <p:cNvPr id="128" name="Straight Arrow Connector 125"/>
+          <p:cNvCxnSpPr>
+            <a:cxnSpLocks noChangeShapeType="1"/>
+            <a:stCxn id="113" idx="0"/>
+            <a:endCxn id="28" idx="2"/>
+          </p:cNvCxnSpPr>
+          <p:nvPr/>
+        </p:nvCxnSpPr>
+        <p:spPr bwMode="auto">
+          <a:xfrm flipH="1" flipV="1">
+            <a:off x="7407238" y="3274903"/>
+            <a:ext cx="868910" cy="248506"/>
+          </a:xfrm>
+          <a:prstGeom prst="straightConnector1">
+            <a:avLst/>
+          </a:prstGeom>
+          <a:noFill/>
+          <a:ln w="19050">
+            <a:solidFill>
+              <a:schemeClr val="bg1">
+                <a:lumMod val="65000"/>
+              </a:schemeClr>
+            </a:solidFill>
+            <a:round/>
+            <a:headEnd/>
+            <a:tailEnd type="triangle" w="med" len="med"/>
+          </a:ln>
+          <a:effectLst>
+            <a:outerShdw dist="20000" dir="5400000" rotWithShape="0">
+              <a:srgbClr val="808080">
+                <a:alpha val="37999"/>
+              </a:srgbClr>
+            </a:outerShdw>
+          </a:effectLst>
+          <a:extLst>
+            <a:ext uri="{909E8E84-426E-40dd-AFC4-6F175D3DCCD1}">
+              <a14:hiddenFill xmlns:a14="http://schemas.microsoft.com/office/drawing/2010/main">
+                <a:noFill/>
+              </a14:hiddenFill>
+            </a:ext>
+          </a:extLst>
+        </p:spPr>
+      </p:cxnSp>
+      <p:cxnSp>
+        <p:nvCxnSpPr>
+          <p:cNvPr id="129" name="Straight Arrow Connector 125"/>
+          <p:cNvCxnSpPr>
+            <a:cxnSpLocks noChangeShapeType="1"/>
+            <a:stCxn id="114" idx="0"/>
+          </p:cNvCxnSpPr>
+          <p:nvPr/>
+        </p:nvCxnSpPr>
+        <p:spPr bwMode="auto">
+          <a:xfrm flipH="1" flipV="1">
+            <a:off x="6893684" y="3274903"/>
+            <a:ext cx="1205387" cy="248506"/>
+          </a:xfrm>
+          <a:prstGeom prst="straightConnector1">
+            <a:avLst/>
+          </a:prstGeom>
+          <a:noFill/>
+          <a:ln w="19050">
+            <a:solidFill>
+              <a:schemeClr val="bg1">
+                <a:lumMod val="65000"/>
+              </a:schemeClr>
+            </a:solidFill>
+            <a:round/>
+            <a:headEnd/>
+            <a:tailEnd type="triangle" w="med" len="med"/>
+          </a:ln>
+          <a:effectLst>
+            <a:outerShdw dist="20000" dir="5400000" rotWithShape="0">
+              <a:srgbClr val="808080">
+                <a:alpha val="37999"/>
+              </a:srgbClr>
+            </a:outerShdw>
+          </a:effectLst>
+          <a:extLst>
+            <a:ext uri="{909E8E84-426E-40dd-AFC4-6F175D3DCCD1}">
+              <a14:hiddenFill xmlns:a14="http://schemas.microsoft.com/office/drawing/2010/main">
+                <a:noFill/>
+              </a14:hiddenFill>
+            </a:ext>
+          </a:extLst>
+        </p:spPr>
+      </p:cxnSp>
+      <p:cxnSp>
+        <p:nvCxnSpPr>
+          <p:cNvPr id="130" name="Straight Arrow Connector 125"/>
+          <p:cNvCxnSpPr>
+            <a:cxnSpLocks noChangeShapeType="1"/>
+            <a:stCxn id="112" idx="0"/>
+            <a:endCxn id="18" idx="2"/>
+          </p:cNvCxnSpPr>
+          <p:nvPr/>
+        </p:nvCxnSpPr>
+        <p:spPr bwMode="auto">
+          <a:xfrm flipH="1" flipV="1">
+            <a:off x="6380125" y="3274903"/>
+            <a:ext cx="1541864" cy="248506"/>
+          </a:xfrm>
+          <a:prstGeom prst="straightConnector1">
+            <a:avLst/>
+          </a:prstGeom>
+          <a:noFill/>
+          <a:ln w="19050">
+            <a:solidFill>
+              <a:schemeClr val="bg1">
+                <a:lumMod val="65000"/>
+              </a:schemeClr>
+            </a:solidFill>
+            <a:round/>
+            <a:headEnd/>
+            <a:tailEnd type="triangle" w="med" len="med"/>
+          </a:ln>
+          <a:effectLst>
+            <a:outerShdw dist="20000" dir="5400000" rotWithShape="0">
+              <a:srgbClr val="808080">
+                <a:alpha val="37999"/>
+              </a:srgbClr>
+            </a:outerShdw>
+          </a:effectLst>
+          <a:extLst>
+            <a:ext uri="{909E8E84-426E-40dd-AFC4-6F175D3DCCD1}">
+              <a14:hiddenFill xmlns:a14="http://schemas.microsoft.com/office/drawing/2010/main">
+                <a:noFill/>
+              </a14:hiddenFill>
+            </a:ext>
+          </a:extLst>
+        </p:spPr>
+      </p:cxnSp>
+      <p:cxnSp>
+        <p:nvCxnSpPr>
+          <p:cNvPr id="131" name="Straight Arrow Connector 125"/>
+          <p:cNvCxnSpPr>
+            <a:cxnSpLocks noChangeShapeType="1"/>
+            <a:stCxn id="111" idx="0"/>
+            <a:endCxn id="12" idx="2"/>
+          </p:cNvCxnSpPr>
+          <p:nvPr/>
+        </p:nvCxnSpPr>
+        <p:spPr bwMode="auto">
+          <a:xfrm flipH="1" flipV="1">
+            <a:off x="5865776" y="3274903"/>
+            <a:ext cx="1879134" cy="248506"/>
+          </a:xfrm>
+          <a:prstGeom prst="straightConnector1">
+            <a:avLst/>
+          </a:prstGeom>
+          <a:noFill/>
+          <a:ln w="19050">
+            <a:solidFill>
+              <a:schemeClr val="bg1">
+                <a:lumMod val="65000"/>
+              </a:schemeClr>
+            </a:solidFill>
+            <a:round/>
+            <a:headEnd/>
+            <a:tailEnd type="triangle" w="med" len="med"/>
+          </a:ln>
+          <a:effectLst>
+            <a:outerShdw dist="20000" dir="5400000" rotWithShape="0">
+              <a:srgbClr val="808080">
+                <a:alpha val="37999"/>
+              </a:srgbClr>
+            </a:outerShdw>
+          </a:effectLst>
+          <a:extLst>
+            <a:ext uri="{909E8E84-426E-40dd-AFC4-6F175D3DCCD1}">
+              <a14:hiddenFill xmlns:a14="http://schemas.microsoft.com/office/drawing/2010/main">
+                <a:noFill/>
+              </a14:hiddenFill>
+            </a:ext>
+          </a:extLst>
+        </p:spPr>
+      </p:cxnSp>
     </p:spTree>
     <p:extLst>
       <p:ext uri="{BB962C8B-B14F-4D97-AF65-F5344CB8AC3E}">
@@ -32269,7 +39683,15 @@
             </a:pPr>
             <a:r>
               <a:rPr lang="en-US" sz="1800" dirty="0" smtClean="0"/>
-              <a:t>Easily scalable…just add </a:t>
+              <a:t>Horizontally</a:t>
+            </a:r>
+            <a:r>
+              <a:rPr lang="en-US" sz="1800" dirty="0" smtClean="0"/>
+              <a:t> </a:t>
+            </a:r>
+            <a:r>
+              <a:rPr lang="en-US" sz="1800" dirty="0" smtClean="0"/>
+              <a:t>scalable…just add </a:t>
             </a:r>
             <a:r>
               <a:rPr lang="en-US" sz="1800" dirty="0" err="1" smtClean="0"/>

--- a/decks/02_phd_hawq_presentation.pptx
+++ b/decks/02_phd_hawq_presentation.pptx
@@ -132,7 +132,7 @@
   </p:defaultTextStyle>
   <p:extLst>
     <p:ext uri="{EFAFB233-063F-42B5-8137-9DF3F51BA10A}">
-      <p15:sldGuideLst xmlns="" xmlns:p15="http://schemas.microsoft.com/office/powerpoint/2012/main" xmlns:mv="urn:schemas-microsoft-com:mac:vml" xmlns:mc="http://schemas.openxmlformats.org/markup-compatibility/2006">
+      <p15:sldGuideLst xmlns:mc="http://schemas.openxmlformats.org/markup-compatibility/2006" xmlns:mv="urn:schemas-microsoft-com:mac:vml" xmlns:p15="http://schemas.microsoft.com/office/powerpoint/2012/main" xmlns="">
         <p15:guide id="1" orient="horz" pos="1716">
           <p15:clr>
             <a:srgbClr val="A4A3A4"/>
@@ -146,7 +146,7 @@
       </p15:sldGuideLst>
     </p:ext>
     <p:ext uri="{2D200454-40CA-4A62-9FC3-DE9A4176ACB9}">
-      <p15:notesGuideLst xmlns="" xmlns:p15="http://schemas.microsoft.com/office/powerpoint/2012/main" xmlns:mv="urn:schemas-microsoft-com:mac:vml" xmlns:mc="http://schemas.openxmlformats.org/markup-compatibility/2006">
+      <p15:notesGuideLst xmlns:mc="http://schemas.openxmlformats.org/markup-compatibility/2006" xmlns:mv="urn:schemas-microsoft-com:mac:vml" xmlns:p15="http://schemas.microsoft.com/office/powerpoint/2012/main" xmlns="">
         <p15:guide id="1" orient="horz" pos="110">
           <p15:clr>
             <a:srgbClr val="A4A3A4"/>
@@ -20809,13 +20809,8 @@
             </a:pPr>
             <a:r>
               <a:rPr lang="en-US" sz="1500" dirty="0" smtClean="0"/>
-              <a:t>External tables are the most efficient way to load data into </a:t>
-            </a:r>
-            <a:r>
-              <a:rPr lang="en-US" sz="1500" dirty="0" smtClean="0"/>
-              <a:t>HAWQ</a:t>
-            </a:r>
-            <a:endParaRPr lang="en-US" sz="1500" dirty="0" smtClean="0"/>
+              <a:t>External tables are the most efficient way to load data into HAWQ</a:t>
+            </a:r>
           </a:p>
           <a:p>
             <a:pPr>
@@ -20836,13 +20831,8 @@
             </a:pPr>
             <a:r>
               <a:rPr lang="en-US" sz="1500" dirty="0" smtClean="0"/>
-              <a:t>External tables are a logical view of the file on HDFS</a:t>
-            </a:r>
-            <a:r>
-              <a:rPr lang="en-US" sz="1500" dirty="0" smtClean="0"/>
-              <a:t>.</a:t>
-            </a:r>
-            <a:endParaRPr lang="en-US" sz="1500" dirty="0" smtClean="0"/>
+              <a:t>External tables are a logical view of the file on HDFS.</a:t>
+            </a:r>
           </a:p>
           <a:p>
             <a:pPr>
@@ -20852,13 +20842,8 @@
             </a:pPr>
             <a:r>
               <a:rPr lang="en-US" sz="1500" dirty="0" smtClean="0"/>
-              <a:t>External tables are simple, use SQL and can be used to transform the data in </a:t>
-            </a:r>
-            <a:r>
-              <a:rPr lang="en-US" sz="1500" dirty="0" smtClean="0"/>
-              <a:t>flight</a:t>
-            </a:r>
-            <a:endParaRPr lang="en-US" sz="1500" dirty="0" smtClean="0"/>
+              <a:t>External tables are simple, use SQL and can be used to transform the data in flight</a:t>
+            </a:r>
           </a:p>
         </p:txBody>
       </p:sp>
@@ -33725,91 +33710,30 @@
           <a:chExt cx="0" cy="0"/>
         </a:xfrm>
       </p:grpSpPr>
-      <p:sp>
-        <p:nvSpPr>
-          <p:cNvPr id="377" name="Shape 377"/>
-          <p:cNvSpPr txBox="1">
-            <a:spLocks noGrp="1"/>
-          </p:cNvSpPr>
-          <p:nvPr>
-            <p:ph type="title"/>
-          </p:nvPr>
-        </p:nvSpPr>
-        <p:spPr>
-          <a:xfrm>
-            <a:off x="252412" y="117997"/>
-            <a:ext cx="8410499" cy="460500"/>
-          </a:xfrm>
-          <a:prstGeom prst="rect">
-            <a:avLst/>
-          </a:prstGeom>
-          <a:noFill/>
-          <a:ln>
-            <a:noFill/>
-          </a:ln>
-        </p:spPr>
-        <p:txBody>
-          <a:bodyPr lIns="0" tIns="0" rIns="0" bIns="0" anchor="t" anchorCtr="0">
-            <a:noAutofit/>
-          </a:bodyPr>
-          <a:lstStyle/>
-          <a:p>
-            <a:pPr marL="0" marR="0" lvl="0" indent="0" algn="l" rtl="0">
-              <a:lnSpc>
-                <a:spcPct val="90000"/>
-              </a:lnSpc>
-              <a:spcBef>
-                <a:spcPts val="0"/>
-              </a:spcBef>
-              <a:buClr>
-                <a:srgbClr val="2E7D8D"/>
-              </a:buClr>
-              <a:buSzPct val="25000"/>
-              <a:buFont typeface="Arial"/>
-              <a:buNone/>
-            </a:pPr>
-            <a:r>
-              <a:rPr lang="en-US" sz="2800" dirty="0">
-                <a:solidFill>
-                  <a:srgbClr val="2E7D8D"/>
-                </a:solidFill>
-              </a:rPr>
-              <a:t>Big Data Suite </a:t>
-            </a:r>
-            <a:r>
-              <a:rPr lang="en-US" sz="2800" dirty="0" smtClean="0">
-                <a:solidFill>
-                  <a:srgbClr val="2E7D8D"/>
-                </a:solidFill>
-              </a:rPr>
-              <a:t>2.0</a:t>
-            </a:r>
-            <a:endParaRPr lang="en-US" sz="2800" dirty="0">
-              <a:solidFill>
-                <a:srgbClr val="2E7D8D"/>
-              </a:solidFill>
-            </a:endParaRPr>
-          </a:p>
-        </p:txBody>
-      </p:sp>
       <p:pic>
         <p:nvPicPr>
-          <p:cNvPr id="2" name="Picture 1"/>
+          <p:cNvPr id="4" name="Picture 3" descr="BD_MarketecturePP_White.png"/>
           <p:cNvPicPr>
             <a:picLocks noChangeAspect="1"/>
           </p:cNvPicPr>
           <p:nvPr/>
         </p:nvPicPr>
         <p:blipFill>
-          <a:blip r:embed="rId3"/>
+          <a:blip r:embed="rId3">
+            <a:extLst>
+              <a:ext uri="{28A0092B-C50C-407E-A947-70E740481C1C}">
+                <a14:useLocalDpi xmlns:a14="http://schemas.microsoft.com/office/drawing/2010/main" val="0"/>
+              </a:ext>
+            </a:extLst>
+          </a:blip>
           <a:stretch>
             <a:fillRect/>
           </a:stretch>
         </p:blipFill>
         <p:spPr>
           <a:xfrm>
-            <a:off x="680720" y="744192"/>
-            <a:ext cx="7731760" cy="3434642"/>
+            <a:off x="705882" y="-101600"/>
+            <a:ext cx="7505565" cy="4861559"/>
           </a:xfrm>
           <a:prstGeom prst="rect">
             <a:avLst/>
@@ -34803,11 +34727,7 @@
             </a:r>
             <a:r>
               <a:rPr lang="en-US" sz="1800" b="1" dirty="0"/>
-              <a:t> </a:t>
-            </a:r>
-            <a:r>
-              <a:rPr lang="en-US" sz="1800" b="1" dirty="0"/>
-              <a:t>– </a:t>
+              <a:t> – </a:t>
             </a:r>
             <a:r>
               <a:rPr lang="en-US" sz="1800" dirty="0"/>
@@ -34829,15 +34749,7 @@
           <a:p>
             <a:r>
               <a:rPr lang="en-US" sz="1800" dirty="0" smtClean="0"/>
-              <a:t>Core</a:t>
-            </a:r>
-            <a:r>
-              <a:rPr lang="en-US" sz="1800" dirty="0" smtClean="0"/>
-              <a:t> </a:t>
-            </a:r>
-            <a:r>
-              <a:rPr lang="en-US" sz="1800" dirty="0" smtClean="0"/>
-              <a:t>Hadoop components: </a:t>
+              <a:t>Core Hadoop components: </a:t>
             </a:r>
             <a:r>
               <a:rPr lang="en-US" sz="1800" b="1" dirty="0" smtClean="0"/>
@@ -34857,13 +34769,8 @@
             </a:r>
             <a:r>
               <a:rPr lang="en-US" sz="1800" b="1" dirty="0" smtClean="0"/>
-              <a:t>YARN</a:t>
-            </a:r>
-            <a:r>
-              <a:rPr lang="en-US" sz="1800" b="1" dirty="0" smtClean="0"/>
-              <a:t>.</a:t>
-            </a:r>
-            <a:endParaRPr lang="en-US" sz="1800" b="1" dirty="0" smtClean="0"/>
+              <a:t>YARN.</a:t>
+            </a:r>
           </a:p>
           <a:p>
             <a:r>
@@ -34888,33 +34795,12 @@
           <a:p>
             <a:r>
               <a:rPr lang="en-US" sz="1800" b="1" dirty="0" smtClean="0"/>
-              <a:t>YARN</a:t>
-            </a:r>
-            <a:r>
-              <a:rPr lang="en-US" sz="1800" b="1" dirty="0" smtClean="0"/>
-              <a:t> </a:t>
+              <a:t>YARN </a:t>
             </a:r>
             <a:r>
               <a:rPr lang="en-US" sz="1800" dirty="0" smtClean="0"/>
-              <a:t>is a distributed </a:t>
-            </a:r>
-            <a:r>
-              <a:rPr lang="en-US" sz="1800" dirty="0" smtClean="0"/>
-              <a:t>application</a:t>
-            </a:r>
-            <a:r>
-              <a:rPr lang="en-US" sz="1800" dirty="0" smtClean="0"/>
-              <a:t> </a:t>
-            </a:r>
-            <a:r>
-              <a:rPr lang="en-US" sz="1800" dirty="0" smtClean="0"/>
-              <a:t>framework </a:t>
-            </a:r>
-            <a:r>
-              <a:rPr lang="en-US" sz="1800" dirty="0" smtClean="0"/>
-              <a:t>with job scheduling and resource management components.</a:t>
-            </a:r>
-            <a:endParaRPr lang="en-US" sz="1800" dirty="0" smtClean="0"/>
+              <a:t>is a distributed application framework with job scheduling and resource management components.</a:t>
+            </a:r>
           </a:p>
           <a:p>
             <a:endParaRPr lang="en-US" b="1" dirty="0"/>
@@ -34954,13 +34840,6 @@
               </a:rPr>
               <a:t>*initial ODP charter to standardize these among participants</a:t>
             </a:r>
-            <a:endParaRPr lang="en-US" sz="1200" dirty="0" smtClean="0">
-              <a:solidFill>
-                <a:schemeClr val="tx2"/>
-              </a:solidFill>
-              <a:latin typeface="Arial Black"/>
-              <a:cs typeface="Arial Black"/>
-            </a:endParaRPr>
           </a:p>
         </p:txBody>
       </p:sp>
@@ -35044,18 +34923,7 @@
                 <a:ea typeface="ＭＳ Ｐゴシック" pitchFamily="34" charset="-128"/>
                 <a:cs typeface="Arial" pitchFamily="34" charset="0"/>
               </a:rPr>
-              <a:t>What is </a:t>
-            </a:r>
-            <a:r>
-              <a:rPr lang="en-US" altLang="en-US" dirty="0" smtClean="0">
-                <a:solidFill>
-                  <a:srgbClr val="008881"/>
-                </a:solidFill>
-                <a:latin typeface="Arial" pitchFamily="34" charset="0"/>
-                <a:ea typeface="ＭＳ Ｐゴシック" pitchFamily="34" charset="-128"/>
-                <a:cs typeface="Arial" pitchFamily="34" charset="0"/>
-              </a:rPr>
-              <a:t>the </a:t>
+              <a:t>What is the </a:t>
             </a:r>
             <a:r>
               <a:rPr lang="en-US" altLang="en-US" dirty="0" err="1" smtClean="0">
@@ -35079,14 +34947,6 @@
               </a:rPr>
               <a:t> Ecosystem</a:t>
             </a:r>
-            <a:endParaRPr lang="en-US" altLang="en-US" dirty="0" smtClean="0">
-              <a:solidFill>
-                <a:srgbClr val="008881"/>
-              </a:solidFill>
-              <a:latin typeface="Arial" pitchFamily="34" charset="0"/>
-              <a:ea typeface="ＭＳ Ｐゴシック" pitchFamily="34" charset="-128"/>
-              <a:cs typeface="Arial" pitchFamily="34" charset="0"/>
-            </a:endParaRPr>
           </a:p>
         </p:txBody>
       </p:sp>
@@ -35298,7 +35158,6 @@
               <a:rPr lang="en-US" sz="1200" dirty="0" smtClean="0"/>
               <a:t>Examples</a:t>
             </a:r>
-            <a:endParaRPr lang="en-US" sz="1200" dirty="0" smtClean="0"/>
           </a:p>
           <a:p>
             <a:r>
@@ -35380,7 +35239,6 @@
               <a:rPr lang="en-US" sz="1800" dirty="0" smtClean="0"/>
               <a:t>applications</a:t>
             </a:r>
-            <a:endParaRPr lang="en-US" sz="1800" dirty="0" smtClean="0"/>
           </a:p>
           <a:p>
             <a:endParaRPr lang="en-US" b="1" dirty="0"/>
@@ -38193,15 +38051,7 @@
             </a:r>
             <a:r>
               <a:rPr lang="en-US" sz="1400" dirty="0" smtClean="0"/>
-              <a:t>/</a:t>
-            </a:r>
-            <a:r>
-              <a:rPr lang="en-US" sz="1400" dirty="0" smtClean="0"/>
-              <a:t>Labs</a:t>
-            </a:r>
-            <a:r>
-              <a:rPr lang="en-US" sz="1400" dirty="0" smtClean="0"/>
-              <a:t>/PHDHAWQ/ </a:t>
+              <a:t>/Labs/PHDHAWQ/ </a:t>
             </a:r>
             <a:r>
               <a:rPr lang="en-US" sz="1000" b="1" i="1" dirty="0" smtClean="0"/>
@@ -38294,11 +38144,7 @@
             </a:r>
             <a:r>
               <a:rPr lang="en-US" sz="1400" dirty="0" smtClean="0"/>
-              <a:t> /user/</a:t>
-            </a:r>
-            <a:r>
-              <a:rPr lang="en-US" sz="1400" dirty="0" smtClean="0"/>
-              <a:t>sample</a:t>
+              <a:t> /user/sample</a:t>
             </a:r>
           </a:p>
           <a:p>
@@ -39648,15 +39494,7 @@
             </a:pPr>
             <a:r>
               <a:rPr lang="en-US" sz="1800" dirty="0" smtClean="0"/>
-              <a:t>HDFS is best at handling </a:t>
-            </a:r>
-            <a:r>
-              <a:rPr lang="en-US" sz="1800" dirty="0" smtClean="0"/>
-              <a:t>very </a:t>
-            </a:r>
-            <a:r>
-              <a:rPr lang="en-US" sz="1800" dirty="0" smtClean="0"/>
-              <a:t>big files (1 TB file </a:t>
+              <a:t>HDFS is best at handling very big files (1 TB file </a:t>
             </a:r>
             <a:r>
               <a:rPr lang="en-US" sz="1800" dirty="0" err="1" smtClean="0"/>
@@ -39664,15 +39502,7 @@
             </a:r>
             <a:r>
               <a:rPr lang="en-US" sz="1800" dirty="0" smtClean="0"/>
-              <a:t> </a:t>
-            </a:r>
-            <a:r>
-              <a:rPr lang="en-US" sz="1800" dirty="0" smtClean="0"/>
-              <a:t>1000 1 </a:t>
-            </a:r>
-            <a:r>
-              <a:rPr lang="en-US" sz="1800" dirty="0" smtClean="0"/>
-              <a:t>GB files)</a:t>
+              <a:t> 1000 1 GB files)</a:t>
             </a:r>
           </a:p>
           <a:p>
@@ -39683,15 +39513,7 @@
             </a:pPr>
             <a:r>
               <a:rPr lang="en-US" sz="1800" dirty="0" smtClean="0"/>
-              <a:t>Horizontally</a:t>
-            </a:r>
-            <a:r>
-              <a:rPr lang="en-US" sz="1800" dirty="0" smtClean="0"/>
-              <a:t> </a:t>
-            </a:r>
-            <a:r>
-              <a:rPr lang="en-US" sz="1800" dirty="0" smtClean="0"/>
-              <a:t>scalable…just add </a:t>
+              <a:t>Horizontally scalable…just add </a:t>
             </a:r>
             <a:r>
               <a:rPr lang="en-US" sz="1800" dirty="0" err="1" smtClean="0"/>

--- a/decks/02_phd_hawq_presentation.pptx
+++ b/decks/02_phd_hawq_presentation.pptx
@@ -132,7 +132,7 @@
   </p:defaultTextStyle>
   <p:extLst>
     <p:ext uri="{EFAFB233-063F-42B5-8137-9DF3F51BA10A}">
-      <p15:sldGuideLst xmlns:mc="http://schemas.openxmlformats.org/markup-compatibility/2006" xmlns:mv="urn:schemas-microsoft-com:mac:vml" xmlns:p15="http://schemas.microsoft.com/office/powerpoint/2012/main" xmlns="">
+      <p15:sldGuideLst xmlns="" xmlns:p15="http://schemas.microsoft.com/office/powerpoint/2012/main" xmlns:mv="urn:schemas-microsoft-com:mac:vml" xmlns:mc="http://schemas.openxmlformats.org/markup-compatibility/2006">
         <p15:guide id="1" orient="horz" pos="1716">
           <p15:clr>
             <a:srgbClr val="A4A3A4"/>
@@ -146,7 +146,7 @@
       </p15:sldGuideLst>
     </p:ext>
     <p:ext uri="{2D200454-40CA-4A62-9FC3-DE9A4176ACB9}">
-      <p15:notesGuideLst xmlns:mc="http://schemas.openxmlformats.org/markup-compatibility/2006" xmlns:mv="urn:schemas-microsoft-com:mac:vml" xmlns:p15="http://schemas.microsoft.com/office/powerpoint/2012/main" xmlns="">
+      <p15:notesGuideLst xmlns="" xmlns:p15="http://schemas.microsoft.com/office/powerpoint/2012/main" xmlns:mv="urn:schemas-microsoft-com:mac:vml" xmlns:mc="http://schemas.openxmlformats.org/markup-compatibility/2006">
         <p15:guide id="1" orient="horz" pos="110">
           <p15:clr>
             <a:srgbClr val="A4A3A4"/>
@@ -16262,6 +16262,13 @@
   <p:transition xmlns:p14="http://schemas.microsoft.com/office/powerpoint/2010/main">
     <p:fade/>
   </p:transition>
+  <p:timing>
+    <p:tnLst>
+      <p:par>
+        <p:cTn xmlns:p14="http://schemas.microsoft.com/office/powerpoint/2010/main" id="1" dur="indefinite" restart="never" nodeType="tmRoot"/>
+      </p:par>
+    </p:tnLst>
+  </p:timing>
 </p:sld>
 </file>
 
@@ -16632,218 +16639,7 @@
   <p:timing>
     <p:tnLst>
       <p:par>
-        <p:cTn xmlns:p14="http://schemas.microsoft.com/office/powerpoint/2010/main" id="1" dur="indefinite" restart="never" nodeType="tmRoot">
-          <p:childTnLst>
-            <p:seq concurrent="1" nextAc="seek">
-              <p:cTn id="2" dur="indefinite" nodeType="mainSeq">
-                <p:childTnLst>
-                  <p:par>
-                    <p:cTn id="3" fill="hold">
-                      <p:stCondLst>
-                        <p:cond delay="indefinite"/>
-                      </p:stCondLst>
-                      <p:childTnLst>
-                        <p:par>
-                          <p:cTn id="4" fill="hold">
-                            <p:stCondLst>
-                              <p:cond delay="0"/>
-                            </p:stCondLst>
-                            <p:childTnLst>
-                              <p:par>
-                                <p:cTn id="5" presetID="2" presetClass="entr" presetSubtype="4" fill="hold" nodeType="clickEffect">
-                                  <p:stCondLst>
-                                    <p:cond delay="0"/>
-                                  </p:stCondLst>
-                                  <p:childTnLst>
-                                    <p:set>
-                                      <p:cBhvr>
-                                        <p:cTn id="6" dur="1" fill="hold">
-                                          <p:stCondLst>
-                                            <p:cond delay="0"/>
-                                          </p:stCondLst>
-                                        </p:cTn>
-                                        <p:tgtEl>
-                                          <p:spTgt spid="15">
-                                            <p:txEl>
-                                              <p:pRg st="5" end="5"/>
-                                            </p:txEl>
-                                          </p:spTgt>
-                                        </p:tgtEl>
-                                        <p:attrNameLst>
-                                          <p:attrName>style.visibility</p:attrName>
-                                        </p:attrNameLst>
-                                      </p:cBhvr>
-                                      <p:to>
-                                        <p:strVal val="visible"/>
-                                      </p:to>
-                                    </p:set>
-                                    <p:anim calcmode="lin" valueType="num">
-                                      <p:cBhvr additive="base">
-                                        <p:cTn id="7" dur="500" fill="hold"/>
-                                        <p:tgtEl>
-                                          <p:spTgt spid="15">
-                                            <p:txEl>
-                                              <p:pRg st="5" end="5"/>
-                                            </p:txEl>
-                                          </p:spTgt>
-                                        </p:tgtEl>
-                                        <p:attrNameLst>
-                                          <p:attrName>ppt_x</p:attrName>
-                                        </p:attrNameLst>
-                                      </p:cBhvr>
-                                      <p:tavLst>
-                                        <p:tav tm="0">
-                                          <p:val>
-                                            <p:strVal val="#ppt_x"/>
-                                          </p:val>
-                                        </p:tav>
-                                        <p:tav tm="100000">
-                                          <p:val>
-                                            <p:strVal val="#ppt_x"/>
-                                          </p:val>
-                                        </p:tav>
-                                      </p:tavLst>
-                                    </p:anim>
-                                    <p:anim calcmode="lin" valueType="num">
-                                      <p:cBhvr additive="base">
-                                        <p:cTn id="8" dur="500" fill="hold"/>
-                                        <p:tgtEl>
-                                          <p:spTgt spid="15">
-                                            <p:txEl>
-                                              <p:pRg st="5" end="5"/>
-                                            </p:txEl>
-                                          </p:spTgt>
-                                        </p:tgtEl>
-                                        <p:attrNameLst>
-                                          <p:attrName>ppt_y</p:attrName>
-                                        </p:attrNameLst>
-                                      </p:cBhvr>
-                                      <p:tavLst>
-                                        <p:tav tm="0">
-                                          <p:val>
-                                            <p:strVal val="1+#ppt_h/2"/>
-                                          </p:val>
-                                        </p:tav>
-                                        <p:tav tm="100000">
-                                          <p:val>
-                                            <p:strVal val="#ppt_y"/>
-                                          </p:val>
-                                        </p:tav>
-                                      </p:tavLst>
-                                    </p:anim>
-                                  </p:childTnLst>
-                                </p:cTn>
-                              </p:par>
-                              <p:par>
-                                <p:cTn id="9" presetID="2" presetClass="entr" presetSubtype="4" fill="hold" nodeType="withEffect">
-                                  <p:stCondLst>
-                                    <p:cond delay="0"/>
-                                  </p:stCondLst>
-                                  <p:childTnLst>
-                                    <p:set>
-                                      <p:cBhvr>
-                                        <p:cTn id="10" dur="1" fill="hold">
-                                          <p:stCondLst>
-                                            <p:cond delay="0"/>
-                                          </p:stCondLst>
-                                        </p:cTn>
-                                        <p:tgtEl>
-                                          <p:spTgt spid="15">
-                                            <p:txEl>
-                                              <p:pRg st="6" end="6"/>
-                                            </p:txEl>
-                                          </p:spTgt>
-                                        </p:tgtEl>
-                                        <p:attrNameLst>
-                                          <p:attrName>style.visibility</p:attrName>
-                                        </p:attrNameLst>
-                                      </p:cBhvr>
-                                      <p:to>
-                                        <p:strVal val="visible"/>
-                                      </p:to>
-                                    </p:set>
-                                    <p:anim calcmode="lin" valueType="num">
-                                      <p:cBhvr additive="base">
-                                        <p:cTn id="11" dur="500" fill="hold"/>
-                                        <p:tgtEl>
-                                          <p:spTgt spid="15">
-                                            <p:txEl>
-                                              <p:pRg st="6" end="6"/>
-                                            </p:txEl>
-                                          </p:spTgt>
-                                        </p:tgtEl>
-                                        <p:attrNameLst>
-                                          <p:attrName>ppt_x</p:attrName>
-                                        </p:attrNameLst>
-                                      </p:cBhvr>
-                                      <p:tavLst>
-                                        <p:tav tm="0">
-                                          <p:val>
-                                            <p:strVal val="#ppt_x"/>
-                                          </p:val>
-                                        </p:tav>
-                                        <p:tav tm="100000">
-                                          <p:val>
-                                            <p:strVal val="#ppt_x"/>
-                                          </p:val>
-                                        </p:tav>
-                                      </p:tavLst>
-                                    </p:anim>
-                                    <p:anim calcmode="lin" valueType="num">
-                                      <p:cBhvr additive="base">
-                                        <p:cTn id="12" dur="500" fill="hold"/>
-                                        <p:tgtEl>
-                                          <p:spTgt spid="15">
-                                            <p:txEl>
-                                              <p:pRg st="6" end="6"/>
-                                            </p:txEl>
-                                          </p:spTgt>
-                                        </p:tgtEl>
-                                        <p:attrNameLst>
-                                          <p:attrName>ppt_y</p:attrName>
-                                        </p:attrNameLst>
-                                      </p:cBhvr>
-                                      <p:tavLst>
-                                        <p:tav tm="0">
-                                          <p:val>
-                                            <p:strVal val="1+#ppt_h/2"/>
-                                          </p:val>
-                                        </p:tav>
-                                        <p:tav tm="100000">
-                                          <p:val>
-                                            <p:strVal val="#ppt_y"/>
-                                          </p:val>
-                                        </p:tav>
-                                      </p:tavLst>
-                                    </p:anim>
-                                  </p:childTnLst>
-                                </p:cTn>
-                              </p:par>
-                            </p:childTnLst>
-                          </p:cTn>
-                        </p:par>
-                      </p:childTnLst>
-                    </p:cTn>
-                  </p:par>
-                </p:childTnLst>
-              </p:cTn>
-              <p:prevCondLst>
-                <p:cond evt="onPrev" delay="0">
-                  <p:tgtEl>
-                    <p:sldTgt/>
-                  </p:tgtEl>
-                </p:cond>
-              </p:prevCondLst>
-              <p:nextCondLst>
-                <p:cond evt="onNext" delay="0">
-                  <p:tgtEl>
-                    <p:sldTgt/>
-                  </p:tgtEl>
-                </p:cond>
-              </p:nextCondLst>
-            </p:seq>
-          </p:childTnLst>
-        </p:cTn>
+        <p:cTn xmlns:p14="http://schemas.microsoft.com/office/powerpoint/2010/main" id="1" dur="indefinite" restart="never" nodeType="tmRoot"/>
       </p:par>
     </p:tnLst>
   </p:timing>
@@ -19798,770 +19594,7 @@
   <p:timing>
     <p:tnLst>
       <p:par>
-        <p:cTn xmlns:p14="http://schemas.microsoft.com/office/powerpoint/2010/main" id="1" dur="indefinite" restart="never" nodeType="tmRoot">
-          <p:childTnLst>
-            <p:seq concurrent="1" nextAc="seek">
-              <p:cTn id="2" dur="indefinite" nodeType="mainSeq">
-                <p:childTnLst>
-                  <p:par>
-                    <p:cTn id="3" fill="hold">
-                      <p:stCondLst>
-                        <p:cond delay="indefinite"/>
-                      </p:stCondLst>
-                      <p:childTnLst>
-                        <p:par>
-                          <p:cTn id="4" fill="hold">
-                            <p:stCondLst>
-                              <p:cond delay="0"/>
-                            </p:stCondLst>
-                            <p:childTnLst>
-                              <p:par>
-                                <p:cTn id="5" presetID="2" presetClass="entr" presetSubtype="4" fill="hold" nodeType="clickEffect">
-                                  <p:stCondLst>
-                                    <p:cond delay="0"/>
-                                  </p:stCondLst>
-                                  <p:childTnLst>
-                                    <p:set>
-                                      <p:cBhvr>
-                                        <p:cTn id="6" dur="1" fill="hold">
-                                          <p:stCondLst>
-                                            <p:cond delay="0"/>
-                                          </p:stCondLst>
-                                        </p:cTn>
-                                        <p:tgtEl>
-                                          <p:spTgt spid="15">
-                                            <p:txEl>
-                                              <p:pRg st="0" end="0"/>
-                                            </p:txEl>
-                                          </p:spTgt>
-                                        </p:tgtEl>
-                                        <p:attrNameLst>
-                                          <p:attrName>style.visibility</p:attrName>
-                                        </p:attrNameLst>
-                                      </p:cBhvr>
-                                      <p:to>
-                                        <p:strVal val="visible"/>
-                                      </p:to>
-                                    </p:set>
-                                    <p:anim calcmode="lin" valueType="num">
-                                      <p:cBhvr additive="base">
-                                        <p:cTn id="7" dur="500" fill="hold"/>
-                                        <p:tgtEl>
-                                          <p:spTgt spid="15">
-                                            <p:txEl>
-                                              <p:pRg st="0" end="0"/>
-                                            </p:txEl>
-                                          </p:spTgt>
-                                        </p:tgtEl>
-                                        <p:attrNameLst>
-                                          <p:attrName>ppt_x</p:attrName>
-                                        </p:attrNameLst>
-                                      </p:cBhvr>
-                                      <p:tavLst>
-                                        <p:tav tm="0">
-                                          <p:val>
-                                            <p:strVal val="#ppt_x"/>
-                                          </p:val>
-                                        </p:tav>
-                                        <p:tav tm="100000">
-                                          <p:val>
-                                            <p:strVal val="#ppt_x"/>
-                                          </p:val>
-                                        </p:tav>
-                                      </p:tavLst>
-                                    </p:anim>
-                                    <p:anim calcmode="lin" valueType="num">
-                                      <p:cBhvr additive="base">
-                                        <p:cTn id="8" dur="500" fill="hold"/>
-                                        <p:tgtEl>
-                                          <p:spTgt spid="15">
-                                            <p:txEl>
-                                              <p:pRg st="0" end="0"/>
-                                            </p:txEl>
-                                          </p:spTgt>
-                                        </p:tgtEl>
-                                        <p:attrNameLst>
-                                          <p:attrName>ppt_y</p:attrName>
-                                        </p:attrNameLst>
-                                      </p:cBhvr>
-                                      <p:tavLst>
-                                        <p:tav tm="0">
-                                          <p:val>
-                                            <p:strVal val="1+#ppt_h/2"/>
-                                          </p:val>
-                                        </p:tav>
-                                        <p:tav tm="100000">
-                                          <p:val>
-                                            <p:strVal val="#ppt_y"/>
-                                          </p:val>
-                                        </p:tav>
-                                      </p:tavLst>
-                                    </p:anim>
-                                  </p:childTnLst>
-                                </p:cTn>
-                              </p:par>
-                            </p:childTnLst>
-                          </p:cTn>
-                        </p:par>
-                      </p:childTnLst>
-                    </p:cTn>
-                  </p:par>
-                  <p:par>
-                    <p:cTn id="9" fill="hold">
-                      <p:stCondLst>
-                        <p:cond delay="indefinite"/>
-                      </p:stCondLst>
-                      <p:childTnLst>
-                        <p:par>
-                          <p:cTn id="10" fill="hold">
-                            <p:stCondLst>
-                              <p:cond delay="0"/>
-                            </p:stCondLst>
-                            <p:childTnLst>
-                              <p:par>
-                                <p:cTn id="11" presetID="2" presetClass="entr" presetSubtype="4" fill="hold" nodeType="clickEffect">
-                                  <p:stCondLst>
-                                    <p:cond delay="0"/>
-                                  </p:stCondLst>
-                                  <p:childTnLst>
-                                    <p:set>
-                                      <p:cBhvr>
-                                        <p:cTn id="12" dur="1" fill="hold">
-                                          <p:stCondLst>
-                                            <p:cond delay="0"/>
-                                          </p:stCondLst>
-                                        </p:cTn>
-                                        <p:tgtEl>
-                                          <p:spTgt spid="15">
-                                            <p:txEl>
-                                              <p:pRg st="1" end="1"/>
-                                            </p:txEl>
-                                          </p:spTgt>
-                                        </p:tgtEl>
-                                        <p:attrNameLst>
-                                          <p:attrName>style.visibility</p:attrName>
-                                        </p:attrNameLst>
-                                      </p:cBhvr>
-                                      <p:to>
-                                        <p:strVal val="visible"/>
-                                      </p:to>
-                                    </p:set>
-                                    <p:anim calcmode="lin" valueType="num">
-                                      <p:cBhvr additive="base">
-                                        <p:cTn id="13" dur="500" fill="hold"/>
-                                        <p:tgtEl>
-                                          <p:spTgt spid="15">
-                                            <p:txEl>
-                                              <p:pRg st="1" end="1"/>
-                                            </p:txEl>
-                                          </p:spTgt>
-                                        </p:tgtEl>
-                                        <p:attrNameLst>
-                                          <p:attrName>ppt_x</p:attrName>
-                                        </p:attrNameLst>
-                                      </p:cBhvr>
-                                      <p:tavLst>
-                                        <p:tav tm="0">
-                                          <p:val>
-                                            <p:strVal val="#ppt_x"/>
-                                          </p:val>
-                                        </p:tav>
-                                        <p:tav tm="100000">
-                                          <p:val>
-                                            <p:strVal val="#ppt_x"/>
-                                          </p:val>
-                                        </p:tav>
-                                      </p:tavLst>
-                                    </p:anim>
-                                    <p:anim calcmode="lin" valueType="num">
-                                      <p:cBhvr additive="base">
-                                        <p:cTn id="14" dur="500" fill="hold"/>
-                                        <p:tgtEl>
-                                          <p:spTgt spid="15">
-                                            <p:txEl>
-                                              <p:pRg st="1" end="1"/>
-                                            </p:txEl>
-                                          </p:spTgt>
-                                        </p:tgtEl>
-                                        <p:attrNameLst>
-                                          <p:attrName>ppt_y</p:attrName>
-                                        </p:attrNameLst>
-                                      </p:cBhvr>
-                                      <p:tavLst>
-                                        <p:tav tm="0">
-                                          <p:val>
-                                            <p:strVal val="1+#ppt_h/2"/>
-                                          </p:val>
-                                        </p:tav>
-                                        <p:tav tm="100000">
-                                          <p:val>
-                                            <p:strVal val="#ppt_y"/>
-                                          </p:val>
-                                        </p:tav>
-                                      </p:tavLst>
-                                    </p:anim>
-                                  </p:childTnLst>
-                                </p:cTn>
-                              </p:par>
-                            </p:childTnLst>
-                          </p:cTn>
-                        </p:par>
-                      </p:childTnLst>
-                    </p:cTn>
-                  </p:par>
-                  <p:par>
-                    <p:cTn id="15" fill="hold">
-                      <p:stCondLst>
-                        <p:cond delay="indefinite"/>
-                      </p:stCondLst>
-                      <p:childTnLst>
-                        <p:par>
-                          <p:cTn id="16" fill="hold">
-                            <p:stCondLst>
-                              <p:cond delay="0"/>
-                            </p:stCondLst>
-                            <p:childTnLst>
-                              <p:par>
-                                <p:cTn id="17" presetID="2" presetClass="entr" presetSubtype="4" fill="hold" nodeType="clickEffect">
-                                  <p:stCondLst>
-                                    <p:cond delay="0"/>
-                                  </p:stCondLst>
-                                  <p:childTnLst>
-                                    <p:set>
-                                      <p:cBhvr>
-                                        <p:cTn id="18" dur="1" fill="hold">
-                                          <p:stCondLst>
-                                            <p:cond delay="0"/>
-                                          </p:stCondLst>
-                                        </p:cTn>
-                                        <p:tgtEl>
-                                          <p:spTgt spid="15">
-                                            <p:txEl>
-                                              <p:pRg st="2" end="2"/>
-                                            </p:txEl>
-                                          </p:spTgt>
-                                        </p:tgtEl>
-                                        <p:attrNameLst>
-                                          <p:attrName>style.visibility</p:attrName>
-                                        </p:attrNameLst>
-                                      </p:cBhvr>
-                                      <p:to>
-                                        <p:strVal val="visible"/>
-                                      </p:to>
-                                    </p:set>
-                                    <p:anim calcmode="lin" valueType="num">
-                                      <p:cBhvr additive="base">
-                                        <p:cTn id="19" dur="500" fill="hold"/>
-                                        <p:tgtEl>
-                                          <p:spTgt spid="15">
-                                            <p:txEl>
-                                              <p:pRg st="2" end="2"/>
-                                            </p:txEl>
-                                          </p:spTgt>
-                                        </p:tgtEl>
-                                        <p:attrNameLst>
-                                          <p:attrName>ppt_x</p:attrName>
-                                        </p:attrNameLst>
-                                      </p:cBhvr>
-                                      <p:tavLst>
-                                        <p:tav tm="0">
-                                          <p:val>
-                                            <p:strVal val="#ppt_x"/>
-                                          </p:val>
-                                        </p:tav>
-                                        <p:tav tm="100000">
-                                          <p:val>
-                                            <p:strVal val="#ppt_x"/>
-                                          </p:val>
-                                        </p:tav>
-                                      </p:tavLst>
-                                    </p:anim>
-                                    <p:anim calcmode="lin" valueType="num">
-                                      <p:cBhvr additive="base">
-                                        <p:cTn id="20" dur="500" fill="hold"/>
-                                        <p:tgtEl>
-                                          <p:spTgt spid="15">
-                                            <p:txEl>
-                                              <p:pRg st="2" end="2"/>
-                                            </p:txEl>
-                                          </p:spTgt>
-                                        </p:tgtEl>
-                                        <p:attrNameLst>
-                                          <p:attrName>ppt_y</p:attrName>
-                                        </p:attrNameLst>
-                                      </p:cBhvr>
-                                      <p:tavLst>
-                                        <p:tav tm="0">
-                                          <p:val>
-                                            <p:strVal val="1+#ppt_h/2"/>
-                                          </p:val>
-                                        </p:tav>
-                                        <p:tav tm="100000">
-                                          <p:val>
-                                            <p:strVal val="#ppt_y"/>
-                                          </p:val>
-                                        </p:tav>
-                                      </p:tavLst>
-                                    </p:anim>
-                                  </p:childTnLst>
-                                </p:cTn>
-                              </p:par>
-                              <p:par>
-                                <p:cTn id="21" presetID="2" presetClass="entr" presetSubtype="4" fill="hold" nodeType="withEffect">
-                                  <p:stCondLst>
-                                    <p:cond delay="0"/>
-                                  </p:stCondLst>
-                                  <p:childTnLst>
-                                    <p:set>
-                                      <p:cBhvr>
-                                        <p:cTn id="22" dur="1" fill="hold">
-                                          <p:stCondLst>
-                                            <p:cond delay="0"/>
-                                          </p:stCondLst>
-                                        </p:cTn>
-                                        <p:tgtEl>
-                                          <p:spTgt spid="2"/>
-                                        </p:tgtEl>
-                                        <p:attrNameLst>
-                                          <p:attrName>style.visibility</p:attrName>
-                                        </p:attrNameLst>
-                                      </p:cBhvr>
-                                      <p:to>
-                                        <p:strVal val="visible"/>
-                                      </p:to>
-                                    </p:set>
-                                    <p:anim calcmode="lin" valueType="num">
-                                      <p:cBhvr additive="base">
-                                        <p:cTn id="23" dur="500" fill="hold"/>
-                                        <p:tgtEl>
-                                          <p:spTgt spid="2"/>
-                                        </p:tgtEl>
-                                        <p:attrNameLst>
-                                          <p:attrName>ppt_x</p:attrName>
-                                        </p:attrNameLst>
-                                      </p:cBhvr>
-                                      <p:tavLst>
-                                        <p:tav tm="0">
-                                          <p:val>
-                                            <p:strVal val="#ppt_x"/>
-                                          </p:val>
-                                        </p:tav>
-                                        <p:tav tm="100000">
-                                          <p:val>
-                                            <p:strVal val="#ppt_x"/>
-                                          </p:val>
-                                        </p:tav>
-                                      </p:tavLst>
-                                    </p:anim>
-                                    <p:anim calcmode="lin" valueType="num">
-                                      <p:cBhvr additive="base">
-                                        <p:cTn id="24" dur="500" fill="hold"/>
-                                        <p:tgtEl>
-                                          <p:spTgt spid="2"/>
-                                        </p:tgtEl>
-                                        <p:attrNameLst>
-                                          <p:attrName>ppt_y</p:attrName>
-                                        </p:attrNameLst>
-                                      </p:cBhvr>
-                                      <p:tavLst>
-                                        <p:tav tm="0">
-                                          <p:val>
-                                            <p:strVal val="1+#ppt_h/2"/>
-                                          </p:val>
-                                        </p:tav>
-                                        <p:tav tm="100000">
-                                          <p:val>
-                                            <p:strVal val="#ppt_y"/>
-                                          </p:val>
-                                        </p:tav>
-                                      </p:tavLst>
-                                    </p:anim>
-                                  </p:childTnLst>
-                                </p:cTn>
-                              </p:par>
-                            </p:childTnLst>
-                          </p:cTn>
-                        </p:par>
-                      </p:childTnLst>
-                    </p:cTn>
-                  </p:par>
-                  <p:par>
-                    <p:cTn id="25" fill="hold">
-                      <p:stCondLst>
-                        <p:cond delay="indefinite"/>
-                      </p:stCondLst>
-                      <p:childTnLst>
-                        <p:par>
-                          <p:cTn id="26" fill="hold">
-                            <p:stCondLst>
-                              <p:cond delay="0"/>
-                            </p:stCondLst>
-                            <p:childTnLst>
-                              <p:par>
-                                <p:cTn id="27" presetID="2" presetClass="entr" presetSubtype="4" fill="hold" nodeType="clickEffect">
-                                  <p:stCondLst>
-                                    <p:cond delay="0"/>
-                                  </p:stCondLst>
-                                  <p:childTnLst>
-                                    <p:set>
-                                      <p:cBhvr>
-                                        <p:cTn id="28" dur="1" fill="hold">
-                                          <p:stCondLst>
-                                            <p:cond delay="0"/>
-                                          </p:stCondLst>
-                                        </p:cTn>
-                                        <p:tgtEl>
-                                          <p:spTgt spid="15">
-                                            <p:txEl>
-                                              <p:pRg st="3" end="3"/>
-                                            </p:txEl>
-                                          </p:spTgt>
-                                        </p:tgtEl>
-                                        <p:attrNameLst>
-                                          <p:attrName>style.visibility</p:attrName>
-                                        </p:attrNameLst>
-                                      </p:cBhvr>
-                                      <p:to>
-                                        <p:strVal val="visible"/>
-                                      </p:to>
-                                    </p:set>
-                                    <p:anim calcmode="lin" valueType="num">
-                                      <p:cBhvr additive="base">
-                                        <p:cTn id="29" dur="500" fill="hold"/>
-                                        <p:tgtEl>
-                                          <p:spTgt spid="15">
-                                            <p:txEl>
-                                              <p:pRg st="3" end="3"/>
-                                            </p:txEl>
-                                          </p:spTgt>
-                                        </p:tgtEl>
-                                        <p:attrNameLst>
-                                          <p:attrName>ppt_x</p:attrName>
-                                        </p:attrNameLst>
-                                      </p:cBhvr>
-                                      <p:tavLst>
-                                        <p:tav tm="0">
-                                          <p:val>
-                                            <p:strVal val="#ppt_x"/>
-                                          </p:val>
-                                        </p:tav>
-                                        <p:tav tm="100000">
-                                          <p:val>
-                                            <p:strVal val="#ppt_x"/>
-                                          </p:val>
-                                        </p:tav>
-                                      </p:tavLst>
-                                    </p:anim>
-                                    <p:anim calcmode="lin" valueType="num">
-                                      <p:cBhvr additive="base">
-                                        <p:cTn id="30" dur="500" fill="hold"/>
-                                        <p:tgtEl>
-                                          <p:spTgt spid="15">
-                                            <p:txEl>
-                                              <p:pRg st="3" end="3"/>
-                                            </p:txEl>
-                                          </p:spTgt>
-                                        </p:tgtEl>
-                                        <p:attrNameLst>
-                                          <p:attrName>ppt_y</p:attrName>
-                                        </p:attrNameLst>
-                                      </p:cBhvr>
-                                      <p:tavLst>
-                                        <p:tav tm="0">
-                                          <p:val>
-                                            <p:strVal val="1+#ppt_h/2"/>
-                                          </p:val>
-                                        </p:tav>
-                                        <p:tav tm="100000">
-                                          <p:val>
-                                            <p:strVal val="#ppt_y"/>
-                                          </p:val>
-                                        </p:tav>
-                                      </p:tavLst>
-                                    </p:anim>
-                                  </p:childTnLst>
-                                </p:cTn>
-                              </p:par>
-                              <p:par>
-                                <p:cTn id="31" presetID="2" presetClass="entr" presetSubtype="4" fill="hold" nodeType="withEffect">
-                                  <p:stCondLst>
-                                    <p:cond delay="0"/>
-                                  </p:stCondLst>
-                                  <p:childTnLst>
-                                    <p:set>
-                                      <p:cBhvr>
-                                        <p:cTn id="32" dur="1" fill="hold">
-                                          <p:stCondLst>
-                                            <p:cond delay="0"/>
-                                          </p:stCondLst>
-                                        </p:cTn>
-                                        <p:tgtEl>
-                                          <p:spTgt spid="15">
-                                            <p:txEl>
-                                              <p:pRg st="4" end="4"/>
-                                            </p:txEl>
-                                          </p:spTgt>
-                                        </p:tgtEl>
-                                        <p:attrNameLst>
-                                          <p:attrName>style.visibility</p:attrName>
-                                        </p:attrNameLst>
-                                      </p:cBhvr>
-                                      <p:to>
-                                        <p:strVal val="visible"/>
-                                      </p:to>
-                                    </p:set>
-                                    <p:anim calcmode="lin" valueType="num">
-                                      <p:cBhvr additive="base">
-                                        <p:cTn id="33" dur="500" fill="hold"/>
-                                        <p:tgtEl>
-                                          <p:spTgt spid="15">
-                                            <p:txEl>
-                                              <p:pRg st="4" end="4"/>
-                                            </p:txEl>
-                                          </p:spTgt>
-                                        </p:tgtEl>
-                                        <p:attrNameLst>
-                                          <p:attrName>ppt_x</p:attrName>
-                                        </p:attrNameLst>
-                                      </p:cBhvr>
-                                      <p:tavLst>
-                                        <p:tav tm="0">
-                                          <p:val>
-                                            <p:strVal val="#ppt_x"/>
-                                          </p:val>
-                                        </p:tav>
-                                        <p:tav tm="100000">
-                                          <p:val>
-                                            <p:strVal val="#ppt_x"/>
-                                          </p:val>
-                                        </p:tav>
-                                      </p:tavLst>
-                                    </p:anim>
-                                    <p:anim calcmode="lin" valueType="num">
-                                      <p:cBhvr additive="base">
-                                        <p:cTn id="34" dur="500" fill="hold"/>
-                                        <p:tgtEl>
-                                          <p:spTgt spid="15">
-                                            <p:txEl>
-                                              <p:pRg st="4" end="4"/>
-                                            </p:txEl>
-                                          </p:spTgt>
-                                        </p:tgtEl>
-                                        <p:attrNameLst>
-                                          <p:attrName>ppt_y</p:attrName>
-                                        </p:attrNameLst>
-                                      </p:cBhvr>
-                                      <p:tavLst>
-                                        <p:tav tm="0">
-                                          <p:val>
-                                            <p:strVal val="1+#ppt_h/2"/>
-                                          </p:val>
-                                        </p:tav>
-                                        <p:tav tm="100000">
-                                          <p:val>
-                                            <p:strVal val="#ppt_y"/>
-                                          </p:val>
-                                        </p:tav>
-                                      </p:tavLst>
-                                    </p:anim>
-                                  </p:childTnLst>
-                                </p:cTn>
-                              </p:par>
-                              <p:par>
-                                <p:cTn id="35" presetID="2" presetClass="entr" presetSubtype="4" fill="hold" nodeType="withEffect">
-                                  <p:stCondLst>
-                                    <p:cond delay="0"/>
-                                  </p:stCondLst>
-                                  <p:childTnLst>
-                                    <p:set>
-                                      <p:cBhvr>
-                                        <p:cTn id="36" dur="1" fill="hold">
-                                          <p:stCondLst>
-                                            <p:cond delay="0"/>
-                                          </p:stCondLst>
-                                        </p:cTn>
-                                        <p:tgtEl>
-                                          <p:spTgt spid="15">
-                                            <p:txEl>
-                                              <p:pRg st="5" end="5"/>
-                                            </p:txEl>
-                                          </p:spTgt>
-                                        </p:tgtEl>
-                                        <p:attrNameLst>
-                                          <p:attrName>style.visibility</p:attrName>
-                                        </p:attrNameLst>
-                                      </p:cBhvr>
-                                      <p:to>
-                                        <p:strVal val="visible"/>
-                                      </p:to>
-                                    </p:set>
-                                    <p:anim calcmode="lin" valueType="num">
-                                      <p:cBhvr additive="base">
-                                        <p:cTn id="37" dur="500" fill="hold"/>
-                                        <p:tgtEl>
-                                          <p:spTgt spid="15">
-                                            <p:txEl>
-                                              <p:pRg st="5" end="5"/>
-                                            </p:txEl>
-                                          </p:spTgt>
-                                        </p:tgtEl>
-                                        <p:attrNameLst>
-                                          <p:attrName>ppt_x</p:attrName>
-                                        </p:attrNameLst>
-                                      </p:cBhvr>
-                                      <p:tavLst>
-                                        <p:tav tm="0">
-                                          <p:val>
-                                            <p:strVal val="#ppt_x"/>
-                                          </p:val>
-                                        </p:tav>
-                                        <p:tav tm="100000">
-                                          <p:val>
-                                            <p:strVal val="#ppt_x"/>
-                                          </p:val>
-                                        </p:tav>
-                                      </p:tavLst>
-                                    </p:anim>
-                                    <p:anim calcmode="lin" valueType="num">
-                                      <p:cBhvr additive="base">
-                                        <p:cTn id="38" dur="500" fill="hold"/>
-                                        <p:tgtEl>
-                                          <p:spTgt spid="15">
-                                            <p:txEl>
-                                              <p:pRg st="5" end="5"/>
-                                            </p:txEl>
-                                          </p:spTgt>
-                                        </p:tgtEl>
-                                        <p:attrNameLst>
-                                          <p:attrName>ppt_y</p:attrName>
-                                        </p:attrNameLst>
-                                      </p:cBhvr>
-                                      <p:tavLst>
-                                        <p:tav tm="0">
-                                          <p:val>
-                                            <p:strVal val="1+#ppt_h/2"/>
-                                          </p:val>
-                                        </p:tav>
-                                        <p:tav tm="100000">
-                                          <p:val>
-                                            <p:strVal val="#ppt_y"/>
-                                          </p:val>
-                                        </p:tav>
-                                      </p:tavLst>
-                                    </p:anim>
-                                  </p:childTnLst>
-                                </p:cTn>
-                              </p:par>
-                              <p:par>
-                                <p:cTn id="39" presetID="2" presetClass="entr" presetSubtype="4" fill="hold" nodeType="withEffect">
-                                  <p:stCondLst>
-                                    <p:cond delay="0"/>
-                                  </p:stCondLst>
-                                  <p:childTnLst>
-                                    <p:set>
-                                      <p:cBhvr>
-                                        <p:cTn id="40" dur="1" fill="hold">
-                                          <p:stCondLst>
-                                            <p:cond delay="0"/>
-                                          </p:stCondLst>
-                                        </p:cTn>
-                                        <p:tgtEl>
-                                          <p:spTgt spid="15">
-                                            <p:txEl>
-                                              <p:pRg st="6" end="6"/>
-                                            </p:txEl>
-                                          </p:spTgt>
-                                        </p:tgtEl>
-                                        <p:attrNameLst>
-                                          <p:attrName>style.visibility</p:attrName>
-                                        </p:attrNameLst>
-                                      </p:cBhvr>
-                                      <p:to>
-                                        <p:strVal val="visible"/>
-                                      </p:to>
-                                    </p:set>
-                                    <p:anim calcmode="lin" valueType="num">
-                                      <p:cBhvr additive="base">
-                                        <p:cTn id="41" dur="500" fill="hold"/>
-                                        <p:tgtEl>
-                                          <p:spTgt spid="15">
-                                            <p:txEl>
-                                              <p:pRg st="6" end="6"/>
-                                            </p:txEl>
-                                          </p:spTgt>
-                                        </p:tgtEl>
-                                        <p:attrNameLst>
-                                          <p:attrName>ppt_x</p:attrName>
-                                        </p:attrNameLst>
-                                      </p:cBhvr>
-                                      <p:tavLst>
-                                        <p:tav tm="0">
-                                          <p:val>
-                                            <p:strVal val="#ppt_x"/>
-                                          </p:val>
-                                        </p:tav>
-                                        <p:tav tm="100000">
-                                          <p:val>
-                                            <p:strVal val="#ppt_x"/>
-                                          </p:val>
-                                        </p:tav>
-                                      </p:tavLst>
-                                    </p:anim>
-                                    <p:anim calcmode="lin" valueType="num">
-                                      <p:cBhvr additive="base">
-                                        <p:cTn id="42" dur="500" fill="hold"/>
-                                        <p:tgtEl>
-                                          <p:spTgt spid="15">
-                                            <p:txEl>
-                                              <p:pRg st="6" end="6"/>
-                                            </p:txEl>
-                                          </p:spTgt>
-                                        </p:tgtEl>
-                                        <p:attrNameLst>
-                                          <p:attrName>ppt_y</p:attrName>
-                                        </p:attrNameLst>
-                                      </p:cBhvr>
-                                      <p:tavLst>
-                                        <p:tav tm="0">
-                                          <p:val>
-                                            <p:strVal val="1+#ppt_h/2"/>
-                                          </p:val>
-                                        </p:tav>
-                                        <p:tav tm="100000">
-                                          <p:val>
-                                            <p:strVal val="#ppt_y"/>
-                                          </p:val>
-                                        </p:tav>
-                                      </p:tavLst>
-                                    </p:anim>
-                                  </p:childTnLst>
-                                </p:cTn>
-                              </p:par>
-                            </p:childTnLst>
-                          </p:cTn>
-                        </p:par>
-                      </p:childTnLst>
-                    </p:cTn>
-                  </p:par>
-                </p:childTnLst>
-              </p:cTn>
-              <p:prevCondLst>
-                <p:cond evt="onPrev" delay="0">
-                  <p:tgtEl>
-                    <p:sldTgt/>
-                  </p:tgtEl>
-                </p:cond>
-              </p:prevCondLst>
-              <p:nextCondLst>
-                <p:cond evt="onNext" delay="0">
-                  <p:tgtEl>
-                    <p:sldTgt/>
-                  </p:tgtEl>
-                </p:cond>
-              </p:nextCondLst>
-            </p:seq>
-          </p:childTnLst>
-        </p:cTn>
+        <p:cTn xmlns:p14="http://schemas.microsoft.com/office/powerpoint/2010/main" id="1" dur="indefinite" restart="never" nodeType="tmRoot"/>
       </p:par>
     </p:tnLst>
   </p:timing>
@@ -28739,6 +27772,9 @@
                     <p:cTn id="3" fill="hold">
                       <p:stCondLst>
                         <p:cond delay="indefinite"/>
+                        <p:cond evt="onBegin" delay="0">
+                          <p:tn val="2"/>
+                        </p:cond>
                       </p:stCondLst>
                       <p:childTnLst>
                         <p:par>
@@ -28748,7 +27784,7 @@
                             </p:stCondLst>
                             <p:childTnLst>
                               <p:par>
-                                <p:cTn id="5" presetID="2" presetClass="entr" presetSubtype="4" fill="hold" nodeType="clickEffect">
+                                <p:cTn id="5" presetID="2" presetClass="entr" presetSubtype="4" fill="hold" nodeType="withEffect">
                                   <p:stCondLst>
                                     <p:cond delay="0"/>
                                   </p:stCondLst>
@@ -28756,867 +27792,6 @@
                                     <p:set>
                                       <p:cBhvr>
                                         <p:cTn id="6" dur="1" fill="hold">
-                                          <p:stCondLst>
-                                            <p:cond delay="0"/>
-                                          </p:stCondLst>
-                                        </p:cTn>
-                                        <p:tgtEl>
-                                          <p:spTgt spid="15">
-                                            <p:txEl>
-                                              <p:pRg st="0" end="0"/>
-                                            </p:txEl>
-                                          </p:spTgt>
-                                        </p:tgtEl>
-                                        <p:attrNameLst>
-                                          <p:attrName>style.visibility</p:attrName>
-                                        </p:attrNameLst>
-                                      </p:cBhvr>
-                                      <p:to>
-                                        <p:strVal val="visible"/>
-                                      </p:to>
-                                    </p:set>
-                                    <p:anim calcmode="lin" valueType="num">
-                                      <p:cBhvr additive="base">
-                                        <p:cTn id="7" dur="500" fill="hold"/>
-                                        <p:tgtEl>
-                                          <p:spTgt spid="15">
-                                            <p:txEl>
-                                              <p:pRg st="0" end="0"/>
-                                            </p:txEl>
-                                          </p:spTgt>
-                                        </p:tgtEl>
-                                        <p:attrNameLst>
-                                          <p:attrName>ppt_x</p:attrName>
-                                        </p:attrNameLst>
-                                      </p:cBhvr>
-                                      <p:tavLst>
-                                        <p:tav tm="0">
-                                          <p:val>
-                                            <p:strVal val="#ppt_x"/>
-                                          </p:val>
-                                        </p:tav>
-                                        <p:tav tm="100000">
-                                          <p:val>
-                                            <p:strVal val="#ppt_x"/>
-                                          </p:val>
-                                        </p:tav>
-                                      </p:tavLst>
-                                    </p:anim>
-                                    <p:anim calcmode="lin" valueType="num">
-                                      <p:cBhvr additive="base">
-                                        <p:cTn id="8" dur="500" fill="hold"/>
-                                        <p:tgtEl>
-                                          <p:spTgt spid="15">
-                                            <p:txEl>
-                                              <p:pRg st="0" end="0"/>
-                                            </p:txEl>
-                                          </p:spTgt>
-                                        </p:tgtEl>
-                                        <p:attrNameLst>
-                                          <p:attrName>ppt_y</p:attrName>
-                                        </p:attrNameLst>
-                                      </p:cBhvr>
-                                      <p:tavLst>
-                                        <p:tav tm="0">
-                                          <p:val>
-                                            <p:strVal val="1+#ppt_h/2"/>
-                                          </p:val>
-                                        </p:tav>
-                                        <p:tav tm="100000">
-                                          <p:val>
-                                            <p:strVal val="#ppt_y"/>
-                                          </p:val>
-                                        </p:tav>
-                                      </p:tavLst>
-                                    </p:anim>
-                                  </p:childTnLst>
-                                </p:cTn>
-                              </p:par>
-                            </p:childTnLst>
-                          </p:cTn>
-                        </p:par>
-                      </p:childTnLst>
-                    </p:cTn>
-                  </p:par>
-                  <p:par>
-                    <p:cTn id="9" fill="hold">
-                      <p:stCondLst>
-                        <p:cond delay="indefinite"/>
-                      </p:stCondLst>
-                      <p:childTnLst>
-                        <p:par>
-                          <p:cTn id="10" fill="hold">
-                            <p:stCondLst>
-                              <p:cond delay="0"/>
-                            </p:stCondLst>
-                            <p:childTnLst>
-                              <p:par>
-                                <p:cTn id="11" presetID="2" presetClass="entr" presetSubtype="4" fill="hold" nodeType="clickEffect">
-                                  <p:stCondLst>
-                                    <p:cond delay="0"/>
-                                  </p:stCondLst>
-                                  <p:childTnLst>
-                                    <p:set>
-                                      <p:cBhvr>
-                                        <p:cTn id="12" dur="1" fill="hold">
-                                          <p:stCondLst>
-                                            <p:cond delay="0"/>
-                                          </p:stCondLst>
-                                        </p:cTn>
-                                        <p:tgtEl>
-                                          <p:spTgt spid="15">
-                                            <p:txEl>
-                                              <p:pRg st="1" end="1"/>
-                                            </p:txEl>
-                                          </p:spTgt>
-                                        </p:tgtEl>
-                                        <p:attrNameLst>
-                                          <p:attrName>style.visibility</p:attrName>
-                                        </p:attrNameLst>
-                                      </p:cBhvr>
-                                      <p:to>
-                                        <p:strVal val="visible"/>
-                                      </p:to>
-                                    </p:set>
-                                    <p:anim calcmode="lin" valueType="num">
-                                      <p:cBhvr additive="base">
-                                        <p:cTn id="13" dur="500" fill="hold"/>
-                                        <p:tgtEl>
-                                          <p:spTgt spid="15">
-                                            <p:txEl>
-                                              <p:pRg st="1" end="1"/>
-                                            </p:txEl>
-                                          </p:spTgt>
-                                        </p:tgtEl>
-                                        <p:attrNameLst>
-                                          <p:attrName>ppt_x</p:attrName>
-                                        </p:attrNameLst>
-                                      </p:cBhvr>
-                                      <p:tavLst>
-                                        <p:tav tm="0">
-                                          <p:val>
-                                            <p:strVal val="#ppt_x"/>
-                                          </p:val>
-                                        </p:tav>
-                                        <p:tav tm="100000">
-                                          <p:val>
-                                            <p:strVal val="#ppt_x"/>
-                                          </p:val>
-                                        </p:tav>
-                                      </p:tavLst>
-                                    </p:anim>
-                                    <p:anim calcmode="lin" valueType="num">
-                                      <p:cBhvr additive="base">
-                                        <p:cTn id="14" dur="500" fill="hold"/>
-                                        <p:tgtEl>
-                                          <p:spTgt spid="15">
-                                            <p:txEl>
-                                              <p:pRg st="1" end="1"/>
-                                            </p:txEl>
-                                          </p:spTgt>
-                                        </p:tgtEl>
-                                        <p:attrNameLst>
-                                          <p:attrName>ppt_y</p:attrName>
-                                        </p:attrNameLst>
-                                      </p:cBhvr>
-                                      <p:tavLst>
-                                        <p:tav tm="0">
-                                          <p:val>
-                                            <p:strVal val="1+#ppt_h/2"/>
-                                          </p:val>
-                                        </p:tav>
-                                        <p:tav tm="100000">
-                                          <p:val>
-                                            <p:strVal val="#ppt_y"/>
-                                          </p:val>
-                                        </p:tav>
-                                      </p:tavLst>
-                                    </p:anim>
-                                  </p:childTnLst>
-                                </p:cTn>
-                              </p:par>
-                              <p:par>
-                                <p:cTn id="15" presetID="2" presetClass="entr" presetSubtype="4" fill="hold" nodeType="withEffect">
-                                  <p:stCondLst>
-                                    <p:cond delay="0"/>
-                                  </p:stCondLst>
-                                  <p:childTnLst>
-                                    <p:set>
-                                      <p:cBhvr>
-                                        <p:cTn id="16" dur="1" fill="hold">
-                                          <p:stCondLst>
-                                            <p:cond delay="0"/>
-                                          </p:stCondLst>
-                                        </p:cTn>
-                                        <p:tgtEl>
-                                          <p:spTgt spid="15">
-                                            <p:txEl>
-                                              <p:pRg st="2" end="2"/>
-                                            </p:txEl>
-                                          </p:spTgt>
-                                        </p:tgtEl>
-                                        <p:attrNameLst>
-                                          <p:attrName>style.visibility</p:attrName>
-                                        </p:attrNameLst>
-                                      </p:cBhvr>
-                                      <p:to>
-                                        <p:strVal val="visible"/>
-                                      </p:to>
-                                    </p:set>
-                                    <p:anim calcmode="lin" valueType="num">
-                                      <p:cBhvr additive="base">
-                                        <p:cTn id="17" dur="500" fill="hold"/>
-                                        <p:tgtEl>
-                                          <p:spTgt spid="15">
-                                            <p:txEl>
-                                              <p:pRg st="2" end="2"/>
-                                            </p:txEl>
-                                          </p:spTgt>
-                                        </p:tgtEl>
-                                        <p:attrNameLst>
-                                          <p:attrName>ppt_x</p:attrName>
-                                        </p:attrNameLst>
-                                      </p:cBhvr>
-                                      <p:tavLst>
-                                        <p:tav tm="0">
-                                          <p:val>
-                                            <p:strVal val="#ppt_x"/>
-                                          </p:val>
-                                        </p:tav>
-                                        <p:tav tm="100000">
-                                          <p:val>
-                                            <p:strVal val="#ppt_x"/>
-                                          </p:val>
-                                        </p:tav>
-                                      </p:tavLst>
-                                    </p:anim>
-                                    <p:anim calcmode="lin" valueType="num">
-                                      <p:cBhvr additive="base">
-                                        <p:cTn id="18" dur="500" fill="hold"/>
-                                        <p:tgtEl>
-                                          <p:spTgt spid="15">
-                                            <p:txEl>
-                                              <p:pRg st="2" end="2"/>
-                                            </p:txEl>
-                                          </p:spTgt>
-                                        </p:tgtEl>
-                                        <p:attrNameLst>
-                                          <p:attrName>ppt_y</p:attrName>
-                                        </p:attrNameLst>
-                                      </p:cBhvr>
-                                      <p:tavLst>
-                                        <p:tav tm="0">
-                                          <p:val>
-                                            <p:strVal val="1+#ppt_h/2"/>
-                                          </p:val>
-                                        </p:tav>
-                                        <p:tav tm="100000">
-                                          <p:val>
-                                            <p:strVal val="#ppt_y"/>
-                                          </p:val>
-                                        </p:tav>
-                                      </p:tavLst>
-                                    </p:anim>
-                                  </p:childTnLst>
-                                </p:cTn>
-                              </p:par>
-                            </p:childTnLst>
-                          </p:cTn>
-                        </p:par>
-                      </p:childTnLst>
-                    </p:cTn>
-                  </p:par>
-                  <p:par>
-                    <p:cTn id="19" fill="hold">
-                      <p:stCondLst>
-                        <p:cond delay="indefinite"/>
-                      </p:stCondLst>
-                      <p:childTnLst>
-                        <p:par>
-                          <p:cTn id="20" fill="hold">
-                            <p:stCondLst>
-                              <p:cond delay="0"/>
-                            </p:stCondLst>
-                            <p:childTnLst>
-                              <p:par>
-                                <p:cTn id="21" presetID="2" presetClass="entr" presetSubtype="4" fill="hold" nodeType="clickEffect">
-                                  <p:stCondLst>
-                                    <p:cond delay="0"/>
-                                  </p:stCondLst>
-                                  <p:childTnLst>
-                                    <p:set>
-                                      <p:cBhvr>
-                                        <p:cTn id="22" dur="1" fill="hold">
-                                          <p:stCondLst>
-                                            <p:cond delay="0"/>
-                                          </p:stCondLst>
-                                        </p:cTn>
-                                        <p:tgtEl>
-                                          <p:spTgt spid="15">
-                                            <p:txEl>
-                                              <p:pRg st="3" end="3"/>
-                                            </p:txEl>
-                                          </p:spTgt>
-                                        </p:tgtEl>
-                                        <p:attrNameLst>
-                                          <p:attrName>style.visibility</p:attrName>
-                                        </p:attrNameLst>
-                                      </p:cBhvr>
-                                      <p:to>
-                                        <p:strVal val="visible"/>
-                                      </p:to>
-                                    </p:set>
-                                    <p:anim calcmode="lin" valueType="num">
-                                      <p:cBhvr additive="base">
-                                        <p:cTn id="23" dur="500" fill="hold"/>
-                                        <p:tgtEl>
-                                          <p:spTgt spid="15">
-                                            <p:txEl>
-                                              <p:pRg st="3" end="3"/>
-                                            </p:txEl>
-                                          </p:spTgt>
-                                        </p:tgtEl>
-                                        <p:attrNameLst>
-                                          <p:attrName>ppt_x</p:attrName>
-                                        </p:attrNameLst>
-                                      </p:cBhvr>
-                                      <p:tavLst>
-                                        <p:tav tm="0">
-                                          <p:val>
-                                            <p:strVal val="#ppt_x"/>
-                                          </p:val>
-                                        </p:tav>
-                                        <p:tav tm="100000">
-                                          <p:val>
-                                            <p:strVal val="#ppt_x"/>
-                                          </p:val>
-                                        </p:tav>
-                                      </p:tavLst>
-                                    </p:anim>
-                                    <p:anim calcmode="lin" valueType="num">
-                                      <p:cBhvr additive="base">
-                                        <p:cTn id="24" dur="500" fill="hold"/>
-                                        <p:tgtEl>
-                                          <p:spTgt spid="15">
-                                            <p:txEl>
-                                              <p:pRg st="3" end="3"/>
-                                            </p:txEl>
-                                          </p:spTgt>
-                                        </p:tgtEl>
-                                        <p:attrNameLst>
-                                          <p:attrName>ppt_y</p:attrName>
-                                        </p:attrNameLst>
-                                      </p:cBhvr>
-                                      <p:tavLst>
-                                        <p:tav tm="0">
-                                          <p:val>
-                                            <p:strVal val="1+#ppt_h/2"/>
-                                          </p:val>
-                                        </p:tav>
-                                        <p:tav tm="100000">
-                                          <p:val>
-                                            <p:strVal val="#ppt_y"/>
-                                          </p:val>
-                                        </p:tav>
-                                      </p:tavLst>
-                                    </p:anim>
-                                  </p:childTnLst>
-                                </p:cTn>
-                              </p:par>
-                            </p:childTnLst>
-                          </p:cTn>
-                        </p:par>
-                      </p:childTnLst>
-                    </p:cTn>
-                  </p:par>
-                  <p:par>
-                    <p:cTn id="25" fill="hold">
-                      <p:stCondLst>
-                        <p:cond delay="indefinite"/>
-                      </p:stCondLst>
-                      <p:childTnLst>
-                        <p:par>
-                          <p:cTn id="26" fill="hold">
-                            <p:stCondLst>
-                              <p:cond delay="0"/>
-                            </p:stCondLst>
-                            <p:childTnLst>
-                              <p:par>
-                                <p:cTn id="27" presetID="2" presetClass="entr" presetSubtype="4" fill="hold" nodeType="clickEffect">
-                                  <p:stCondLst>
-                                    <p:cond delay="0"/>
-                                  </p:stCondLst>
-                                  <p:childTnLst>
-                                    <p:set>
-                                      <p:cBhvr>
-                                        <p:cTn id="28" dur="1" fill="hold">
-                                          <p:stCondLst>
-                                            <p:cond delay="0"/>
-                                          </p:stCondLst>
-                                        </p:cTn>
-                                        <p:tgtEl>
-                                          <p:spTgt spid="15">
-                                            <p:txEl>
-                                              <p:pRg st="4" end="4"/>
-                                            </p:txEl>
-                                          </p:spTgt>
-                                        </p:tgtEl>
-                                        <p:attrNameLst>
-                                          <p:attrName>style.visibility</p:attrName>
-                                        </p:attrNameLst>
-                                      </p:cBhvr>
-                                      <p:to>
-                                        <p:strVal val="visible"/>
-                                      </p:to>
-                                    </p:set>
-                                    <p:anim calcmode="lin" valueType="num">
-                                      <p:cBhvr additive="base">
-                                        <p:cTn id="29" dur="500" fill="hold"/>
-                                        <p:tgtEl>
-                                          <p:spTgt spid="15">
-                                            <p:txEl>
-                                              <p:pRg st="4" end="4"/>
-                                            </p:txEl>
-                                          </p:spTgt>
-                                        </p:tgtEl>
-                                        <p:attrNameLst>
-                                          <p:attrName>ppt_x</p:attrName>
-                                        </p:attrNameLst>
-                                      </p:cBhvr>
-                                      <p:tavLst>
-                                        <p:tav tm="0">
-                                          <p:val>
-                                            <p:strVal val="#ppt_x"/>
-                                          </p:val>
-                                        </p:tav>
-                                        <p:tav tm="100000">
-                                          <p:val>
-                                            <p:strVal val="#ppt_x"/>
-                                          </p:val>
-                                        </p:tav>
-                                      </p:tavLst>
-                                    </p:anim>
-                                    <p:anim calcmode="lin" valueType="num">
-                                      <p:cBhvr additive="base">
-                                        <p:cTn id="30" dur="500" fill="hold"/>
-                                        <p:tgtEl>
-                                          <p:spTgt spid="15">
-                                            <p:txEl>
-                                              <p:pRg st="4" end="4"/>
-                                            </p:txEl>
-                                          </p:spTgt>
-                                        </p:tgtEl>
-                                        <p:attrNameLst>
-                                          <p:attrName>ppt_y</p:attrName>
-                                        </p:attrNameLst>
-                                      </p:cBhvr>
-                                      <p:tavLst>
-                                        <p:tav tm="0">
-                                          <p:val>
-                                            <p:strVal val="1+#ppt_h/2"/>
-                                          </p:val>
-                                        </p:tav>
-                                        <p:tav tm="100000">
-                                          <p:val>
-                                            <p:strVal val="#ppt_y"/>
-                                          </p:val>
-                                        </p:tav>
-                                      </p:tavLst>
-                                    </p:anim>
-                                  </p:childTnLst>
-                                </p:cTn>
-                              </p:par>
-                              <p:par>
-                                <p:cTn id="31" presetID="2" presetClass="entr" presetSubtype="4" fill="hold" nodeType="withEffect">
-                                  <p:stCondLst>
-                                    <p:cond delay="0"/>
-                                  </p:stCondLst>
-                                  <p:childTnLst>
-                                    <p:set>
-                                      <p:cBhvr>
-                                        <p:cTn id="32" dur="1" fill="hold">
-                                          <p:stCondLst>
-                                            <p:cond delay="0"/>
-                                          </p:stCondLst>
-                                        </p:cTn>
-                                        <p:tgtEl>
-                                          <p:spTgt spid="4"/>
-                                        </p:tgtEl>
-                                        <p:attrNameLst>
-                                          <p:attrName>style.visibility</p:attrName>
-                                        </p:attrNameLst>
-                                      </p:cBhvr>
-                                      <p:to>
-                                        <p:strVal val="visible"/>
-                                      </p:to>
-                                    </p:set>
-                                    <p:anim calcmode="lin" valueType="num">
-                                      <p:cBhvr additive="base">
-                                        <p:cTn id="33" dur="500" fill="hold"/>
-                                        <p:tgtEl>
-                                          <p:spTgt spid="4"/>
-                                        </p:tgtEl>
-                                        <p:attrNameLst>
-                                          <p:attrName>ppt_x</p:attrName>
-                                        </p:attrNameLst>
-                                      </p:cBhvr>
-                                      <p:tavLst>
-                                        <p:tav tm="0">
-                                          <p:val>
-                                            <p:strVal val="#ppt_x"/>
-                                          </p:val>
-                                        </p:tav>
-                                        <p:tav tm="100000">
-                                          <p:val>
-                                            <p:strVal val="#ppt_x"/>
-                                          </p:val>
-                                        </p:tav>
-                                      </p:tavLst>
-                                    </p:anim>
-                                    <p:anim calcmode="lin" valueType="num">
-                                      <p:cBhvr additive="base">
-                                        <p:cTn id="34" dur="500" fill="hold"/>
-                                        <p:tgtEl>
-                                          <p:spTgt spid="4"/>
-                                        </p:tgtEl>
-                                        <p:attrNameLst>
-                                          <p:attrName>ppt_y</p:attrName>
-                                        </p:attrNameLst>
-                                      </p:cBhvr>
-                                      <p:tavLst>
-                                        <p:tav tm="0">
-                                          <p:val>
-                                            <p:strVal val="1+#ppt_h/2"/>
-                                          </p:val>
-                                        </p:tav>
-                                        <p:tav tm="100000">
-                                          <p:val>
-                                            <p:strVal val="#ppt_y"/>
-                                          </p:val>
-                                        </p:tav>
-                                      </p:tavLst>
-                                    </p:anim>
-                                  </p:childTnLst>
-                                </p:cTn>
-                              </p:par>
-                            </p:childTnLst>
-                          </p:cTn>
-                        </p:par>
-                      </p:childTnLst>
-                    </p:cTn>
-                  </p:par>
-                  <p:par>
-                    <p:cTn id="35" fill="hold">
-                      <p:stCondLst>
-                        <p:cond delay="indefinite"/>
-                      </p:stCondLst>
-                      <p:childTnLst>
-                        <p:par>
-                          <p:cTn id="36" fill="hold">
-                            <p:stCondLst>
-                              <p:cond delay="0"/>
-                            </p:stCondLst>
-                            <p:childTnLst>
-                              <p:par>
-                                <p:cTn id="37" presetID="2" presetClass="entr" presetSubtype="4" fill="hold" nodeType="clickEffect">
-                                  <p:stCondLst>
-                                    <p:cond delay="0"/>
-                                  </p:stCondLst>
-                                  <p:childTnLst>
-                                    <p:set>
-                                      <p:cBhvr>
-                                        <p:cTn id="38" dur="1" fill="hold">
-                                          <p:stCondLst>
-                                            <p:cond delay="0"/>
-                                          </p:stCondLst>
-                                        </p:cTn>
-                                        <p:tgtEl>
-                                          <p:spTgt spid="15">
-                                            <p:txEl>
-                                              <p:pRg st="8" end="8"/>
-                                            </p:txEl>
-                                          </p:spTgt>
-                                        </p:tgtEl>
-                                        <p:attrNameLst>
-                                          <p:attrName>style.visibility</p:attrName>
-                                        </p:attrNameLst>
-                                      </p:cBhvr>
-                                      <p:to>
-                                        <p:strVal val="visible"/>
-                                      </p:to>
-                                    </p:set>
-                                    <p:anim calcmode="lin" valueType="num">
-                                      <p:cBhvr additive="base">
-                                        <p:cTn id="39" dur="500" fill="hold"/>
-                                        <p:tgtEl>
-                                          <p:spTgt spid="15">
-                                            <p:txEl>
-                                              <p:pRg st="8" end="8"/>
-                                            </p:txEl>
-                                          </p:spTgt>
-                                        </p:tgtEl>
-                                        <p:attrNameLst>
-                                          <p:attrName>ppt_x</p:attrName>
-                                        </p:attrNameLst>
-                                      </p:cBhvr>
-                                      <p:tavLst>
-                                        <p:tav tm="0">
-                                          <p:val>
-                                            <p:strVal val="#ppt_x"/>
-                                          </p:val>
-                                        </p:tav>
-                                        <p:tav tm="100000">
-                                          <p:val>
-                                            <p:strVal val="#ppt_x"/>
-                                          </p:val>
-                                        </p:tav>
-                                      </p:tavLst>
-                                    </p:anim>
-                                    <p:anim calcmode="lin" valueType="num">
-                                      <p:cBhvr additive="base">
-                                        <p:cTn id="40" dur="500" fill="hold"/>
-                                        <p:tgtEl>
-                                          <p:spTgt spid="15">
-                                            <p:txEl>
-                                              <p:pRg st="8" end="8"/>
-                                            </p:txEl>
-                                          </p:spTgt>
-                                        </p:tgtEl>
-                                        <p:attrNameLst>
-                                          <p:attrName>ppt_y</p:attrName>
-                                        </p:attrNameLst>
-                                      </p:cBhvr>
-                                      <p:tavLst>
-                                        <p:tav tm="0">
-                                          <p:val>
-                                            <p:strVal val="1+#ppt_h/2"/>
-                                          </p:val>
-                                        </p:tav>
-                                        <p:tav tm="100000">
-                                          <p:val>
-                                            <p:strVal val="#ppt_y"/>
-                                          </p:val>
-                                        </p:tav>
-                                      </p:tavLst>
-                                    </p:anim>
-                                  </p:childTnLst>
-                                </p:cTn>
-                              </p:par>
-                            </p:childTnLst>
-                          </p:cTn>
-                        </p:par>
-                      </p:childTnLst>
-                    </p:cTn>
-                  </p:par>
-                  <p:par>
-                    <p:cTn id="41" fill="hold">
-                      <p:stCondLst>
-                        <p:cond delay="indefinite"/>
-                      </p:stCondLst>
-                      <p:childTnLst>
-                        <p:par>
-                          <p:cTn id="42" fill="hold">
-                            <p:stCondLst>
-                              <p:cond delay="0"/>
-                            </p:stCondLst>
-                            <p:childTnLst>
-                              <p:par>
-                                <p:cTn id="43" presetID="2" presetClass="entr" presetSubtype="4" fill="hold" nodeType="clickEffect">
-                                  <p:stCondLst>
-                                    <p:cond delay="0"/>
-                                  </p:stCondLst>
-                                  <p:childTnLst>
-                                    <p:set>
-                                      <p:cBhvr>
-                                        <p:cTn id="44" dur="1" fill="hold">
-                                          <p:stCondLst>
-                                            <p:cond delay="0"/>
-                                          </p:stCondLst>
-                                        </p:cTn>
-                                        <p:tgtEl>
-                                          <p:spTgt spid="15">
-                                            <p:txEl>
-                                              <p:pRg st="9" end="9"/>
-                                            </p:txEl>
-                                          </p:spTgt>
-                                        </p:tgtEl>
-                                        <p:attrNameLst>
-                                          <p:attrName>style.visibility</p:attrName>
-                                        </p:attrNameLst>
-                                      </p:cBhvr>
-                                      <p:to>
-                                        <p:strVal val="visible"/>
-                                      </p:to>
-                                    </p:set>
-                                    <p:anim calcmode="lin" valueType="num">
-                                      <p:cBhvr additive="base">
-                                        <p:cTn id="45" dur="500" fill="hold"/>
-                                        <p:tgtEl>
-                                          <p:spTgt spid="15">
-                                            <p:txEl>
-                                              <p:pRg st="9" end="9"/>
-                                            </p:txEl>
-                                          </p:spTgt>
-                                        </p:tgtEl>
-                                        <p:attrNameLst>
-                                          <p:attrName>ppt_x</p:attrName>
-                                        </p:attrNameLst>
-                                      </p:cBhvr>
-                                      <p:tavLst>
-                                        <p:tav tm="0">
-                                          <p:val>
-                                            <p:strVal val="#ppt_x"/>
-                                          </p:val>
-                                        </p:tav>
-                                        <p:tav tm="100000">
-                                          <p:val>
-                                            <p:strVal val="#ppt_x"/>
-                                          </p:val>
-                                        </p:tav>
-                                      </p:tavLst>
-                                    </p:anim>
-                                    <p:anim calcmode="lin" valueType="num">
-                                      <p:cBhvr additive="base">
-                                        <p:cTn id="46" dur="500" fill="hold"/>
-                                        <p:tgtEl>
-                                          <p:spTgt spid="15">
-                                            <p:txEl>
-                                              <p:pRg st="9" end="9"/>
-                                            </p:txEl>
-                                          </p:spTgt>
-                                        </p:tgtEl>
-                                        <p:attrNameLst>
-                                          <p:attrName>ppt_y</p:attrName>
-                                        </p:attrNameLst>
-                                      </p:cBhvr>
-                                      <p:tavLst>
-                                        <p:tav tm="0">
-                                          <p:val>
-                                            <p:strVal val="1+#ppt_h/2"/>
-                                          </p:val>
-                                        </p:tav>
-                                        <p:tav tm="100000">
-                                          <p:val>
-                                            <p:strVal val="#ppt_y"/>
-                                          </p:val>
-                                        </p:tav>
-                                      </p:tavLst>
-                                    </p:anim>
-                                  </p:childTnLst>
-                                </p:cTn>
-                              </p:par>
-                            </p:childTnLst>
-                          </p:cTn>
-                        </p:par>
-                      </p:childTnLst>
-                    </p:cTn>
-                  </p:par>
-                  <p:par>
-                    <p:cTn id="47" fill="hold">
-                      <p:stCondLst>
-                        <p:cond delay="indefinite"/>
-                      </p:stCondLst>
-                      <p:childTnLst>
-                        <p:par>
-                          <p:cTn id="48" fill="hold">
-                            <p:stCondLst>
-                              <p:cond delay="0"/>
-                            </p:stCondLst>
-                            <p:childTnLst>
-                              <p:par>
-                                <p:cTn id="49" presetID="2" presetClass="entr" presetSubtype="4" fill="hold" nodeType="clickEffect">
-                                  <p:stCondLst>
-                                    <p:cond delay="0"/>
-                                  </p:stCondLst>
-                                  <p:childTnLst>
-                                    <p:set>
-                                      <p:cBhvr>
-                                        <p:cTn id="50" dur="1" fill="hold">
-                                          <p:stCondLst>
-                                            <p:cond delay="0"/>
-                                          </p:stCondLst>
-                                        </p:cTn>
-                                        <p:tgtEl>
-                                          <p:spTgt spid="15">
-                                            <p:txEl>
-                                              <p:pRg st="10" end="10"/>
-                                            </p:txEl>
-                                          </p:spTgt>
-                                        </p:tgtEl>
-                                        <p:attrNameLst>
-                                          <p:attrName>style.visibility</p:attrName>
-                                        </p:attrNameLst>
-                                      </p:cBhvr>
-                                      <p:to>
-                                        <p:strVal val="visible"/>
-                                      </p:to>
-                                    </p:set>
-                                    <p:anim calcmode="lin" valueType="num">
-                                      <p:cBhvr additive="base">
-                                        <p:cTn id="51" dur="500" fill="hold"/>
-                                        <p:tgtEl>
-                                          <p:spTgt spid="15">
-                                            <p:txEl>
-                                              <p:pRg st="10" end="10"/>
-                                            </p:txEl>
-                                          </p:spTgt>
-                                        </p:tgtEl>
-                                        <p:attrNameLst>
-                                          <p:attrName>ppt_x</p:attrName>
-                                        </p:attrNameLst>
-                                      </p:cBhvr>
-                                      <p:tavLst>
-                                        <p:tav tm="0">
-                                          <p:val>
-                                            <p:strVal val="#ppt_x"/>
-                                          </p:val>
-                                        </p:tav>
-                                        <p:tav tm="100000">
-                                          <p:val>
-                                            <p:strVal val="#ppt_x"/>
-                                          </p:val>
-                                        </p:tav>
-                                      </p:tavLst>
-                                    </p:anim>
-                                    <p:anim calcmode="lin" valueType="num">
-                                      <p:cBhvr additive="base">
-                                        <p:cTn id="52" dur="500" fill="hold"/>
-                                        <p:tgtEl>
-                                          <p:spTgt spid="15">
-                                            <p:txEl>
-                                              <p:pRg st="10" end="10"/>
-                                            </p:txEl>
-                                          </p:spTgt>
-                                        </p:tgtEl>
-                                        <p:attrNameLst>
-                                          <p:attrName>ppt_y</p:attrName>
-                                        </p:attrNameLst>
-                                      </p:cBhvr>
-                                      <p:tavLst>
-                                        <p:tav tm="0">
-                                          <p:val>
-                                            <p:strVal val="1+#ppt_h/2"/>
-                                          </p:val>
-                                        </p:tav>
-                                        <p:tav tm="100000">
-                                          <p:val>
-                                            <p:strVal val="#ppt_y"/>
-                                          </p:val>
-                                        </p:tav>
-                                      </p:tavLst>
-                                    </p:anim>
-                                  </p:childTnLst>
-                                </p:cTn>
-                              </p:par>
-                              <p:par>
-                                <p:cTn id="53" presetID="2" presetClass="entr" presetSubtype="4" fill="hold" nodeType="withEffect">
-                                  <p:stCondLst>
-                                    <p:cond delay="0"/>
-                                  </p:stCondLst>
-                                  <p:childTnLst>
-                                    <p:set>
-                                      <p:cBhvr>
-                                        <p:cTn id="54" dur="1" fill="hold">
                                           <p:stCondLst>
                                             <p:cond delay="0"/>
                                           </p:stCondLst>
@@ -29634,7 +27809,7 @@
                                     </p:set>
                                     <p:anim calcmode="lin" valueType="num">
                                       <p:cBhvr additive="base">
-                                        <p:cTn id="55" dur="500" fill="hold"/>
+                                        <p:cTn id="7" dur="500" fill="hold"/>
                                         <p:tgtEl>
                                           <p:spTgt spid="5"/>
                                         </p:tgtEl>
@@ -29657,7 +27832,7 @@
                                     </p:anim>
                                     <p:anim calcmode="lin" valueType="num">
                                       <p:cBhvr additive="base">
-                                        <p:cTn id="56" dur="500" fill="hold"/>
+                                        <p:cTn id="8" dur="500" fill="hold"/>
                                         <p:tgtEl>
                                           <p:spTgt spid="5"/>
                                         </p:tgtEl>
@@ -30101,691 +28276,7 @@
   <p:timing>
     <p:tnLst>
       <p:par>
-        <p:cTn xmlns:p14="http://schemas.microsoft.com/office/powerpoint/2010/main" id="1" dur="indefinite" restart="never" nodeType="tmRoot">
-          <p:childTnLst>
-            <p:seq concurrent="1" nextAc="seek">
-              <p:cTn id="2" dur="indefinite" nodeType="mainSeq">
-                <p:childTnLst>
-                  <p:par>
-                    <p:cTn id="3" fill="hold">
-                      <p:stCondLst>
-                        <p:cond delay="indefinite"/>
-                      </p:stCondLst>
-                      <p:childTnLst>
-                        <p:par>
-                          <p:cTn id="4" fill="hold">
-                            <p:stCondLst>
-                              <p:cond delay="0"/>
-                            </p:stCondLst>
-                            <p:childTnLst>
-                              <p:par>
-                                <p:cTn id="5" presetID="2" presetClass="entr" presetSubtype="4" fill="hold" nodeType="clickEffect">
-                                  <p:stCondLst>
-                                    <p:cond delay="0"/>
-                                  </p:stCondLst>
-                                  <p:childTnLst>
-                                    <p:set>
-                                      <p:cBhvr>
-                                        <p:cTn id="6" dur="1" fill="hold">
-                                          <p:stCondLst>
-                                            <p:cond delay="0"/>
-                                          </p:stCondLst>
-                                        </p:cTn>
-                                        <p:tgtEl>
-                                          <p:spTgt spid="15">
-                                            <p:txEl>
-                                              <p:pRg st="0" end="0"/>
-                                            </p:txEl>
-                                          </p:spTgt>
-                                        </p:tgtEl>
-                                        <p:attrNameLst>
-                                          <p:attrName>style.visibility</p:attrName>
-                                        </p:attrNameLst>
-                                      </p:cBhvr>
-                                      <p:to>
-                                        <p:strVal val="visible"/>
-                                      </p:to>
-                                    </p:set>
-                                    <p:anim calcmode="lin" valueType="num">
-                                      <p:cBhvr additive="base">
-                                        <p:cTn id="7" dur="500" fill="hold"/>
-                                        <p:tgtEl>
-                                          <p:spTgt spid="15">
-                                            <p:txEl>
-                                              <p:pRg st="0" end="0"/>
-                                            </p:txEl>
-                                          </p:spTgt>
-                                        </p:tgtEl>
-                                        <p:attrNameLst>
-                                          <p:attrName>ppt_x</p:attrName>
-                                        </p:attrNameLst>
-                                      </p:cBhvr>
-                                      <p:tavLst>
-                                        <p:tav tm="0">
-                                          <p:val>
-                                            <p:strVal val="#ppt_x"/>
-                                          </p:val>
-                                        </p:tav>
-                                        <p:tav tm="100000">
-                                          <p:val>
-                                            <p:strVal val="#ppt_x"/>
-                                          </p:val>
-                                        </p:tav>
-                                      </p:tavLst>
-                                    </p:anim>
-                                    <p:anim calcmode="lin" valueType="num">
-                                      <p:cBhvr additive="base">
-                                        <p:cTn id="8" dur="500" fill="hold"/>
-                                        <p:tgtEl>
-                                          <p:spTgt spid="15">
-                                            <p:txEl>
-                                              <p:pRg st="0" end="0"/>
-                                            </p:txEl>
-                                          </p:spTgt>
-                                        </p:tgtEl>
-                                        <p:attrNameLst>
-                                          <p:attrName>ppt_y</p:attrName>
-                                        </p:attrNameLst>
-                                      </p:cBhvr>
-                                      <p:tavLst>
-                                        <p:tav tm="0">
-                                          <p:val>
-                                            <p:strVal val="1+#ppt_h/2"/>
-                                          </p:val>
-                                        </p:tav>
-                                        <p:tav tm="100000">
-                                          <p:val>
-                                            <p:strVal val="#ppt_y"/>
-                                          </p:val>
-                                        </p:tav>
-                                      </p:tavLst>
-                                    </p:anim>
-                                  </p:childTnLst>
-                                </p:cTn>
-                              </p:par>
-                            </p:childTnLst>
-                          </p:cTn>
-                        </p:par>
-                      </p:childTnLst>
-                    </p:cTn>
-                  </p:par>
-                  <p:par>
-                    <p:cTn id="9" fill="hold">
-                      <p:stCondLst>
-                        <p:cond delay="indefinite"/>
-                      </p:stCondLst>
-                      <p:childTnLst>
-                        <p:par>
-                          <p:cTn id="10" fill="hold">
-                            <p:stCondLst>
-                              <p:cond delay="0"/>
-                            </p:stCondLst>
-                            <p:childTnLst>
-                              <p:par>
-                                <p:cTn id="11" presetID="2" presetClass="entr" presetSubtype="4" fill="hold" nodeType="clickEffect">
-                                  <p:stCondLst>
-                                    <p:cond delay="0"/>
-                                  </p:stCondLst>
-                                  <p:childTnLst>
-                                    <p:set>
-                                      <p:cBhvr>
-                                        <p:cTn id="12" dur="1" fill="hold">
-                                          <p:stCondLst>
-                                            <p:cond delay="0"/>
-                                          </p:stCondLst>
-                                        </p:cTn>
-                                        <p:tgtEl>
-                                          <p:spTgt spid="15">
-                                            <p:txEl>
-                                              <p:pRg st="1" end="1"/>
-                                            </p:txEl>
-                                          </p:spTgt>
-                                        </p:tgtEl>
-                                        <p:attrNameLst>
-                                          <p:attrName>style.visibility</p:attrName>
-                                        </p:attrNameLst>
-                                      </p:cBhvr>
-                                      <p:to>
-                                        <p:strVal val="visible"/>
-                                      </p:to>
-                                    </p:set>
-                                    <p:anim calcmode="lin" valueType="num">
-                                      <p:cBhvr additive="base">
-                                        <p:cTn id="13" dur="500" fill="hold"/>
-                                        <p:tgtEl>
-                                          <p:spTgt spid="15">
-                                            <p:txEl>
-                                              <p:pRg st="1" end="1"/>
-                                            </p:txEl>
-                                          </p:spTgt>
-                                        </p:tgtEl>
-                                        <p:attrNameLst>
-                                          <p:attrName>ppt_x</p:attrName>
-                                        </p:attrNameLst>
-                                      </p:cBhvr>
-                                      <p:tavLst>
-                                        <p:tav tm="0">
-                                          <p:val>
-                                            <p:strVal val="#ppt_x"/>
-                                          </p:val>
-                                        </p:tav>
-                                        <p:tav tm="100000">
-                                          <p:val>
-                                            <p:strVal val="#ppt_x"/>
-                                          </p:val>
-                                        </p:tav>
-                                      </p:tavLst>
-                                    </p:anim>
-                                    <p:anim calcmode="lin" valueType="num">
-                                      <p:cBhvr additive="base">
-                                        <p:cTn id="14" dur="500" fill="hold"/>
-                                        <p:tgtEl>
-                                          <p:spTgt spid="15">
-                                            <p:txEl>
-                                              <p:pRg st="1" end="1"/>
-                                            </p:txEl>
-                                          </p:spTgt>
-                                        </p:tgtEl>
-                                        <p:attrNameLst>
-                                          <p:attrName>ppt_y</p:attrName>
-                                        </p:attrNameLst>
-                                      </p:cBhvr>
-                                      <p:tavLst>
-                                        <p:tav tm="0">
-                                          <p:val>
-                                            <p:strVal val="1+#ppt_h/2"/>
-                                          </p:val>
-                                        </p:tav>
-                                        <p:tav tm="100000">
-                                          <p:val>
-                                            <p:strVal val="#ppt_y"/>
-                                          </p:val>
-                                        </p:tav>
-                                      </p:tavLst>
-                                    </p:anim>
-                                  </p:childTnLst>
-                                </p:cTn>
-                              </p:par>
-                              <p:par>
-                                <p:cTn id="15" presetID="2" presetClass="entr" presetSubtype="4" fill="hold" nodeType="withEffect">
-                                  <p:stCondLst>
-                                    <p:cond delay="0"/>
-                                  </p:stCondLst>
-                                  <p:childTnLst>
-                                    <p:set>
-                                      <p:cBhvr>
-                                        <p:cTn id="16" dur="1" fill="hold">
-                                          <p:stCondLst>
-                                            <p:cond delay="0"/>
-                                          </p:stCondLst>
-                                        </p:cTn>
-                                        <p:tgtEl>
-                                          <p:spTgt spid="7"/>
-                                        </p:tgtEl>
-                                        <p:attrNameLst>
-                                          <p:attrName>style.visibility</p:attrName>
-                                        </p:attrNameLst>
-                                      </p:cBhvr>
-                                      <p:to>
-                                        <p:strVal val="visible"/>
-                                      </p:to>
-                                    </p:set>
-                                    <p:anim calcmode="lin" valueType="num">
-                                      <p:cBhvr additive="base">
-                                        <p:cTn id="17" dur="500" fill="hold"/>
-                                        <p:tgtEl>
-                                          <p:spTgt spid="7"/>
-                                        </p:tgtEl>
-                                        <p:attrNameLst>
-                                          <p:attrName>ppt_x</p:attrName>
-                                        </p:attrNameLst>
-                                      </p:cBhvr>
-                                      <p:tavLst>
-                                        <p:tav tm="0">
-                                          <p:val>
-                                            <p:strVal val="#ppt_x"/>
-                                          </p:val>
-                                        </p:tav>
-                                        <p:tav tm="100000">
-                                          <p:val>
-                                            <p:strVal val="#ppt_x"/>
-                                          </p:val>
-                                        </p:tav>
-                                      </p:tavLst>
-                                    </p:anim>
-                                    <p:anim calcmode="lin" valueType="num">
-                                      <p:cBhvr additive="base">
-                                        <p:cTn id="18" dur="500" fill="hold"/>
-                                        <p:tgtEl>
-                                          <p:spTgt spid="7"/>
-                                        </p:tgtEl>
-                                        <p:attrNameLst>
-                                          <p:attrName>ppt_y</p:attrName>
-                                        </p:attrNameLst>
-                                      </p:cBhvr>
-                                      <p:tavLst>
-                                        <p:tav tm="0">
-                                          <p:val>
-                                            <p:strVal val="1+#ppt_h/2"/>
-                                          </p:val>
-                                        </p:tav>
-                                        <p:tav tm="100000">
-                                          <p:val>
-                                            <p:strVal val="#ppt_y"/>
-                                          </p:val>
-                                        </p:tav>
-                                      </p:tavLst>
-                                    </p:anim>
-                                  </p:childTnLst>
-                                </p:cTn>
-                              </p:par>
-                            </p:childTnLst>
-                          </p:cTn>
-                        </p:par>
-                      </p:childTnLst>
-                    </p:cTn>
-                  </p:par>
-                  <p:par>
-                    <p:cTn id="19" fill="hold">
-                      <p:stCondLst>
-                        <p:cond delay="indefinite"/>
-                      </p:stCondLst>
-                      <p:childTnLst>
-                        <p:par>
-                          <p:cTn id="20" fill="hold">
-                            <p:stCondLst>
-                              <p:cond delay="0"/>
-                            </p:stCondLst>
-                            <p:childTnLst>
-                              <p:par>
-                                <p:cTn id="21" presetID="2" presetClass="entr" presetSubtype="4" fill="hold" nodeType="clickEffect">
-                                  <p:stCondLst>
-                                    <p:cond delay="0"/>
-                                  </p:stCondLst>
-                                  <p:childTnLst>
-                                    <p:set>
-                                      <p:cBhvr>
-                                        <p:cTn id="22" dur="1" fill="hold">
-                                          <p:stCondLst>
-                                            <p:cond delay="0"/>
-                                          </p:stCondLst>
-                                        </p:cTn>
-                                        <p:tgtEl>
-                                          <p:spTgt spid="15">
-                                            <p:txEl>
-                                              <p:pRg st="4" end="4"/>
-                                            </p:txEl>
-                                          </p:spTgt>
-                                        </p:tgtEl>
-                                        <p:attrNameLst>
-                                          <p:attrName>style.visibility</p:attrName>
-                                        </p:attrNameLst>
-                                      </p:cBhvr>
-                                      <p:to>
-                                        <p:strVal val="visible"/>
-                                      </p:to>
-                                    </p:set>
-                                    <p:anim calcmode="lin" valueType="num">
-                                      <p:cBhvr additive="base">
-                                        <p:cTn id="23" dur="500" fill="hold"/>
-                                        <p:tgtEl>
-                                          <p:spTgt spid="15">
-                                            <p:txEl>
-                                              <p:pRg st="4" end="4"/>
-                                            </p:txEl>
-                                          </p:spTgt>
-                                        </p:tgtEl>
-                                        <p:attrNameLst>
-                                          <p:attrName>ppt_x</p:attrName>
-                                        </p:attrNameLst>
-                                      </p:cBhvr>
-                                      <p:tavLst>
-                                        <p:tav tm="0">
-                                          <p:val>
-                                            <p:strVal val="#ppt_x"/>
-                                          </p:val>
-                                        </p:tav>
-                                        <p:tav tm="100000">
-                                          <p:val>
-                                            <p:strVal val="#ppt_x"/>
-                                          </p:val>
-                                        </p:tav>
-                                      </p:tavLst>
-                                    </p:anim>
-                                    <p:anim calcmode="lin" valueType="num">
-                                      <p:cBhvr additive="base">
-                                        <p:cTn id="24" dur="500" fill="hold"/>
-                                        <p:tgtEl>
-                                          <p:spTgt spid="15">
-                                            <p:txEl>
-                                              <p:pRg st="4" end="4"/>
-                                            </p:txEl>
-                                          </p:spTgt>
-                                        </p:tgtEl>
-                                        <p:attrNameLst>
-                                          <p:attrName>ppt_y</p:attrName>
-                                        </p:attrNameLst>
-                                      </p:cBhvr>
-                                      <p:tavLst>
-                                        <p:tav tm="0">
-                                          <p:val>
-                                            <p:strVal val="1+#ppt_h/2"/>
-                                          </p:val>
-                                        </p:tav>
-                                        <p:tav tm="100000">
-                                          <p:val>
-                                            <p:strVal val="#ppt_y"/>
-                                          </p:val>
-                                        </p:tav>
-                                      </p:tavLst>
-                                    </p:anim>
-                                  </p:childTnLst>
-                                </p:cTn>
-                              </p:par>
-                            </p:childTnLst>
-                          </p:cTn>
-                        </p:par>
-                      </p:childTnLst>
-                    </p:cTn>
-                  </p:par>
-                  <p:par>
-                    <p:cTn id="25" fill="hold">
-                      <p:stCondLst>
-                        <p:cond delay="indefinite"/>
-                      </p:stCondLst>
-                      <p:childTnLst>
-                        <p:par>
-                          <p:cTn id="26" fill="hold">
-                            <p:stCondLst>
-                              <p:cond delay="0"/>
-                            </p:stCondLst>
-                            <p:childTnLst>
-                              <p:par>
-                                <p:cTn id="27" presetID="2" presetClass="entr" presetSubtype="4" fill="hold" nodeType="clickEffect">
-                                  <p:stCondLst>
-                                    <p:cond delay="0"/>
-                                  </p:stCondLst>
-                                  <p:childTnLst>
-                                    <p:set>
-                                      <p:cBhvr>
-                                        <p:cTn id="28" dur="1" fill="hold">
-                                          <p:stCondLst>
-                                            <p:cond delay="0"/>
-                                          </p:stCondLst>
-                                        </p:cTn>
-                                        <p:tgtEl>
-                                          <p:spTgt spid="15">
-                                            <p:txEl>
-                                              <p:pRg st="5" end="5"/>
-                                            </p:txEl>
-                                          </p:spTgt>
-                                        </p:tgtEl>
-                                        <p:attrNameLst>
-                                          <p:attrName>style.visibility</p:attrName>
-                                        </p:attrNameLst>
-                                      </p:cBhvr>
-                                      <p:to>
-                                        <p:strVal val="visible"/>
-                                      </p:to>
-                                    </p:set>
-                                    <p:anim calcmode="lin" valueType="num">
-                                      <p:cBhvr additive="base">
-                                        <p:cTn id="29" dur="500" fill="hold"/>
-                                        <p:tgtEl>
-                                          <p:spTgt spid="15">
-                                            <p:txEl>
-                                              <p:pRg st="5" end="5"/>
-                                            </p:txEl>
-                                          </p:spTgt>
-                                        </p:tgtEl>
-                                        <p:attrNameLst>
-                                          <p:attrName>ppt_x</p:attrName>
-                                        </p:attrNameLst>
-                                      </p:cBhvr>
-                                      <p:tavLst>
-                                        <p:tav tm="0">
-                                          <p:val>
-                                            <p:strVal val="#ppt_x"/>
-                                          </p:val>
-                                        </p:tav>
-                                        <p:tav tm="100000">
-                                          <p:val>
-                                            <p:strVal val="#ppt_x"/>
-                                          </p:val>
-                                        </p:tav>
-                                      </p:tavLst>
-                                    </p:anim>
-                                    <p:anim calcmode="lin" valueType="num">
-                                      <p:cBhvr additive="base">
-                                        <p:cTn id="30" dur="500" fill="hold"/>
-                                        <p:tgtEl>
-                                          <p:spTgt spid="15">
-                                            <p:txEl>
-                                              <p:pRg st="5" end="5"/>
-                                            </p:txEl>
-                                          </p:spTgt>
-                                        </p:tgtEl>
-                                        <p:attrNameLst>
-                                          <p:attrName>ppt_y</p:attrName>
-                                        </p:attrNameLst>
-                                      </p:cBhvr>
-                                      <p:tavLst>
-                                        <p:tav tm="0">
-                                          <p:val>
-                                            <p:strVal val="1+#ppt_h/2"/>
-                                          </p:val>
-                                        </p:tav>
-                                        <p:tav tm="100000">
-                                          <p:val>
-                                            <p:strVal val="#ppt_y"/>
-                                          </p:val>
-                                        </p:tav>
-                                      </p:tavLst>
-                                    </p:anim>
-                                  </p:childTnLst>
-                                </p:cTn>
-                              </p:par>
-                            </p:childTnLst>
-                          </p:cTn>
-                        </p:par>
-                      </p:childTnLst>
-                    </p:cTn>
-                  </p:par>
-                  <p:par>
-                    <p:cTn id="31" fill="hold">
-                      <p:stCondLst>
-                        <p:cond delay="indefinite"/>
-                      </p:stCondLst>
-                      <p:childTnLst>
-                        <p:par>
-                          <p:cTn id="32" fill="hold">
-                            <p:stCondLst>
-                              <p:cond delay="0"/>
-                            </p:stCondLst>
-                            <p:childTnLst>
-                              <p:par>
-                                <p:cTn id="33" presetID="2" presetClass="entr" presetSubtype="4" fill="hold" nodeType="clickEffect">
-                                  <p:stCondLst>
-                                    <p:cond delay="0"/>
-                                  </p:stCondLst>
-                                  <p:childTnLst>
-                                    <p:set>
-                                      <p:cBhvr>
-                                        <p:cTn id="34" dur="1" fill="hold">
-                                          <p:stCondLst>
-                                            <p:cond delay="0"/>
-                                          </p:stCondLst>
-                                        </p:cTn>
-                                        <p:tgtEl>
-                                          <p:spTgt spid="15">
-                                            <p:txEl>
-                                              <p:pRg st="6" end="6"/>
-                                            </p:txEl>
-                                          </p:spTgt>
-                                        </p:tgtEl>
-                                        <p:attrNameLst>
-                                          <p:attrName>style.visibility</p:attrName>
-                                        </p:attrNameLst>
-                                      </p:cBhvr>
-                                      <p:to>
-                                        <p:strVal val="visible"/>
-                                      </p:to>
-                                    </p:set>
-                                    <p:anim calcmode="lin" valueType="num">
-                                      <p:cBhvr additive="base">
-                                        <p:cTn id="35" dur="500" fill="hold"/>
-                                        <p:tgtEl>
-                                          <p:spTgt spid="15">
-                                            <p:txEl>
-                                              <p:pRg st="6" end="6"/>
-                                            </p:txEl>
-                                          </p:spTgt>
-                                        </p:tgtEl>
-                                        <p:attrNameLst>
-                                          <p:attrName>ppt_x</p:attrName>
-                                        </p:attrNameLst>
-                                      </p:cBhvr>
-                                      <p:tavLst>
-                                        <p:tav tm="0">
-                                          <p:val>
-                                            <p:strVal val="#ppt_x"/>
-                                          </p:val>
-                                        </p:tav>
-                                        <p:tav tm="100000">
-                                          <p:val>
-                                            <p:strVal val="#ppt_x"/>
-                                          </p:val>
-                                        </p:tav>
-                                      </p:tavLst>
-                                    </p:anim>
-                                    <p:anim calcmode="lin" valueType="num">
-                                      <p:cBhvr additive="base">
-                                        <p:cTn id="36" dur="500" fill="hold"/>
-                                        <p:tgtEl>
-                                          <p:spTgt spid="15">
-                                            <p:txEl>
-                                              <p:pRg st="6" end="6"/>
-                                            </p:txEl>
-                                          </p:spTgt>
-                                        </p:tgtEl>
-                                        <p:attrNameLst>
-                                          <p:attrName>ppt_y</p:attrName>
-                                        </p:attrNameLst>
-                                      </p:cBhvr>
-                                      <p:tavLst>
-                                        <p:tav tm="0">
-                                          <p:val>
-                                            <p:strVal val="1+#ppt_h/2"/>
-                                          </p:val>
-                                        </p:tav>
-                                        <p:tav tm="100000">
-                                          <p:val>
-                                            <p:strVal val="#ppt_y"/>
-                                          </p:val>
-                                        </p:tav>
-                                      </p:tavLst>
-                                    </p:anim>
-                                  </p:childTnLst>
-                                </p:cTn>
-                              </p:par>
-                              <p:par>
-                                <p:cTn id="37" presetID="2" presetClass="entr" presetSubtype="4" fill="hold" nodeType="withEffect">
-                                  <p:stCondLst>
-                                    <p:cond delay="0"/>
-                                  </p:stCondLst>
-                                  <p:childTnLst>
-                                    <p:set>
-                                      <p:cBhvr>
-                                        <p:cTn id="38" dur="1" fill="hold">
-                                          <p:stCondLst>
-                                            <p:cond delay="0"/>
-                                          </p:stCondLst>
-                                        </p:cTn>
-                                        <p:tgtEl>
-                                          <p:spTgt spid="9"/>
-                                        </p:tgtEl>
-                                        <p:attrNameLst>
-                                          <p:attrName>style.visibility</p:attrName>
-                                        </p:attrNameLst>
-                                      </p:cBhvr>
-                                      <p:to>
-                                        <p:strVal val="visible"/>
-                                      </p:to>
-                                    </p:set>
-                                    <p:anim calcmode="lin" valueType="num">
-                                      <p:cBhvr additive="base">
-                                        <p:cTn id="39" dur="500" fill="hold"/>
-                                        <p:tgtEl>
-                                          <p:spTgt spid="9"/>
-                                        </p:tgtEl>
-                                        <p:attrNameLst>
-                                          <p:attrName>ppt_x</p:attrName>
-                                        </p:attrNameLst>
-                                      </p:cBhvr>
-                                      <p:tavLst>
-                                        <p:tav tm="0">
-                                          <p:val>
-                                            <p:strVal val="#ppt_x"/>
-                                          </p:val>
-                                        </p:tav>
-                                        <p:tav tm="100000">
-                                          <p:val>
-                                            <p:strVal val="#ppt_x"/>
-                                          </p:val>
-                                        </p:tav>
-                                      </p:tavLst>
-                                    </p:anim>
-                                    <p:anim calcmode="lin" valueType="num">
-                                      <p:cBhvr additive="base">
-                                        <p:cTn id="40" dur="500" fill="hold"/>
-                                        <p:tgtEl>
-                                          <p:spTgt spid="9"/>
-                                        </p:tgtEl>
-                                        <p:attrNameLst>
-                                          <p:attrName>ppt_y</p:attrName>
-                                        </p:attrNameLst>
-                                      </p:cBhvr>
-                                      <p:tavLst>
-                                        <p:tav tm="0">
-                                          <p:val>
-                                            <p:strVal val="1+#ppt_h/2"/>
-                                          </p:val>
-                                        </p:tav>
-                                        <p:tav tm="100000">
-                                          <p:val>
-                                            <p:strVal val="#ppt_y"/>
-                                          </p:val>
-                                        </p:tav>
-                                      </p:tavLst>
-                                    </p:anim>
-                                  </p:childTnLst>
-                                </p:cTn>
-                              </p:par>
-                            </p:childTnLst>
-                          </p:cTn>
-                        </p:par>
-                      </p:childTnLst>
-                    </p:cTn>
-                  </p:par>
-                </p:childTnLst>
-              </p:cTn>
-              <p:prevCondLst>
-                <p:cond evt="onPrev" delay="0">
-                  <p:tgtEl>
-                    <p:sldTgt/>
-                  </p:tgtEl>
-                </p:cond>
-              </p:prevCondLst>
-              <p:nextCondLst>
-                <p:cond evt="onNext" delay="0">
-                  <p:tgtEl>
-                    <p:sldTgt/>
-                  </p:tgtEl>
-                </p:cond>
-              </p:nextCondLst>
-            </p:seq>
-          </p:childTnLst>
-        </p:cTn>
+        <p:cTn xmlns:p14="http://schemas.microsoft.com/office/powerpoint/2010/main" id="1" dur="indefinite" restart="never" nodeType="tmRoot"/>
       </p:par>
     </p:tnLst>
   </p:timing>
@@ -31183,691 +28674,7 @@
   <p:timing>
     <p:tnLst>
       <p:par>
-        <p:cTn xmlns:p14="http://schemas.microsoft.com/office/powerpoint/2010/main" id="1" dur="indefinite" restart="never" nodeType="tmRoot">
-          <p:childTnLst>
-            <p:seq concurrent="1" nextAc="seek">
-              <p:cTn id="2" dur="indefinite" nodeType="mainSeq">
-                <p:childTnLst>
-                  <p:par>
-                    <p:cTn id="3" fill="hold">
-                      <p:stCondLst>
-                        <p:cond delay="indefinite"/>
-                      </p:stCondLst>
-                      <p:childTnLst>
-                        <p:par>
-                          <p:cTn id="4" fill="hold">
-                            <p:stCondLst>
-                              <p:cond delay="0"/>
-                            </p:stCondLst>
-                            <p:childTnLst>
-                              <p:par>
-                                <p:cTn id="5" presetID="2" presetClass="entr" presetSubtype="4" fill="hold" nodeType="clickEffect">
-                                  <p:stCondLst>
-                                    <p:cond delay="0"/>
-                                  </p:stCondLst>
-                                  <p:childTnLst>
-                                    <p:set>
-                                      <p:cBhvr>
-                                        <p:cTn id="6" dur="1" fill="hold">
-                                          <p:stCondLst>
-                                            <p:cond delay="0"/>
-                                          </p:stCondLst>
-                                        </p:cTn>
-                                        <p:tgtEl>
-                                          <p:spTgt spid="15">
-                                            <p:txEl>
-                                              <p:pRg st="0" end="0"/>
-                                            </p:txEl>
-                                          </p:spTgt>
-                                        </p:tgtEl>
-                                        <p:attrNameLst>
-                                          <p:attrName>style.visibility</p:attrName>
-                                        </p:attrNameLst>
-                                      </p:cBhvr>
-                                      <p:to>
-                                        <p:strVal val="visible"/>
-                                      </p:to>
-                                    </p:set>
-                                    <p:anim calcmode="lin" valueType="num">
-                                      <p:cBhvr additive="base">
-                                        <p:cTn id="7" dur="500" fill="hold"/>
-                                        <p:tgtEl>
-                                          <p:spTgt spid="15">
-                                            <p:txEl>
-                                              <p:pRg st="0" end="0"/>
-                                            </p:txEl>
-                                          </p:spTgt>
-                                        </p:tgtEl>
-                                        <p:attrNameLst>
-                                          <p:attrName>ppt_x</p:attrName>
-                                        </p:attrNameLst>
-                                      </p:cBhvr>
-                                      <p:tavLst>
-                                        <p:tav tm="0">
-                                          <p:val>
-                                            <p:strVal val="#ppt_x"/>
-                                          </p:val>
-                                        </p:tav>
-                                        <p:tav tm="100000">
-                                          <p:val>
-                                            <p:strVal val="#ppt_x"/>
-                                          </p:val>
-                                        </p:tav>
-                                      </p:tavLst>
-                                    </p:anim>
-                                    <p:anim calcmode="lin" valueType="num">
-                                      <p:cBhvr additive="base">
-                                        <p:cTn id="8" dur="500" fill="hold"/>
-                                        <p:tgtEl>
-                                          <p:spTgt spid="15">
-                                            <p:txEl>
-                                              <p:pRg st="0" end="0"/>
-                                            </p:txEl>
-                                          </p:spTgt>
-                                        </p:tgtEl>
-                                        <p:attrNameLst>
-                                          <p:attrName>ppt_y</p:attrName>
-                                        </p:attrNameLst>
-                                      </p:cBhvr>
-                                      <p:tavLst>
-                                        <p:tav tm="0">
-                                          <p:val>
-                                            <p:strVal val="1+#ppt_h/2"/>
-                                          </p:val>
-                                        </p:tav>
-                                        <p:tav tm="100000">
-                                          <p:val>
-                                            <p:strVal val="#ppt_y"/>
-                                          </p:val>
-                                        </p:tav>
-                                      </p:tavLst>
-                                    </p:anim>
-                                  </p:childTnLst>
-                                </p:cTn>
-                              </p:par>
-                            </p:childTnLst>
-                          </p:cTn>
-                        </p:par>
-                      </p:childTnLst>
-                    </p:cTn>
-                  </p:par>
-                  <p:par>
-                    <p:cTn id="9" fill="hold">
-                      <p:stCondLst>
-                        <p:cond delay="indefinite"/>
-                      </p:stCondLst>
-                      <p:childTnLst>
-                        <p:par>
-                          <p:cTn id="10" fill="hold">
-                            <p:stCondLst>
-                              <p:cond delay="0"/>
-                            </p:stCondLst>
-                            <p:childTnLst>
-                              <p:par>
-                                <p:cTn id="11" presetID="2" presetClass="entr" presetSubtype="4" fill="hold" nodeType="clickEffect">
-                                  <p:stCondLst>
-                                    <p:cond delay="0"/>
-                                  </p:stCondLst>
-                                  <p:childTnLst>
-                                    <p:set>
-                                      <p:cBhvr>
-                                        <p:cTn id="12" dur="1" fill="hold">
-                                          <p:stCondLst>
-                                            <p:cond delay="0"/>
-                                          </p:stCondLst>
-                                        </p:cTn>
-                                        <p:tgtEl>
-                                          <p:spTgt spid="15">
-                                            <p:txEl>
-                                              <p:pRg st="1" end="1"/>
-                                            </p:txEl>
-                                          </p:spTgt>
-                                        </p:tgtEl>
-                                        <p:attrNameLst>
-                                          <p:attrName>style.visibility</p:attrName>
-                                        </p:attrNameLst>
-                                      </p:cBhvr>
-                                      <p:to>
-                                        <p:strVal val="visible"/>
-                                      </p:to>
-                                    </p:set>
-                                    <p:anim calcmode="lin" valueType="num">
-                                      <p:cBhvr additive="base">
-                                        <p:cTn id="13" dur="500" fill="hold"/>
-                                        <p:tgtEl>
-                                          <p:spTgt spid="15">
-                                            <p:txEl>
-                                              <p:pRg st="1" end="1"/>
-                                            </p:txEl>
-                                          </p:spTgt>
-                                        </p:tgtEl>
-                                        <p:attrNameLst>
-                                          <p:attrName>ppt_x</p:attrName>
-                                        </p:attrNameLst>
-                                      </p:cBhvr>
-                                      <p:tavLst>
-                                        <p:tav tm="0">
-                                          <p:val>
-                                            <p:strVal val="#ppt_x"/>
-                                          </p:val>
-                                        </p:tav>
-                                        <p:tav tm="100000">
-                                          <p:val>
-                                            <p:strVal val="#ppt_x"/>
-                                          </p:val>
-                                        </p:tav>
-                                      </p:tavLst>
-                                    </p:anim>
-                                    <p:anim calcmode="lin" valueType="num">
-                                      <p:cBhvr additive="base">
-                                        <p:cTn id="14" dur="500" fill="hold"/>
-                                        <p:tgtEl>
-                                          <p:spTgt spid="15">
-                                            <p:txEl>
-                                              <p:pRg st="1" end="1"/>
-                                            </p:txEl>
-                                          </p:spTgt>
-                                        </p:tgtEl>
-                                        <p:attrNameLst>
-                                          <p:attrName>ppt_y</p:attrName>
-                                        </p:attrNameLst>
-                                      </p:cBhvr>
-                                      <p:tavLst>
-                                        <p:tav tm="0">
-                                          <p:val>
-                                            <p:strVal val="1+#ppt_h/2"/>
-                                          </p:val>
-                                        </p:tav>
-                                        <p:tav tm="100000">
-                                          <p:val>
-                                            <p:strVal val="#ppt_y"/>
-                                          </p:val>
-                                        </p:tav>
-                                      </p:tavLst>
-                                    </p:anim>
-                                  </p:childTnLst>
-                                </p:cTn>
-                              </p:par>
-                              <p:par>
-                                <p:cTn id="15" presetID="2" presetClass="entr" presetSubtype="4" fill="hold" nodeType="withEffect">
-                                  <p:stCondLst>
-                                    <p:cond delay="0"/>
-                                  </p:stCondLst>
-                                  <p:childTnLst>
-                                    <p:set>
-                                      <p:cBhvr>
-                                        <p:cTn id="16" dur="1" fill="hold">
-                                          <p:stCondLst>
-                                            <p:cond delay="0"/>
-                                          </p:stCondLst>
-                                        </p:cTn>
-                                        <p:tgtEl>
-                                          <p:spTgt spid="8"/>
-                                        </p:tgtEl>
-                                        <p:attrNameLst>
-                                          <p:attrName>style.visibility</p:attrName>
-                                        </p:attrNameLst>
-                                      </p:cBhvr>
-                                      <p:to>
-                                        <p:strVal val="visible"/>
-                                      </p:to>
-                                    </p:set>
-                                    <p:anim calcmode="lin" valueType="num">
-                                      <p:cBhvr additive="base">
-                                        <p:cTn id="17" dur="500" fill="hold"/>
-                                        <p:tgtEl>
-                                          <p:spTgt spid="8"/>
-                                        </p:tgtEl>
-                                        <p:attrNameLst>
-                                          <p:attrName>ppt_x</p:attrName>
-                                        </p:attrNameLst>
-                                      </p:cBhvr>
-                                      <p:tavLst>
-                                        <p:tav tm="0">
-                                          <p:val>
-                                            <p:strVal val="#ppt_x"/>
-                                          </p:val>
-                                        </p:tav>
-                                        <p:tav tm="100000">
-                                          <p:val>
-                                            <p:strVal val="#ppt_x"/>
-                                          </p:val>
-                                        </p:tav>
-                                      </p:tavLst>
-                                    </p:anim>
-                                    <p:anim calcmode="lin" valueType="num">
-                                      <p:cBhvr additive="base">
-                                        <p:cTn id="18" dur="500" fill="hold"/>
-                                        <p:tgtEl>
-                                          <p:spTgt spid="8"/>
-                                        </p:tgtEl>
-                                        <p:attrNameLst>
-                                          <p:attrName>ppt_y</p:attrName>
-                                        </p:attrNameLst>
-                                      </p:cBhvr>
-                                      <p:tavLst>
-                                        <p:tav tm="0">
-                                          <p:val>
-                                            <p:strVal val="1+#ppt_h/2"/>
-                                          </p:val>
-                                        </p:tav>
-                                        <p:tav tm="100000">
-                                          <p:val>
-                                            <p:strVal val="#ppt_y"/>
-                                          </p:val>
-                                        </p:tav>
-                                      </p:tavLst>
-                                    </p:anim>
-                                  </p:childTnLst>
-                                </p:cTn>
-                              </p:par>
-                            </p:childTnLst>
-                          </p:cTn>
-                        </p:par>
-                      </p:childTnLst>
-                    </p:cTn>
-                  </p:par>
-                  <p:par>
-                    <p:cTn id="19" fill="hold">
-                      <p:stCondLst>
-                        <p:cond delay="indefinite"/>
-                      </p:stCondLst>
-                      <p:childTnLst>
-                        <p:par>
-                          <p:cTn id="20" fill="hold">
-                            <p:stCondLst>
-                              <p:cond delay="0"/>
-                            </p:stCondLst>
-                            <p:childTnLst>
-                              <p:par>
-                                <p:cTn id="21" presetID="2" presetClass="entr" presetSubtype="4" fill="hold" nodeType="clickEffect">
-                                  <p:stCondLst>
-                                    <p:cond delay="0"/>
-                                  </p:stCondLst>
-                                  <p:childTnLst>
-                                    <p:set>
-                                      <p:cBhvr>
-                                        <p:cTn id="22" dur="1" fill="hold">
-                                          <p:stCondLst>
-                                            <p:cond delay="0"/>
-                                          </p:stCondLst>
-                                        </p:cTn>
-                                        <p:tgtEl>
-                                          <p:spTgt spid="15">
-                                            <p:txEl>
-                                              <p:pRg st="4" end="4"/>
-                                            </p:txEl>
-                                          </p:spTgt>
-                                        </p:tgtEl>
-                                        <p:attrNameLst>
-                                          <p:attrName>style.visibility</p:attrName>
-                                        </p:attrNameLst>
-                                      </p:cBhvr>
-                                      <p:to>
-                                        <p:strVal val="visible"/>
-                                      </p:to>
-                                    </p:set>
-                                    <p:anim calcmode="lin" valueType="num">
-                                      <p:cBhvr additive="base">
-                                        <p:cTn id="23" dur="500" fill="hold"/>
-                                        <p:tgtEl>
-                                          <p:spTgt spid="15">
-                                            <p:txEl>
-                                              <p:pRg st="4" end="4"/>
-                                            </p:txEl>
-                                          </p:spTgt>
-                                        </p:tgtEl>
-                                        <p:attrNameLst>
-                                          <p:attrName>ppt_x</p:attrName>
-                                        </p:attrNameLst>
-                                      </p:cBhvr>
-                                      <p:tavLst>
-                                        <p:tav tm="0">
-                                          <p:val>
-                                            <p:strVal val="#ppt_x"/>
-                                          </p:val>
-                                        </p:tav>
-                                        <p:tav tm="100000">
-                                          <p:val>
-                                            <p:strVal val="#ppt_x"/>
-                                          </p:val>
-                                        </p:tav>
-                                      </p:tavLst>
-                                    </p:anim>
-                                    <p:anim calcmode="lin" valueType="num">
-                                      <p:cBhvr additive="base">
-                                        <p:cTn id="24" dur="500" fill="hold"/>
-                                        <p:tgtEl>
-                                          <p:spTgt spid="15">
-                                            <p:txEl>
-                                              <p:pRg st="4" end="4"/>
-                                            </p:txEl>
-                                          </p:spTgt>
-                                        </p:tgtEl>
-                                        <p:attrNameLst>
-                                          <p:attrName>ppt_y</p:attrName>
-                                        </p:attrNameLst>
-                                      </p:cBhvr>
-                                      <p:tavLst>
-                                        <p:tav tm="0">
-                                          <p:val>
-                                            <p:strVal val="1+#ppt_h/2"/>
-                                          </p:val>
-                                        </p:tav>
-                                        <p:tav tm="100000">
-                                          <p:val>
-                                            <p:strVal val="#ppt_y"/>
-                                          </p:val>
-                                        </p:tav>
-                                      </p:tavLst>
-                                    </p:anim>
-                                  </p:childTnLst>
-                                </p:cTn>
-                              </p:par>
-                            </p:childTnLst>
-                          </p:cTn>
-                        </p:par>
-                      </p:childTnLst>
-                    </p:cTn>
-                  </p:par>
-                  <p:par>
-                    <p:cTn id="25" fill="hold">
-                      <p:stCondLst>
-                        <p:cond delay="indefinite"/>
-                      </p:stCondLst>
-                      <p:childTnLst>
-                        <p:par>
-                          <p:cTn id="26" fill="hold">
-                            <p:stCondLst>
-                              <p:cond delay="0"/>
-                            </p:stCondLst>
-                            <p:childTnLst>
-                              <p:par>
-                                <p:cTn id="27" presetID="2" presetClass="entr" presetSubtype="4" fill="hold" nodeType="clickEffect">
-                                  <p:stCondLst>
-                                    <p:cond delay="0"/>
-                                  </p:stCondLst>
-                                  <p:childTnLst>
-                                    <p:set>
-                                      <p:cBhvr>
-                                        <p:cTn id="28" dur="1" fill="hold">
-                                          <p:stCondLst>
-                                            <p:cond delay="0"/>
-                                          </p:stCondLst>
-                                        </p:cTn>
-                                        <p:tgtEl>
-                                          <p:spTgt spid="15">
-                                            <p:txEl>
-                                              <p:pRg st="5" end="5"/>
-                                            </p:txEl>
-                                          </p:spTgt>
-                                        </p:tgtEl>
-                                        <p:attrNameLst>
-                                          <p:attrName>style.visibility</p:attrName>
-                                        </p:attrNameLst>
-                                      </p:cBhvr>
-                                      <p:to>
-                                        <p:strVal val="visible"/>
-                                      </p:to>
-                                    </p:set>
-                                    <p:anim calcmode="lin" valueType="num">
-                                      <p:cBhvr additive="base">
-                                        <p:cTn id="29" dur="500" fill="hold"/>
-                                        <p:tgtEl>
-                                          <p:spTgt spid="15">
-                                            <p:txEl>
-                                              <p:pRg st="5" end="5"/>
-                                            </p:txEl>
-                                          </p:spTgt>
-                                        </p:tgtEl>
-                                        <p:attrNameLst>
-                                          <p:attrName>ppt_x</p:attrName>
-                                        </p:attrNameLst>
-                                      </p:cBhvr>
-                                      <p:tavLst>
-                                        <p:tav tm="0">
-                                          <p:val>
-                                            <p:strVal val="#ppt_x"/>
-                                          </p:val>
-                                        </p:tav>
-                                        <p:tav tm="100000">
-                                          <p:val>
-                                            <p:strVal val="#ppt_x"/>
-                                          </p:val>
-                                        </p:tav>
-                                      </p:tavLst>
-                                    </p:anim>
-                                    <p:anim calcmode="lin" valueType="num">
-                                      <p:cBhvr additive="base">
-                                        <p:cTn id="30" dur="500" fill="hold"/>
-                                        <p:tgtEl>
-                                          <p:spTgt spid="15">
-                                            <p:txEl>
-                                              <p:pRg st="5" end="5"/>
-                                            </p:txEl>
-                                          </p:spTgt>
-                                        </p:tgtEl>
-                                        <p:attrNameLst>
-                                          <p:attrName>ppt_y</p:attrName>
-                                        </p:attrNameLst>
-                                      </p:cBhvr>
-                                      <p:tavLst>
-                                        <p:tav tm="0">
-                                          <p:val>
-                                            <p:strVal val="1+#ppt_h/2"/>
-                                          </p:val>
-                                        </p:tav>
-                                        <p:tav tm="100000">
-                                          <p:val>
-                                            <p:strVal val="#ppt_y"/>
-                                          </p:val>
-                                        </p:tav>
-                                      </p:tavLst>
-                                    </p:anim>
-                                  </p:childTnLst>
-                                </p:cTn>
-                              </p:par>
-                            </p:childTnLst>
-                          </p:cTn>
-                        </p:par>
-                      </p:childTnLst>
-                    </p:cTn>
-                  </p:par>
-                  <p:par>
-                    <p:cTn id="31" fill="hold">
-                      <p:stCondLst>
-                        <p:cond delay="indefinite"/>
-                      </p:stCondLst>
-                      <p:childTnLst>
-                        <p:par>
-                          <p:cTn id="32" fill="hold">
-                            <p:stCondLst>
-                              <p:cond delay="0"/>
-                            </p:stCondLst>
-                            <p:childTnLst>
-                              <p:par>
-                                <p:cTn id="33" presetID="2" presetClass="entr" presetSubtype="4" fill="hold" nodeType="clickEffect">
-                                  <p:stCondLst>
-                                    <p:cond delay="0"/>
-                                  </p:stCondLst>
-                                  <p:childTnLst>
-                                    <p:set>
-                                      <p:cBhvr>
-                                        <p:cTn id="34" dur="1" fill="hold">
-                                          <p:stCondLst>
-                                            <p:cond delay="0"/>
-                                          </p:stCondLst>
-                                        </p:cTn>
-                                        <p:tgtEl>
-                                          <p:spTgt spid="15">
-                                            <p:txEl>
-                                              <p:pRg st="6" end="6"/>
-                                            </p:txEl>
-                                          </p:spTgt>
-                                        </p:tgtEl>
-                                        <p:attrNameLst>
-                                          <p:attrName>style.visibility</p:attrName>
-                                        </p:attrNameLst>
-                                      </p:cBhvr>
-                                      <p:to>
-                                        <p:strVal val="visible"/>
-                                      </p:to>
-                                    </p:set>
-                                    <p:anim calcmode="lin" valueType="num">
-                                      <p:cBhvr additive="base">
-                                        <p:cTn id="35" dur="500" fill="hold"/>
-                                        <p:tgtEl>
-                                          <p:spTgt spid="15">
-                                            <p:txEl>
-                                              <p:pRg st="6" end="6"/>
-                                            </p:txEl>
-                                          </p:spTgt>
-                                        </p:tgtEl>
-                                        <p:attrNameLst>
-                                          <p:attrName>ppt_x</p:attrName>
-                                        </p:attrNameLst>
-                                      </p:cBhvr>
-                                      <p:tavLst>
-                                        <p:tav tm="0">
-                                          <p:val>
-                                            <p:strVal val="#ppt_x"/>
-                                          </p:val>
-                                        </p:tav>
-                                        <p:tav tm="100000">
-                                          <p:val>
-                                            <p:strVal val="#ppt_x"/>
-                                          </p:val>
-                                        </p:tav>
-                                      </p:tavLst>
-                                    </p:anim>
-                                    <p:anim calcmode="lin" valueType="num">
-                                      <p:cBhvr additive="base">
-                                        <p:cTn id="36" dur="500" fill="hold"/>
-                                        <p:tgtEl>
-                                          <p:spTgt spid="15">
-                                            <p:txEl>
-                                              <p:pRg st="6" end="6"/>
-                                            </p:txEl>
-                                          </p:spTgt>
-                                        </p:tgtEl>
-                                        <p:attrNameLst>
-                                          <p:attrName>ppt_y</p:attrName>
-                                        </p:attrNameLst>
-                                      </p:cBhvr>
-                                      <p:tavLst>
-                                        <p:tav tm="0">
-                                          <p:val>
-                                            <p:strVal val="1+#ppt_h/2"/>
-                                          </p:val>
-                                        </p:tav>
-                                        <p:tav tm="100000">
-                                          <p:val>
-                                            <p:strVal val="#ppt_y"/>
-                                          </p:val>
-                                        </p:tav>
-                                      </p:tavLst>
-                                    </p:anim>
-                                  </p:childTnLst>
-                                </p:cTn>
-                              </p:par>
-                              <p:par>
-                                <p:cTn id="37" presetID="2" presetClass="entr" presetSubtype="4" fill="hold" nodeType="withEffect">
-                                  <p:stCondLst>
-                                    <p:cond delay="0"/>
-                                  </p:stCondLst>
-                                  <p:childTnLst>
-                                    <p:set>
-                                      <p:cBhvr>
-                                        <p:cTn id="38" dur="1" fill="hold">
-                                          <p:stCondLst>
-                                            <p:cond delay="0"/>
-                                          </p:stCondLst>
-                                        </p:cTn>
-                                        <p:tgtEl>
-                                          <p:spTgt spid="10"/>
-                                        </p:tgtEl>
-                                        <p:attrNameLst>
-                                          <p:attrName>style.visibility</p:attrName>
-                                        </p:attrNameLst>
-                                      </p:cBhvr>
-                                      <p:to>
-                                        <p:strVal val="visible"/>
-                                      </p:to>
-                                    </p:set>
-                                    <p:anim calcmode="lin" valueType="num">
-                                      <p:cBhvr additive="base">
-                                        <p:cTn id="39" dur="500" fill="hold"/>
-                                        <p:tgtEl>
-                                          <p:spTgt spid="10"/>
-                                        </p:tgtEl>
-                                        <p:attrNameLst>
-                                          <p:attrName>ppt_x</p:attrName>
-                                        </p:attrNameLst>
-                                      </p:cBhvr>
-                                      <p:tavLst>
-                                        <p:tav tm="0">
-                                          <p:val>
-                                            <p:strVal val="#ppt_x"/>
-                                          </p:val>
-                                        </p:tav>
-                                        <p:tav tm="100000">
-                                          <p:val>
-                                            <p:strVal val="#ppt_x"/>
-                                          </p:val>
-                                        </p:tav>
-                                      </p:tavLst>
-                                    </p:anim>
-                                    <p:anim calcmode="lin" valueType="num">
-                                      <p:cBhvr additive="base">
-                                        <p:cTn id="40" dur="500" fill="hold"/>
-                                        <p:tgtEl>
-                                          <p:spTgt spid="10"/>
-                                        </p:tgtEl>
-                                        <p:attrNameLst>
-                                          <p:attrName>ppt_y</p:attrName>
-                                        </p:attrNameLst>
-                                      </p:cBhvr>
-                                      <p:tavLst>
-                                        <p:tav tm="0">
-                                          <p:val>
-                                            <p:strVal val="1+#ppt_h/2"/>
-                                          </p:val>
-                                        </p:tav>
-                                        <p:tav tm="100000">
-                                          <p:val>
-                                            <p:strVal val="#ppt_y"/>
-                                          </p:val>
-                                        </p:tav>
-                                      </p:tavLst>
-                                    </p:anim>
-                                  </p:childTnLst>
-                                </p:cTn>
-                              </p:par>
-                            </p:childTnLst>
-                          </p:cTn>
-                        </p:par>
-                      </p:childTnLst>
-                    </p:cTn>
-                  </p:par>
-                </p:childTnLst>
-              </p:cTn>
-              <p:prevCondLst>
-                <p:cond evt="onPrev" delay="0">
-                  <p:tgtEl>
-                    <p:sldTgt/>
-                  </p:tgtEl>
-                </p:cond>
-              </p:prevCondLst>
-              <p:nextCondLst>
-                <p:cond evt="onNext" delay="0">
-                  <p:tgtEl>
-                    <p:sldTgt/>
-                  </p:tgtEl>
-                </p:cond>
-              </p:nextCondLst>
-            </p:seq>
-          </p:childTnLst>
-        </p:cTn>
+        <p:cTn xmlns:p14="http://schemas.microsoft.com/office/powerpoint/2010/main" id="1" dur="indefinite" restart="never" nodeType="tmRoot"/>
       </p:par>
     </p:tnLst>
   </p:timing>
@@ -32561,691 +29368,7 @@
   <p:timing>
     <p:tnLst>
       <p:par>
-        <p:cTn xmlns:p14="http://schemas.microsoft.com/office/powerpoint/2010/main" id="1" dur="indefinite" restart="never" nodeType="tmRoot">
-          <p:childTnLst>
-            <p:seq concurrent="1" nextAc="seek">
-              <p:cTn id="2" dur="indefinite" nodeType="mainSeq">
-                <p:childTnLst>
-                  <p:par>
-                    <p:cTn id="3" fill="hold">
-                      <p:stCondLst>
-                        <p:cond delay="indefinite"/>
-                      </p:stCondLst>
-                      <p:childTnLst>
-                        <p:par>
-                          <p:cTn id="4" fill="hold">
-                            <p:stCondLst>
-                              <p:cond delay="0"/>
-                            </p:stCondLst>
-                            <p:childTnLst>
-                              <p:par>
-                                <p:cTn id="5" presetID="2" presetClass="entr" presetSubtype="4" fill="hold" nodeType="clickEffect">
-                                  <p:stCondLst>
-                                    <p:cond delay="0"/>
-                                  </p:stCondLst>
-                                  <p:childTnLst>
-                                    <p:set>
-                                      <p:cBhvr>
-                                        <p:cTn id="6" dur="1" fill="hold">
-                                          <p:stCondLst>
-                                            <p:cond delay="0"/>
-                                          </p:stCondLst>
-                                        </p:cTn>
-                                        <p:tgtEl>
-                                          <p:spTgt spid="15">
-                                            <p:txEl>
-                                              <p:pRg st="0" end="0"/>
-                                            </p:txEl>
-                                          </p:spTgt>
-                                        </p:tgtEl>
-                                        <p:attrNameLst>
-                                          <p:attrName>style.visibility</p:attrName>
-                                        </p:attrNameLst>
-                                      </p:cBhvr>
-                                      <p:to>
-                                        <p:strVal val="visible"/>
-                                      </p:to>
-                                    </p:set>
-                                    <p:anim calcmode="lin" valueType="num">
-                                      <p:cBhvr additive="base">
-                                        <p:cTn id="7" dur="500" fill="hold"/>
-                                        <p:tgtEl>
-                                          <p:spTgt spid="15">
-                                            <p:txEl>
-                                              <p:pRg st="0" end="0"/>
-                                            </p:txEl>
-                                          </p:spTgt>
-                                        </p:tgtEl>
-                                        <p:attrNameLst>
-                                          <p:attrName>ppt_x</p:attrName>
-                                        </p:attrNameLst>
-                                      </p:cBhvr>
-                                      <p:tavLst>
-                                        <p:tav tm="0">
-                                          <p:val>
-                                            <p:strVal val="#ppt_x"/>
-                                          </p:val>
-                                        </p:tav>
-                                        <p:tav tm="100000">
-                                          <p:val>
-                                            <p:strVal val="#ppt_x"/>
-                                          </p:val>
-                                        </p:tav>
-                                      </p:tavLst>
-                                    </p:anim>
-                                    <p:anim calcmode="lin" valueType="num">
-                                      <p:cBhvr additive="base">
-                                        <p:cTn id="8" dur="500" fill="hold"/>
-                                        <p:tgtEl>
-                                          <p:spTgt spid="15">
-                                            <p:txEl>
-                                              <p:pRg st="0" end="0"/>
-                                            </p:txEl>
-                                          </p:spTgt>
-                                        </p:tgtEl>
-                                        <p:attrNameLst>
-                                          <p:attrName>ppt_y</p:attrName>
-                                        </p:attrNameLst>
-                                      </p:cBhvr>
-                                      <p:tavLst>
-                                        <p:tav tm="0">
-                                          <p:val>
-                                            <p:strVal val="1+#ppt_h/2"/>
-                                          </p:val>
-                                        </p:tav>
-                                        <p:tav tm="100000">
-                                          <p:val>
-                                            <p:strVal val="#ppt_y"/>
-                                          </p:val>
-                                        </p:tav>
-                                      </p:tavLst>
-                                    </p:anim>
-                                  </p:childTnLst>
-                                </p:cTn>
-                              </p:par>
-                            </p:childTnLst>
-                          </p:cTn>
-                        </p:par>
-                      </p:childTnLst>
-                    </p:cTn>
-                  </p:par>
-                  <p:par>
-                    <p:cTn id="9" fill="hold">
-                      <p:stCondLst>
-                        <p:cond delay="indefinite"/>
-                      </p:stCondLst>
-                      <p:childTnLst>
-                        <p:par>
-                          <p:cTn id="10" fill="hold">
-                            <p:stCondLst>
-                              <p:cond delay="0"/>
-                            </p:stCondLst>
-                            <p:childTnLst>
-                              <p:par>
-                                <p:cTn id="11" presetID="2" presetClass="entr" presetSubtype="4" fill="hold" nodeType="clickEffect">
-                                  <p:stCondLst>
-                                    <p:cond delay="0"/>
-                                  </p:stCondLst>
-                                  <p:childTnLst>
-                                    <p:set>
-                                      <p:cBhvr>
-                                        <p:cTn id="12" dur="1" fill="hold">
-                                          <p:stCondLst>
-                                            <p:cond delay="0"/>
-                                          </p:stCondLst>
-                                        </p:cTn>
-                                        <p:tgtEl>
-                                          <p:spTgt spid="15">
-                                            <p:txEl>
-                                              <p:pRg st="2" end="2"/>
-                                            </p:txEl>
-                                          </p:spTgt>
-                                        </p:tgtEl>
-                                        <p:attrNameLst>
-                                          <p:attrName>style.visibility</p:attrName>
-                                        </p:attrNameLst>
-                                      </p:cBhvr>
-                                      <p:to>
-                                        <p:strVal val="visible"/>
-                                      </p:to>
-                                    </p:set>
-                                    <p:anim calcmode="lin" valueType="num">
-                                      <p:cBhvr additive="base">
-                                        <p:cTn id="13" dur="500" fill="hold"/>
-                                        <p:tgtEl>
-                                          <p:spTgt spid="15">
-                                            <p:txEl>
-                                              <p:pRg st="2" end="2"/>
-                                            </p:txEl>
-                                          </p:spTgt>
-                                        </p:tgtEl>
-                                        <p:attrNameLst>
-                                          <p:attrName>ppt_x</p:attrName>
-                                        </p:attrNameLst>
-                                      </p:cBhvr>
-                                      <p:tavLst>
-                                        <p:tav tm="0">
-                                          <p:val>
-                                            <p:strVal val="#ppt_x"/>
-                                          </p:val>
-                                        </p:tav>
-                                        <p:tav tm="100000">
-                                          <p:val>
-                                            <p:strVal val="#ppt_x"/>
-                                          </p:val>
-                                        </p:tav>
-                                      </p:tavLst>
-                                    </p:anim>
-                                    <p:anim calcmode="lin" valueType="num">
-                                      <p:cBhvr additive="base">
-                                        <p:cTn id="14" dur="500" fill="hold"/>
-                                        <p:tgtEl>
-                                          <p:spTgt spid="15">
-                                            <p:txEl>
-                                              <p:pRg st="2" end="2"/>
-                                            </p:txEl>
-                                          </p:spTgt>
-                                        </p:tgtEl>
-                                        <p:attrNameLst>
-                                          <p:attrName>ppt_y</p:attrName>
-                                        </p:attrNameLst>
-                                      </p:cBhvr>
-                                      <p:tavLst>
-                                        <p:tav tm="0">
-                                          <p:val>
-                                            <p:strVal val="1+#ppt_h/2"/>
-                                          </p:val>
-                                        </p:tav>
-                                        <p:tav tm="100000">
-                                          <p:val>
-                                            <p:strVal val="#ppt_y"/>
-                                          </p:val>
-                                        </p:tav>
-                                      </p:tavLst>
-                                    </p:anim>
-                                  </p:childTnLst>
-                                </p:cTn>
-                              </p:par>
-                              <p:par>
-                                <p:cTn id="15" presetID="2" presetClass="entr" presetSubtype="4" fill="hold" nodeType="withEffect">
-                                  <p:stCondLst>
-                                    <p:cond delay="0"/>
-                                  </p:stCondLst>
-                                  <p:childTnLst>
-                                    <p:set>
-                                      <p:cBhvr>
-                                        <p:cTn id="16" dur="1" fill="hold">
-                                          <p:stCondLst>
-                                            <p:cond delay="0"/>
-                                          </p:stCondLst>
-                                        </p:cTn>
-                                        <p:tgtEl>
-                                          <p:spTgt spid="8"/>
-                                        </p:tgtEl>
-                                        <p:attrNameLst>
-                                          <p:attrName>style.visibility</p:attrName>
-                                        </p:attrNameLst>
-                                      </p:cBhvr>
-                                      <p:to>
-                                        <p:strVal val="visible"/>
-                                      </p:to>
-                                    </p:set>
-                                    <p:anim calcmode="lin" valueType="num">
-                                      <p:cBhvr additive="base">
-                                        <p:cTn id="17" dur="500" fill="hold"/>
-                                        <p:tgtEl>
-                                          <p:spTgt spid="8"/>
-                                        </p:tgtEl>
-                                        <p:attrNameLst>
-                                          <p:attrName>ppt_x</p:attrName>
-                                        </p:attrNameLst>
-                                      </p:cBhvr>
-                                      <p:tavLst>
-                                        <p:tav tm="0">
-                                          <p:val>
-                                            <p:strVal val="#ppt_x"/>
-                                          </p:val>
-                                        </p:tav>
-                                        <p:tav tm="100000">
-                                          <p:val>
-                                            <p:strVal val="#ppt_x"/>
-                                          </p:val>
-                                        </p:tav>
-                                      </p:tavLst>
-                                    </p:anim>
-                                    <p:anim calcmode="lin" valueType="num">
-                                      <p:cBhvr additive="base">
-                                        <p:cTn id="18" dur="500" fill="hold"/>
-                                        <p:tgtEl>
-                                          <p:spTgt spid="8"/>
-                                        </p:tgtEl>
-                                        <p:attrNameLst>
-                                          <p:attrName>ppt_y</p:attrName>
-                                        </p:attrNameLst>
-                                      </p:cBhvr>
-                                      <p:tavLst>
-                                        <p:tav tm="0">
-                                          <p:val>
-                                            <p:strVal val="1+#ppt_h/2"/>
-                                          </p:val>
-                                        </p:tav>
-                                        <p:tav tm="100000">
-                                          <p:val>
-                                            <p:strVal val="#ppt_y"/>
-                                          </p:val>
-                                        </p:tav>
-                                      </p:tavLst>
-                                    </p:anim>
-                                  </p:childTnLst>
-                                </p:cTn>
-                              </p:par>
-                            </p:childTnLst>
-                          </p:cTn>
-                        </p:par>
-                      </p:childTnLst>
-                    </p:cTn>
-                  </p:par>
-                  <p:par>
-                    <p:cTn id="19" fill="hold">
-                      <p:stCondLst>
-                        <p:cond delay="indefinite"/>
-                      </p:stCondLst>
-                      <p:childTnLst>
-                        <p:par>
-                          <p:cTn id="20" fill="hold">
-                            <p:stCondLst>
-                              <p:cond delay="0"/>
-                            </p:stCondLst>
-                            <p:childTnLst>
-                              <p:par>
-                                <p:cTn id="21" presetID="2" presetClass="entr" presetSubtype="4" fill="hold" nodeType="clickEffect">
-                                  <p:stCondLst>
-                                    <p:cond delay="0"/>
-                                  </p:stCondLst>
-                                  <p:childTnLst>
-                                    <p:set>
-                                      <p:cBhvr>
-                                        <p:cTn id="22" dur="1" fill="hold">
-                                          <p:stCondLst>
-                                            <p:cond delay="0"/>
-                                          </p:stCondLst>
-                                        </p:cTn>
-                                        <p:tgtEl>
-                                          <p:spTgt spid="15">
-                                            <p:txEl>
-                                              <p:pRg st="5" end="5"/>
-                                            </p:txEl>
-                                          </p:spTgt>
-                                        </p:tgtEl>
-                                        <p:attrNameLst>
-                                          <p:attrName>style.visibility</p:attrName>
-                                        </p:attrNameLst>
-                                      </p:cBhvr>
-                                      <p:to>
-                                        <p:strVal val="visible"/>
-                                      </p:to>
-                                    </p:set>
-                                    <p:anim calcmode="lin" valueType="num">
-                                      <p:cBhvr additive="base">
-                                        <p:cTn id="23" dur="500" fill="hold"/>
-                                        <p:tgtEl>
-                                          <p:spTgt spid="15">
-                                            <p:txEl>
-                                              <p:pRg st="5" end="5"/>
-                                            </p:txEl>
-                                          </p:spTgt>
-                                        </p:tgtEl>
-                                        <p:attrNameLst>
-                                          <p:attrName>ppt_x</p:attrName>
-                                        </p:attrNameLst>
-                                      </p:cBhvr>
-                                      <p:tavLst>
-                                        <p:tav tm="0">
-                                          <p:val>
-                                            <p:strVal val="#ppt_x"/>
-                                          </p:val>
-                                        </p:tav>
-                                        <p:tav tm="100000">
-                                          <p:val>
-                                            <p:strVal val="#ppt_x"/>
-                                          </p:val>
-                                        </p:tav>
-                                      </p:tavLst>
-                                    </p:anim>
-                                    <p:anim calcmode="lin" valueType="num">
-                                      <p:cBhvr additive="base">
-                                        <p:cTn id="24" dur="500" fill="hold"/>
-                                        <p:tgtEl>
-                                          <p:spTgt spid="15">
-                                            <p:txEl>
-                                              <p:pRg st="5" end="5"/>
-                                            </p:txEl>
-                                          </p:spTgt>
-                                        </p:tgtEl>
-                                        <p:attrNameLst>
-                                          <p:attrName>ppt_y</p:attrName>
-                                        </p:attrNameLst>
-                                      </p:cBhvr>
-                                      <p:tavLst>
-                                        <p:tav tm="0">
-                                          <p:val>
-                                            <p:strVal val="1+#ppt_h/2"/>
-                                          </p:val>
-                                        </p:tav>
-                                        <p:tav tm="100000">
-                                          <p:val>
-                                            <p:strVal val="#ppt_y"/>
-                                          </p:val>
-                                        </p:tav>
-                                      </p:tavLst>
-                                    </p:anim>
-                                  </p:childTnLst>
-                                </p:cTn>
-                              </p:par>
-                            </p:childTnLst>
-                          </p:cTn>
-                        </p:par>
-                      </p:childTnLst>
-                    </p:cTn>
-                  </p:par>
-                  <p:par>
-                    <p:cTn id="25" fill="hold">
-                      <p:stCondLst>
-                        <p:cond delay="indefinite"/>
-                      </p:stCondLst>
-                      <p:childTnLst>
-                        <p:par>
-                          <p:cTn id="26" fill="hold">
-                            <p:stCondLst>
-                              <p:cond delay="0"/>
-                            </p:stCondLst>
-                            <p:childTnLst>
-                              <p:par>
-                                <p:cTn id="27" presetID="2" presetClass="entr" presetSubtype="4" fill="hold" nodeType="clickEffect">
-                                  <p:stCondLst>
-                                    <p:cond delay="0"/>
-                                  </p:stCondLst>
-                                  <p:childTnLst>
-                                    <p:set>
-                                      <p:cBhvr>
-                                        <p:cTn id="28" dur="1" fill="hold">
-                                          <p:stCondLst>
-                                            <p:cond delay="0"/>
-                                          </p:stCondLst>
-                                        </p:cTn>
-                                        <p:tgtEl>
-                                          <p:spTgt spid="15">
-                                            <p:txEl>
-                                              <p:pRg st="6" end="6"/>
-                                            </p:txEl>
-                                          </p:spTgt>
-                                        </p:tgtEl>
-                                        <p:attrNameLst>
-                                          <p:attrName>style.visibility</p:attrName>
-                                        </p:attrNameLst>
-                                      </p:cBhvr>
-                                      <p:to>
-                                        <p:strVal val="visible"/>
-                                      </p:to>
-                                    </p:set>
-                                    <p:anim calcmode="lin" valueType="num">
-                                      <p:cBhvr additive="base">
-                                        <p:cTn id="29" dur="500" fill="hold"/>
-                                        <p:tgtEl>
-                                          <p:spTgt spid="15">
-                                            <p:txEl>
-                                              <p:pRg st="6" end="6"/>
-                                            </p:txEl>
-                                          </p:spTgt>
-                                        </p:tgtEl>
-                                        <p:attrNameLst>
-                                          <p:attrName>ppt_x</p:attrName>
-                                        </p:attrNameLst>
-                                      </p:cBhvr>
-                                      <p:tavLst>
-                                        <p:tav tm="0">
-                                          <p:val>
-                                            <p:strVal val="#ppt_x"/>
-                                          </p:val>
-                                        </p:tav>
-                                        <p:tav tm="100000">
-                                          <p:val>
-                                            <p:strVal val="#ppt_x"/>
-                                          </p:val>
-                                        </p:tav>
-                                      </p:tavLst>
-                                    </p:anim>
-                                    <p:anim calcmode="lin" valueType="num">
-                                      <p:cBhvr additive="base">
-                                        <p:cTn id="30" dur="500" fill="hold"/>
-                                        <p:tgtEl>
-                                          <p:spTgt spid="15">
-                                            <p:txEl>
-                                              <p:pRg st="6" end="6"/>
-                                            </p:txEl>
-                                          </p:spTgt>
-                                        </p:tgtEl>
-                                        <p:attrNameLst>
-                                          <p:attrName>ppt_y</p:attrName>
-                                        </p:attrNameLst>
-                                      </p:cBhvr>
-                                      <p:tavLst>
-                                        <p:tav tm="0">
-                                          <p:val>
-                                            <p:strVal val="1+#ppt_h/2"/>
-                                          </p:val>
-                                        </p:tav>
-                                        <p:tav tm="100000">
-                                          <p:val>
-                                            <p:strVal val="#ppt_y"/>
-                                          </p:val>
-                                        </p:tav>
-                                      </p:tavLst>
-                                    </p:anim>
-                                  </p:childTnLst>
-                                </p:cTn>
-                              </p:par>
-                            </p:childTnLst>
-                          </p:cTn>
-                        </p:par>
-                      </p:childTnLst>
-                    </p:cTn>
-                  </p:par>
-                  <p:par>
-                    <p:cTn id="31" fill="hold">
-                      <p:stCondLst>
-                        <p:cond delay="indefinite"/>
-                      </p:stCondLst>
-                      <p:childTnLst>
-                        <p:par>
-                          <p:cTn id="32" fill="hold">
-                            <p:stCondLst>
-                              <p:cond delay="0"/>
-                            </p:stCondLst>
-                            <p:childTnLst>
-                              <p:par>
-                                <p:cTn id="33" presetID="2" presetClass="entr" presetSubtype="4" fill="hold" nodeType="clickEffect">
-                                  <p:stCondLst>
-                                    <p:cond delay="0"/>
-                                  </p:stCondLst>
-                                  <p:childTnLst>
-                                    <p:set>
-                                      <p:cBhvr>
-                                        <p:cTn id="34" dur="1" fill="hold">
-                                          <p:stCondLst>
-                                            <p:cond delay="0"/>
-                                          </p:stCondLst>
-                                        </p:cTn>
-                                        <p:tgtEl>
-                                          <p:spTgt spid="15">
-                                            <p:txEl>
-                                              <p:pRg st="7" end="7"/>
-                                            </p:txEl>
-                                          </p:spTgt>
-                                        </p:tgtEl>
-                                        <p:attrNameLst>
-                                          <p:attrName>style.visibility</p:attrName>
-                                        </p:attrNameLst>
-                                      </p:cBhvr>
-                                      <p:to>
-                                        <p:strVal val="visible"/>
-                                      </p:to>
-                                    </p:set>
-                                    <p:anim calcmode="lin" valueType="num">
-                                      <p:cBhvr additive="base">
-                                        <p:cTn id="35" dur="500" fill="hold"/>
-                                        <p:tgtEl>
-                                          <p:spTgt spid="15">
-                                            <p:txEl>
-                                              <p:pRg st="7" end="7"/>
-                                            </p:txEl>
-                                          </p:spTgt>
-                                        </p:tgtEl>
-                                        <p:attrNameLst>
-                                          <p:attrName>ppt_x</p:attrName>
-                                        </p:attrNameLst>
-                                      </p:cBhvr>
-                                      <p:tavLst>
-                                        <p:tav tm="0">
-                                          <p:val>
-                                            <p:strVal val="#ppt_x"/>
-                                          </p:val>
-                                        </p:tav>
-                                        <p:tav tm="100000">
-                                          <p:val>
-                                            <p:strVal val="#ppt_x"/>
-                                          </p:val>
-                                        </p:tav>
-                                      </p:tavLst>
-                                    </p:anim>
-                                    <p:anim calcmode="lin" valueType="num">
-                                      <p:cBhvr additive="base">
-                                        <p:cTn id="36" dur="500" fill="hold"/>
-                                        <p:tgtEl>
-                                          <p:spTgt spid="15">
-                                            <p:txEl>
-                                              <p:pRg st="7" end="7"/>
-                                            </p:txEl>
-                                          </p:spTgt>
-                                        </p:tgtEl>
-                                        <p:attrNameLst>
-                                          <p:attrName>ppt_y</p:attrName>
-                                        </p:attrNameLst>
-                                      </p:cBhvr>
-                                      <p:tavLst>
-                                        <p:tav tm="0">
-                                          <p:val>
-                                            <p:strVal val="1+#ppt_h/2"/>
-                                          </p:val>
-                                        </p:tav>
-                                        <p:tav tm="100000">
-                                          <p:val>
-                                            <p:strVal val="#ppt_y"/>
-                                          </p:val>
-                                        </p:tav>
-                                      </p:tavLst>
-                                    </p:anim>
-                                  </p:childTnLst>
-                                </p:cTn>
-                              </p:par>
-                              <p:par>
-                                <p:cTn id="37" presetID="2" presetClass="entr" presetSubtype="4" fill="hold" nodeType="withEffect">
-                                  <p:stCondLst>
-                                    <p:cond delay="0"/>
-                                  </p:stCondLst>
-                                  <p:childTnLst>
-                                    <p:set>
-                                      <p:cBhvr>
-                                        <p:cTn id="38" dur="1" fill="hold">
-                                          <p:stCondLst>
-                                            <p:cond delay="0"/>
-                                          </p:stCondLst>
-                                        </p:cTn>
-                                        <p:tgtEl>
-                                          <p:spTgt spid="10"/>
-                                        </p:tgtEl>
-                                        <p:attrNameLst>
-                                          <p:attrName>style.visibility</p:attrName>
-                                        </p:attrNameLst>
-                                      </p:cBhvr>
-                                      <p:to>
-                                        <p:strVal val="visible"/>
-                                      </p:to>
-                                    </p:set>
-                                    <p:anim calcmode="lin" valueType="num">
-                                      <p:cBhvr additive="base">
-                                        <p:cTn id="39" dur="500" fill="hold"/>
-                                        <p:tgtEl>
-                                          <p:spTgt spid="10"/>
-                                        </p:tgtEl>
-                                        <p:attrNameLst>
-                                          <p:attrName>ppt_x</p:attrName>
-                                        </p:attrNameLst>
-                                      </p:cBhvr>
-                                      <p:tavLst>
-                                        <p:tav tm="0">
-                                          <p:val>
-                                            <p:strVal val="#ppt_x"/>
-                                          </p:val>
-                                        </p:tav>
-                                        <p:tav tm="100000">
-                                          <p:val>
-                                            <p:strVal val="#ppt_x"/>
-                                          </p:val>
-                                        </p:tav>
-                                      </p:tavLst>
-                                    </p:anim>
-                                    <p:anim calcmode="lin" valueType="num">
-                                      <p:cBhvr additive="base">
-                                        <p:cTn id="40" dur="500" fill="hold"/>
-                                        <p:tgtEl>
-                                          <p:spTgt spid="10"/>
-                                        </p:tgtEl>
-                                        <p:attrNameLst>
-                                          <p:attrName>ppt_y</p:attrName>
-                                        </p:attrNameLst>
-                                      </p:cBhvr>
-                                      <p:tavLst>
-                                        <p:tav tm="0">
-                                          <p:val>
-                                            <p:strVal val="1+#ppt_h/2"/>
-                                          </p:val>
-                                        </p:tav>
-                                        <p:tav tm="100000">
-                                          <p:val>
-                                            <p:strVal val="#ppt_y"/>
-                                          </p:val>
-                                        </p:tav>
-                                      </p:tavLst>
-                                    </p:anim>
-                                  </p:childTnLst>
-                                </p:cTn>
-                              </p:par>
-                            </p:childTnLst>
-                          </p:cTn>
-                        </p:par>
-                      </p:childTnLst>
-                    </p:cTn>
-                  </p:par>
-                </p:childTnLst>
-              </p:cTn>
-              <p:prevCondLst>
-                <p:cond evt="onPrev" delay="0">
-                  <p:tgtEl>
-                    <p:sldTgt/>
-                  </p:tgtEl>
-                </p:cond>
-              </p:prevCondLst>
-              <p:nextCondLst>
-                <p:cond evt="onNext" delay="0">
-                  <p:tgtEl>
-                    <p:sldTgt/>
-                  </p:tgtEl>
-                </p:cond>
-              </p:nextCondLst>
-            </p:seq>
-          </p:childTnLst>
-        </p:cTn>
+        <p:cTn xmlns:p14="http://schemas.microsoft.com/office/powerpoint/2010/main" id="1" dur="indefinite" restart="never" nodeType="tmRoot"/>
       </p:par>
     </p:tnLst>
   </p:timing>
@@ -33342,6 +29465,13 @@
   <p:transition xmlns:p14="http://schemas.microsoft.com/office/powerpoint/2010/main">
     <p:fade/>
   </p:transition>
+  <p:timing>
+    <p:tnLst>
+      <p:par>
+        <p:cTn xmlns:p14="http://schemas.microsoft.com/office/powerpoint/2010/main" id="1" dur="indefinite" restart="never" nodeType="tmRoot"/>
+      </p:par>
+    </p:tnLst>
+  </p:timing>
 </p:sld>
 </file>
 
@@ -34484,6 +30614,13 @@
   <p:transition xmlns:p14="http://schemas.microsoft.com/office/powerpoint/2010/main">
     <p:fade/>
   </p:transition>
+  <p:timing>
+    <p:tnLst>
+      <p:par>
+        <p:cTn xmlns:p14="http://schemas.microsoft.com/office/powerpoint/2010/main" id="1" dur="indefinite" restart="never" nodeType="tmRoot"/>
+      </p:par>
+    </p:tnLst>
+  </p:timing>
 </p:sld>
 </file>
 
@@ -34559,8 +30696,8 @@
         </p:nvSpPr>
         <p:spPr>
           <a:xfrm>
-            <a:off x="196495" y="1045287"/>
-            <a:ext cx="8947505" cy="3520881"/>
+            <a:off x="196495" y="863601"/>
+            <a:ext cx="8947505" cy="3702568"/>
           </a:xfrm>
           <a:prstGeom prst="rect">
             <a:avLst/>
@@ -34745,6 +30882,10 @@
               <a:rPr lang="en-US" sz="1800" dirty="0" smtClean="0"/>
               <a:t>models” </a:t>
             </a:r>
+            <a:endParaRPr lang="en-US" sz="1800" dirty="0" smtClean="0"/>
+          </a:p>
+          <a:p>
+            <a:endParaRPr lang="en-US" sz="1800" dirty="0" smtClean="0"/>
           </a:p>
           <a:p>
             <a:r>
@@ -35358,6 +31499,13 @@
   <p:transition xmlns:p14="http://schemas.microsoft.com/office/powerpoint/2010/main">
     <p:fade/>
   </p:transition>
+  <p:timing>
+    <p:tnLst>
+      <p:par>
+        <p:cTn xmlns:p14="http://schemas.microsoft.com/office/powerpoint/2010/main" id="1" dur="indefinite" restart="never" nodeType="tmRoot"/>
+      </p:par>
+    </p:tnLst>
+  </p:timing>
 </p:sld>
 </file>
 
@@ -35386,7 +31534,7 @@
         </p:nvSpPr>
         <p:spPr>
           <a:xfrm>
-            <a:off x="6934200" y="782638"/>
+            <a:off x="6649720" y="579438"/>
             <a:ext cx="1987550" cy="627062"/>
           </a:xfrm>
           <a:prstGeom prst="rect">
@@ -37500,8 +33648,8 @@
         </p:nvSpPr>
         <p:spPr bwMode="auto">
           <a:xfrm>
-            <a:off x="7200900" y="820738"/>
-            <a:ext cx="1536700" cy="461962"/>
+            <a:off x="6946900" y="658178"/>
+            <a:ext cx="1536700" cy="461665"/>
           </a:xfrm>
           <a:prstGeom prst="rect">
             <a:avLst/>
@@ -37645,13 +33793,29 @@
           <a:p>
             <a:pPr algn="ctr" eaLnBrk="1" hangingPunct="1"/>
             <a:r>
-              <a:rPr lang="en-US" sz="1200">
+              <a:rPr lang="en-US" sz="1200" dirty="0" smtClean="0">
                 <a:solidFill>
                   <a:schemeClr val="bg2"/>
                 </a:solidFill>
               </a:rPr>
-              <a:t>Secondary NameNode</a:t>
-            </a:r>
+              <a:t>Standby</a:t>
+            </a:r>
+          </a:p>
+          <a:p>
+            <a:pPr algn="ctr" eaLnBrk="1" hangingPunct="1"/>
+            <a:r>
+              <a:rPr lang="en-US" sz="1200" dirty="0" err="1" smtClean="0">
+                <a:solidFill>
+                  <a:schemeClr val="bg2"/>
+                </a:solidFill>
+              </a:rPr>
+              <a:t>NameNode</a:t>
+            </a:r>
+            <a:endParaRPr lang="en-US" sz="1200" dirty="0">
+              <a:solidFill>
+                <a:schemeClr val="bg2"/>
+              </a:solidFill>
+            </a:endParaRPr>
           </a:p>
         </p:txBody>
       </p:sp>
@@ -38199,1024 +34363,7 @@
   <p:timing>
     <p:tnLst>
       <p:par>
-        <p:cTn xmlns:p14="http://schemas.microsoft.com/office/powerpoint/2010/main" id="1" dur="indefinite" restart="never" nodeType="tmRoot">
-          <p:childTnLst>
-            <p:seq concurrent="1" nextAc="seek">
-              <p:cTn id="2" dur="indefinite" nodeType="mainSeq">
-                <p:childTnLst>
-                  <p:par>
-                    <p:cTn id="3" fill="hold">
-                      <p:stCondLst>
-                        <p:cond delay="indefinite"/>
-                      </p:stCondLst>
-                      <p:childTnLst>
-                        <p:par>
-                          <p:cTn id="4" fill="hold">
-                            <p:stCondLst>
-                              <p:cond delay="0"/>
-                            </p:stCondLst>
-                            <p:childTnLst>
-                              <p:par>
-                                <p:cTn id="5" presetID="2" presetClass="entr" presetSubtype="4" fill="hold" nodeType="clickEffect">
-                                  <p:stCondLst>
-                                    <p:cond delay="0"/>
-                                  </p:stCondLst>
-                                  <p:childTnLst>
-                                    <p:set>
-                                      <p:cBhvr>
-                                        <p:cTn id="6" dur="1" fill="hold">
-                                          <p:stCondLst>
-                                            <p:cond delay="0"/>
-                                          </p:stCondLst>
-                                        </p:cTn>
-                                        <p:tgtEl>
-                                          <p:spTgt spid="15">
-                                            <p:txEl>
-                                              <p:pRg st="1" end="1"/>
-                                            </p:txEl>
-                                          </p:spTgt>
-                                        </p:tgtEl>
-                                        <p:attrNameLst>
-                                          <p:attrName>style.visibility</p:attrName>
-                                        </p:attrNameLst>
-                                      </p:cBhvr>
-                                      <p:to>
-                                        <p:strVal val="visible"/>
-                                      </p:to>
-                                    </p:set>
-                                    <p:anim calcmode="lin" valueType="num">
-                                      <p:cBhvr additive="base">
-                                        <p:cTn id="7" dur="500" fill="hold"/>
-                                        <p:tgtEl>
-                                          <p:spTgt spid="15">
-                                            <p:txEl>
-                                              <p:pRg st="1" end="1"/>
-                                            </p:txEl>
-                                          </p:spTgt>
-                                        </p:tgtEl>
-                                        <p:attrNameLst>
-                                          <p:attrName>ppt_x</p:attrName>
-                                        </p:attrNameLst>
-                                      </p:cBhvr>
-                                      <p:tavLst>
-                                        <p:tav tm="0">
-                                          <p:val>
-                                            <p:strVal val="#ppt_x"/>
-                                          </p:val>
-                                        </p:tav>
-                                        <p:tav tm="100000">
-                                          <p:val>
-                                            <p:strVal val="#ppt_x"/>
-                                          </p:val>
-                                        </p:tav>
-                                      </p:tavLst>
-                                    </p:anim>
-                                    <p:anim calcmode="lin" valueType="num">
-                                      <p:cBhvr additive="base">
-                                        <p:cTn id="8" dur="500" fill="hold"/>
-                                        <p:tgtEl>
-                                          <p:spTgt spid="15">
-                                            <p:txEl>
-                                              <p:pRg st="1" end="1"/>
-                                            </p:txEl>
-                                          </p:spTgt>
-                                        </p:tgtEl>
-                                        <p:attrNameLst>
-                                          <p:attrName>ppt_y</p:attrName>
-                                        </p:attrNameLst>
-                                      </p:cBhvr>
-                                      <p:tavLst>
-                                        <p:tav tm="0">
-                                          <p:val>
-                                            <p:strVal val="1+#ppt_h/2"/>
-                                          </p:val>
-                                        </p:tav>
-                                        <p:tav tm="100000">
-                                          <p:val>
-                                            <p:strVal val="#ppt_y"/>
-                                          </p:val>
-                                        </p:tav>
-                                      </p:tavLst>
-                                    </p:anim>
-                                  </p:childTnLst>
-                                </p:cTn>
-                              </p:par>
-                            </p:childTnLst>
-                          </p:cTn>
-                        </p:par>
-                      </p:childTnLst>
-                    </p:cTn>
-                  </p:par>
-                  <p:par>
-                    <p:cTn id="9" fill="hold">
-                      <p:stCondLst>
-                        <p:cond delay="indefinite"/>
-                      </p:stCondLst>
-                      <p:childTnLst>
-                        <p:par>
-                          <p:cTn id="10" fill="hold">
-                            <p:stCondLst>
-                              <p:cond delay="0"/>
-                            </p:stCondLst>
-                            <p:childTnLst>
-                              <p:par>
-                                <p:cTn id="11" presetID="2" presetClass="entr" presetSubtype="4" fill="hold" nodeType="clickEffect">
-                                  <p:stCondLst>
-                                    <p:cond delay="0"/>
-                                  </p:stCondLst>
-                                  <p:childTnLst>
-                                    <p:set>
-                                      <p:cBhvr>
-                                        <p:cTn id="12" dur="1" fill="hold">
-                                          <p:stCondLst>
-                                            <p:cond delay="0"/>
-                                          </p:stCondLst>
-                                        </p:cTn>
-                                        <p:tgtEl>
-                                          <p:spTgt spid="15">
-                                            <p:txEl>
-                                              <p:pRg st="2" end="2"/>
-                                            </p:txEl>
-                                          </p:spTgt>
-                                        </p:tgtEl>
-                                        <p:attrNameLst>
-                                          <p:attrName>style.visibility</p:attrName>
-                                        </p:attrNameLst>
-                                      </p:cBhvr>
-                                      <p:to>
-                                        <p:strVal val="visible"/>
-                                      </p:to>
-                                    </p:set>
-                                    <p:anim calcmode="lin" valueType="num">
-                                      <p:cBhvr additive="base">
-                                        <p:cTn id="13" dur="500" fill="hold"/>
-                                        <p:tgtEl>
-                                          <p:spTgt spid="15">
-                                            <p:txEl>
-                                              <p:pRg st="2" end="2"/>
-                                            </p:txEl>
-                                          </p:spTgt>
-                                        </p:tgtEl>
-                                        <p:attrNameLst>
-                                          <p:attrName>ppt_x</p:attrName>
-                                        </p:attrNameLst>
-                                      </p:cBhvr>
-                                      <p:tavLst>
-                                        <p:tav tm="0">
-                                          <p:val>
-                                            <p:strVal val="#ppt_x"/>
-                                          </p:val>
-                                        </p:tav>
-                                        <p:tav tm="100000">
-                                          <p:val>
-                                            <p:strVal val="#ppt_x"/>
-                                          </p:val>
-                                        </p:tav>
-                                      </p:tavLst>
-                                    </p:anim>
-                                    <p:anim calcmode="lin" valueType="num">
-                                      <p:cBhvr additive="base">
-                                        <p:cTn id="14" dur="500" fill="hold"/>
-                                        <p:tgtEl>
-                                          <p:spTgt spid="15">
-                                            <p:txEl>
-                                              <p:pRg st="2" end="2"/>
-                                            </p:txEl>
-                                          </p:spTgt>
-                                        </p:tgtEl>
-                                        <p:attrNameLst>
-                                          <p:attrName>ppt_y</p:attrName>
-                                        </p:attrNameLst>
-                                      </p:cBhvr>
-                                      <p:tavLst>
-                                        <p:tav tm="0">
-                                          <p:val>
-                                            <p:strVal val="1+#ppt_h/2"/>
-                                          </p:val>
-                                        </p:tav>
-                                        <p:tav tm="100000">
-                                          <p:val>
-                                            <p:strVal val="#ppt_y"/>
-                                          </p:val>
-                                        </p:tav>
-                                      </p:tavLst>
-                                    </p:anim>
-                                  </p:childTnLst>
-                                </p:cTn>
-                              </p:par>
-                            </p:childTnLst>
-                          </p:cTn>
-                        </p:par>
-                      </p:childTnLst>
-                    </p:cTn>
-                  </p:par>
-                  <p:par>
-                    <p:cTn id="15" fill="hold">
-                      <p:stCondLst>
-                        <p:cond delay="indefinite"/>
-                      </p:stCondLst>
-                      <p:childTnLst>
-                        <p:par>
-                          <p:cTn id="16" fill="hold">
-                            <p:stCondLst>
-                              <p:cond delay="0"/>
-                            </p:stCondLst>
-                            <p:childTnLst>
-                              <p:par>
-                                <p:cTn id="17" presetID="2" presetClass="entr" presetSubtype="4" fill="hold" nodeType="clickEffect">
-                                  <p:stCondLst>
-                                    <p:cond delay="0"/>
-                                  </p:stCondLst>
-                                  <p:childTnLst>
-                                    <p:set>
-                                      <p:cBhvr>
-                                        <p:cTn id="18" dur="1" fill="hold">
-                                          <p:stCondLst>
-                                            <p:cond delay="0"/>
-                                          </p:stCondLst>
-                                        </p:cTn>
-                                        <p:tgtEl>
-                                          <p:spTgt spid="15">
-                                            <p:txEl>
-                                              <p:pRg st="3" end="3"/>
-                                            </p:txEl>
-                                          </p:spTgt>
-                                        </p:tgtEl>
-                                        <p:attrNameLst>
-                                          <p:attrName>style.visibility</p:attrName>
-                                        </p:attrNameLst>
-                                      </p:cBhvr>
-                                      <p:to>
-                                        <p:strVal val="visible"/>
-                                      </p:to>
-                                    </p:set>
-                                    <p:anim calcmode="lin" valueType="num">
-                                      <p:cBhvr additive="base">
-                                        <p:cTn id="19" dur="500" fill="hold"/>
-                                        <p:tgtEl>
-                                          <p:spTgt spid="15">
-                                            <p:txEl>
-                                              <p:pRg st="3" end="3"/>
-                                            </p:txEl>
-                                          </p:spTgt>
-                                        </p:tgtEl>
-                                        <p:attrNameLst>
-                                          <p:attrName>ppt_x</p:attrName>
-                                        </p:attrNameLst>
-                                      </p:cBhvr>
-                                      <p:tavLst>
-                                        <p:tav tm="0">
-                                          <p:val>
-                                            <p:strVal val="#ppt_x"/>
-                                          </p:val>
-                                        </p:tav>
-                                        <p:tav tm="100000">
-                                          <p:val>
-                                            <p:strVal val="#ppt_x"/>
-                                          </p:val>
-                                        </p:tav>
-                                      </p:tavLst>
-                                    </p:anim>
-                                    <p:anim calcmode="lin" valueType="num">
-                                      <p:cBhvr additive="base">
-                                        <p:cTn id="20" dur="500" fill="hold"/>
-                                        <p:tgtEl>
-                                          <p:spTgt spid="15">
-                                            <p:txEl>
-                                              <p:pRg st="3" end="3"/>
-                                            </p:txEl>
-                                          </p:spTgt>
-                                        </p:tgtEl>
-                                        <p:attrNameLst>
-                                          <p:attrName>ppt_y</p:attrName>
-                                        </p:attrNameLst>
-                                      </p:cBhvr>
-                                      <p:tavLst>
-                                        <p:tav tm="0">
-                                          <p:val>
-                                            <p:strVal val="1+#ppt_h/2"/>
-                                          </p:val>
-                                        </p:tav>
-                                        <p:tav tm="100000">
-                                          <p:val>
-                                            <p:strVal val="#ppt_y"/>
-                                          </p:val>
-                                        </p:tav>
-                                      </p:tavLst>
-                                    </p:anim>
-                                  </p:childTnLst>
-                                </p:cTn>
-                              </p:par>
-                            </p:childTnLst>
-                          </p:cTn>
-                        </p:par>
-                      </p:childTnLst>
-                    </p:cTn>
-                  </p:par>
-                  <p:par>
-                    <p:cTn id="21" fill="hold">
-                      <p:stCondLst>
-                        <p:cond delay="indefinite"/>
-                      </p:stCondLst>
-                      <p:childTnLst>
-                        <p:par>
-                          <p:cTn id="22" fill="hold">
-                            <p:stCondLst>
-                              <p:cond delay="0"/>
-                            </p:stCondLst>
-                            <p:childTnLst>
-                              <p:par>
-                                <p:cTn id="23" presetID="2" presetClass="entr" presetSubtype="4" fill="hold" nodeType="clickEffect">
-                                  <p:stCondLst>
-                                    <p:cond delay="0"/>
-                                  </p:stCondLst>
-                                  <p:childTnLst>
-                                    <p:set>
-                                      <p:cBhvr>
-                                        <p:cTn id="24" dur="1" fill="hold">
-                                          <p:stCondLst>
-                                            <p:cond delay="0"/>
-                                          </p:stCondLst>
-                                        </p:cTn>
-                                        <p:tgtEl>
-                                          <p:spTgt spid="15">
-                                            <p:txEl>
-                                              <p:pRg st="4" end="4"/>
-                                            </p:txEl>
-                                          </p:spTgt>
-                                        </p:tgtEl>
-                                        <p:attrNameLst>
-                                          <p:attrName>style.visibility</p:attrName>
-                                        </p:attrNameLst>
-                                      </p:cBhvr>
-                                      <p:to>
-                                        <p:strVal val="visible"/>
-                                      </p:to>
-                                    </p:set>
-                                    <p:anim calcmode="lin" valueType="num">
-                                      <p:cBhvr additive="base">
-                                        <p:cTn id="25" dur="500" fill="hold"/>
-                                        <p:tgtEl>
-                                          <p:spTgt spid="15">
-                                            <p:txEl>
-                                              <p:pRg st="4" end="4"/>
-                                            </p:txEl>
-                                          </p:spTgt>
-                                        </p:tgtEl>
-                                        <p:attrNameLst>
-                                          <p:attrName>ppt_x</p:attrName>
-                                        </p:attrNameLst>
-                                      </p:cBhvr>
-                                      <p:tavLst>
-                                        <p:tav tm="0">
-                                          <p:val>
-                                            <p:strVal val="#ppt_x"/>
-                                          </p:val>
-                                        </p:tav>
-                                        <p:tav tm="100000">
-                                          <p:val>
-                                            <p:strVal val="#ppt_x"/>
-                                          </p:val>
-                                        </p:tav>
-                                      </p:tavLst>
-                                    </p:anim>
-                                    <p:anim calcmode="lin" valueType="num">
-                                      <p:cBhvr additive="base">
-                                        <p:cTn id="26" dur="500" fill="hold"/>
-                                        <p:tgtEl>
-                                          <p:spTgt spid="15">
-                                            <p:txEl>
-                                              <p:pRg st="4" end="4"/>
-                                            </p:txEl>
-                                          </p:spTgt>
-                                        </p:tgtEl>
-                                        <p:attrNameLst>
-                                          <p:attrName>ppt_y</p:attrName>
-                                        </p:attrNameLst>
-                                      </p:cBhvr>
-                                      <p:tavLst>
-                                        <p:tav tm="0">
-                                          <p:val>
-                                            <p:strVal val="1+#ppt_h/2"/>
-                                          </p:val>
-                                        </p:tav>
-                                        <p:tav tm="100000">
-                                          <p:val>
-                                            <p:strVal val="#ppt_y"/>
-                                          </p:val>
-                                        </p:tav>
-                                      </p:tavLst>
-                                    </p:anim>
-                                  </p:childTnLst>
-                                </p:cTn>
-                              </p:par>
-                            </p:childTnLst>
-                          </p:cTn>
-                        </p:par>
-                      </p:childTnLst>
-                    </p:cTn>
-                  </p:par>
-                  <p:par>
-                    <p:cTn id="27" fill="hold">
-                      <p:stCondLst>
-                        <p:cond delay="indefinite"/>
-                      </p:stCondLst>
-                      <p:childTnLst>
-                        <p:par>
-                          <p:cTn id="28" fill="hold">
-                            <p:stCondLst>
-                              <p:cond delay="0"/>
-                            </p:stCondLst>
-                            <p:childTnLst>
-                              <p:par>
-                                <p:cTn id="29" presetID="2" presetClass="entr" presetSubtype="4" fill="hold" nodeType="clickEffect">
-                                  <p:stCondLst>
-                                    <p:cond delay="0"/>
-                                  </p:stCondLst>
-                                  <p:childTnLst>
-                                    <p:set>
-                                      <p:cBhvr>
-                                        <p:cTn id="30" dur="1" fill="hold">
-                                          <p:stCondLst>
-                                            <p:cond delay="0"/>
-                                          </p:stCondLst>
-                                        </p:cTn>
-                                        <p:tgtEl>
-                                          <p:spTgt spid="15">
-                                            <p:txEl>
-                                              <p:pRg st="5" end="5"/>
-                                            </p:txEl>
-                                          </p:spTgt>
-                                        </p:tgtEl>
-                                        <p:attrNameLst>
-                                          <p:attrName>style.visibility</p:attrName>
-                                        </p:attrNameLst>
-                                      </p:cBhvr>
-                                      <p:to>
-                                        <p:strVal val="visible"/>
-                                      </p:to>
-                                    </p:set>
-                                    <p:anim calcmode="lin" valueType="num">
-                                      <p:cBhvr additive="base">
-                                        <p:cTn id="31" dur="500" fill="hold"/>
-                                        <p:tgtEl>
-                                          <p:spTgt spid="15">
-                                            <p:txEl>
-                                              <p:pRg st="5" end="5"/>
-                                            </p:txEl>
-                                          </p:spTgt>
-                                        </p:tgtEl>
-                                        <p:attrNameLst>
-                                          <p:attrName>ppt_x</p:attrName>
-                                        </p:attrNameLst>
-                                      </p:cBhvr>
-                                      <p:tavLst>
-                                        <p:tav tm="0">
-                                          <p:val>
-                                            <p:strVal val="#ppt_x"/>
-                                          </p:val>
-                                        </p:tav>
-                                        <p:tav tm="100000">
-                                          <p:val>
-                                            <p:strVal val="#ppt_x"/>
-                                          </p:val>
-                                        </p:tav>
-                                      </p:tavLst>
-                                    </p:anim>
-                                    <p:anim calcmode="lin" valueType="num">
-                                      <p:cBhvr additive="base">
-                                        <p:cTn id="32" dur="500" fill="hold"/>
-                                        <p:tgtEl>
-                                          <p:spTgt spid="15">
-                                            <p:txEl>
-                                              <p:pRg st="5" end="5"/>
-                                            </p:txEl>
-                                          </p:spTgt>
-                                        </p:tgtEl>
-                                        <p:attrNameLst>
-                                          <p:attrName>ppt_y</p:attrName>
-                                        </p:attrNameLst>
-                                      </p:cBhvr>
-                                      <p:tavLst>
-                                        <p:tav tm="0">
-                                          <p:val>
-                                            <p:strVal val="1+#ppt_h/2"/>
-                                          </p:val>
-                                        </p:tav>
-                                        <p:tav tm="100000">
-                                          <p:val>
-                                            <p:strVal val="#ppt_y"/>
-                                          </p:val>
-                                        </p:tav>
-                                      </p:tavLst>
-                                    </p:anim>
-                                  </p:childTnLst>
-                                </p:cTn>
-                              </p:par>
-                            </p:childTnLst>
-                          </p:cTn>
-                        </p:par>
-                      </p:childTnLst>
-                    </p:cTn>
-                  </p:par>
-                  <p:par>
-                    <p:cTn id="33" fill="hold">
-                      <p:stCondLst>
-                        <p:cond delay="indefinite"/>
-                      </p:stCondLst>
-                      <p:childTnLst>
-                        <p:par>
-                          <p:cTn id="34" fill="hold">
-                            <p:stCondLst>
-                              <p:cond delay="0"/>
-                            </p:stCondLst>
-                            <p:childTnLst>
-                              <p:par>
-                                <p:cTn id="35" presetID="2" presetClass="entr" presetSubtype="4" fill="hold" nodeType="clickEffect">
-                                  <p:stCondLst>
-                                    <p:cond delay="0"/>
-                                  </p:stCondLst>
-                                  <p:childTnLst>
-                                    <p:set>
-                                      <p:cBhvr>
-                                        <p:cTn id="36" dur="1" fill="hold">
-                                          <p:stCondLst>
-                                            <p:cond delay="0"/>
-                                          </p:stCondLst>
-                                        </p:cTn>
-                                        <p:tgtEl>
-                                          <p:spTgt spid="15">
-                                            <p:txEl>
-                                              <p:pRg st="6" end="6"/>
-                                            </p:txEl>
-                                          </p:spTgt>
-                                        </p:tgtEl>
-                                        <p:attrNameLst>
-                                          <p:attrName>style.visibility</p:attrName>
-                                        </p:attrNameLst>
-                                      </p:cBhvr>
-                                      <p:to>
-                                        <p:strVal val="visible"/>
-                                      </p:to>
-                                    </p:set>
-                                    <p:anim calcmode="lin" valueType="num">
-                                      <p:cBhvr additive="base">
-                                        <p:cTn id="37" dur="500" fill="hold"/>
-                                        <p:tgtEl>
-                                          <p:spTgt spid="15">
-                                            <p:txEl>
-                                              <p:pRg st="6" end="6"/>
-                                            </p:txEl>
-                                          </p:spTgt>
-                                        </p:tgtEl>
-                                        <p:attrNameLst>
-                                          <p:attrName>ppt_x</p:attrName>
-                                        </p:attrNameLst>
-                                      </p:cBhvr>
-                                      <p:tavLst>
-                                        <p:tav tm="0">
-                                          <p:val>
-                                            <p:strVal val="#ppt_x"/>
-                                          </p:val>
-                                        </p:tav>
-                                        <p:tav tm="100000">
-                                          <p:val>
-                                            <p:strVal val="#ppt_x"/>
-                                          </p:val>
-                                        </p:tav>
-                                      </p:tavLst>
-                                    </p:anim>
-                                    <p:anim calcmode="lin" valueType="num">
-                                      <p:cBhvr additive="base">
-                                        <p:cTn id="38" dur="500" fill="hold"/>
-                                        <p:tgtEl>
-                                          <p:spTgt spid="15">
-                                            <p:txEl>
-                                              <p:pRg st="6" end="6"/>
-                                            </p:txEl>
-                                          </p:spTgt>
-                                        </p:tgtEl>
-                                        <p:attrNameLst>
-                                          <p:attrName>ppt_y</p:attrName>
-                                        </p:attrNameLst>
-                                      </p:cBhvr>
-                                      <p:tavLst>
-                                        <p:tav tm="0">
-                                          <p:val>
-                                            <p:strVal val="1+#ppt_h/2"/>
-                                          </p:val>
-                                        </p:tav>
-                                        <p:tav tm="100000">
-                                          <p:val>
-                                            <p:strVal val="#ppt_y"/>
-                                          </p:val>
-                                        </p:tav>
-                                      </p:tavLst>
-                                    </p:anim>
-                                  </p:childTnLst>
-                                </p:cTn>
-                              </p:par>
-                            </p:childTnLst>
-                          </p:cTn>
-                        </p:par>
-                      </p:childTnLst>
-                    </p:cTn>
-                  </p:par>
-                  <p:par>
-                    <p:cTn id="39" fill="hold">
-                      <p:stCondLst>
-                        <p:cond delay="indefinite"/>
-                      </p:stCondLst>
-                      <p:childTnLst>
-                        <p:par>
-                          <p:cTn id="40" fill="hold">
-                            <p:stCondLst>
-                              <p:cond delay="0"/>
-                            </p:stCondLst>
-                            <p:childTnLst>
-                              <p:par>
-                                <p:cTn id="41" presetID="2" presetClass="entr" presetSubtype="4" fill="hold" nodeType="clickEffect">
-                                  <p:stCondLst>
-                                    <p:cond delay="0"/>
-                                  </p:stCondLst>
-                                  <p:childTnLst>
-                                    <p:set>
-                                      <p:cBhvr>
-                                        <p:cTn id="42" dur="1" fill="hold">
-                                          <p:stCondLst>
-                                            <p:cond delay="0"/>
-                                          </p:stCondLst>
-                                        </p:cTn>
-                                        <p:tgtEl>
-                                          <p:spTgt spid="15">
-                                            <p:txEl>
-                                              <p:pRg st="7" end="7"/>
-                                            </p:txEl>
-                                          </p:spTgt>
-                                        </p:tgtEl>
-                                        <p:attrNameLst>
-                                          <p:attrName>style.visibility</p:attrName>
-                                        </p:attrNameLst>
-                                      </p:cBhvr>
-                                      <p:to>
-                                        <p:strVal val="visible"/>
-                                      </p:to>
-                                    </p:set>
-                                    <p:anim calcmode="lin" valueType="num">
-                                      <p:cBhvr additive="base">
-                                        <p:cTn id="43" dur="500" fill="hold"/>
-                                        <p:tgtEl>
-                                          <p:spTgt spid="15">
-                                            <p:txEl>
-                                              <p:pRg st="7" end="7"/>
-                                            </p:txEl>
-                                          </p:spTgt>
-                                        </p:tgtEl>
-                                        <p:attrNameLst>
-                                          <p:attrName>ppt_x</p:attrName>
-                                        </p:attrNameLst>
-                                      </p:cBhvr>
-                                      <p:tavLst>
-                                        <p:tav tm="0">
-                                          <p:val>
-                                            <p:strVal val="#ppt_x"/>
-                                          </p:val>
-                                        </p:tav>
-                                        <p:tav tm="100000">
-                                          <p:val>
-                                            <p:strVal val="#ppt_x"/>
-                                          </p:val>
-                                        </p:tav>
-                                      </p:tavLst>
-                                    </p:anim>
-                                    <p:anim calcmode="lin" valueType="num">
-                                      <p:cBhvr additive="base">
-                                        <p:cTn id="44" dur="500" fill="hold"/>
-                                        <p:tgtEl>
-                                          <p:spTgt spid="15">
-                                            <p:txEl>
-                                              <p:pRg st="7" end="7"/>
-                                            </p:txEl>
-                                          </p:spTgt>
-                                        </p:tgtEl>
-                                        <p:attrNameLst>
-                                          <p:attrName>ppt_y</p:attrName>
-                                        </p:attrNameLst>
-                                      </p:cBhvr>
-                                      <p:tavLst>
-                                        <p:tav tm="0">
-                                          <p:val>
-                                            <p:strVal val="1+#ppt_h/2"/>
-                                          </p:val>
-                                        </p:tav>
-                                        <p:tav tm="100000">
-                                          <p:val>
-                                            <p:strVal val="#ppt_y"/>
-                                          </p:val>
-                                        </p:tav>
-                                      </p:tavLst>
-                                    </p:anim>
-                                  </p:childTnLst>
-                                </p:cTn>
-                              </p:par>
-                            </p:childTnLst>
-                          </p:cTn>
-                        </p:par>
-                      </p:childTnLst>
-                    </p:cTn>
-                  </p:par>
-                  <p:par>
-                    <p:cTn id="45" fill="hold">
-                      <p:stCondLst>
-                        <p:cond delay="indefinite"/>
-                      </p:stCondLst>
-                      <p:childTnLst>
-                        <p:par>
-                          <p:cTn id="46" fill="hold">
-                            <p:stCondLst>
-                              <p:cond delay="0"/>
-                            </p:stCondLst>
-                            <p:childTnLst>
-                              <p:par>
-                                <p:cTn id="47" presetID="2" presetClass="entr" presetSubtype="4" fill="hold" nodeType="clickEffect">
-                                  <p:stCondLst>
-                                    <p:cond delay="0"/>
-                                  </p:stCondLst>
-                                  <p:childTnLst>
-                                    <p:set>
-                                      <p:cBhvr>
-                                        <p:cTn id="48" dur="1" fill="hold">
-                                          <p:stCondLst>
-                                            <p:cond delay="0"/>
-                                          </p:stCondLst>
-                                        </p:cTn>
-                                        <p:tgtEl>
-                                          <p:spTgt spid="15">
-                                            <p:txEl>
-                                              <p:pRg st="8" end="8"/>
-                                            </p:txEl>
-                                          </p:spTgt>
-                                        </p:tgtEl>
-                                        <p:attrNameLst>
-                                          <p:attrName>style.visibility</p:attrName>
-                                        </p:attrNameLst>
-                                      </p:cBhvr>
-                                      <p:to>
-                                        <p:strVal val="visible"/>
-                                      </p:to>
-                                    </p:set>
-                                    <p:anim calcmode="lin" valueType="num">
-                                      <p:cBhvr additive="base">
-                                        <p:cTn id="49" dur="500" fill="hold"/>
-                                        <p:tgtEl>
-                                          <p:spTgt spid="15">
-                                            <p:txEl>
-                                              <p:pRg st="8" end="8"/>
-                                            </p:txEl>
-                                          </p:spTgt>
-                                        </p:tgtEl>
-                                        <p:attrNameLst>
-                                          <p:attrName>ppt_x</p:attrName>
-                                        </p:attrNameLst>
-                                      </p:cBhvr>
-                                      <p:tavLst>
-                                        <p:tav tm="0">
-                                          <p:val>
-                                            <p:strVal val="#ppt_x"/>
-                                          </p:val>
-                                        </p:tav>
-                                        <p:tav tm="100000">
-                                          <p:val>
-                                            <p:strVal val="#ppt_x"/>
-                                          </p:val>
-                                        </p:tav>
-                                      </p:tavLst>
-                                    </p:anim>
-                                    <p:anim calcmode="lin" valueType="num">
-                                      <p:cBhvr additive="base">
-                                        <p:cTn id="50" dur="500" fill="hold"/>
-                                        <p:tgtEl>
-                                          <p:spTgt spid="15">
-                                            <p:txEl>
-                                              <p:pRg st="8" end="8"/>
-                                            </p:txEl>
-                                          </p:spTgt>
-                                        </p:tgtEl>
-                                        <p:attrNameLst>
-                                          <p:attrName>ppt_y</p:attrName>
-                                        </p:attrNameLst>
-                                      </p:cBhvr>
-                                      <p:tavLst>
-                                        <p:tav tm="0">
-                                          <p:val>
-                                            <p:strVal val="1+#ppt_h/2"/>
-                                          </p:val>
-                                        </p:tav>
-                                        <p:tav tm="100000">
-                                          <p:val>
-                                            <p:strVal val="#ppt_y"/>
-                                          </p:val>
-                                        </p:tav>
-                                      </p:tavLst>
-                                    </p:anim>
-                                  </p:childTnLst>
-                                </p:cTn>
-                              </p:par>
-                              <p:par>
-                                <p:cTn id="51" presetID="2" presetClass="entr" presetSubtype="4" fill="hold" nodeType="withEffect">
-                                  <p:stCondLst>
-                                    <p:cond delay="0"/>
-                                  </p:stCondLst>
-                                  <p:childTnLst>
-                                    <p:set>
-                                      <p:cBhvr>
-                                        <p:cTn id="52" dur="1" fill="hold">
-                                          <p:stCondLst>
-                                            <p:cond delay="0"/>
-                                          </p:stCondLst>
-                                        </p:cTn>
-                                        <p:tgtEl>
-                                          <p:spTgt spid="15">
-                                            <p:txEl>
-                                              <p:pRg st="9" end="9"/>
-                                            </p:txEl>
-                                          </p:spTgt>
-                                        </p:tgtEl>
-                                        <p:attrNameLst>
-                                          <p:attrName>style.visibility</p:attrName>
-                                        </p:attrNameLst>
-                                      </p:cBhvr>
-                                      <p:to>
-                                        <p:strVal val="visible"/>
-                                      </p:to>
-                                    </p:set>
-                                    <p:anim calcmode="lin" valueType="num">
-                                      <p:cBhvr additive="base">
-                                        <p:cTn id="53" dur="500" fill="hold"/>
-                                        <p:tgtEl>
-                                          <p:spTgt spid="15">
-                                            <p:txEl>
-                                              <p:pRg st="9" end="9"/>
-                                            </p:txEl>
-                                          </p:spTgt>
-                                        </p:tgtEl>
-                                        <p:attrNameLst>
-                                          <p:attrName>ppt_x</p:attrName>
-                                        </p:attrNameLst>
-                                      </p:cBhvr>
-                                      <p:tavLst>
-                                        <p:tav tm="0">
-                                          <p:val>
-                                            <p:strVal val="#ppt_x"/>
-                                          </p:val>
-                                        </p:tav>
-                                        <p:tav tm="100000">
-                                          <p:val>
-                                            <p:strVal val="#ppt_x"/>
-                                          </p:val>
-                                        </p:tav>
-                                      </p:tavLst>
-                                    </p:anim>
-                                    <p:anim calcmode="lin" valueType="num">
-                                      <p:cBhvr additive="base">
-                                        <p:cTn id="54" dur="500" fill="hold"/>
-                                        <p:tgtEl>
-                                          <p:spTgt spid="15">
-                                            <p:txEl>
-                                              <p:pRg st="9" end="9"/>
-                                            </p:txEl>
-                                          </p:spTgt>
-                                        </p:tgtEl>
-                                        <p:attrNameLst>
-                                          <p:attrName>ppt_y</p:attrName>
-                                        </p:attrNameLst>
-                                      </p:cBhvr>
-                                      <p:tavLst>
-                                        <p:tav tm="0">
-                                          <p:val>
-                                            <p:strVal val="1+#ppt_h/2"/>
-                                          </p:val>
-                                        </p:tav>
-                                        <p:tav tm="100000">
-                                          <p:val>
-                                            <p:strVal val="#ppt_y"/>
-                                          </p:val>
-                                        </p:tav>
-                                      </p:tavLst>
-                                    </p:anim>
-                                  </p:childTnLst>
-                                </p:cTn>
-                              </p:par>
-                              <p:par>
-                                <p:cTn id="55" presetID="2" presetClass="entr" presetSubtype="4" fill="hold" nodeType="withEffect">
-                                  <p:stCondLst>
-                                    <p:cond delay="0"/>
-                                  </p:stCondLst>
-                                  <p:childTnLst>
-                                    <p:set>
-                                      <p:cBhvr>
-                                        <p:cTn id="56" dur="1" fill="hold">
-                                          <p:stCondLst>
-                                            <p:cond delay="0"/>
-                                          </p:stCondLst>
-                                        </p:cTn>
-                                        <p:tgtEl>
-                                          <p:spTgt spid="15">
-                                            <p:txEl>
-                                              <p:pRg st="10" end="10"/>
-                                            </p:txEl>
-                                          </p:spTgt>
-                                        </p:tgtEl>
-                                        <p:attrNameLst>
-                                          <p:attrName>style.visibility</p:attrName>
-                                        </p:attrNameLst>
-                                      </p:cBhvr>
-                                      <p:to>
-                                        <p:strVal val="visible"/>
-                                      </p:to>
-                                    </p:set>
-                                    <p:anim calcmode="lin" valueType="num">
-                                      <p:cBhvr additive="base">
-                                        <p:cTn id="57" dur="500" fill="hold"/>
-                                        <p:tgtEl>
-                                          <p:spTgt spid="15">
-                                            <p:txEl>
-                                              <p:pRg st="10" end="10"/>
-                                            </p:txEl>
-                                          </p:spTgt>
-                                        </p:tgtEl>
-                                        <p:attrNameLst>
-                                          <p:attrName>ppt_x</p:attrName>
-                                        </p:attrNameLst>
-                                      </p:cBhvr>
-                                      <p:tavLst>
-                                        <p:tav tm="0">
-                                          <p:val>
-                                            <p:strVal val="#ppt_x"/>
-                                          </p:val>
-                                        </p:tav>
-                                        <p:tav tm="100000">
-                                          <p:val>
-                                            <p:strVal val="#ppt_x"/>
-                                          </p:val>
-                                        </p:tav>
-                                      </p:tavLst>
-                                    </p:anim>
-                                    <p:anim calcmode="lin" valueType="num">
-                                      <p:cBhvr additive="base">
-                                        <p:cTn id="58" dur="500" fill="hold"/>
-                                        <p:tgtEl>
-                                          <p:spTgt spid="15">
-                                            <p:txEl>
-                                              <p:pRg st="10" end="10"/>
-                                            </p:txEl>
-                                          </p:spTgt>
-                                        </p:tgtEl>
-                                        <p:attrNameLst>
-                                          <p:attrName>ppt_y</p:attrName>
-                                        </p:attrNameLst>
-                                      </p:cBhvr>
-                                      <p:tavLst>
-                                        <p:tav tm="0">
-                                          <p:val>
-                                            <p:strVal val="1+#ppt_h/2"/>
-                                          </p:val>
-                                        </p:tav>
-                                        <p:tav tm="100000">
-                                          <p:val>
-                                            <p:strVal val="#ppt_y"/>
-                                          </p:val>
-                                        </p:tav>
-                                      </p:tavLst>
-                                    </p:anim>
-                                  </p:childTnLst>
-                                </p:cTn>
-                              </p:par>
-                            </p:childTnLst>
-                          </p:cTn>
-                        </p:par>
-                      </p:childTnLst>
-                    </p:cTn>
-                  </p:par>
-                </p:childTnLst>
-              </p:cTn>
-              <p:prevCondLst>
-                <p:cond evt="onPrev" delay="0">
-                  <p:tgtEl>
-                    <p:sldTgt/>
-                  </p:tgtEl>
-                </p:cond>
-              </p:prevCondLst>
-              <p:nextCondLst>
-                <p:cond evt="onNext" delay="0">
-                  <p:tgtEl>
-                    <p:sldTgt/>
-                  </p:tgtEl>
-                </p:cond>
-              </p:nextCondLst>
-            </p:seq>
-          </p:childTnLst>
-        </p:cTn>
+        <p:cTn xmlns:p14="http://schemas.microsoft.com/office/powerpoint/2010/main" id="1" dur="indefinite" restart="never" nodeType="tmRoot"/>
       </p:par>
     </p:tnLst>
   </p:timing>
